--- a/Presentation.pptx
+++ b/Presentation.pptx
@@ -5,7 +5,7 @@
     <p:sldMasterId id="2147483648" r:id="rId1"/>
   </p:sldMasterIdLst>
   <p:notesMasterIdLst>
-    <p:notesMasterId r:id="rId13"/>
+    <p:notesMasterId r:id="rId14"/>
   </p:notesMasterIdLst>
   <p:sldIdLst>
     <p:sldId id="256" r:id="rId2"/>
@@ -13,12 +13,13 @@
     <p:sldId id="258" r:id="rId4"/>
     <p:sldId id="261" r:id="rId5"/>
     <p:sldId id="265" r:id="rId6"/>
-    <p:sldId id="259" r:id="rId7"/>
-    <p:sldId id="266" r:id="rId8"/>
-    <p:sldId id="262" r:id="rId9"/>
-    <p:sldId id="264" r:id="rId10"/>
-    <p:sldId id="263" r:id="rId11"/>
-    <p:sldId id="260" r:id="rId12"/>
+    <p:sldId id="266" r:id="rId7"/>
+    <p:sldId id="267" r:id="rId8"/>
+    <p:sldId id="259" r:id="rId9"/>
+    <p:sldId id="262" r:id="rId10"/>
+    <p:sldId id="264" r:id="rId11"/>
+    <p:sldId id="263" r:id="rId12"/>
+    <p:sldId id="260" r:id="rId13"/>
   </p:sldIdLst>
   <p:sldSz cx="12192000" cy="6858000"/>
   <p:notesSz cx="6858000" cy="9144000"/>
@@ -117,7 +118,6509 @@
       </a:defRPr>
     </a:lvl9pPr>
   </p:defaultTextStyle>
+  <p:extLst>
+    <p:ext uri="{EFAFB233-063F-42B5-8137-9DF3F51BA10A}">
+      <p15:sldGuideLst xmlns:p15="http://schemas.microsoft.com/office/powerpoint/2012/main"/>
+    </p:ext>
+  </p:extLst>
 </p:presentation>
+</file>
+
+<file path=ppt/diagrams/colors1.xml><?xml version="1.0" encoding="utf-8"?>
+<dgm:colorsDef xmlns:dgm="http://schemas.openxmlformats.org/drawingml/2006/diagram" xmlns:a="http://schemas.openxmlformats.org/drawingml/2006/main" uniqueId="urn:microsoft.com/office/officeart/2005/8/colors/accent1_2">
+  <dgm:title val=""/>
+  <dgm:desc val=""/>
+  <dgm:catLst>
+    <dgm:cat type="accent1" pri="11200"/>
+  </dgm:catLst>
+  <dgm:styleLbl name="node0">
+    <dgm:fillClrLst meth="repeat">
+      <a:schemeClr val="accent1"/>
+    </dgm:fillClrLst>
+    <dgm:linClrLst meth="repeat">
+      <a:schemeClr val="lt1"/>
+    </dgm:linClrLst>
+    <dgm:effectClrLst/>
+    <dgm:txLinClrLst/>
+    <dgm:txFillClrLst/>
+    <dgm:txEffectClrLst/>
+  </dgm:styleLbl>
+  <dgm:styleLbl name="alignNode1">
+    <dgm:fillClrLst meth="repeat">
+      <a:schemeClr val="accent1"/>
+    </dgm:fillClrLst>
+    <dgm:linClrLst meth="repeat">
+      <a:schemeClr val="accent1"/>
+    </dgm:linClrLst>
+    <dgm:effectClrLst/>
+    <dgm:txLinClrLst/>
+    <dgm:txFillClrLst/>
+    <dgm:txEffectClrLst/>
+  </dgm:styleLbl>
+  <dgm:styleLbl name="node1">
+    <dgm:fillClrLst meth="repeat">
+      <a:schemeClr val="accent1"/>
+    </dgm:fillClrLst>
+    <dgm:linClrLst meth="repeat">
+      <a:schemeClr val="lt1"/>
+    </dgm:linClrLst>
+    <dgm:effectClrLst/>
+    <dgm:txLinClrLst/>
+    <dgm:txFillClrLst/>
+    <dgm:txEffectClrLst/>
+  </dgm:styleLbl>
+  <dgm:styleLbl name="lnNode1">
+    <dgm:fillClrLst meth="repeat">
+      <a:schemeClr val="accent1"/>
+    </dgm:fillClrLst>
+    <dgm:linClrLst meth="repeat">
+      <a:schemeClr val="lt1"/>
+    </dgm:linClrLst>
+    <dgm:effectClrLst/>
+    <dgm:txLinClrLst/>
+    <dgm:txFillClrLst/>
+    <dgm:txEffectClrLst/>
+  </dgm:styleLbl>
+  <dgm:styleLbl name="vennNode1">
+    <dgm:fillClrLst meth="repeat">
+      <a:schemeClr val="accent1">
+        <a:alpha val="50000"/>
+      </a:schemeClr>
+    </dgm:fillClrLst>
+    <dgm:linClrLst meth="repeat">
+      <a:schemeClr val="lt1"/>
+    </dgm:linClrLst>
+    <dgm:effectClrLst/>
+    <dgm:txLinClrLst/>
+    <dgm:txFillClrLst/>
+    <dgm:txEffectClrLst/>
+  </dgm:styleLbl>
+  <dgm:styleLbl name="node2">
+    <dgm:fillClrLst meth="repeat">
+      <a:schemeClr val="accent1"/>
+    </dgm:fillClrLst>
+    <dgm:linClrLst meth="repeat">
+      <a:schemeClr val="lt1"/>
+    </dgm:linClrLst>
+    <dgm:effectClrLst/>
+    <dgm:txLinClrLst/>
+    <dgm:txFillClrLst/>
+    <dgm:txEffectClrLst/>
+  </dgm:styleLbl>
+  <dgm:styleLbl name="node3">
+    <dgm:fillClrLst meth="repeat">
+      <a:schemeClr val="accent1"/>
+    </dgm:fillClrLst>
+    <dgm:linClrLst meth="repeat">
+      <a:schemeClr val="lt1"/>
+    </dgm:linClrLst>
+    <dgm:effectClrLst/>
+    <dgm:txLinClrLst/>
+    <dgm:txFillClrLst/>
+    <dgm:txEffectClrLst/>
+  </dgm:styleLbl>
+  <dgm:styleLbl name="node4">
+    <dgm:fillClrLst meth="repeat">
+      <a:schemeClr val="accent1"/>
+    </dgm:fillClrLst>
+    <dgm:linClrLst meth="repeat">
+      <a:schemeClr val="lt1"/>
+    </dgm:linClrLst>
+    <dgm:effectClrLst/>
+    <dgm:txLinClrLst/>
+    <dgm:txFillClrLst/>
+    <dgm:txEffectClrLst/>
+  </dgm:styleLbl>
+  <dgm:styleLbl name="fgImgPlace1">
+    <dgm:fillClrLst meth="repeat">
+      <a:schemeClr val="accent1">
+        <a:tint val="50000"/>
+      </a:schemeClr>
+    </dgm:fillClrLst>
+    <dgm:linClrLst meth="repeat">
+      <a:schemeClr val="lt1"/>
+    </dgm:linClrLst>
+    <dgm:effectClrLst/>
+    <dgm:txLinClrLst/>
+    <dgm:txFillClrLst meth="repeat">
+      <a:schemeClr val="lt1"/>
+    </dgm:txFillClrLst>
+    <dgm:txEffectClrLst/>
+  </dgm:styleLbl>
+  <dgm:styleLbl name="alignImgPlace1">
+    <dgm:fillClrLst meth="repeat">
+      <a:schemeClr val="accent1">
+        <a:tint val="50000"/>
+      </a:schemeClr>
+    </dgm:fillClrLst>
+    <dgm:linClrLst meth="repeat">
+      <a:schemeClr val="lt1"/>
+    </dgm:linClrLst>
+    <dgm:effectClrLst/>
+    <dgm:txLinClrLst/>
+    <dgm:txFillClrLst meth="repeat">
+      <a:schemeClr val="lt1"/>
+    </dgm:txFillClrLst>
+    <dgm:txEffectClrLst/>
+  </dgm:styleLbl>
+  <dgm:styleLbl name="bgImgPlace1">
+    <dgm:fillClrLst meth="repeat">
+      <a:schemeClr val="accent1">
+        <a:tint val="50000"/>
+      </a:schemeClr>
+    </dgm:fillClrLst>
+    <dgm:linClrLst meth="repeat">
+      <a:schemeClr val="lt1"/>
+    </dgm:linClrLst>
+    <dgm:effectClrLst/>
+    <dgm:txLinClrLst/>
+    <dgm:txFillClrLst meth="repeat">
+      <a:schemeClr val="lt1"/>
+    </dgm:txFillClrLst>
+    <dgm:txEffectClrLst/>
+  </dgm:styleLbl>
+  <dgm:styleLbl name="sibTrans2D1">
+    <dgm:fillClrLst meth="repeat">
+      <a:schemeClr val="accent1">
+        <a:tint val="60000"/>
+      </a:schemeClr>
+    </dgm:fillClrLst>
+    <dgm:linClrLst meth="repeat">
+      <a:schemeClr val="accent1">
+        <a:tint val="60000"/>
+      </a:schemeClr>
+    </dgm:linClrLst>
+    <dgm:effectClrLst/>
+    <dgm:txLinClrLst/>
+    <dgm:txFillClrLst/>
+    <dgm:txEffectClrLst/>
+  </dgm:styleLbl>
+  <dgm:styleLbl name="fgSibTrans2D1">
+    <dgm:fillClrLst meth="repeat">
+      <a:schemeClr val="accent1">
+        <a:tint val="60000"/>
+      </a:schemeClr>
+    </dgm:fillClrLst>
+    <dgm:linClrLst meth="repeat">
+      <a:schemeClr val="accent1">
+        <a:tint val="60000"/>
+      </a:schemeClr>
+    </dgm:linClrLst>
+    <dgm:effectClrLst/>
+    <dgm:txLinClrLst/>
+    <dgm:txFillClrLst/>
+    <dgm:txEffectClrLst/>
+  </dgm:styleLbl>
+  <dgm:styleLbl name="bgSibTrans2D1">
+    <dgm:fillClrLst meth="repeat">
+      <a:schemeClr val="accent1">
+        <a:tint val="60000"/>
+      </a:schemeClr>
+    </dgm:fillClrLst>
+    <dgm:linClrLst meth="repeat">
+      <a:schemeClr val="accent1">
+        <a:tint val="60000"/>
+      </a:schemeClr>
+    </dgm:linClrLst>
+    <dgm:effectClrLst/>
+    <dgm:txLinClrLst/>
+    <dgm:txFillClrLst/>
+    <dgm:txEffectClrLst/>
+  </dgm:styleLbl>
+  <dgm:styleLbl name="sibTrans1D1">
+    <dgm:fillClrLst meth="repeat">
+      <a:schemeClr val="accent1"/>
+    </dgm:fillClrLst>
+    <dgm:linClrLst meth="repeat">
+      <a:schemeClr val="accent1"/>
+    </dgm:linClrLst>
+    <dgm:effectClrLst/>
+    <dgm:txLinClrLst/>
+    <dgm:txFillClrLst meth="repeat">
+      <a:schemeClr val="tx1"/>
+    </dgm:txFillClrLst>
+    <dgm:txEffectClrLst/>
+  </dgm:styleLbl>
+  <dgm:styleLbl name="callout">
+    <dgm:fillClrLst meth="repeat">
+      <a:schemeClr val="accent1"/>
+    </dgm:fillClrLst>
+    <dgm:linClrLst meth="repeat">
+      <a:schemeClr val="accent1">
+        <a:tint val="50000"/>
+      </a:schemeClr>
+    </dgm:linClrLst>
+    <dgm:effectClrLst/>
+    <dgm:txLinClrLst/>
+    <dgm:txFillClrLst meth="repeat">
+      <a:schemeClr val="tx1"/>
+    </dgm:txFillClrLst>
+    <dgm:txEffectClrLst/>
+  </dgm:styleLbl>
+  <dgm:styleLbl name="asst0">
+    <dgm:fillClrLst meth="repeat">
+      <a:schemeClr val="accent1"/>
+    </dgm:fillClrLst>
+    <dgm:linClrLst meth="repeat">
+      <a:schemeClr val="lt1"/>
+    </dgm:linClrLst>
+    <dgm:effectClrLst/>
+    <dgm:txLinClrLst/>
+    <dgm:txFillClrLst/>
+    <dgm:txEffectClrLst/>
+  </dgm:styleLbl>
+  <dgm:styleLbl name="asst1">
+    <dgm:fillClrLst meth="repeat">
+      <a:schemeClr val="accent1"/>
+    </dgm:fillClrLst>
+    <dgm:linClrLst meth="repeat">
+      <a:schemeClr val="lt1"/>
+    </dgm:linClrLst>
+    <dgm:effectClrLst/>
+    <dgm:txLinClrLst/>
+    <dgm:txFillClrLst/>
+    <dgm:txEffectClrLst/>
+  </dgm:styleLbl>
+  <dgm:styleLbl name="asst2">
+    <dgm:fillClrLst meth="repeat">
+      <a:schemeClr val="accent1"/>
+    </dgm:fillClrLst>
+    <dgm:linClrLst meth="repeat">
+      <a:schemeClr val="lt1"/>
+    </dgm:linClrLst>
+    <dgm:effectClrLst/>
+    <dgm:txLinClrLst/>
+    <dgm:txFillClrLst/>
+    <dgm:txEffectClrLst/>
+  </dgm:styleLbl>
+  <dgm:styleLbl name="asst3">
+    <dgm:fillClrLst meth="repeat">
+      <a:schemeClr val="accent1"/>
+    </dgm:fillClrLst>
+    <dgm:linClrLst meth="repeat">
+      <a:schemeClr val="lt1"/>
+    </dgm:linClrLst>
+    <dgm:effectClrLst/>
+    <dgm:txLinClrLst/>
+    <dgm:txFillClrLst/>
+    <dgm:txEffectClrLst/>
+  </dgm:styleLbl>
+  <dgm:styleLbl name="asst4">
+    <dgm:fillClrLst meth="repeat">
+      <a:schemeClr val="accent1"/>
+    </dgm:fillClrLst>
+    <dgm:linClrLst meth="repeat">
+      <a:schemeClr val="lt1"/>
+    </dgm:linClrLst>
+    <dgm:effectClrLst/>
+    <dgm:txLinClrLst/>
+    <dgm:txFillClrLst/>
+    <dgm:txEffectClrLst/>
+  </dgm:styleLbl>
+  <dgm:styleLbl name="parChTrans2D1">
+    <dgm:fillClrLst meth="repeat">
+      <a:schemeClr val="accent1">
+        <a:tint val="60000"/>
+      </a:schemeClr>
+    </dgm:fillClrLst>
+    <dgm:linClrLst meth="repeat">
+      <a:schemeClr val="accent1">
+        <a:tint val="60000"/>
+      </a:schemeClr>
+    </dgm:linClrLst>
+    <dgm:effectClrLst/>
+    <dgm:txLinClrLst/>
+    <dgm:txFillClrLst meth="repeat">
+      <a:schemeClr val="lt1"/>
+    </dgm:txFillClrLst>
+    <dgm:txEffectClrLst/>
+  </dgm:styleLbl>
+  <dgm:styleLbl name="parChTrans2D2">
+    <dgm:fillClrLst meth="repeat">
+      <a:schemeClr val="accent1"/>
+    </dgm:fillClrLst>
+    <dgm:linClrLst meth="repeat">
+      <a:schemeClr val="accent1"/>
+    </dgm:linClrLst>
+    <dgm:effectClrLst/>
+    <dgm:txLinClrLst/>
+    <dgm:txFillClrLst meth="repeat">
+      <a:schemeClr val="lt1"/>
+    </dgm:txFillClrLst>
+    <dgm:txEffectClrLst/>
+  </dgm:styleLbl>
+  <dgm:styleLbl name="parChTrans2D3">
+    <dgm:fillClrLst meth="repeat">
+      <a:schemeClr val="accent1"/>
+    </dgm:fillClrLst>
+    <dgm:linClrLst meth="repeat">
+      <a:schemeClr val="accent1"/>
+    </dgm:linClrLst>
+    <dgm:effectClrLst/>
+    <dgm:txLinClrLst/>
+    <dgm:txFillClrLst meth="repeat">
+      <a:schemeClr val="lt1"/>
+    </dgm:txFillClrLst>
+    <dgm:txEffectClrLst/>
+  </dgm:styleLbl>
+  <dgm:styleLbl name="parChTrans2D4">
+    <dgm:fillClrLst meth="repeat">
+      <a:schemeClr val="accent1"/>
+    </dgm:fillClrLst>
+    <dgm:linClrLst meth="repeat">
+      <a:schemeClr val="accent1"/>
+    </dgm:linClrLst>
+    <dgm:effectClrLst/>
+    <dgm:txLinClrLst/>
+    <dgm:txFillClrLst meth="repeat">
+      <a:schemeClr val="lt1"/>
+    </dgm:txFillClrLst>
+    <dgm:txEffectClrLst/>
+  </dgm:styleLbl>
+  <dgm:styleLbl name="parChTrans1D1">
+    <dgm:fillClrLst meth="repeat">
+      <a:schemeClr val="accent1"/>
+    </dgm:fillClrLst>
+    <dgm:linClrLst meth="repeat">
+      <a:schemeClr val="accent1">
+        <a:shade val="60000"/>
+      </a:schemeClr>
+    </dgm:linClrLst>
+    <dgm:effectClrLst/>
+    <dgm:txLinClrLst/>
+    <dgm:txFillClrLst meth="repeat">
+      <a:schemeClr val="tx1"/>
+    </dgm:txFillClrLst>
+    <dgm:txEffectClrLst/>
+  </dgm:styleLbl>
+  <dgm:styleLbl name="parChTrans1D2">
+    <dgm:fillClrLst meth="repeat">
+      <a:schemeClr val="accent1"/>
+    </dgm:fillClrLst>
+    <dgm:linClrLst meth="repeat">
+      <a:schemeClr val="accent1">
+        <a:shade val="60000"/>
+      </a:schemeClr>
+    </dgm:linClrLst>
+    <dgm:effectClrLst/>
+    <dgm:txLinClrLst/>
+    <dgm:txFillClrLst meth="repeat">
+      <a:schemeClr val="tx1"/>
+    </dgm:txFillClrLst>
+    <dgm:txEffectClrLst/>
+  </dgm:styleLbl>
+  <dgm:styleLbl name="parChTrans1D3">
+    <dgm:fillClrLst meth="repeat">
+      <a:schemeClr val="accent1"/>
+    </dgm:fillClrLst>
+    <dgm:linClrLst meth="repeat">
+      <a:schemeClr val="accent1">
+        <a:shade val="80000"/>
+      </a:schemeClr>
+    </dgm:linClrLst>
+    <dgm:effectClrLst/>
+    <dgm:txLinClrLst/>
+    <dgm:txFillClrLst meth="repeat">
+      <a:schemeClr val="tx1"/>
+    </dgm:txFillClrLst>
+    <dgm:txEffectClrLst/>
+  </dgm:styleLbl>
+  <dgm:styleLbl name="parChTrans1D4">
+    <dgm:fillClrLst meth="repeat">
+      <a:schemeClr val="accent1"/>
+    </dgm:fillClrLst>
+    <dgm:linClrLst meth="repeat">
+      <a:schemeClr val="accent1">
+        <a:shade val="80000"/>
+      </a:schemeClr>
+    </dgm:linClrLst>
+    <dgm:effectClrLst/>
+    <dgm:txLinClrLst/>
+    <dgm:txFillClrLst meth="repeat">
+      <a:schemeClr val="tx1"/>
+    </dgm:txFillClrLst>
+    <dgm:txEffectClrLst/>
+  </dgm:styleLbl>
+  <dgm:styleLbl name="fgAcc1">
+    <dgm:fillClrLst meth="repeat">
+      <a:schemeClr val="lt1">
+        <a:alpha val="90000"/>
+      </a:schemeClr>
+    </dgm:fillClrLst>
+    <dgm:linClrLst meth="repeat">
+      <a:schemeClr val="accent1"/>
+    </dgm:linClrLst>
+    <dgm:effectClrLst/>
+    <dgm:txLinClrLst/>
+    <dgm:txFillClrLst meth="repeat">
+      <a:schemeClr val="dk1"/>
+    </dgm:txFillClrLst>
+    <dgm:txEffectClrLst/>
+  </dgm:styleLbl>
+  <dgm:styleLbl name="conFgAcc1">
+    <dgm:fillClrLst meth="repeat">
+      <a:schemeClr val="lt1">
+        <a:alpha val="90000"/>
+      </a:schemeClr>
+    </dgm:fillClrLst>
+    <dgm:linClrLst meth="repeat">
+      <a:schemeClr val="accent1"/>
+    </dgm:linClrLst>
+    <dgm:effectClrLst/>
+    <dgm:txLinClrLst/>
+    <dgm:txFillClrLst meth="repeat">
+      <a:schemeClr val="dk1"/>
+    </dgm:txFillClrLst>
+    <dgm:txEffectClrLst/>
+  </dgm:styleLbl>
+  <dgm:styleLbl name="alignAcc1">
+    <dgm:fillClrLst meth="repeat">
+      <a:schemeClr val="lt1">
+        <a:alpha val="90000"/>
+      </a:schemeClr>
+    </dgm:fillClrLst>
+    <dgm:linClrLst meth="repeat">
+      <a:schemeClr val="accent1"/>
+    </dgm:linClrLst>
+    <dgm:effectClrLst/>
+    <dgm:txLinClrLst/>
+    <dgm:txFillClrLst meth="repeat">
+      <a:schemeClr val="dk1"/>
+    </dgm:txFillClrLst>
+    <dgm:txEffectClrLst/>
+  </dgm:styleLbl>
+  <dgm:styleLbl name="trAlignAcc1">
+    <dgm:fillClrLst meth="repeat">
+      <a:schemeClr val="lt1">
+        <a:alpha val="40000"/>
+      </a:schemeClr>
+    </dgm:fillClrLst>
+    <dgm:linClrLst meth="repeat">
+      <a:schemeClr val="accent1"/>
+    </dgm:linClrLst>
+    <dgm:effectClrLst/>
+    <dgm:txLinClrLst/>
+    <dgm:txFillClrLst meth="repeat">
+      <a:schemeClr val="dk1"/>
+    </dgm:txFillClrLst>
+    <dgm:txEffectClrLst/>
+  </dgm:styleLbl>
+  <dgm:styleLbl name="bgAcc1">
+    <dgm:fillClrLst meth="repeat">
+      <a:schemeClr val="lt1">
+        <a:alpha val="90000"/>
+      </a:schemeClr>
+    </dgm:fillClrLst>
+    <dgm:linClrLst meth="repeat">
+      <a:schemeClr val="accent1"/>
+    </dgm:linClrLst>
+    <dgm:effectClrLst/>
+    <dgm:txLinClrLst/>
+    <dgm:txFillClrLst meth="repeat">
+      <a:schemeClr val="dk1"/>
+    </dgm:txFillClrLst>
+    <dgm:txEffectClrLst/>
+  </dgm:styleLbl>
+  <dgm:styleLbl name="solidFgAcc1">
+    <dgm:fillClrLst meth="repeat">
+      <a:schemeClr val="lt1"/>
+    </dgm:fillClrLst>
+    <dgm:linClrLst meth="repeat">
+      <a:schemeClr val="accent1"/>
+    </dgm:linClrLst>
+    <dgm:effectClrLst/>
+    <dgm:txLinClrLst/>
+    <dgm:txFillClrLst meth="repeat">
+      <a:schemeClr val="dk1"/>
+    </dgm:txFillClrLst>
+    <dgm:txEffectClrLst/>
+  </dgm:styleLbl>
+  <dgm:styleLbl name="solidAlignAcc1">
+    <dgm:fillClrLst meth="repeat">
+      <a:schemeClr val="lt1"/>
+    </dgm:fillClrLst>
+    <dgm:linClrLst meth="repeat">
+      <a:schemeClr val="accent1"/>
+    </dgm:linClrLst>
+    <dgm:effectClrLst/>
+    <dgm:txLinClrLst/>
+    <dgm:txFillClrLst meth="repeat">
+      <a:schemeClr val="dk1"/>
+    </dgm:txFillClrLst>
+    <dgm:txEffectClrLst/>
+  </dgm:styleLbl>
+  <dgm:styleLbl name="solidBgAcc1">
+    <dgm:fillClrLst meth="repeat">
+      <a:schemeClr val="lt1"/>
+    </dgm:fillClrLst>
+    <dgm:linClrLst meth="repeat">
+      <a:schemeClr val="accent1"/>
+    </dgm:linClrLst>
+    <dgm:effectClrLst/>
+    <dgm:txLinClrLst/>
+    <dgm:txFillClrLst meth="repeat">
+      <a:schemeClr val="dk1"/>
+    </dgm:txFillClrLst>
+    <dgm:txEffectClrLst/>
+  </dgm:styleLbl>
+  <dgm:styleLbl name="fgAccFollowNode1">
+    <dgm:fillClrLst meth="repeat">
+      <a:schemeClr val="accent1">
+        <a:alpha val="90000"/>
+        <a:tint val="40000"/>
+      </a:schemeClr>
+    </dgm:fillClrLst>
+    <dgm:linClrLst meth="repeat">
+      <a:schemeClr val="accent1">
+        <a:alpha val="90000"/>
+        <a:tint val="40000"/>
+      </a:schemeClr>
+    </dgm:linClrLst>
+    <dgm:effectClrLst/>
+    <dgm:txLinClrLst/>
+    <dgm:txFillClrLst meth="repeat">
+      <a:schemeClr val="dk1"/>
+    </dgm:txFillClrLst>
+    <dgm:txEffectClrLst/>
+  </dgm:styleLbl>
+  <dgm:styleLbl name="alignAccFollowNode1">
+    <dgm:fillClrLst meth="repeat">
+      <a:schemeClr val="accent1">
+        <a:alpha val="90000"/>
+        <a:tint val="40000"/>
+      </a:schemeClr>
+    </dgm:fillClrLst>
+    <dgm:linClrLst meth="repeat">
+      <a:schemeClr val="accent1">
+        <a:alpha val="90000"/>
+        <a:tint val="40000"/>
+      </a:schemeClr>
+    </dgm:linClrLst>
+    <dgm:effectClrLst/>
+    <dgm:txLinClrLst/>
+    <dgm:txFillClrLst meth="repeat">
+      <a:schemeClr val="dk1"/>
+    </dgm:txFillClrLst>
+    <dgm:txEffectClrLst/>
+  </dgm:styleLbl>
+  <dgm:styleLbl name="bgAccFollowNode1">
+    <dgm:fillClrLst meth="repeat">
+      <a:schemeClr val="accent1">
+        <a:alpha val="90000"/>
+        <a:tint val="40000"/>
+      </a:schemeClr>
+    </dgm:fillClrLst>
+    <dgm:linClrLst meth="repeat">
+      <a:schemeClr val="accent1">
+        <a:alpha val="90000"/>
+        <a:tint val="40000"/>
+      </a:schemeClr>
+    </dgm:linClrLst>
+    <dgm:effectClrLst/>
+    <dgm:txLinClrLst/>
+    <dgm:txFillClrLst meth="repeat">
+      <a:schemeClr val="dk1"/>
+    </dgm:txFillClrLst>
+    <dgm:txEffectClrLst/>
+  </dgm:styleLbl>
+  <dgm:styleLbl name="fgAcc0">
+    <dgm:fillClrLst meth="repeat">
+      <a:schemeClr val="lt1">
+        <a:alpha val="90000"/>
+      </a:schemeClr>
+    </dgm:fillClrLst>
+    <dgm:linClrLst meth="repeat">
+      <a:schemeClr val="accent1"/>
+    </dgm:linClrLst>
+    <dgm:effectClrLst/>
+    <dgm:txLinClrLst/>
+    <dgm:txFillClrLst meth="repeat">
+      <a:schemeClr val="dk1"/>
+    </dgm:txFillClrLst>
+    <dgm:txEffectClrLst/>
+  </dgm:styleLbl>
+  <dgm:styleLbl name="fgAcc2">
+    <dgm:fillClrLst meth="repeat">
+      <a:schemeClr val="lt1">
+        <a:alpha val="90000"/>
+      </a:schemeClr>
+    </dgm:fillClrLst>
+    <dgm:linClrLst meth="repeat">
+      <a:schemeClr val="accent1"/>
+    </dgm:linClrLst>
+    <dgm:effectClrLst/>
+    <dgm:txLinClrLst/>
+    <dgm:txFillClrLst meth="repeat">
+      <a:schemeClr val="dk1"/>
+    </dgm:txFillClrLst>
+    <dgm:txEffectClrLst/>
+  </dgm:styleLbl>
+  <dgm:styleLbl name="fgAcc3">
+    <dgm:fillClrLst meth="repeat">
+      <a:schemeClr val="lt1">
+        <a:alpha val="90000"/>
+      </a:schemeClr>
+    </dgm:fillClrLst>
+    <dgm:linClrLst meth="repeat">
+      <a:schemeClr val="accent1"/>
+    </dgm:linClrLst>
+    <dgm:effectClrLst/>
+    <dgm:txLinClrLst/>
+    <dgm:txFillClrLst meth="repeat">
+      <a:schemeClr val="dk1"/>
+    </dgm:txFillClrLst>
+    <dgm:txEffectClrLst/>
+  </dgm:styleLbl>
+  <dgm:styleLbl name="fgAcc4">
+    <dgm:fillClrLst meth="repeat">
+      <a:schemeClr val="lt1">
+        <a:alpha val="90000"/>
+      </a:schemeClr>
+    </dgm:fillClrLst>
+    <dgm:linClrLst meth="repeat">
+      <a:schemeClr val="accent1"/>
+    </dgm:linClrLst>
+    <dgm:effectClrLst/>
+    <dgm:txLinClrLst/>
+    <dgm:txFillClrLst meth="repeat">
+      <a:schemeClr val="dk1"/>
+    </dgm:txFillClrLst>
+    <dgm:txEffectClrLst/>
+  </dgm:styleLbl>
+  <dgm:styleLbl name="bgShp">
+    <dgm:fillClrLst meth="repeat">
+      <a:schemeClr val="accent1">
+        <a:tint val="40000"/>
+      </a:schemeClr>
+    </dgm:fillClrLst>
+    <dgm:linClrLst meth="repeat">
+      <a:schemeClr val="accent1"/>
+    </dgm:linClrLst>
+    <dgm:effectClrLst/>
+    <dgm:txLinClrLst/>
+    <dgm:txFillClrLst meth="repeat">
+      <a:schemeClr val="dk1"/>
+    </dgm:txFillClrLst>
+    <dgm:txEffectClrLst/>
+  </dgm:styleLbl>
+  <dgm:styleLbl name="dkBgShp">
+    <dgm:fillClrLst meth="repeat">
+      <a:schemeClr val="accent1">
+        <a:shade val="80000"/>
+      </a:schemeClr>
+    </dgm:fillClrLst>
+    <dgm:linClrLst meth="repeat">
+      <a:schemeClr val="accent1"/>
+    </dgm:linClrLst>
+    <dgm:effectClrLst/>
+    <dgm:txLinClrLst/>
+    <dgm:txFillClrLst meth="repeat">
+      <a:schemeClr val="lt1"/>
+    </dgm:txFillClrLst>
+    <dgm:txEffectClrLst/>
+  </dgm:styleLbl>
+  <dgm:styleLbl name="trBgShp">
+    <dgm:fillClrLst meth="repeat">
+      <a:schemeClr val="accent1">
+        <a:tint val="50000"/>
+        <a:alpha val="40000"/>
+      </a:schemeClr>
+    </dgm:fillClrLst>
+    <dgm:linClrLst meth="repeat">
+      <a:schemeClr val="accent1"/>
+    </dgm:linClrLst>
+    <dgm:effectClrLst/>
+    <dgm:txLinClrLst/>
+    <dgm:txFillClrLst meth="repeat">
+      <a:schemeClr val="lt1"/>
+    </dgm:txFillClrLst>
+    <dgm:txEffectClrLst/>
+  </dgm:styleLbl>
+  <dgm:styleLbl name="fgShp">
+    <dgm:fillClrLst meth="repeat">
+      <a:schemeClr val="accent1">
+        <a:tint val="60000"/>
+      </a:schemeClr>
+    </dgm:fillClrLst>
+    <dgm:linClrLst meth="repeat">
+      <a:schemeClr val="lt1"/>
+    </dgm:linClrLst>
+    <dgm:effectClrLst/>
+    <dgm:txLinClrLst/>
+    <dgm:txFillClrLst meth="repeat">
+      <a:schemeClr val="dk1"/>
+    </dgm:txFillClrLst>
+    <dgm:txEffectClrLst/>
+  </dgm:styleLbl>
+  <dgm:styleLbl name="revTx">
+    <dgm:fillClrLst meth="repeat">
+      <a:schemeClr val="lt1">
+        <a:alpha val="0"/>
+      </a:schemeClr>
+    </dgm:fillClrLst>
+    <dgm:linClrLst meth="repeat">
+      <a:schemeClr val="dk1">
+        <a:alpha val="0"/>
+      </a:schemeClr>
+    </dgm:linClrLst>
+    <dgm:effectClrLst/>
+    <dgm:txLinClrLst/>
+    <dgm:txFillClrLst meth="repeat">
+      <a:schemeClr val="tx1"/>
+    </dgm:txFillClrLst>
+    <dgm:txEffectClrLst/>
+  </dgm:styleLbl>
+</dgm:colorsDef>
+</file>
+
+<file path=ppt/diagrams/data1.xml><?xml version="1.0" encoding="utf-8"?>
+<dgm:dataModel xmlns:dgm="http://schemas.openxmlformats.org/drawingml/2006/diagram" xmlns:a="http://schemas.openxmlformats.org/drawingml/2006/main">
+  <dgm:ptLst>
+    <dgm:pt modelId="{771B6C34-57EE-4A8B-89A9-380E4A482C94}" type="doc">
+      <dgm:prSet loTypeId="urn:microsoft.com/office/officeart/2008/layout/LinedList" loCatId="list" qsTypeId="urn:microsoft.com/office/officeart/2005/8/quickstyle/simple1" qsCatId="simple" csTypeId="urn:microsoft.com/office/officeart/2005/8/colors/accent1_2" csCatId="accent1"/>
+      <dgm:spPr/>
+      <dgm:t>
+        <a:bodyPr/>
+        <a:lstStyle/>
+        <a:p>
+          <a:endParaRPr lang="en-US"/>
+        </a:p>
+      </dgm:t>
+    </dgm:pt>
+    <dgm:pt modelId="{1F6EE4D4-CE68-4217-9B38-797D290E6A83}">
+      <dgm:prSet/>
+      <dgm:spPr/>
+      <dgm:t>
+        <a:bodyPr/>
+        <a:lstStyle/>
+        <a:p>
+          <a:r>
+            <a:rPr lang="en-US" dirty="0"/>
+            <a:t>/data/gtfs/agency.txt - From GTFS dataset</a:t>
+          </a:r>
+        </a:p>
+      </dgm:t>
+    </dgm:pt>
+    <dgm:pt modelId="{BD9DC04B-DFC4-4D17-B0E0-86EB1375EFFC}" type="parTrans" cxnId="{58C7A747-1914-41A3-B2CC-29ABB0A9FBAA}">
+      <dgm:prSet/>
+      <dgm:spPr/>
+      <dgm:t>
+        <a:bodyPr/>
+        <a:lstStyle/>
+        <a:p>
+          <a:endParaRPr lang="en-US"/>
+        </a:p>
+      </dgm:t>
+    </dgm:pt>
+    <dgm:pt modelId="{E6D75DE9-1168-4BC4-9C39-DF3C9CC4F0C1}" type="sibTrans" cxnId="{58C7A747-1914-41A3-B2CC-29ABB0A9FBAA}">
+      <dgm:prSet/>
+      <dgm:spPr/>
+      <dgm:t>
+        <a:bodyPr/>
+        <a:lstStyle/>
+        <a:p>
+          <a:endParaRPr lang="en-US"/>
+        </a:p>
+      </dgm:t>
+    </dgm:pt>
+    <dgm:pt modelId="{3A17D260-5AD6-4B3E-9F90-489158F2E5B5}">
+      <dgm:prSet/>
+      <dgm:spPr/>
+      <dgm:t>
+        <a:bodyPr/>
+        <a:lstStyle/>
+        <a:p>
+          <a:r>
+            <a:rPr lang="en-US" dirty="0"/>
+            <a:t>/data/gtfs/calendar_dates.txt - From GTFS dataset</a:t>
+          </a:r>
+        </a:p>
+      </dgm:t>
+    </dgm:pt>
+    <dgm:pt modelId="{C8EB057C-4488-40B4-A914-654742F3CD67}" type="parTrans" cxnId="{59EE3446-A0FB-4F5E-A102-0F7AF381F941}">
+      <dgm:prSet/>
+      <dgm:spPr/>
+      <dgm:t>
+        <a:bodyPr/>
+        <a:lstStyle/>
+        <a:p>
+          <a:endParaRPr lang="en-US"/>
+        </a:p>
+      </dgm:t>
+    </dgm:pt>
+    <dgm:pt modelId="{899DFECB-4E65-4354-8030-C81FB4B1CC43}" type="sibTrans" cxnId="{59EE3446-A0FB-4F5E-A102-0F7AF381F941}">
+      <dgm:prSet/>
+      <dgm:spPr/>
+      <dgm:t>
+        <a:bodyPr/>
+        <a:lstStyle/>
+        <a:p>
+          <a:endParaRPr lang="en-US"/>
+        </a:p>
+      </dgm:t>
+    </dgm:pt>
+    <dgm:pt modelId="{C58EDAA2-E5DE-46B8-8473-8E4F5ED203F0}">
+      <dgm:prSet/>
+      <dgm:spPr/>
+      <dgm:t>
+        <a:bodyPr/>
+        <a:lstStyle/>
+        <a:p>
+          <a:r>
+            <a:rPr lang="en-US" dirty="0"/>
+            <a:t>/data/gtfs/calendar.txt - From GTFS dataset</a:t>
+          </a:r>
+        </a:p>
+      </dgm:t>
+    </dgm:pt>
+    <dgm:pt modelId="{6A8405C8-0B9D-4B6B-9355-33D6723F45E1}" type="parTrans" cxnId="{DBA7424B-2E2E-4B6A-92DC-E25B997F2E26}">
+      <dgm:prSet/>
+      <dgm:spPr/>
+      <dgm:t>
+        <a:bodyPr/>
+        <a:lstStyle/>
+        <a:p>
+          <a:endParaRPr lang="en-US"/>
+        </a:p>
+      </dgm:t>
+    </dgm:pt>
+    <dgm:pt modelId="{4019A00F-B4ED-4CE9-9725-9CE12AED2E7D}" type="sibTrans" cxnId="{DBA7424B-2E2E-4B6A-92DC-E25B997F2E26}">
+      <dgm:prSet/>
+      <dgm:spPr/>
+      <dgm:t>
+        <a:bodyPr/>
+        <a:lstStyle/>
+        <a:p>
+          <a:endParaRPr lang="en-US"/>
+        </a:p>
+      </dgm:t>
+    </dgm:pt>
+    <dgm:pt modelId="{B62F83E1-2CD3-4C72-B76B-44D8955C03E9}">
+      <dgm:prSet/>
+      <dgm:spPr/>
+      <dgm:t>
+        <a:bodyPr/>
+        <a:lstStyle/>
+        <a:p>
+          <a:r>
+            <a:rPr lang="en-US" dirty="0"/>
+            <a:t>/data/gtfs/fare_attributes.txt - From GTFS dataset</a:t>
+          </a:r>
+        </a:p>
+      </dgm:t>
+    </dgm:pt>
+    <dgm:pt modelId="{2C874453-AB14-4BBE-8A48-06355C0AE2F3}" type="parTrans" cxnId="{66ED08D7-DF36-4C20-9D3D-4ED65DE4A799}">
+      <dgm:prSet/>
+      <dgm:spPr/>
+      <dgm:t>
+        <a:bodyPr/>
+        <a:lstStyle/>
+        <a:p>
+          <a:endParaRPr lang="en-US"/>
+        </a:p>
+      </dgm:t>
+    </dgm:pt>
+    <dgm:pt modelId="{34D55B08-3E17-47BF-912E-818610416D7B}" type="sibTrans" cxnId="{66ED08D7-DF36-4C20-9D3D-4ED65DE4A799}">
+      <dgm:prSet/>
+      <dgm:spPr/>
+      <dgm:t>
+        <a:bodyPr/>
+        <a:lstStyle/>
+        <a:p>
+          <a:endParaRPr lang="en-US"/>
+        </a:p>
+      </dgm:t>
+    </dgm:pt>
+    <dgm:pt modelId="{3D9918FF-AB8F-4D57-A858-5C32A1AB7E9B}">
+      <dgm:prSet/>
+      <dgm:spPr/>
+      <dgm:t>
+        <a:bodyPr/>
+        <a:lstStyle/>
+        <a:p>
+          <a:r>
+            <a:rPr lang="en-US" dirty="0"/>
+            <a:t>/data/gtfs/fare_rules.txt - From GTFS dataset</a:t>
+          </a:r>
+        </a:p>
+      </dgm:t>
+    </dgm:pt>
+    <dgm:pt modelId="{73A1C130-78F3-41C5-9358-57E470ED6746}" type="parTrans" cxnId="{99988BAE-0CBB-4B3C-96E2-E31E19B1CE08}">
+      <dgm:prSet/>
+      <dgm:spPr/>
+      <dgm:t>
+        <a:bodyPr/>
+        <a:lstStyle/>
+        <a:p>
+          <a:endParaRPr lang="en-US"/>
+        </a:p>
+      </dgm:t>
+    </dgm:pt>
+    <dgm:pt modelId="{A38569EF-D7CC-4EA0-ADB4-4EF4601D03EF}" type="sibTrans" cxnId="{99988BAE-0CBB-4B3C-96E2-E31E19B1CE08}">
+      <dgm:prSet/>
+      <dgm:spPr/>
+      <dgm:t>
+        <a:bodyPr/>
+        <a:lstStyle/>
+        <a:p>
+          <a:endParaRPr lang="en-US"/>
+        </a:p>
+      </dgm:t>
+    </dgm:pt>
+    <dgm:pt modelId="{C4A3B22F-8FDF-426D-A0FC-B2390D8DB092}">
+      <dgm:prSet/>
+      <dgm:spPr/>
+      <dgm:t>
+        <a:bodyPr/>
+        <a:lstStyle/>
+        <a:p>
+          <a:r>
+            <a:rPr lang="en-US" dirty="0"/>
+            <a:t>/data/gtfs/feed_info.txt - From GTFS dataset</a:t>
+          </a:r>
+        </a:p>
+      </dgm:t>
+    </dgm:pt>
+    <dgm:pt modelId="{46792DAF-E650-447C-866C-726A8540C312}" type="parTrans" cxnId="{9F4550A5-1DF7-4A4F-89F0-EDC5C7EC7D46}">
+      <dgm:prSet/>
+      <dgm:spPr/>
+      <dgm:t>
+        <a:bodyPr/>
+        <a:lstStyle/>
+        <a:p>
+          <a:endParaRPr lang="en-US"/>
+        </a:p>
+      </dgm:t>
+    </dgm:pt>
+    <dgm:pt modelId="{DE060E21-7C1B-4ADA-A1A7-309268730ACF}" type="sibTrans" cxnId="{9F4550A5-1DF7-4A4F-89F0-EDC5C7EC7D46}">
+      <dgm:prSet/>
+      <dgm:spPr/>
+      <dgm:t>
+        <a:bodyPr/>
+        <a:lstStyle/>
+        <a:p>
+          <a:endParaRPr lang="en-US"/>
+        </a:p>
+      </dgm:t>
+    </dgm:pt>
+    <dgm:pt modelId="{5F65105B-180A-4367-A8A6-513C3B21992A}">
+      <dgm:prSet/>
+      <dgm:spPr/>
+      <dgm:t>
+        <a:bodyPr/>
+        <a:lstStyle/>
+        <a:p>
+          <a:r>
+            <a:rPr lang="en-US" dirty="0"/>
+            <a:t>/data/gtfs/linked_datasets.txt - From GTFS dataset</a:t>
+          </a:r>
+        </a:p>
+      </dgm:t>
+    </dgm:pt>
+    <dgm:pt modelId="{B695B79C-281D-4E14-9DFF-5AF297F866E8}" type="parTrans" cxnId="{54994489-63D1-46EA-A7B5-DFFF51E1C8C6}">
+      <dgm:prSet/>
+      <dgm:spPr/>
+      <dgm:t>
+        <a:bodyPr/>
+        <a:lstStyle/>
+        <a:p>
+          <a:endParaRPr lang="en-US"/>
+        </a:p>
+      </dgm:t>
+    </dgm:pt>
+    <dgm:pt modelId="{A0C5FE8A-4604-4222-A278-F78A4C3D253D}" type="sibTrans" cxnId="{54994489-63D1-46EA-A7B5-DFFF51E1C8C6}">
+      <dgm:prSet/>
+      <dgm:spPr/>
+      <dgm:t>
+        <a:bodyPr/>
+        <a:lstStyle/>
+        <a:p>
+          <a:endParaRPr lang="en-US"/>
+        </a:p>
+      </dgm:t>
+    </dgm:pt>
+    <dgm:pt modelId="{A0190215-8858-493B-AB80-2195A0D801BD}">
+      <dgm:prSet/>
+      <dgm:spPr/>
+      <dgm:t>
+        <a:bodyPr/>
+        <a:lstStyle/>
+        <a:p>
+          <a:r>
+            <a:rPr lang="en-US" dirty="0"/>
+            <a:t>/data/gtfs/route_directions.txt - From GTFS dataset</a:t>
+          </a:r>
+        </a:p>
+      </dgm:t>
+    </dgm:pt>
+    <dgm:pt modelId="{44E5D59E-1D31-4813-A275-F4690E7EFD39}" type="parTrans" cxnId="{F7C37D04-50B2-4D14-AC62-7F0F69AC76C7}">
+      <dgm:prSet/>
+      <dgm:spPr/>
+      <dgm:t>
+        <a:bodyPr/>
+        <a:lstStyle/>
+        <a:p>
+          <a:endParaRPr lang="en-US"/>
+        </a:p>
+      </dgm:t>
+    </dgm:pt>
+    <dgm:pt modelId="{A618B273-32C8-4993-AAF7-5F83696F404E}" type="sibTrans" cxnId="{F7C37D04-50B2-4D14-AC62-7F0F69AC76C7}">
+      <dgm:prSet/>
+      <dgm:spPr/>
+      <dgm:t>
+        <a:bodyPr/>
+        <a:lstStyle/>
+        <a:p>
+          <a:endParaRPr lang="en-US"/>
+        </a:p>
+      </dgm:t>
+    </dgm:pt>
+    <dgm:pt modelId="{D481582A-A5C1-43E6-9F43-561002937C43}">
+      <dgm:prSet/>
+      <dgm:spPr/>
+      <dgm:t>
+        <a:bodyPr/>
+        <a:lstStyle/>
+        <a:p>
+          <a:r>
+            <a:rPr lang="en-US" dirty="0"/>
+            <a:t>/data/gtfs/routes.txt - From GTFS dataset</a:t>
+          </a:r>
+        </a:p>
+      </dgm:t>
+    </dgm:pt>
+    <dgm:pt modelId="{EF69E6D8-448D-4609-B98D-BF1545EE72FB}" type="parTrans" cxnId="{8D4505FF-A9AD-4E53-A7F0-F6D44C808C58}">
+      <dgm:prSet/>
+      <dgm:spPr/>
+      <dgm:t>
+        <a:bodyPr/>
+        <a:lstStyle/>
+        <a:p>
+          <a:endParaRPr lang="en-US"/>
+        </a:p>
+      </dgm:t>
+    </dgm:pt>
+    <dgm:pt modelId="{AD2B74B9-C516-4D7C-8A2F-408057593483}" type="sibTrans" cxnId="{8D4505FF-A9AD-4E53-A7F0-F6D44C808C58}">
+      <dgm:prSet/>
+      <dgm:spPr/>
+      <dgm:t>
+        <a:bodyPr/>
+        <a:lstStyle/>
+        <a:p>
+          <a:endParaRPr lang="en-US"/>
+        </a:p>
+      </dgm:t>
+    </dgm:pt>
+    <dgm:pt modelId="{907DC889-E404-4BC3-954F-A9BDD92BE379}">
+      <dgm:prSet/>
+      <dgm:spPr/>
+      <dgm:t>
+        <a:bodyPr/>
+        <a:lstStyle/>
+        <a:p>
+          <a:r>
+            <a:rPr lang="en-US" dirty="0"/>
+            <a:t>/data/gtfs/shapes.txt - From GTFS dataset</a:t>
+          </a:r>
+        </a:p>
+      </dgm:t>
+    </dgm:pt>
+    <dgm:pt modelId="{8AA5FD15-F7C1-4B88-A279-C1ACF9DADF54}" type="parTrans" cxnId="{73DD35ED-33E5-4802-9A7B-F6175546E118}">
+      <dgm:prSet/>
+      <dgm:spPr/>
+      <dgm:t>
+        <a:bodyPr/>
+        <a:lstStyle/>
+        <a:p>
+          <a:endParaRPr lang="en-US"/>
+        </a:p>
+      </dgm:t>
+    </dgm:pt>
+    <dgm:pt modelId="{01E4B278-87EA-400A-ABA4-E9B54B37E97D}" type="sibTrans" cxnId="{73DD35ED-33E5-4802-9A7B-F6175546E118}">
+      <dgm:prSet/>
+      <dgm:spPr/>
+      <dgm:t>
+        <a:bodyPr/>
+        <a:lstStyle/>
+        <a:p>
+          <a:endParaRPr lang="en-US"/>
+        </a:p>
+      </dgm:t>
+    </dgm:pt>
+    <dgm:pt modelId="{7BF438DB-4295-48AA-A412-B026BF913B27}">
+      <dgm:prSet/>
+      <dgm:spPr/>
+      <dgm:t>
+        <a:bodyPr/>
+        <a:lstStyle/>
+        <a:p>
+          <a:r>
+            <a:rPr lang="en-US" dirty="0"/>
+            <a:t>/data/gtfs/stop_features.txt - From GTFS dataset</a:t>
+          </a:r>
+        </a:p>
+      </dgm:t>
+    </dgm:pt>
+    <dgm:pt modelId="{2E425B1B-DA6E-4E34-8AF4-EC8E7E359562}" type="parTrans" cxnId="{BE06D033-B16D-4E75-AA82-27E334B68C1F}">
+      <dgm:prSet/>
+      <dgm:spPr/>
+      <dgm:t>
+        <a:bodyPr/>
+        <a:lstStyle/>
+        <a:p>
+          <a:endParaRPr lang="en-US"/>
+        </a:p>
+      </dgm:t>
+    </dgm:pt>
+    <dgm:pt modelId="{22241758-F00D-422C-9BC8-240B757C6375}" type="sibTrans" cxnId="{BE06D033-B16D-4E75-AA82-27E334B68C1F}">
+      <dgm:prSet/>
+      <dgm:spPr/>
+      <dgm:t>
+        <a:bodyPr/>
+        <a:lstStyle/>
+        <a:p>
+          <a:endParaRPr lang="en-US"/>
+        </a:p>
+      </dgm:t>
+    </dgm:pt>
+    <dgm:pt modelId="{D9EE8C50-5FD0-428F-B6EC-0835B9F19446}">
+      <dgm:prSet/>
+      <dgm:spPr/>
+      <dgm:t>
+        <a:bodyPr/>
+        <a:lstStyle/>
+        <a:p>
+          <a:r>
+            <a:rPr lang="en-US" dirty="0"/>
+            <a:t>/data/gtfs/stop_times.txt - From GTFS dataset</a:t>
+          </a:r>
+        </a:p>
+      </dgm:t>
+    </dgm:pt>
+    <dgm:pt modelId="{5C476AD9-2AD1-4CF6-B937-B2A297FA54CF}" type="parTrans" cxnId="{F873CBCC-52AB-45EF-8656-2DEFC68ED734}">
+      <dgm:prSet/>
+      <dgm:spPr/>
+      <dgm:t>
+        <a:bodyPr/>
+        <a:lstStyle/>
+        <a:p>
+          <a:endParaRPr lang="en-US"/>
+        </a:p>
+      </dgm:t>
+    </dgm:pt>
+    <dgm:pt modelId="{4F1D2C67-9560-4813-9A64-F7F0095F991B}" type="sibTrans" cxnId="{F873CBCC-52AB-45EF-8656-2DEFC68ED734}">
+      <dgm:prSet/>
+      <dgm:spPr/>
+      <dgm:t>
+        <a:bodyPr/>
+        <a:lstStyle/>
+        <a:p>
+          <a:endParaRPr lang="en-US"/>
+        </a:p>
+      </dgm:t>
+    </dgm:pt>
+    <dgm:pt modelId="{A29D2A69-9A97-4772-A6FF-9E359888AA51}">
+      <dgm:prSet/>
+      <dgm:spPr/>
+      <dgm:t>
+        <a:bodyPr/>
+        <a:lstStyle/>
+        <a:p>
+          <a:r>
+            <a:rPr lang="en-US" dirty="0"/>
+            <a:t>/data/gtfs/stops.txt - From GTFS dataset</a:t>
+          </a:r>
+        </a:p>
+      </dgm:t>
+    </dgm:pt>
+    <dgm:pt modelId="{260DBF7B-58F2-4125-AFC8-38AF69AC0668}" type="parTrans" cxnId="{CD2F8169-4F49-4FFB-8E00-4ED4652649A2}">
+      <dgm:prSet/>
+      <dgm:spPr/>
+      <dgm:t>
+        <a:bodyPr/>
+        <a:lstStyle/>
+        <a:p>
+          <a:endParaRPr lang="en-US"/>
+        </a:p>
+      </dgm:t>
+    </dgm:pt>
+    <dgm:pt modelId="{875A2F65-5163-49FD-8AE3-8E8156CDCAA0}" type="sibTrans" cxnId="{CD2F8169-4F49-4FFB-8E00-4ED4652649A2}">
+      <dgm:prSet/>
+      <dgm:spPr/>
+      <dgm:t>
+        <a:bodyPr/>
+        <a:lstStyle/>
+        <a:p>
+          <a:endParaRPr lang="en-US"/>
+        </a:p>
+      </dgm:t>
+    </dgm:pt>
+    <dgm:pt modelId="{8C4C1878-237B-4C5D-99DF-6D2AB223826D}">
+      <dgm:prSet/>
+      <dgm:spPr/>
+      <dgm:t>
+        <a:bodyPr/>
+        <a:lstStyle/>
+        <a:p>
+          <a:r>
+            <a:rPr lang="en-US" dirty="0"/>
+            <a:t>/data/gtfs/transfers.txt - From GTFS dataset</a:t>
+          </a:r>
+        </a:p>
+      </dgm:t>
+    </dgm:pt>
+    <dgm:pt modelId="{C81E452E-6365-4445-96B3-0A3C05C2C8FA}" type="parTrans" cxnId="{F40DEAD0-AFDB-400A-A8B3-CA3B0425F936}">
+      <dgm:prSet/>
+      <dgm:spPr/>
+      <dgm:t>
+        <a:bodyPr/>
+        <a:lstStyle/>
+        <a:p>
+          <a:endParaRPr lang="en-US"/>
+        </a:p>
+      </dgm:t>
+    </dgm:pt>
+    <dgm:pt modelId="{49C7FAF4-919D-4444-8349-385CA96A027C}" type="sibTrans" cxnId="{F40DEAD0-AFDB-400A-A8B3-CA3B0425F936}">
+      <dgm:prSet/>
+      <dgm:spPr/>
+      <dgm:t>
+        <a:bodyPr/>
+        <a:lstStyle/>
+        <a:p>
+          <a:endParaRPr lang="en-US"/>
+        </a:p>
+      </dgm:t>
+    </dgm:pt>
+    <dgm:pt modelId="{3C038CAA-88E4-44F7-9C13-CFBD84182F10}">
+      <dgm:prSet/>
+      <dgm:spPr/>
+      <dgm:t>
+        <a:bodyPr/>
+        <a:lstStyle/>
+        <a:p>
+          <a:r>
+            <a:rPr lang="en-US" dirty="0"/>
+            <a:t>/data/gtfs/trips.txt - From GTFS dataset</a:t>
+          </a:r>
+        </a:p>
+      </dgm:t>
+    </dgm:pt>
+    <dgm:pt modelId="{FEC2C443-9259-43CD-899F-D7090271AC92}" type="parTrans" cxnId="{1C449C86-8EB6-472A-B544-13FD007BE847}">
+      <dgm:prSet/>
+      <dgm:spPr/>
+      <dgm:t>
+        <a:bodyPr/>
+        <a:lstStyle/>
+        <a:p>
+          <a:endParaRPr lang="en-US"/>
+        </a:p>
+      </dgm:t>
+    </dgm:pt>
+    <dgm:pt modelId="{D4E900D0-B46D-41D0-AA72-305F66755F54}" type="sibTrans" cxnId="{1C449C86-8EB6-472A-B544-13FD007BE847}">
+      <dgm:prSet/>
+      <dgm:spPr/>
+      <dgm:t>
+        <a:bodyPr/>
+        <a:lstStyle/>
+        <a:p>
+          <a:endParaRPr lang="en-US"/>
+        </a:p>
+      </dgm:t>
+    </dgm:pt>
+    <dgm:pt modelId="{A9BD8832-CB65-4C57-9F1F-46038F7F5A5A}">
+      <dgm:prSet/>
+      <dgm:spPr/>
+      <dgm:t>
+        <a:bodyPr/>
+        <a:lstStyle/>
+        <a:p>
+          <a:r>
+            <a:rPr lang="en-US" dirty="0"/>
+            <a:t>/data/DATA.md - Description and profile of the GTFS dataset</a:t>
+          </a:r>
+        </a:p>
+      </dgm:t>
+    </dgm:pt>
+    <dgm:pt modelId="{1DDF32E2-C52A-4159-8C0A-79D4F1C8D1C7}" type="parTrans" cxnId="{96F78715-BB19-41F7-99F4-4691389479A5}">
+      <dgm:prSet/>
+      <dgm:spPr/>
+      <dgm:t>
+        <a:bodyPr/>
+        <a:lstStyle/>
+        <a:p>
+          <a:endParaRPr lang="en-US"/>
+        </a:p>
+      </dgm:t>
+    </dgm:pt>
+    <dgm:pt modelId="{8251C349-445B-487A-809D-EE10A9F79232}" type="sibTrans" cxnId="{96F78715-BB19-41F7-99F4-4691389479A5}">
+      <dgm:prSet/>
+      <dgm:spPr/>
+      <dgm:t>
+        <a:bodyPr/>
+        <a:lstStyle/>
+        <a:p>
+          <a:endParaRPr lang="en-US"/>
+        </a:p>
+      </dgm:t>
+    </dgm:pt>
+    <dgm:pt modelId="{84292AAD-EFB9-4055-BFD1-A50A0B348BA9}">
+      <dgm:prSet/>
+      <dgm:spPr/>
+      <dgm:t>
+        <a:bodyPr/>
+        <a:lstStyle/>
+        <a:p>
+          <a:r>
+            <a:rPr lang="en-US"/>
+            <a:t>/scripts/createdatabase.py - Creates database, appends documents, creates design document, creates views</a:t>
+          </a:r>
+        </a:p>
+      </dgm:t>
+    </dgm:pt>
+    <dgm:pt modelId="{AD6ABF8D-4C0B-4973-9A36-89333F350C9C}" type="parTrans" cxnId="{4A7C4EDC-1859-41A0-BECE-3F312AA845CA}">
+      <dgm:prSet/>
+      <dgm:spPr/>
+      <dgm:t>
+        <a:bodyPr/>
+        <a:lstStyle/>
+        <a:p>
+          <a:endParaRPr lang="en-US"/>
+        </a:p>
+      </dgm:t>
+    </dgm:pt>
+    <dgm:pt modelId="{0935E082-F535-49EC-AA62-46AA6A287B6C}" type="sibTrans" cxnId="{4A7C4EDC-1859-41A0-BECE-3F312AA845CA}">
+      <dgm:prSet/>
+      <dgm:spPr/>
+      <dgm:t>
+        <a:bodyPr/>
+        <a:lstStyle/>
+        <a:p>
+          <a:endParaRPr lang="en-US"/>
+        </a:p>
+      </dgm:t>
+    </dgm:pt>
+    <dgm:pt modelId="{FF03BB79-1FB3-4756-9018-D31E4935135E}">
+      <dgm:prSet/>
+      <dgm:spPr/>
+      <dgm:t>
+        <a:bodyPr/>
+        <a:lstStyle/>
+        <a:p>
+          <a:r>
+            <a:rPr lang="en-US"/>
+            <a:t>/scripts/resetdatabase.py - Deletes database</a:t>
+          </a:r>
+        </a:p>
+      </dgm:t>
+    </dgm:pt>
+    <dgm:pt modelId="{B5BBF43C-5982-45E6-9E75-890604F7DD2F}" type="parTrans" cxnId="{66E8F7A9-F16E-44F9-B1F9-935F40B2206A}">
+      <dgm:prSet/>
+      <dgm:spPr/>
+      <dgm:t>
+        <a:bodyPr/>
+        <a:lstStyle/>
+        <a:p>
+          <a:endParaRPr lang="en-US"/>
+        </a:p>
+      </dgm:t>
+    </dgm:pt>
+    <dgm:pt modelId="{7035691F-93C7-4E34-857B-DC5BACDBE7C0}" type="sibTrans" cxnId="{66E8F7A9-F16E-44F9-B1F9-935F40B2206A}">
+      <dgm:prSet/>
+      <dgm:spPr/>
+      <dgm:t>
+        <a:bodyPr/>
+        <a:lstStyle/>
+        <a:p>
+          <a:endParaRPr lang="en-US"/>
+        </a:p>
+      </dgm:t>
+    </dgm:pt>
+    <dgm:pt modelId="{DDCF26C8-B0BC-4CD9-8042-84D61FFC5E87}">
+      <dgm:prSet/>
+      <dgm:spPr/>
+      <dgm:t>
+        <a:bodyPr/>
+        <a:lstStyle/>
+        <a:p>
+          <a:r>
+            <a:rPr lang="en-US"/>
+            <a:t>/scripts/runqueries.py - Combines client code and view calls to answer the three questions</a:t>
+          </a:r>
+        </a:p>
+      </dgm:t>
+    </dgm:pt>
+    <dgm:pt modelId="{D909E9E7-492D-4DE4-A275-FC2C8F4A8516}" type="parTrans" cxnId="{7619CE84-FC35-4A87-8A37-5472289306F6}">
+      <dgm:prSet/>
+      <dgm:spPr/>
+      <dgm:t>
+        <a:bodyPr/>
+        <a:lstStyle/>
+        <a:p>
+          <a:endParaRPr lang="en-US"/>
+        </a:p>
+      </dgm:t>
+    </dgm:pt>
+    <dgm:pt modelId="{C533AE9F-1DCA-4221-9ED1-C81FC5180F4E}" type="sibTrans" cxnId="{7619CE84-FC35-4A87-8A37-5472289306F6}">
+      <dgm:prSet/>
+      <dgm:spPr/>
+      <dgm:t>
+        <a:bodyPr/>
+        <a:lstStyle/>
+        <a:p>
+          <a:endParaRPr lang="en-US"/>
+        </a:p>
+      </dgm:t>
+    </dgm:pt>
+    <dgm:pt modelId="{A0662B8D-88F3-47B1-9AA0-302FF7F3AD3D}">
+      <dgm:prSet/>
+      <dgm:spPr/>
+      <dgm:t>
+        <a:bodyPr/>
+        <a:lstStyle/>
+        <a:p>
+          <a:r>
+            <a:rPr lang="en-US"/>
+            <a:t>.gitignore - Excludes data and credentials files (.txt)</a:t>
+          </a:r>
+        </a:p>
+      </dgm:t>
+    </dgm:pt>
+    <dgm:pt modelId="{0A744E05-356D-4943-9365-3C88FB916050}" type="parTrans" cxnId="{6AFB4300-38E5-4965-BF3B-A315993BCB3E}">
+      <dgm:prSet/>
+      <dgm:spPr/>
+      <dgm:t>
+        <a:bodyPr/>
+        <a:lstStyle/>
+        <a:p>
+          <a:endParaRPr lang="en-US"/>
+        </a:p>
+      </dgm:t>
+    </dgm:pt>
+    <dgm:pt modelId="{4C90A3DC-E6F4-44D6-9E06-711F8993E76E}" type="sibTrans" cxnId="{6AFB4300-38E5-4965-BF3B-A315993BCB3E}">
+      <dgm:prSet/>
+      <dgm:spPr/>
+      <dgm:t>
+        <a:bodyPr/>
+        <a:lstStyle/>
+        <a:p>
+          <a:endParaRPr lang="en-US"/>
+        </a:p>
+      </dgm:t>
+    </dgm:pt>
+    <dgm:pt modelId="{417FFA02-7EFB-4B6C-B185-32174F7500FF}">
+      <dgm:prSet/>
+      <dgm:spPr/>
+      <dgm:t>
+        <a:bodyPr/>
+        <a:lstStyle/>
+        <a:p>
+          <a:r>
+            <a:rPr lang="en-US"/>
+            <a:t>CouchDBInvestigation.pdf - High level overview of Apache CouchDB</a:t>
+          </a:r>
+        </a:p>
+      </dgm:t>
+    </dgm:pt>
+    <dgm:pt modelId="{6A89D3E4-8AD4-43EA-A6F9-3C7A1E3CAA9B}" type="parTrans" cxnId="{879DF5B2-832D-4304-872D-03D340A4AB1C}">
+      <dgm:prSet/>
+      <dgm:spPr/>
+      <dgm:t>
+        <a:bodyPr/>
+        <a:lstStyle/>
+        <a:p>
+          <a:endParaRPr lang="en-US"/>
+        </a:p>
+      </dgm:t>
+    </dgm:pt>
+    <dgm:pt modelId="{8E0C87E4-F79E-473A-93D6-EF269271B7FD}" type="sibTrans" cxnId="{879DF5B2-832D-4304-872D-03D340A4AB1C}">
+      <dgm:prSet/>
+      <dgm:spPr/>
+      <dgm:t>
+        <a:bodyPr/>
+        <a:lstStyle/>
+        <a:p>
+          <a:endParaRPr lang="en-US"/>
+        </a:p>
+      </dgm:t>
+    </dgm:pt>
+    <dgm:pt modelId="{AD46C42A-9EC0-42D6-9C97-BE1FFA8CF845}">
+      <dgm:prSet/>
+      <dgm:spPr/>
+      <dgm:t>
+        <a:bodyPr/>
+        <a:lstStyle/>
+        <a:p>
+          <a:r>
+            <a:rPr lang="en-US"/>
+            <a:t>credentials.txt (hidden) - Contains username, password, port, and ip for the couchDB server</a:t>
+          </a:r>
+        </a:p>
+      </dgm:t>
+    </dgm:pt>
+    <dgm:pt modelId="{AA9B1B72-03B9-496A-BF33-3057218E1A0B}" type="parTrans" cxnId="{D4AECEAE-F0CC-4C68-B697-5BEFC5DBFCC9}">
+      <dgm:prSet/>
+      <dgm:spPr/>
+      <dgm:t>
+        <a:bodyPr/>
+        <a:lstStyle/>
+        <a:p>
+          <a:endParaRPr lang="en-US"/>
+        </a:p>
+      </dgm:t>
+    </dgm:pt>
+    <dgm:pt modelId="{E7F1F3E3-FB93-49BB-A6F7-506A2208EA6F}" type="sibTrans" cxnId="{D4AECEAE-F0CC-4C68-B697-5BEFC5DBFCC9}">
+      <dgm:prSet/>
+      <dgm:spPr/>
+      <dgm:t>
+        <a:bodyPr/>
+        <a:lstStyle/>
+        <a:p>
+          <a:endParaRPr lang="en-US"/>
+        </a:p>
+      </dgm:t>
+    </dgm:pt>
+    <dgm:pt modelId="{16EF6E30-6E03-4B61-9B44-EC4102B190F3}">
+      <dgm:prSet/>
+      <dgm:spPr/>
+      <dgm:t>
+        <a:bodyPr/>
+        <a:lstStyle/>
+        <a:p>
+          <a:r>
+            <a:rPr lang="en-US"/>
+            <a:t>Presentation.pptx - Slides that describe the project</a:t>
+          </a:r>
+        </a:p>
+      </dgm:t>
+    </dgm:pt>
+    <dgm:pt modelId="{9AF94AD0-370C-4628-89DC-084A35F4D5BC}" type="parTrans" cxnId="{A1B61474-80FB-46BF-BF32-8A6A567B24CC}">
+      <dgm:prSet/>
+      <dgm:spPr/>
+      <dgm:t>
+        <a:bodyPr/>
+        <a:lstStyle/>
+        <a:p>
+          <a:endParaRPr lang="en-US"/>
+        </a:p>
+      </dgm:t>
+    </dgm:pt>
+    <dgm:pt modelId="{68DAA6CC-F094-483D-8914-BBF8056CBDBE}" type="sibTrans" cxnId="{A1B61474-80FB-46BF-BF32-8A6A567B24CC}">
+      <dgm:prSet/>
+      <dgm:spPr/>
+      <dgm:t>
+        <a:bodyPr/>
+        <a:lstStyle/>
+        <a:p>
+          <a:endParaRPr lang="en-US"/>
+        </a:p>
+      </dgm:t>
+    </dgm:pt>
+    <dgm:pt modelId="{02D46151-AD40-438D-B774-EE3942E0C3CD}">
+      <dgm:prSet/>
+      <dgm:spPr/>
+      <dgm:t>
+        <a:bodyPr/>
+        <a:lstStyle/>
+        <a:p>
+          <a:r>
+            <a:rPr lang="en-US"/>
+            <a:t>README.md - This file, high level overview</a:t>
+          </a:r>
+        </a:p>
+      </dgm:t>
+    </dgm:pt>
+    <dgm:pt modelId="{7A949C43-87B3-49FB-9738-39FE31B1C648}" type="parTrans" cxnId="{6A154E70-A303-4235-B54F-0E346E3F5223}">
+      <dgm:prSet/>
+      <dgm:spPr/>
+      <dgm:t>
+        <a:bodyPr/>
+        <a:lstStyle/>
+        <a:p>
+          <a:endParaRPr lang="en-US"/>
+        </a:p>
+      </dgm:t>
+    </dgm:pt>
+    <dgm:pt modelId="{5454DEEF-7DA3-4866-A6C8-86F2E8DC4DF5}" type="sibTrans" cxnId="{6A154E70-A303-4235-B54F-0E346E3F5223}">
+      <dgm:prSet/>
+      <dgm:spPr/>
+      <dgm:t>
+        <a:bodyPr/>
+        <a:lstStyle/>
+        <a:p>
+          <a:endParaRPr lang="en-US"/>
+        </a:p>
+      </dgm:t>
+    </dgm:pt>
+    <dgm:pt modelId="{C93A993D-B1F9-49D8-9BF2-D63EC5A38CA6}">
+      <dgm:prSet/>
+      <dgm:spPr/>
+      <dgm:t>
+        <a:bodyPr/>
+        <a:lstStyle/>
+        <a:p>
+          <a:r>
+            <a:rPr lang="en-US" dirty="0"/>
+            <a:t>setup.py - Downloads and unzips GTFS dataset into /data/gtfs</a:t>
+          </a:r>
+        </a:p>
+      </dgm:t>
+    </dgm:pt>
+    <dgm:pt modelId="{FCC7F673-19E8-417F-A55F-8C1BA7D6603A}" type="parTrans" cxnId="{2EC42387-8A05-4352-BDAF-9592AF60AD03}">
+      <dgm:prSet/>
+      <dgm:spPr/>
+      <dgm:t>
+        <a:bodyPr/>
+        <a:lstStyle/>
+        <a:p>
+          <a:endParaRPr lang="en-US"/>
+        </a:p>
+      </dgm:t>
+    </dgm:pt>
+    <dgm:pt modelId="{A4CFDDD4-E598-493B-B3E0-E05840F864D2}" type="sibTrans" cxnId="{2EC42387-8A05-4352-BDAF-9592AF60AD03}">
+      <dgm:prSet/>
+      <dgm:spPr/>
+      <dgm:t>
+        <a:bodyPr/>
+        <a:lstStyle/>
+        <a:p>
+          <a:endParaRPr lang="en-US"/>
+        </a:p>
+      </dgm:t>
+    </dgm:pt>
+    <dgm:pt modelId="{833FCA1D-8F27-40AD-9AED-5803ED0D0C82}" type="pres">
+      <dgm:prSet presAssocID="{771B6C34-57EE-4A8B-89A9-380E4A482C94}" presName="vert0" presStyleCnt="0">
+        <dgm:presLayoutVars>
+          <dgm:dir/>
+          <dgm:animOne val="branch"/>
+          <dgm:animLvl val="lvl"/>
+        </dgm:presLayoutVars>
+      </dgm:prSet>
+      <dgm:spPr/>
+    </dgm:pt>
+    <dgm:pt modelId="{A3603A2B-4EA5-47A5-8873-3E65E2FADD5A}" type="pres">
+      <dgm:prSet presAssocID="{1F6EE4D4-CE68-4217-9B38-797D290E6A83}" presName="thickLine" presStyleLbl="alignNode1" presStyleIdx="0" presStyleCnt="25"/>
+      <dgm:spPr/>
+    </dgm:pt>
+    <dgm:pt modelId="{5B0633EC-CC08-4B28-B558-D644A0B713C8}" type="pres">
+      <dgm:prSet presAssocID="{1F6EE4D4-CE68-4217-9B38-797D290E6A83}" presName="horz1" presStyleCnt="0"/>
+      <dgm:spPr/>
+    </dgm:pt>
+    <dgm:pt modelId="{C1AC20EF-0654-41D5-8A67-4DF6F882C095}" type="pres">
+      <dgm:prSet presAssocID="{1F6EE4D4-CE68-4217-9B38-797D290E6A83}" presName="tx1" presStyleLbl="revTx" presStyleIdx="0" presStyleCnt="25"/>
+      <dgm:spPr/>
+    </dgm:pt>
+    <dgm:pt modelId="{48FA1F21-A049-49C4-81F7-A204D4F7760D}" type="pres">
+      <dgm:prSet presAssocID="{1F6EE4D4-CE68-4217-9B38-797D290E6A83}" presName="vert1" presStyleCnt="0"/>
+      <dgm:spPr/>
+    </dgm:pt>
+    <dgm:pt modelId="{0712B33D-EA8A-48D5-AF03-17C272AEA9DE}" type="pres">
+      <dgm:prSet presAssocID="{3A17D260-5AD6-4B3E-9F90-489158F2E5B5}" presName="thickLine" presStyleLbl="alignNode1" presStyleIdx="1" presStyleCnt="25"/>
+      <dgm:spPr/>
+    </dgm:pt>
+    <dgm:pt modelId="{D9F27969-2EFA-437A-AC3A-B417CB23B08E}" type="pres">
+      <dgm:prSet presAssocID="{3A17D260-5AD6-4B3E-9F90-489158F2E5B5}" presName="horz1" presStyleCnt="0"/>
+      <dgm:spPr/>
+    </dgm:pt>
+    <dgm:pt modelId="{375C9C0A-9C91-49EC-A333-7618CA3251F7}" type="pres">
+      <dgm:prSet presAssocID="{3A17D260-5AD6-4B3E-9F90-489158F2E5B5}" presName="tx1" presStyleLbl="revTx" presStyleIdx="1" presStyleCnt="25"/>
+      <dgm:spPr/>
+    </dgm:pt>
+    <dgm:pt modelId="{897BC37A-20D5-4444-89E1-AD023E938E36}" type="pres">
+      <dgm:prSet presAssocID="{3A17D260-5AD6-4B3E-9F90-489158F2E5B5}" presName="vert1" presStyleCnt="0"/>
+      <dgm:spPr/>
+    </dgm:pt>
+    <dgm:pt modelId="{4F8A7FC3-F983-41E1-9ECF-8765101E700E}" type="pres">
+      <dgm:prSet presAssocID="{C58EDAA2-E5DE-46B8-8473-8E4F5ED203F0}" presName="thickLine" presStyleLbl="alignNode1" presStyleIdx="2" presStyleCnt="25"/>
+      <dgm:spPr/>
+    </dgm:pt>
+    <dgm:pt modelId="{AC5F8283-5C1B-4C58-A879-62A3A9C1F3E1}" type="pres">
+      <dgm:prSet presAssocID="{C58EDAA2-E5DE-46B8-8473-8E4F5ED203F0}" presName="horz1" presStyleCnt="0"/>
+      <dgm:spPr/>
+    </dgm:pt>
+    <dgm:pt modelId="{1B3795C9-BF21-4DA6-94BE-6B681182A0CF}" type="pres">
+      <dgm:prSet presAssocID="{C58EDAA2-E5DE-46B8-8473-8E4F5ED203F0}" presName="tx1" presStyleLbl="revTx" presStyleIdx="2" presStyleCnt="25"/>
+      <dgm:spPr/>
+    </dgm:pt>
+    <dgm:pt modelId="{94C027A5-0EC9-4B96-BB6C-C85CDFFA94DE}" type="pres">
+      <dgm:prSet presAssocID="{C58EDAA2-E5DE-46B8-8473-8E4F5ED203F0}" presName="vert1" presStyleCnt="0"/>
+      <dgm:spPr/>
+    </dgm:pt>
+    <dgm:pt modelId="{6082D2E8-2B84-450B-8B9C-B0E6D4B2EA2A}" type="pres">
+      <dgm:prSet presAssocID="{B62F83E1-2CD3-4C72-B76B-44D8955C03E9}" presName="thickLine" presStyleLbl="alignNode1" presStyleIdx="3" presStyleCnt="25"/>
+      <dgm:spPr/>
+    </dgm:pt>
+    <dgm:pt modelId="{1FA52D3C-3DF1-4BF6-A41C-F5A64058ADB2}" type="pres">
+      <dgm:prSet presAssocID="{B62F83E1-2CD3-4C72-B76B-44D8955C03E9}" presName="horz1" presStyleCnt="0"/>
+      <dgm:spPr/>
+    </dgm:pt>
+    <dgm:pt modelId="{3C5264E7-5A98-40E4-80BA-8F9212555A62}" type="pres">
+      <dgm:prSet presAssocID="{B62F83E1-2CD3-4C72-B76B-44D8955C03E9}" presName="tx1" presStyleLbl="revTx" presStyleIdx="3" presStyleCnt="25"/>
+      <dgm:spPr/>
+    </dgm:pt>
+    <dgm:pt modelId="{6D009DC3-A577-4F9F-B058-F8A3537F1065}" type="pres">
+      <dgm:prSet presAssocID="{B62F83E1-2CD3-4C72-B76B-44D8955C03E9}" presName="vert1" presStyleCnt="0"/>
+      <dgm:spPr/>
+    </dgm:pt>
+    <dgm:pt modelId="{43254676-7C48-40DA-A347-58806C7E516B}" type="pres">
+      <dgm:prSet presAssocID="{3D9918FF-AB8F-4D57-A858-5C32A1AB7E9B}" presName="thickLine" presStyleLbl="alignNode1" presStyleIdx="4" presStyleCnt="25"/>
+      <dgm:spPr/>
+    </dgm:pt>
+    <dgm:pt modelId="{A2F07063-EF37-4B71-9DC3-E4E507950499}" type="pres">
+      <dgm:prSet presAssocID="{3D9918FF-AB8F-4D57-A858-5C32A1AB7E9B}" presName="horz1" presStyleCnt="0"/>
+      <dgm:spPr/>
+    </dgm:pt>
+    <dgm:pt modelId="{F033387E-1C69-4C6E-BF91-1C12FE85DFAC}" type="pres">
+      <dgm:prSet presAssocID="{3D9918FF-AB8F-4D57-A858-5C32A1AB7E9B}" presName="tx1" presStyleLbl="revTx" presStyleIdx="4" presStyleCnt="25"/>
+      <dgm:spPr/>
+    </dgm:pt>
+    <dgm:pt modelId="{E735DED0-4A2D-4927-9D7C-C83678230844}" type="pres">
+      <dgm:prSet presAssocID="{3D9918FF-AB8F-4D57-A858-5C32A1AB7E9B}" presName="vert1" presStyleCnt="0"/>
+      <dgm:spPr/>
+    </dgm:pt>
+    <dgm:pt modelId="{1491AFBE-A8B9-4CFE-8585-C0A0F88F57C0}" type="pres">
+      <dgm:prSet presAssocID="{C4A3B22F-8FDF-426D-A0FC-B2390D8DB092}" presName="thickLine" presStyleLbl="alignNode1" presStyleIdx="5" presStyleCnt="25"/>
+      <dgm:spPr/>
+    </dgm:pt>
+    <dgm:pt modelId="{1BAD4931-F749-4345-A765-D9A91FC3F130}" type="pres">
+      <dgm:prSet presAssocID="{C4A3B22F-8FDF-426D-A0FC-B2390D8DB092}" presName="horz1" presStyleCnt="0"/>
+      <dgm:spPr/>
+    </dgm:pt>
+    <dgm:pt modelId="{53BEDA2A-6780-4E65-83DF-11E879D82E61}" type="pres">
+      <dgm:prSet presAssocID="{C4A3B22F-8FDF-426D-A0FC-B2390D8DB092}" presName="tx1" presStyleLbl="revTx" presStyleIdx="5" presStyleCnt="25"/>
+      <dgm:spPr/>
+    </dgm:pt>
+    <dgm:pt modelId="{CE6A4095-9A83-4F79-97D1-429C9CAF1734}" type="pres">
+      <dgm:prSet presAssocID="{C4A3B22F-8FDF-426D-A0FC-B2390D8DB092}" presName="vert1" presStyleCnt="0"/>
+      <dgm:spPr/>
+    </dgm:pt>
+    <dgm:pt modelId="{9D46C531-EA53-4BB9-BBF3-6D976F5B810D}" type="pres">
+      <dgm:prSet presAssocID="{5F65105B-180A-4367-A8A6-513C3B21992A}" presName="thickLine" presStyleLbl="alignNode1" presStyleIdx="6" presStyleCnt="25"/>
+      <dgm:spPr/>
+    </dgm:pt>
+    <dgm:pt modelId="{E573D3A7-EFFB-4F0D-9966-B09CE58DFBB9}" type="pres">
+      <dgm:prSet presAssocID="{5F65105B-180A-4367-A8A6-513C3B21992A}" presName="horz1" presStyleCnt="0"/>
+      <dgm:spPr/>
+    </dgm:pt>
+    <dgm:pt modelId="{8DAD8F55-D257-45C3-A023-3A774FE79B84}" type="pres">
+      <dgm:prSet presAssocID="{5F65105B-180A-4367-A8A6-513C3B21992A}" presName="tx1" presStyleLbl="revTx" presStyleIdx="6" presStyleCnt="25"/>
+      <dgm:spPr/>
+    </dgm:pt>
+    <dgm:pt modelId="{03030710-D02F-428E-AC49-6D152DBCF679}" type="pres">
+      <dgm:prSet presAssocID="{5F65105B-180A-4367-A8A6-513C3B21992A}" presName="vert1" presStyleCnt="0"/>
+      <dgm:spPr/>
+    </dgm:pt>
+    <dgm:pt modelId="{8EBA9BC5-8B88-4E84-A218-F6AF2D1030FD}" type="pres">
+      <dgm:prSet presAssocID="{A0190215-8858-493B-AB80-2195A0D801BD}" presName="thickLine" presStyleLbl="alignNode1" presStyleIdx="7" presStyleCnt="25"/>
+      <dgm:spPr/>
+    </dgm:pt>
+    <dgm:pt modelId="{CD2A45A0-93B6-4FBD-8B41-34531BD6EE6F}" type="pres">
+      <dgm:prSet presAssocID="{A0190215-8858-493B-AB80-2195A0D801BD}" presName="horz1" presStyleCnt="0"/>
+      <dgm:spPr/>
+    </dgm:pt>
+    <dgm:pt modelId="{87ECC06B-6569-40A5-9669-9B84BA395909}" type="pres">
+      <dgm:prSet presAssocID="{A0190215-8858-493B-AB80-2195A0D801BD}" presName="tx1" presStyleLbl="revTx" presStyleIdx="7" presStyleCnt="25"/>
+      <dgm:spPr/>
+    </dgm:pt>
+    <dgm:pt modelId="{2FB5E162-F837-4987-855D-4DE73319DC59}" type="pres">
+      <dgm:prSet presAssocID="{A0190215-8858-493B-AB80-2195A0D801BD}" presName="vert1" presStyleCnt="0"/>
+      <dgm:spPr/>
+    </dgm:pt>
+    <dgm:pt modelId="{85179C0D-5599-45BB-B265-520091E95C7E}" type="pres">
+      <dgm:prSet presAssocID="{D481582A-A5C1-43E6-9F43-561002937C43}" presName="thickLine" presStyleLbl="alignNode1" presStyleIdx="8" presStyleCnt="25"/>
+      <dgm:spPr/>
+    </dgm:pt>
+    <dgm:pt modelId="{0114EE81-B70A-467C-9AB2-B170271A2E93}" type="pres">
+      <dgm:prSet presAssocID="{D481582A-A5C1-43E6-9F43-561002937C43}" presName="horz1" presStyleCnt="0"/>
+      <dgm:spPr/>
+    </dgm:pt>
+    <dgm:pt modelId="{E9E74DCB-08C3-4827-AD32-1B97F975D264}" type="pres">
+      <dgm:prSet presAssocID="{D481582A-A5C1-43E6-9F43-561002937C43}" presName="tx1" presStyleLbl="revTx" presStyleIdx="8" presStyleCnt="25"/>
+      <dgm:spPr/>
+    </dgm:pt>
+    <dgm:pt modelId="{EC618006-F7FF-4097-A424-011B03C27BA7}" type="pres">
+      <dgm:prSet presAssocID="{D481582A-A5C1-43E6-9F43-561002937C43}" presName="vert1" presStyleCnt="0"/>
+      <dgm:spPr/>
+    </dgm:pt>
+    <dgm:pt modelId="{C1AB250A-AE3A-4543-B2F9-27AD8932A4AA}" type="pres">
+      <dgm:prSet presAssocID="{907DC889-E404-4BC3-954F-A9BDD92BE379}" presName="thickLine" presStyleLbl="alignNode1" presStyleIdx="9" presStyleCnt="25"/>
+      <dgm:spPr/>
+    </dgm:pt>
+    <dgm:pt modelId="{B8FD458A-2B66-4B3E-AE70-5CA471AFCCDA}" type="pres">
+      <dgm:prSet presAssocID="{907DC889-E404-4BC3-954F-A9BDD92BE379}" presName="horz1" presStyleCnt="0"/>
+      <dgm:spPr/>
+    </dgm:pt>
+    <dgm:pt modelId="{735618A3-76CD-4100-AD30-671AC1DC01BE}" type="pres">
+      <dgm:prSet presAssocID="{907DC889-E404-4BC3-954F-A9BDD92BE379}" presName="tx1" presStyleLbl="revTx" presStyleIdx="9" presStyleCnt="25"/>
+      <dgm:spPr/>
+    </dgm:pt>
+    <dgm:pt modelId="{D3F29189-CD42-4142-AF36-4AA86198BBA5}" type="pres">
+      <dgm:prSet presAssocID="{907DC889-E404-4BC3-954F-A9BDD92BE379}" presName="vert1" presStyleCnt="0"/>
+      <dgm:spPr/>
+    </dgm:pt>
+    <dgm:pt modelId="{1E015077-FB73-459A-A9D9-D3EAF7CFF347}" type="pres">
+      <dgm:prSet presAssocID="{7BF438DB-4295-48AA-A412-B026BF913B27}" presName="thickLine" presStyleLbl="alignNode1" presStyleIdx="10" presStyleCnt="25"/>
+      <dgm:spPr/>
+    </dgm:pt>
+    <dgm:pt modelId="{5069316E-FE6F-480C-8048-877975BA407F}" type="pres">
+      <dgm:prSet presAssocID="{7BF438DB-4295-48AA-A412-B026BF913B27}" presName="horz1" presStyleCnt="0"/>
+      <dgm:spPr/>
+    </dgm:pt>
+    <dgm:pt modelId="{21A8E1AB-8081-4AF2-BFCA-A14F0816FA0A}" type="pres">
+      <dgm:prSet presAssocID="{7BF438DB-4295-48AA-A412-B026BF913B27}" presName="tx1" presStyleLbl="revTx" presStyleIdx="10" presStyleCnt="25"/>
+      <dgm:spPr/>
+    </dgm:pt>
+    <dgm:pt modelId="{0C5142C8-3859-4E81-B83A-534B80614080}" type="pres">
+      <dgm:prSet presAssocID="{7BF438DB-4295-48AA-A412-B026BF913B27}" presName="vert1" presStyleCnt="0"/>
+      <dgm:spPr/>
+    </dgm:pt>
+    <dgm:pt modelId="{B7B211DD-0FEA-4E5B-BFA3-A5E6CCA9CD18}" type="pres">
+      <dgm:prSet presAssocID="{D9EE8C50-5FD0-428F-B6EC-0835B9F19446}" presName="thickLine" presStyleLbl="alignNode1" presStyleIdx="11" presStyleCnt="25"/>
+      <dgm:spPr/>
+    </dgm:pt>
+    <dgm:pt modelId="{19B83E4B-0F6F-4F39-9F7C-1B1228131915}" type="pres">
+      <dgm:prSet presAssocID="{D9EE8C50-5FD0-428F-B6EC-0835B9F19446}" presName="horz1" presStyleCnt="0"/>
+      <dgm:spPr/>
+    </dgm:pt>
+    <dgm:pt modelId="{F02B3386-0435-4CBE-9C9B-FC5554250E38}" type="pres">
+      <dgm:prSet presAssocID="{D9EE8C50-5FD0-428F-B6EC-0835B9F19446}" presName="tx1" presStyleLbl="revTx" presStyleIdx="11" presStyleCnt="25"/>
+      <dgm:spPr/>
+    </dgm:pt>
+    <dgm:pt modelId="{90257E29-913F-430C-B0E9-3F1BDCF7FE3C}" type="pres">
+      <dgm:prSet presAssocID="{D9EE8C50-5FD0-428F-B6EC-0835B9F19446}" presName="vert1" presStyleCnt="0"/>
+      <dgm:spPr/>
+    </dgm:pt>
+    <dgm:pt modelId="{AC9B6D01-0219-478A-9401-7536C1C8AECB}" type="pres">
+      <dgm:prSet presAssocID="{A29D2A69-9A97-4772-A6FF-9E359888AA51}" presName="thickLine" presStyleLbl="alignNode1" presStyleIdx="12" presStyleCnt="25"/>
+      <dgm:spPr/>
+    </dgm:pt>
+    <dgm:pt modelId="{F4778EF3-8E47-4D14-AD1C-B8EB0B7D1EDD}" type="pres">
+      <dgm:prSet presAssocID="{A29D2A69-9A97-4772-A6FF-9E359888AA51}" presName="horz1" presStyleCnt="0"/>
+      <dgm:spPr/>
+    </dgm:pt>
+    <dgm:pt modelId="{29B969A1-1797-4C73-B990-AF23F5D72BD1}" type="pres">
+      <dgm:prSet presAssocID="{A29D2A69-9A97-4772-A6FF-9E359888AA51}" presName="tx1" presStyleLbl="revTx" presStyleIdx="12" presStyleCnt="25"/>
+      <dgm:spPr/>
+    </dgm:pt>
+    <dgm:pt modelId="{02A78813-A865-4D65-88C1-50048A3A53BA}" type="pres">
+      <dgm:prSet presAssocID="{A29D2A69-9A97-4772-A6FF-9E359888AA51}" presName="vert1" presStyleCnt="0"/>
+      <dgm:spPr/>
+    </dgm:pt>
+    <dgm:pt modelId="{86F3D353-AB22-4BAF-B0D3-469C1664B7C4}" type="pres">
+      <dgm:prSet presAssocID="{8C4C1878-237B-4C5D-99DF-6D2AB223826D}" presName="thickLine" presStyleLbl="alignNode1" presStyleIdx="13" presStyleCnt="25"/>
+      <dgm:spPr/>
+    </dgm:pt>
+    <dgm:pt modelId="{AAACE7AC-25AF-4677-AAFE-70D954875910}" type="pres">
+      <dgm:prSet presAssocID="{8C4C1878-237B-4C5D-99DF-6D2AB223826D}" presName="horz1" presStyleCnt="0"/>
+      <dgm:spPr/>
+    </dgm:pt>
+    <dgm:pt modelId="{B0DC5B5D-3EA8-45D0-866D-B42347B72EE5}" type="pres">
+      <dgm:prSet presAssocID="{8C4C1878-237B-4C5D-99DF-6D2AB223826D}" presName="tx1" presStyleLbl="revTx" presStyleIdx="13" presStyleCnt="25"/>
+      <dgm:spPr/>
+    </dgm:pt>
+    <dgm:pt modelId="{3DC2A15E-73AB-4874-B240-41997B915D70}" type="pres">
+      <dgm:prSet presAssocID="{8C4C1878-237B-4C5D-99DF-6D2AB223826D}" presName="vert1" presStyleCnt="0"/>
+      <dgm:spPr/>
+    </dgm:pt>
+    <dgm:pt modelId="{F68F54FD-C6A3-4AB1-A5E0-19632C2E5218}" type="pres">
+      <dgm:prSet presAssocID="{3C038CAA-88E4-44F7-9C13-CFBD84182F10}" presName="thickLine" presStyleLbl="alignNode1" presStyleIdx="14" presStyleCnt="25"/>
+      <dgm:spPr/>
+    </dgm:pt>
+    <dgm:pt modelId="{B7A97B6A-36F5-43D6-817F-8604CAAF4B88}" type="pres">
+      <dgm:prSet presAssocID="{3C038CAA-88E4-44F7-9C13-CFBD84182F10}" presName="horz1" presStyleCnt="0"/>
+      <dgm:spPr/>
+    </dgm:pt>
+    <dgm:pt modelId="{ADD02BCF-599D-4EC5-8D4D-A50FA36C6884}" type="pres">
+      <dgm:prSet presAssocID="{3C038CAA-88E4-44F7-9C13-CFBD84182F10}" presName="tx1" presStyleLbl="revTx" presStyleIdx="14" presStyleCnt="25"/>
+      <dgm:spPr/>
+    </dgm:pt>
+    <dgm:pt modelId="{17B4167B-8AD5-474F-BF66-F9F54C911AA5}" type="pres">
+      <dgm:prSet presAssocID="{3C038CAA-88E4-44F7-9C13-CFBD84182F10}" presName="vert1" presStyleCnt="0"/>
+      <dgm:spPr/>
+    </dgm:pt>
+    <dgm:pt modelId="{FE6DBA6A-9634-465C-94FB-D326EE5E5FE8}" type="pres">
+      <dgm:prSet presAssocID="{A9BD8832-CB65-4C57-9F1F-46038F7F5A5A}" presName="thickLine" presStyleLbl="alignNode1" presStyleIdx="15" presStyleCnt="25"/>
+      <dgm:spPr/>
+    </dgm:pt>
+    <dgm:pt modelId="{2C031A32-5A93-41B4-A157-1C8DA1714DE4}" type="pres">
+      <dgm:prSet presAssocID="{A9BD8832-CB65-4C57-9F1F-46038F7F5A5A}" presName="horz1" presStyleCnt="0"/>
+      <dgm:spPr/>
+    </dgm:pt>
+    <dgm:pt modelId="{A05788C9-3CEB-459B-BAF8-34AB74EE5F7D}" type="pres">
+      <dgm:prSet presAssocID="{A9BD8832-CB65-4C57-9F1F-46038F7F5A5A}" presName="tx1" presStyleLbl="revTx" presStyleIdx="15" presStyleCnt="25"/>
+      <dgm:spPr/>
+    </dgm:pt>
+    <dgm:pt modelId="{59A1C277-3F6F-42DA-A39F-7037BB4C87FC}" type="pres">
+      <dgm:prSet presAssocID="{A9BD8832-CB65-4C57-9F1F-46038F7F5A5A}" presName="vert1" presStyleCnt="0"/>
+      <dgm:spPr/>
+    </dgm:pt>
+    <dgm:pt modelId="{4884D1B1-DC0F-49AC-ABB1-DEC460ACF18E}" type="pres">
+      <dgm:prSet presAssocID="{84292AAD-EFB9-4055-BFD1-A50A0B348BA9}" presName="thickLine" presStyleLbl="alignNode1" presStyleIdx="16" presStyleCnt="25"/>
+      <dgm:spPr/>
+    </dgm:pt>
+    <dgm:pt modelId="{AF6A1562-85CB-4A30-910D-2D170B9D1176}" type="pres">
+      <dgm:prSet presAssocID="{84292AAD-EFB9-4055-BFD1-A50A0B348BA9}" presName="horz1" presStyleCnt="0"/>
+      <dgm:spPr/>
+    </dgm:pt>
+    <dgm:pt modelId="{BF3A3BFF-B278-47C0-9F99-03CA83D3762E}" type="pres">
+      <dgm:prSet presAssocID="{84292AAD-EFB9-4055-BFD1-A50A0B348BA9}" presName="tx1" presStyleLbl="revTx" presStyleIdx="16" presStyleCnt="25"/>
+      <dgm:spPr/>
+    </dgm:pt>
+    <dgm:pt modelId="{BBC3A812-B274-48B1-8153-58F2B8ABFB93}" type="pres">
+      <dgm:prSet presAssocID="{84292AAD-EFB9-4055-BFD1-A50A0B348BA9}" presName="vert1" presStyleCnt="0"/>
+      <dgm:spPr/>
+    </dgm:pt>
+    <dgm:pt modelId="{BC62F511-28E1-413A-8ED4-F2F275DD473D}" type="pres">
+      <dgm:prSet presAssocID="{FF03BB79-1FB3-4756-9018-D31E4935135E}" presName="thickLine" presStyleLbl="alignNode1" presStyleIdx="17" presStyleCnt="25"/>
+      <dgm:spPr/>
+    </dgm:pt>
+    <dgm:pt modelId="{7ED40AEC-6371-4DF0-87BF-E0BFEDE0A511}" type="pres">
+      <dgm:prSet presAssocID="{FF03BB79-1FB3-4756-9018-D31E4935135E}" presName="horz1" presStyleCnt="0"/>
+      <dgm:spPr/>
+    </dgm:pt>
+    <dgm:pt modelId="{8B26B2D0-7CC5-46C6-93A0-38CAADD3F914}" type="pres">
+      <dgm:prSet presAssocID="{FF03BB79-1FB3-4756-9018-D31E4935135E}" presName="tx1" presStyleLbl="revTx" presStyleIdx="17" presStyleCnt="25"/>
+      <dgm:spPr/>
+    </dgm:pt>
+    <dgm:pt modelId="{BF750B1B-C96D-4FF2-AE25-8D9C02683AED}" type="pres">
+      <dgm:prSet presAssocID="{FF03BB79-1FB3-4756-9018-D31E4935135E}" presName="vert1" presStyleCnt="0"/>
+      <dgm:spPr/>
+    </dgm:pt>
+    <dgm:pt modelId="{D8A4DD62-9765-4F15-A2B6-0585D4EE2E98}" type="pres">
+      <dgm:prSet presAssocID="{DDCF26C8-B0BC-4CD9-8042-84D61FFC5E87}" presName="thickLine" presStyleLbl="alignNode1" presStyleIdx="18" presStyleCnt="25"/>
+      <dgm:spPr/>
+    </dgm:pt>
+    <dgm:pt modelId="{E7A69D64-EBA3-474C-843E-FD3637B8881A}" type="pres">
+      <dgm:prSet presAssocID="{DDCF26C8-B0BC-4CD9-8042-84D61FFC5E87}" presName="horz1" presStyleCnt="0"/>
+      <dgm:spPr/>
+    </dgm:pt>
+    <dgm:pt modelId="{72A46B59-FC35-47AE-8225-02F81C7E955E}" type="pres">
+      <dgm:prSet presAssocID="{DDCF26C8-B0BC-4CD9-8042-84D61FFC5E87}" presName="tx1" presStyleLbl="revTx" presStyleIdx="18" presStyleCnt="25"/>
+      <dgm:spPr/>
+    </dgm:pt>
+    <dgm:pt modelId="{68460B81-B8E5-4422-B74B-67EC42C150A5}" type="pres">
+      <dgm:prSet presAssocID="{DDCF26C8-B0BC-4CD9-8042-84D61FFC5E87}" presName="vert1" presStyleCnt="0"/>
+      <dgm:spPr/>
+    </dgm:pt>
+    <dgm:pt modelId="{CAF748BE-110D-4594-8175-304426BC600C}" type="pres">
+      <dgm:prSet presAssocID="{A0662B8D-88F3-47B1-9AA0-302FF7F3AD3D}" presName="thickLine" presStyleLbl="alignNode1" presStyleIdx="19" presStyleCnt="25"/>
+      <dgm:spPr/>
+    </dgm:pt>
+    <dgm:pt modelId="{9C50FB6E-9204-4AD0-914B-5CD777D48E56}" type="pres">
+      <dgm:prSet presAssocID="{A0662B8D-88F3-47B1-9AA0-302FF7F3AD3D}" presName="horz1" presStyleCnt="0"/>
+      <dgm:spPr/>
+    </dgm:pt>
+    <dgm:pt modelId="{411E1025-0494-4562-9689-27F87572AAA3}" type="pres">
+      <dgm:prSet presAssocID="{A0662B8D-88F3-47B1-9AA0-302FF7F3AD3D}" presName="tx1" presStyleLbl="revTx" presStyleIdx="19" presStyleCnt="25"/>
+      <dgm:spPr/>
+    </dgm:pt>
+    <dgm:pt modelId="{631CDCFD-176C-43E8-A826-B7930EEB0046}" type="pres">
+      <dgm:prSet presAssocID="{A0662B8D-88F3-47B1-9AA0-302FF7F3AD3D}" presName="vert1" presStyleCnt="0"/>
+      <dgm:spPr/>
+    </dgm:pt>
+    <dgm:pt modelId="{E2685901-79E4-4628-AF12-82606A3DD0EF}" type="pres">
+      <dgm:prSet presAssocID="{417FFA02-7EFB-4B6C-B185-32174F7500FF}" presName="thickLine" presStyleLbl="alignNode1" presStyleIdx="20" presStyleCnt="25"/>
+      <dgm:spPr/>
+    </dgm:pt>
+    <dgm:pt modelId="{C53C473F-0C77-420D-8F93-E6934822ED3D}" type="pres">
+      <dgm:prSet presAssocID="{417FFA02-7EFB-4B6C-B185-32174F7500FF}" presName="horz1" presStyleCnt="0"/>
+      <dgm:spPr/>
+    </dgm:pt>
+    <dgm:pt modelId="{683550A7-8CB5-4F08-8CC9-C68091194F0A}" type="pres">
+      <dgm:prSet presAssocID="{417FFA02-7EFB-4B6C-B185-32174F7500FF}" presName="tx1" presStyleLbl="revTx" presStyleIdx="20" presStyleCnt="25"/>
+      <dgm:spPr/>
+    </dgm:pt>
+    <dgm:pt modelId="{2552E648-EF36-4C5F-9684-1D56BFFDB967}" type="pres">
+      <dgm:prSet presAssocID="{417FFA02-7EFB-4B6C-B185-32174F7500FF}" presName="vert1" presStyleCnt="0"/>
+      <dgm:spPr/>
+    </dgm:pt>
+    <dgm:pt modelId="{C71E0C01-76BA-498D-9AF4-9E5A7F91CE2F}" type="pres">
+      <dgm:prSet presAssocID="{AD46C42A-9EC0-42D6-9C97-BE1FFA8CF845}" presName="thickLine" presStyleLbl="alignNode1" presStyleIdx="21" presStyleCnt="25"/>
+      <dgm:spPr/>
+    </dgm:pt>
+    <dgm:pt modelId="{0D46DB8B-A967-41D6-BB63-9B67C3530EBD}" type="pres">
+      <dgm:prSet presAssocID="{AD46C42A-9EC0-42D6-9C97-BE1FFA8CF845}" presName="horz1" presStyleCnt="0"/>
+      <dgm:spPr/>
+    </dgm:pt>
+    <dgm:pt modelId="{637DEFE3-1069-4C40-8D28-1DF0C51D1514}" type="pres">
+      <dgm:prSet presAssocID="{AD46C42A-9EC0-42D6-9C97-BE1FFA8CF845}" presName="tx1" presStyleLbl="revTx" presStyleIdx="21" presStyleCnt="25"/>
+      <dgm:spPr/>
+    </dgm:pt>
+    <dgm:pt modelId="{3DA6C8DA-EB23-4D58-954F-2BABB13D02E0}" type="pres">
+      <dgm:prSet presAssocID="{AD46C42A-9EC0-42D6-9C97-BE1FFA8CF845}" presName="vert1" presStyleCnt="0"/>
+      <dgm:spPr/>
+    </dgm:pt>
+    <dgm:pt modelId="{4FB31A79-B235-45D4-ACB2-0A5C9EB628B3}" type="pres">
+      <dgm:prSet presAssocID="{16EF6E30-6E03-4B61-9B44-EC4102B190F3}" presName="thickLine" presStyleLbl="alignNode1" presStyleIdx="22" presStyleCnt="25"/>
+      <dgm:spPr/>
+    </dgm:pt>
+    <dgm:pt modelId="{80581739-7FB3-4170-A8B8-7FDC5942578C}" type="pres">
+      <dgm:prSet presAssocID="{16EF6E30-6E03-4B61-9B44-EC4102B190F3}" presName="horz1" presStyleCnt="0"/>
+      <dgm:spPr/>
+    </dgm:pt>
+    <dgm:pt modelId="{7FF4442B-F010-4361-9FCC-6279424BCE5A}" type="pres">
+      <dgm:prSet presAssocID="{16EF6E30-6E03-4B61-9B44-EC4102B190F3}" presName="tx1" presStyleLbl="revTx" presStyleIdx="22" presStyleCnt="25"/>
+      <dgm:spPr/>
+    </dgm:pt>
+    <dgm:pt modelId="{9790F908-D179-40D3-B3EF-E123268C7453}" type="pres">
+      <dgm:prSet presAssocID="{16EF6E30-6E03-4B61-9B44-EC4102B190F3}" presName="vert1" presStyleCnt="0"/>
+      <dgm:spPr/>
+    </dgm:pt>
+    <dgm:pt modelId="{D105EC0D-5BFC-448D-BC2B-8C769189D6C6}" type="pres">
+      <dgm:prSet presAssocID="{02D46151-AD40-438D-B774-EE3942E0C3CD}" presName="thickLine" presStyleLbl="alignNode1" presStyleIdx="23" presStyleCnt="25"/>
+      <dgm:spPr/>
+    </dgm:pt>
+    <dgm:pt modelId="{48E8AFEA-9EB2-43C8-9AC9-DC6B8D22E2FD}" type="pres">
+      <dgm:prSet presAssocID="{02D46151-AD40-438D-B774-EE3942E0C3CD}" presName="horz1" presStyleCnt="0"/>
+      <dgm:spPr/>
+    </dgm:pt>
+    <dgm:pt modelId="{3FD7C0FB-92E1-42B2-B0E8-F0BB01883F2E}" type="pres">
+      <dgm:prSet presAssocID="{02D46151-AD40-438D-B774-EE3942E0C3CD}" presName="tx1" presStyleLbl="revTx" presStyleIdx="23" presStyleCnt="25"/>
+      <dgm:spPr/>
+    </dgm:pt>
+    <dgm:pt modelId="{60A4C98C-80D1-4AC2-81AB-4B636EA0FE88}" type="pres">
+      <dgm:prSet presAssocID="{02D46151-AD40-438D-B774-EE3942E0C3CD}" presName="vert1" presStyleCnt="0"/>
+      <dgm:spPr/>
+    </dgm:pt>
+    <dgm:pt modelId="{7737BDF9-BFAF-4ACF-A4ED-F898B91B4A20}" type="pres">
+      <dgm:prSet presAssocID="{C93A993D-B1F9-49D8-9BF2-D63EC5A38CA6}" presName="thickLine" presStyleLbl="alignNode1" presStyleIdx="24" presStyleCnt="25"/>
+      <dgm:spPr/>
+    </dgm:pt>
+    <dgm:pt modelId="{20864EBB-84D2-458E-9ED7-3D36B2C86B2D}" type="pres">
+      <dgm:prSet presAssocID="{C93A993D-B1F9-49D8-9BF2-D63EC5A38CA6}" presName="horz1" presStyleCnt="0"/>
+      <dgm:spPr/>
+    </dgm:pt>
+    <dgm:pt modelId="{365EF4D2-A8DA-4D36-B7E1-BA3DB9BE9FB2}" type="pres">
+      <dgm:prSet presAssocID="{C93A993D-B1F9-49D8-9BF2-D63EC5A38CA6}" presName="tx1" presStyleLbl="revTx" presStyleIdx="24" presStyleCnt="25"/>
+      <dgm:spPr/>
+    </dgm:pt>
+    <dgm:pt modelId="{7A33A9D6-81DD-41A0-AD1A-094F13DDEE43}" type="pres">
+      <dgm:prSet presAssocID="{C93A993D-B1F9-49D8-9BF2-D63EC5A38CA6}" presName="vert1" presStyleCnt="0"/>
+      <dgm:spPr/>
+    </dgm:pt>
+  </dgm:ptLst>
+  <dgm:cxnLst>
+    <dgm:cxn modelId="{6AFB4300-38E5-4965-BF3B-A315993BCB3E}" srcId="{771B6C34-57EE-4A8B-89A9-380E4A482C94}" destId="{A0662B8D-88F3-47B1-9AA0-302FF7F3AD3D}" srcOrd="19" destOrd="0" parTransId="{0A744E05-356D-4943-9365-3C88FB916050}" sibTransId="{4C90A3DC-E6F4-44D6-9E06-711F8993E76E}"/>
+    <dgm:cxn modelId="{149F0604-A698-4A20-83A9-61D8D169EEE1}" type="presOf" srcId="{3A17D260-5AD6-4B3E-9F90-489158F2E5B5}" destId="{375C9C0A-9C91-49EC-A333-7618CA3251F7}" srcOrd="0" destOrd="0" presId="urn:microsoft.com/office/officeart/2008/layout/LinedList"/>
+    <dgm:cxn modelId="{F7C37D04-50B2-4D14-AC62-7F0F69AC76C7}" srcId="{771B6C34-57EE-4A8B-89A9-380E4A482C94}" destId="{A0190215-8858-493B-AB80-2195A0D801BD}" srcOrd="7" destOrd="0" parTransId="{44E5D59E-1D31-4813-A275-F4690E7EFD39}" sibTransId="{A618B273-32C8-4993-AAF7-5F83696F404E}"/>
+    <dgm:cxn modelId="{A6345A0F-224C-4846-BDCF-B28C98DEB909}" type="presOf" srcId="{907DC889-E404-4BC3-954F-A9BDD92BE379}" destId="{735618A3-76CD-4100-AD30-671AC1DC01BE}" srcOrd="0" destOrd="0" presId="urn:microsoft.com/office/officeart/2008/layout/LinedList"/>
+    <dgm:cxn modelId="{96F78715-BB19-41F7-99F4-4691389479A5}" srcId="{771B6C34-57EE-4A8B-89A9-380E4A482C94}" destId="{A9BD8832-CB65-4C57-9F1F-46038F7F5A5A}" srcOrd="15" destOrd="0" parTransId="{1DDF32E2-C52A-4159-8C0A-79D4F1C8D1C7}" sibTransId="{8251C349-445B-487A-809D-EE10A9F79232}"/>
+    <dgm:cxn modelId="{19E50428-5351-47D9-8A70-8BD43DBB2A45}" type="presOf" srcId="{A0662B8D-88F3-47B1-9AA0-302FF7F3AD3D}" destId="{411E1025-0494-4562-9689-27F87572AAA3}" srcOrd="0" destOrd="0" presId="urn:microsoft.com/office/officeart/2008/layout/LinedList"/>
+    <dgm:cxn modelId="{1788972A-F032-4C00-8722-FF86DE157893}" type="presOf" srcId="{1F6EE4D4-CE68-4217-9B38-797D290E6A83}" destId="{C1AC20EF-0654-41D5-8A67-4DF6F882C095}" srcOrd="0" destOrd="0" presId="urn:microsoft.com/office/officeart/2008/layout/LinedList"/>
+    <dgm:cxn modelId="{8EB24D30-D4A0-44E4-B856-152271E56A4B}" type="presOf" srcId="{16EF6E30-6E03-4B61-9B44-EC4102B190F3}" destId="{7FF4442B-F010-4361-9FCC-6279424BCE5A}" srcOrd="0" destOrd="0" presId="urn:microsoft.com/office/officeart/2008/layout/LinedList"/>
+    <dgm:cxn modelId="{12EEFB31-4CEB-4D7E-8C9D-4F25DFFE49DE}" type="presOf" srcId="{C93A993D-B1F9-49D8-9BF2-D63EC5A38CA6}" destId="{365EF4D2-A8DA-4D36-B7E1-BA3DB9BE9FB2}" srcOrd="0" destOrd="0" presId="urn:microsoft.com/office/officeart/2008/layout/LinedList"/>
+    <dgm:cxn modelId="{BE06D033-B16D-4E75-AA82-27E334B68C1F}" srcId="{771B6C34-57EE-4A8B-89A9-380E4A482C94}" destId="{7BF438DB-4295-48AA-A412-B026BF913B27}" srcOrd="10" destOrd="0" parTransId="{2E425B1B-DA6E-4E34-8AF4-EC8E7E359562}" sibTransId="{22241758-F00D-422C-9BC8-240B757C6375}"/>
+    <dgm:cxn modelId="{40BC3B35-CF9B-4F45-86FF-0A822D2ECA8D}" type="presOf" srcId="{84292AAD-EFB9-4055-BFD1-A50A0B348BA9}" destId="{BF3A3BFF-B278-47C0-9F99-03CA83D3762E}" srcOrd="0" destOrd="0" presId="urn:microsoft.com/office/officeart/2008/layout/LinedList"/>
+    <dgm:cxn modelId="{CDC2B93A-BD14-40D6-AF73-A857E54F4CF7}" type="presOf" srcId="{AD46C42A-9EC0-42D6-9C97-BE1FFA8CF845}" destId="{637DEFE3-1069-4C40-8D28-1DF0C51D1514}" srcOrd="0" destOrd="0" presId="urn:microsoft.com/office/officeart/2008/layout/LinedList"/>
+    <dgm:cxn modelId="{18D6243D-BD9A-4AD7-8CCD-90EDEF220B8A}" type="presOf" srcId="{B62F83E1-2CD3-4C72-B76B-44D8955C03E9}" destId="{3C5264E7-5A98-40E4-80BA-8F9212555A62}" srcOrd="0" destOrd="0" presId="urn:microsoft.com/office/officeart/2008/layout/LinedList"/>
+    <dgm:cxn modelId="{E8AF5165-3DAD-4060-B122-0C601231CB84}" type="presOf" srcId="{FF03BB79-1FB3-4756-9018-D31E4935135E}" destId="{8B26B2D0-7CC5-46C6-93A0-38CAADD3F914}" srcOrd="0" destOrd="0" presId="urn:microsoft.com/office/officeart/2008/layout/LinedList"/>
+    <dgm:cxn modelId="{59EE3446-A0FB-4F5E-A102-0F7AF381F941}" srcId="{771B6C34-57EE-4A8B-89A9-380E4A482C94}" destId="{3A17D260-5AD6-4B3E-9F90-489158F2E5B5}" srcOrd="1" destOrd="0" parTransId="{C8EB057C-4488-40B4-A914-654742F3CD67}" sibTransId="{899DFECB-4E65-4354-8030-C81FB4B1CC43}"/>
+    <dgm:cxn modelId="{58C7A747-1914-41A3-B2CC-29ABB0A9FBAA}" srcId="{771B6C34-57EE-4A8B-89A9-380E4A482C94}" destId="{1F6EE4D4-CE68-4217-9B38-797D290E6A83}" srcOrd="0" destOrd="0" parTransId="{BD9DC04B-DFC4-4D17-B0E0-86EB1375EFFC}" sibTransId="{E6D75DE9-1168-4BC4-9C39-DF3C9CC4F0C1}"/>
+    <dgm:cxn modelId="{CD2F8169-4F49-4FFB-8E00-4ED4652649A2}" srcId="{771B6C34-57EE-4A8B-89A9-380E4A482C94}" destId="{A29D2A69-9A97-4772-A6FF-9E359888AA51}" srcOrd="12" destOrd="0" parTransId="{260DBF7B-58F2-4125-AFC8-38AF69AC0668}" sibTransId="{875A2F65-5163-49FD-8AE3-8E8156CDCAA0}"/>
+    <dgm:cxn modelId="{DBA7424B-2E2E-4B6A-92DC-E25B997F2E26}" srcId="{771B6C34-57EE-4A8B-89A9-380E4A482C94}" destId="{C58EDAA2-E5DE-46B8-8473-8E4F5ED203F0}" srcOrd="2" destOrd="0" parTransId="{6A8405C8-0B9D-4B6B-9355-33D6723F45E1}" sibTransId="{4019A00F-B4ED-4CE9-9725-9CE12AED2E7D}"/>
+    <dgm:cxn modelId="{3053AA4D-EFE2-433B-AE62-73C131F6B160}" type="presOf" srcId="{A29D2A69-9A97-4772-A6FF-9E359888AA51}" destId="{29B969A1-1797-4C73-B990-AF23F5D72BD1}" srcOrd="0" destOrd="0" presId="urn:microsoft.com/office/officeart/2008/layout/LinedList"/>
+    <dgm:cxn modelId="{E698E14F-2D77-4517-B401-4113D732CDE0}" type="presOf" srcId="{A0190215-8858-493B-AB80-2195A0D801BD}" destId="{87ECC06B-6569-40A5-9669-9B84BA395909}" srcOrd="0" destOrd="0" presId="urn:microsoft.com/office/officeart/2008/layout/LinedList"/>
+    <dgm:cxn modelId="{6A154E70-A303-4235-B54F-0E346E3F5223}" srcId="{771B6C34-57EE-4A8B-89A9-380E4A482C94}" destId="{02D46151-AD40-438D-B774-EE3942E0C3CD}" srcOrd="23" destOrd="0" parTransId="{7A949C43-87B3-49FB-9738-39FE31B1C648}" sibTransId="{5454DEEF-7DA3-4866-A6C8-86F2E8DC4DF5}"/>
+    <dgm:cxn modelId="{6E1D8B52-2D26-46B3-A401-F0F53C7A1B8B}" type="presOf" srcId="{5F65105B-180A-4367-A8A6-513C3B21992A}" destId="{8DAD8F55-D257-45C3-A023-3A774FE79B84}" srcOrd="0" destOrd="0" presId="urn:microsoft.com/office/officeart/2008/layout/LinedList"/>
+    <dgm:cxn modelId="{A1B61474-80FB-46BF-BF32-8A6A567B24CC}" srcId="{771B6C34-57EE-4A8B-89A9-380E4A482C94}" destId="{16EF6E30-6E03-4B61-9B44-EC4102B190F3}" srcOrd="22" destOrd="0" parTransId="{9AF94AD0-370C-4628-89DC-084A35F4D5BC}" sibTransId="{68DAA6CC-F094-483D-8914-BBF8056CBDBE}"/>
+    <dgm:cxn modelId="{C6D8F876-5A05-48F2-8166-C924A78BA3FB}" type="presOf" srcId="{7BF438DB-4295-48AA-A412-B026BF913B27}" destId="{21A8E1AB-8081-4AF2-BFCA-A14F0816FA0A}" srcOrd="0" destOrd="0" presId="urn:microsoft.com/office/officeart/2008/layout/LinedList"/>
+    <dgm:cxn modelId="{2422657A-861F-4937-926F-21360A3A86D7}" type="presOf" srcId="{A9BD8832-CB65-4C57-9F1F-46038F7F5A5A}" destId="{A05788C9-3CEB-459B-BAF8-34AB74EE5F7D}" srcOrd="0" destOrd="0" presId="urn:microsoft.com/office/officeart/2008/layout/LinedList"/>
+    <dgm:cxn modelId="{7619CE84-FC35-4A87-8A37-5472289306F6}" srcId="{771B6C34-57EE-4A8B-89A9-380E4A482C94}" destId="{DDCF26C8-B0BC-4CD9-8042-84D61FFC5E87}" srcOrd="18" destOrd="0" parTransId="{D909E9E7-492D-4DE4-A275-FC2C8F4A8516}" sibTransId="{C533AE9F-1DCA-4221-9ED1-C81FC5180F4E}"/>
+    <dgm:cxn modelId="{1C449C86-8EB6-472A-B544-13FD007BE847}" srcId="{771B6C34-57EE-4A8B-89A9-380E4A482C94}" destId="{3C038CAA-88E4-44F7-9C13-CFBD84182F10}" srcOrd="14" destOrd="0" parTransId="{FEC2C443-9259-43CD-899F-D7090271AC92}" sibTransId="{D4E900D0-B46D-41D0-AA72-305F66755F54}"/>
+    <dgm:cxn modelId="{2EC42387-8A05-4352-BDAF-9592AF60AD03}" srcId="{771B6C34-57EE-4A8B-89A9-380E4A482C94}" destId="{C93A993D-B1F9-49D8-9BF2-D63EC5A38CA6}" srcOrd="24" destOrd="0" parTransId="{FCC7F673-19E8-417F-A55F-8C1BA7D6603A}" sibTransId="{A4CFDDD4-E598-493B-B3E0-E05840F864D2}"/>
+    <dgm:cxn modelId="{54994489-63D1-46EA-A7B5-DFFF51E1C8C6}" srcId="{771B6C34-57EE-4A8B-89A9-380E4A482C94}" destId="{5F65105B-180A-4367-A8A6-513C3B21992A}" srcOrd="6" destOrd="0" parTransId="{B695B79C-281D-4E14-9DFF-5AF297F866E8}" sibTransId="{A0C5FE8A-4604-4222-A278-F78A4C3D253D}"/>
+    <dgm:cxn modelId="{3B5E6D90-BA6A-4BBD-9CD3-DDBE61DABB5C}" type="presOf" srcId="{D481582A-A5C1-43E6-9F43-561002937C43}" destId="{E9E74DCB-08C3-4827-AD32-1B97F975D264}" srcOrd="0" destOrd="0" presId="urn:microsoft.com/office/officeart/2008/layout/LinedList"/>
+    <dgm:cxn modelId="{B007B397-21B0-4AFC-8FDD-1963038EDB10}" type="presOf" srcId="{C58EDAA2-E5DE-46B8-8473-8E4F5ED203F0}" destId="{1B3795C9-BF21-4DA6-94BE-6B681182A0CF}" srcOrd="0" destOrd="0" presId="urn:microsoft.com/office/officeart/2008/layout/LinedList"/>
+    <dgm:cxn modelId="{31EDAC9A-8E08-489E-8754-B68045D12260}" type="presOf" srcId="{3D9918FF-AB8F-4D57-A858-5C32A1AB7E9B}" destId="{F033387E-1C69-4C6E-BF91-1C12FE85DFAC}" srcOrd="0" destOrd="0" presId="urn:microsoft.com/office/officeart/2008/layout/LinedList"/>
+    <dgm:cxn modelId="{8E76E3A2-665E-4C30-9F29-1DF17481AF61}" type="presOf" srcId="{8C4C1878-237B-4C5D-99DF-6D2AB223826D}" destId="{B0DC5B5D-3EA8-45D0-866D-B42347B72EE5}" srcOrd="0" destOrd="0" presId="urn:microsoft.com/office/officeart/2008/layout/LinedList"/>
+    <dgm:cxn modelId="{9F4550A5-1DF7-4A4F-89F0-EDC5C7EC7D46}" srcId="{771B6C34-57EE-4A8B-89A9-380E4A482C94}" destId="{C4A3B22F-8FDF-426D-A0FC-B2390D8DB092}" srcOrd="5" destOrd="0" parTransId="{46792DAF-E650-447C-866C-726A8540C312}" sibTransId="{DE060E21-7C1B-4ADA-A1A7-309268730ACF}"/>
+    <dgm:cxn modelId="{771646A7-D104-423A-9C59-29525A74F1B3}" type="presOf" srcId="{D9EE8C50-5FD0-428F-B6EC-0835B9F19446}" destId="{F02B3386-0435-4CBE-9C9B-FC5554250E38}" srcOrd="0" destOrd="0" presId="urn:microsoft.com/office/officeart/2008/layout/LinedList"/>
+    <dgm:cxn modelId="{66E8F7A9-F16E-44F9-B1F9-935F40B2206A}" srcId="{771B6C34-57EE-4A8B-89A9-380E4A482C94}" destId="{FF03BB79-1FB3-4756-9018-D31E4935135E}" srcOrd="17" destOrd="0" parTransId="{B5BBF43C-5982-45E6-9E75-890604F7DD2F}" sibTransId="{7035691F-93C7-4E34-857B-DC5BACDBE7C0}"/>
+    <dgm:cxn modelId="{99988BAE-0CBB-4B3C-96E2-E31E19B1CE08}" srcId="{771B6C34-57EE-4A8B-89A9-380E4A482C94}" destId="{3D9918FF-AB8F-4D57-A858-5C32A1AB7E9B}" srcOrd="4" destOrd="0" parTransId="{73A1C130-78F3-41C5-9358-57E470ED6746}" sibTransId="{A38569EF-D7CC-4EA0-ADB4-4EF4601D03EF}"/>
+    <dgm:cxn modelId="{D4AECEAE-F0CC-4C68-B697-5BEFC5DBFCC9}" srcId="{771B6C34-57EE-4A8B-89A9-380E4A482C94}" destId="{AD46C42A-9EC0-42D6-9C97-BE1FFA8CF845}" srcOrd="21" destOrd="0" parTransId="{AA9B1B72-03B9-496A-BF33-3057218E1A0B}" sibTransId="{E7F1F3E3-FB93-49BB-A6F7-506A2208EA6F}"/>
+    <dgm:cxn modelId="{879DF5B2-832D-4304-872D-03D340A4AB1C}" srcId="{771B6C34-57EE-4A8B-89A9-380E4A482C94}" destId="{417FFA02-7EFB-4B6C-B185-32174F7500FF}" srcOrd="20" destOrd="0" parTransId="{6A89D3E4-8AD4-43EA-A6F9-3C7A1E3CAA9B}" sibTransId="{8E0C87E4-F79E-473A-93D6-EF269271B7FD}"/>
+    <dgm:cxn modelId="{3E83F1B3-1388-4B7F-BE59-E0A9F0122DA8}" type="presOf" srcId="{417FFA02-7EFB-4B6C-B185-32174F7500FF}" destId="{683550A7-8CB5-4F08-8CC9-C68091194F0A}" srcOrd="0" destOrd="0" presId="urn:microsoft.com/office/officeart/2008/layout/LinedList"/>
+    <dgm:cxn modelId="{D13205BA-C35F-43D9-B066-2277042D513A}" type="presOf" srcId="{3C038CAA-88E4-44F7-9C13-CFBD84182F10}" destId="{ADD02BCF-599D-4EC5-8D4D-A50FA36C6884}" srcOrd="0" destOrd="0" presId="urn:microsoft.com/office/officeart/2008/layout/LinedList"/>
+    <dgm:cxn modelId="{F873CBCC-52AB-45EF-8656-2DEFC68ED734}" srcId="{771B6C34-57EE-4A8B-89A9-380E4A482C94}" destId="{D9EE8C50-5FD0-428F-B6EC-0835B9F19446}" srcOrd="11" destOrd="0" parTransId="{5C476AD9-2AD1-4CF6-B937-B2A297FA54CF}" sibTransId="{4F1D2C67-9560-4813-9A64-F7F0095F991B}"/>
+    <dgm:cxn modelId="{E3B18BD0-30D8-45CA-8457-5BEA203CDC2D}" type="presOf" srcId="{DDCF26C8-B0BC-4CD9-8042-84D61FFC5E87}" destId="{72A46B59-FC35-47AE-8225-02F81C7E955E}" srcOrd="0" destOrd="0" presId="urn:microsoft.com/office/officeart/2008/layout/LinedList"/>
+    <dgm:cxn modelId="{F40DEAD0-AFDB-400A-A8B3-CA3B0425F936}" srcId="{771B6C34-57EE-4A8B-89A9-380E4A482C94}" destId="{8C4C1878-237B-4C5D-99DF-6D2AB223826D}" srcOrd="13" destOrd="0" parTransId="{C81E452E-6365-4445-96B3-0A3C05C2C8FA}" sibTransId="{49C7FAF4-919D-4444-8349-385CA96A027C}"/>
+    <dgm:cxn modelId="{7ABFD7D2-BEB4-42D6-B7E9-855F39BA4C0C}" type="presOf" srcId="{C4A3B22F-8FDF-426D-A0FC-B2390D8DB092}" destId="{53BEDA2A-6780-4E65-83DF-11E879D82E61}" srcOrd="0" destOrd="0" presId="urn:microsoft.com/office/officeart/2008/layout/LinedList"/>
+    <dgm:cxn modelId="{66ED08D7-DF36-4C20-9D3D-4ED65DE4A799}" srcId="{771B6C34-57EE-4A8B-89A9-380E4A482C94}" destId="{B62F83E1-2CD3-4C72-B76B-44D8955C03E9}" srcOrd="3" destOrd="0" parTransId="{2C874453-AB14-4BBE-8A48-06355C0AE2F3}" sibTransId="{34D55B08-3E17-47BF-912E-818610416D7B}"/>
+    <dgm:cxn modelId="{4A7C4EDC-1859-41A0-BECE-3F312AA845CA}" srcId="{771B6C34-57EE-4A8B-89A9-380E4A482C94}" destId="{84292AAD-EFB9-4055-BFD1-A50A0B348BA9}" srcOrd="16" destOrd="0" parTransId="{AD6ABF8D-4C0B-4973-9A36-89333F350C9C}" sibTransId="{0935E082-F535-49EC-AA62-46AA6A287B6C}"/>
+    <dgm:cxn modelId="{73DD35ED-33E5-4802-9A7B-F6175546E118}" srcId="{771B6C34-57EE-4A8B-89A9-380E4A482C94}" destId="{907DC889-E404-4BC3-954F-A9BDD92BE379}" srcOrd="9" destOrd="0" parTransId="{8AA5FD15-F7C1-4B88-A279-C1ACF9DADF54}" sibTransId="{01E4B278-87EA-400A-ABA4-E9B54B37E97D}"/>
+    <dgm:cxn modelId="{DF7930FE-2B8B-401A-BE17-C93D83BE4B6B}" type="presOf" srcId="{771B6C34-57EE-4A8B-89A9-380E4A482C94}" destId="{833FCA1D-8F27-40AD-9AED-5803ED0D0C82}" srcOrd="0" destOrd="0" presId="urn:microsoft.com/office/officeart/2008/layout/LinedList"/>
+    <dgm:cxn modelId="{8D4505FF-A9AD-4E53-A7F0-F6D44C808C58}" srcId="{771B6C34-57EE-4A8B-89A9-380E4A482C94}" destId="{D481582A-A5C1-43E6-9F43-561002937C43}" srcOrd="8" destOrd="0" parTransId="{EF69E6D8-448D-4609-B98D-BF1545EE72FB}" sibTransId="{AD2B74B9-C516-4D7C-8A2F-408057593483}"/>
+    <dgm:cxn modelId="{E4DD8BFF-A45A-4BE0-9322-489DF3F0F0E5}" type="presOf" srcId="{02D46151-AD40-438D-B774-EE3942E0C3CD}" destId="{3FD7C0FB-92E1-42B2-B0E8-F0BB01883F2E}" srcOrd="0" destOrd="0" presId="urn:microsoft.com/office/officeart/2008/layout/LinedList"/>
+    <dgm:cxn modelId="{E6F9E621-ED16-4158-9FC7-E1FBF20D06B5}" type="presParOf" srcId="{833FCA1D-8F27-40AD-9AED-5803ED0D0C82}" destId="{A3603A2B-4EA5-47A5-8873-3E65E2FADD5A}" srcOrd="0" destOrd="0" presId="urn:microsoft.com/office/officeart/2008/layout/LinedList"/>
+    <dgm:cxn modelId="{D74A221B-7345-411C-A023-D4BF9CF8BF14}" type="presParOf" srcId="{833FCA1D-8F27-40AD-9AED-5803ED0D0C82}" destId="{5B0633EC-CC08-4B28-B558-D644A0B713C8}" srcOrd="1" destOrd="0" presId="urn:microsoft.com/office/officeart/2008/layout/LinedList"/>
+    <dgm:cxn modelId="{1B56E94D-5972-43E0-A8A0-E7149ABC9D37}" type="presParOf" srcId="{5B0633EC-CC08-4B28-B558-D644A0B713C8}" destId="{C1AC20EF-0654-41D5-8A67-4DF6F882C095}" srcOrd="0" destOrd="0" presId="urn:microsoft.com/office/officeart/2008/layout/LinedList"/>
+    <dgm:cxn modelId="{33C7583E-A7AC-4D21-999E-A0A3DCAF9E69}" type="presParOf" srcId="{5B0633EC-CC08-4B28-B558-D644A0B713C8}" destId="{48FA1F21-A049-49C4-81F7-A204D4F7760D}" srcOrd="1" destOrd="0" presId="urn:microsoft.com/office/officeart/2008/layout/LinedList"/>
+    <dgm:cxn modelId="{B8B3618B-3E7C-4B7A-9812-7254B267BB8C}" type="presParOf" srcId="{833FCA1D-8F27-40AD-9AED-5803ED0D0C82}" destId="{0712B33D-EA8A-48D5-AF03-17C272AEA9DE}" srcOrd="2" destOrd="0" presId="urn:microsoft.com/office/officeart/2008/layout/LinedList"/>
+    <dgm:cxn modelId="{B451F278-34A8-430B-B0EE-8698FE57B74A}" type="presParOf" srcId="{833FCA1D-8F27-40AD-9AED-5803ED0D0C82}" destId="{D9F27969-2EFA-437A-AC3A-B417CB23B08E}" srcOrd="3" destOrd="0" presId="urn:microsoft.com/office/officeart/2008/layout/LinedList"/>
+    <dgm:cxn modelId="{065D66D8-4583-467A-B3DA-AA662D0D210D}" type="presParOf" srcId="{D9F27969-2EFA-437A-AC3A-B417CB23B08E}" destId="{375C9C0A-9C91-49EC-A333-7618CA3251F7}" srcOrd="0" destOrd="0" presId="urn:microsoft.com/office/officeart/2008/layout/LinedList"/>
+    <dgm:cxn modelId="{37B57ECE-B7E0-49A0-893F-0BB340958B29}" type="presParOf" srcId="{D9F27969-2EFA-437A-AC3A-B417CB23B08E}" destId="{897BC37A-20D5-4444-89E1-AD023E938E36}" srcOrd="1" destOrd="0" presId="urn:microsoft.com/office/officeart/2008/layout/LinedList"/>
+    <dgm:cxn modelId="{82898586-57BE-4B2C-8CE9-E6D3D65D32CD}" type="presParOf" srcId="{833FCA1D-8F27-40AD-9AED-5803ED0D0C82}" destId="{4F8A7FC3-F983-41E1-9ECF-8765101E700E}" srcOrd="4" destOrd="0" presId="urn:microsoft.com/office/officeart/2008/layout/LinedList"/>
+    <dgm:cxn modelId="{269D6584-BF84-4F49-82F7-AB1D591C38BA}" type="presParOf" srcId="{833FCA1D-8F27-40AD-9AED-5803ED0D0C82}" destId="{AC5F8283-5C1B-4C58-A879-62A3A9C1F3E1}" srcOrd="5" destOrd="0" presId="urn:microsoft.com/office/officeart/2008/layout/LinedList"/>
+    <dgm:cxn modelId="{1AB9C460-8606-4B3F-9D8C-AB208DA4FC00}" type="presParOf" srcId="{AC5F8283-5C1B-4C58-A879-62A3A9C1F3E1}" destId="{1B3795C9-BF21-4DA6-94BE-6B681182A0CF}" srcOrd="0" destOrd="0" presId="urn:microsoft.com/office/officeart/2008/layout/LinedList"/>
+    <dgm:cxn modelId="{C98A8DB8-15B0-4BD8-A320-AF6418C94DAC}" type="presParOf" srcId="{AC5F8283-5C1B-4C58-A879-62A3A9C1F3E1}" destId="{94C027A5-0EC9-4B96-BB6C-C85CDFFA94DE}" srcOrd="1" destOrd="0" presId="urn:microsoft.com/office/officeart/2008/layout/LinedList"/>
+    <dgm:cxn modelId="{89A00755-7377-48EF-8CEE-B612D2598678}" type="presParOf" srcId="{833FCA1D-8F27-40AD-9AED-5803ED0D0C82}" destId="{6082D2E8-2B84-450B-8B9C-B0E6D4B2EA2A}" srcOrd="6" destOrd="0" presId="urn:microsoft.com/office/officeart/2008/layout/LinedList"/>
+    <dgm:cxn modelId="{29343034-79F0-4A58-AFE2-4ABD0B1E8FC4}" type="presParOf" srcId="{833FCA1D-8F27-40AD-9AED-5803ED0D0C82}" destId="{1FA52D3C-3DF1-4BF6-A41C-F5A64058ADB2}" srcOrd="7" destOrd="0" presId="urn:microsoft.com/office/officeart/2008/layout/LinedList"/>
+    <dgm:cxn modelId="{1D7CB1B3-AFDC-46FB-923A-67122E524677}" type="presParOf" srcId="{1FA52D3C-3DF1-4BF6-A41C-F5A64058ADB2}" destId="{3C5264E7-5A98-40E4-80BA-8F9212555A62}" srcOrd="0" destOrd="0" presId="urn:microsoft.com/office/officeart/2008/layout/LinedList"/>
+    <dgm:cxn modelId="{827A7B41-70D9-40EC-9CB6-E56BBF299B00}" type="presParOf" srcId="{1FA52D3C-3DF1-4BF6-A41C-F5A64058ADB2}" destId="{6D009DC3-A577-4F9F-B058-F8A3537F1065}" srcOrd="1" destOrd="0" presId="urn:microsoft.com/office/officeart/2008/layout/LinedList"/>
+    <dgm:cxn modelId="{EBF20B75-F559-4E52-8132-0B2A224CFD43}" type="presParOf" srcId="{833FCA1D-8F27-40AD-9AED-5803ED0D0C82}" destId="{43254676-7C48-40DA-A347-58806C7E516B}" srcOrd="8" destOrd="0" presId="urn:microsoft.com/office/officeart/2008/layout/LinedList"/>
+    <dgm:cxn modelId="{598F6A77-7F2E-44FB-B989-DC1909FBD113}" type="presParOf" srcId="{833FCA1D-8F27-40AD-9AED-5803ED0D0C82}" destId="{A2F07063-EF37-4B71-9DC3-E4E507950499}" srcOrd="9" destOrd="0" presId="urn:microsoft.com/office/officeart/2008/layout/LinedList"/>
+    <dgm:cxn modelId="{AF517A0E-5D7B-47D5-89DF-9C5F53541A8F}" type="presParOf" srcId="{A2F07063-EF37-4B71-9DC3-E4E507950499}" destId="{F033387E-1C69-4C6E-BF91-1C12FE85DFAC}" srcOrd="0" destOrd="0" presId="urn:microsoft.com/office/officeart/2008/layout/LinedList"/>
+    <dgm:cxn modelId="{82C88896-4933-4663-98ED-03944C687697}" type="presParOf" srcId="{A2F07063-EF37-4B71-9DC3-E4E507950499}" destId="{E735DED0-4A2D-4927-9D7C-C83678230844}" srcOrd="1" destOrd="0" presId="urn:microsoft.com/office/officeart/2008/layout/LinedList"/>
+    <dgm:cxn modelId="{6462EA36-B4D4-4110-953B-B17383D768A0}" type="presParOf" srcId="{833FCA1D-8F27-40AD-9AED-5803ED0D0C82}" destId="{1491AFBE-A8B9-4CFE-8585-C0A0F88F57C0}" srcOrd="10" destOrd="0" presId="urn:microsoft.com/office/officeart/2008/layout/LinedList"/>
+    <dgm:cxn modelId="{E5E9DA54-2824-4F7C-937E-733DFDC9A768}" type="presParOf" srcId="{833FCA1D-8F27-40AD-9AED-5803ED0D0C82}" destId="{1BAD4931-F749-4345-A765-D9A91FC3F130}" srcOrd="11" destOrd="0" presId="urn:microsoft.com/office/officeart/2008/layout/LinedList"/>
+    <dgm:cxn modelId="{FB5B0F68-8B24-4C56-810F-E43B9D99ED66}" type="presParOf" srcId="{1BAD4931-F749-4345-A765-D9A91FC3F130}" destId="{53BEDA2A-6780-4E65-83DF-11E879D82E61}" srcOrd="0" destOrd="0" presId="urn:microsoft.com/office/officeart/2008/layout/LinedList"/>
+    <dgm:cxn modelId="{BF1CEC62-D9A2-465F-A1E4-416AB412B941}" type="presParOf" srcId="{1BAD4931-F749-4345-A765-D9A91FC3F130}" destId="{CE6A4095-9A83-4F79-97D1-429C9CAF1734}" srcOrd="1" destOrd="0" presId="urn:microsoft.com/office/officeart/2008/layout/LinedList"/>
+    <dgm:cxn modelId="{D00856E7-E942-4997-BC09-A8BE442FC64F}" type="presParOf" srcId="{833FCA1D-8F27-40AD-9AED-5803ED0D0C82}" destId="{9D46C531-EA53-4BB9-BBF3-6D976F5B810D}" srcOrd="12" destOrd="0" presId="urn:microsoft.com/office/officeart/2008/layout/LinedList"/>
+    <dgm:cxn modelId="{8424E99F-5E74-420C-87BC-DDB306FDD950}" type="presParOf" srcId="{833FCA1D-8F27-40AD-9AED-5803ED0D0C82}" destId="{E573D3A7-EFFB-4F0D-9966-B09CE58DFBB9}" srcOrd="13" destOrd="0" presId="urn:microsoft.com/office/officeart/2008/layout/LinedList"/>
+    <dgm:cxn modelId="{FC9E2819-E8DC-482D-8EC6-57D6BA6E9393}" type="presParOf" srcId="{E573D3A7-EFFB-4F0D-9966-B09CE58DFBB9}" destId="{8DAD8F55-D257-45C3-A023-3A774FE79B84}" srcOrd="0" destOrd="0" presId="urn:microsoft.com/office/officeart/2008/layout/LinedList"/>
+    <dgm:cxn modelId="{9E208284-0DA0-490E-84BA-2C5B37DE1908}" type="presParOf" srcId="{E573D3A7-EFFB-4F0D-9966-B09CE58DFBB9}" destId="{03030710-D02F-428E-AC49-6D152DBCF679}" srcOrd="1" destOrd="0" presId="urn:microsoft.com/office/officeart/2008/layout/LinedList"/>
+    <dgm:cxn modelId="{3F6E57A2-F899-4AAA-9EF4-C7697273C232}" type="presParOf" srcId="{833FCA1D-8F27-40AD-9AED-5803ED0D0C82}" destId="{8EBA9BC5-8B88-4E84-A218-F6AF2D1030FD}" srcOrd="14" destOrd="0" presId="urn:microsoft.com/office/officeart/2008/layout/LinedList"/>
+    <dgm:cxn modelId="{38107BC9-0835-4852-8CC2-DD049F5845BE}" type="presParOf" srcId="{833FCA1D-8F27-40AD-9AED-5803ED0D0C82}" destId="{CD2A45A0-93B6-4FBD-8B41-34531BD6EE6F}" srcOrd="15" destOrd="0" presId="urn:microsoft.com/office/officeart/2008/layout/LinedList"/>
+    <dgm:cxn modelId="{EA8D62F1-F7A7-4266-A8EF-4B3B9AFD531E}" type="presParOf" srcId="{CD2A45A0-93B6-4FBD-8B41-34531BD6EE6F}" destId="{87ECC06B-6569-40A5-9669-9B84BA395909}" srcOrd="0" destOrd="0" presId="urn:microsoft.com/office/officeart/2008/layout/LinedList"/>
+    <dgm:cxn modelId="{30CABA84-7030-42DE-AC59-CBC9A8D5F86B}" type="presParOf" srcId="{CD2A45A0-93B6-4FBD-8B41-34531BD6EE6F}" destId="{2FB5E162-F837-4987-855D-4DE73319DC59}" srcOrd="1" destOrd="0" presId="urn:microsoft.com/office/officeart/2008/layout/LinedList"/>
+    <dgm:cxn modelId="{536BC07D-6745-43A7-AC4B-A24FBB56F7E9}" type="presParOf" srcId="{833FCA1D-8F27-40AD-9AED-5803ED0D0C82}" destId="{85179C0D-5599-45BB-B265-520091E95C7E}" srcOrd="16" destOrd="0" presId="urn:microsoft.com/office/officeart/2008/layout/LinedList"/>
+    <dgm:cxn modelId="{AA773647-A893-4907-8429-6A4F5F027B28}" type="presParOf" srcId="{833FCA1D-8F27-40AD-9AED-5803ED0D0C82}" destId="{0114EE81-B70A-467C-9AB2-B170271A2E93}" srcOrd="17" destOrd="0" presId="urn:microsoft.com/office/officeart/2008/layout/LinedList"/>
+    <dgm:cxn modelId="{85D98E92-C958-4B07-8DE5-9B9B8B84E7C4}" type="presParOf" srcId="{0114EE81-B70A-467C-9AB2-B170271A2E93}" destId="{E9E74DCB-08C3-4827-AD32-1B97F975D264}" srcOrd="0" destOrd="0" presId="urn:microsoft.com/office/officeart/2008/layout/LinedList"/>
+    <dgm:cxn modelId="{AF895A58-7C7C-4957-AEB4-07CC22697EF2}" type="presParOf" srcId="{0114EE81-B70A-467C-9AB2-B170271A2E93}" destId="{EC618006-F7FF-4097-A424-011B03C27BA7}" srcOrd="1" destOrd="0" presId="urn:microsoft.com/office/officeart/2008/layout/LinedList"/>
+    <dgm:cxn modelId="{185DEDDB-D5BB-42D4-9397-8E79114C12DD}" type="presParOf" srcId="{833FCA1D-8F27-40AD-9AED-5803ED0D0C82}" destId="{C1AB250A-AE3A-4543-B2F9-27AD8932A4AA}" srcOrd="18" destOrd="0" presId="urn:microsoft.com/office/officeart/2008/layout/LinedList"/>
+    <dgm:cxn modelId="{196E867F-C93E-4200-81A4-4EC1FDB2A657}" type="presParOf" srcId="{833FCA1D-8F27-40AD-9AED-5803ED0D0C82}" destId="{B8FD458A-2B66-4B3E-AE70-5CA471AFCCDA}" srcOrd="19" destOrd="0" presId="urn:microsoft.com/office/officeart/2008/layout/LinedList"/>
+    <dgm:cxn modelId="{8D55D3CE-7FC6-425B-98FE-CC11B423BC73}" type="presParOf" srcId="{B8FD458A-2B66-4B3E-AE70-5CA471AFCCDA}" destId="{735618A3-76CD-4100-AD30-671AC1DC01BE}" srcOrd="0" destOrd="0" presId="urn:microsoft.com/office/officeart/2008/layout/LinedList"/>
+    <dgm:cxn modelId="{EB358D64-3348-40A8-95AE-2B1482356906}" type="presParOf" srcId="{B8FD458A-2B66-4B3E-AE70-5CA471AFCCDA}" destId="{D3F29189-CD42-4142-AF36-4AA86198BBA5}" srcOrd="1" destOrd="0" presId="urn:microsoft.com/office/officeart/2008/layout/LinedList"/>
+    <dgm:cxn modelId="{C549CBA7-7408-47B7-B8B7-B173727739BA}" type="presParOf" srcId="{833FCA1D-8F27-40AD-9AED-5803ED0D0C82}" destId="{1E015077-FB73-459A-A9D9-D3EAF7CFF347}" srcOrd="20" destOrd="0" presId="urn:microsoft.com/office/officeart/2008/layout/LinedList"/>
+    <dgm:cxn modelId="{11B9B75E-6376-49BD-9DDA-5C76A85EB7F9}" type="presParOf" srcId="{833FCA1D-8F27-40AD-9AED-5803ED0D0C82}" destId="{5069316E-FE6F-480C-8048-877975BA407F}" srcOrd="21" destOrd="0" presId="urn:microsoft.com/office/officeart/2008/layout/LinedList"/>
+    <dgm:cxn modelId="{188F79DE-BD1D-4AC9-B3AF-541F19F75B3B}" type="presParOf" srcId="{5069316E-FE6F-480C-8048-877975BA407F}" destId="{21A8E1AB-8081-4AF2-BFCA-A14F0816FA0A}" srcOrd="0" destOrd="0" presId="urn:microsoft.com/office/officeart/2008/layout/LinedList"/>
+    <dgm:cxn modelId="{11CB3685-5219-49DB-A1E6-FE7CAA2FDB3B}" type="presParOf" srcId="{5069316E-FE6F-480C-8048-877975BA407F}" destId="{0C5142C8-3859-4E81-B83A-534B80614080}" srcOrd="1" destOrd="0" presId="urn:microsoft.com/office/officeart/2008/layout/LinedList"/>
+    <dgm:cxn modelId="{1B34FAB0-44A6-4E30-8409-7A6BDDB6CA46}" type="presParOf" srcId="{833FCA1D-8F27-40AD-9AED-5803ED0D0C82}" destId="{B7B211DD-0FEA-4E5B-BFA3-A5E6CCA9CD18}" srcOrd="22" destOrd="0" presId="urn:microsoft.com/office/officeart/2008/layout/LinedList"/>
+    <dgm:cxn modelId="{FFAB2A6C-3268-4424-9038-CCF18243FC0B}" type="presParOf" srcId="{833FCA1D-8F27-40AD-9AED-5803ED0D0C82}" destId="{19B83E4B-0F6F-4F39-9F7C-1B1228131915}" srcOrd="23" destOrd="0" presId="urn:microsoft.com/office/officeart/2008/layout/LinedList"/>
+    <dgm:cxn modelId="{F6CE633A-E0DE-4048-86C5-06B349788FE3}" type="presParOf" srcId="{19B83E4B-0F6F-4F39-9F7C-1B1228131915}" destId="{F02B3386-0435-4CBE-9C9B-FC5554250E38}" srcOrd="0" destOrd="0" presId="urn:microsoft.com/office/officeart/2008/layout/LinedList"/>
+    <dgm:cxn modelId="{B0D37007-4209-4561-83CC-023F512AE3A2}" type="presParOf" srcId="{19B83E4B-0F6F-4F39-9F7C-1B1228131915}" destId="{90257E29-913F-430C-B0E9-3F1BDCF7FE3C}" srcOrd="1" destOrd="0" presId="urn:microsoft.com/office/officeart/2008/layout/LinedList"/>
+    <dgm:cxn modelId="{A0F1E6B0-0EB4-45F7-8EAA-2A12414E56B5}" type="presParOf" srcId="{833FCA1D-8F27-40AD-9AED-5803ED0D0C82}" destId="{AC9B6D01-0219-478A-9401-7536C1C8AECB}" srcOrd="24" destOrd="0" presId="urn:microsoft.com/office/officeart/2008/layout/LinedList"/>
+    <dgm:cxn modelId="{073F3478-7ED4-4D06-A7F2-4755EBB0B5F9}" type="presParOf" srcId="{833FCA1D-8F27-40AD-9AED-5803ED0D0C82}" destId="{F4778EF3-8E47-4D14-AD1C-B8EB0B7D1EDD}" srcOrd="25" destOrd="0" presId="urn:microsoft.com/office/officeart/2008/layout/LinedList"/>
+    <dgm:cxn modelId="{2F928A28-2806-4393-B7BA-6EE2250B534B}" type="presParOf" srcId="{F4778EF3-8E47-4D14-AD1C-B8EB0B7D1EDD}" destId="{29B969A1-1797-4C73-B990-AF23F5D72BD1}" srcOrd="0" destOrd="0" presId="urn:microsoft.com/office/officeart/2008/layout/LinedList"/>
+    <dgm:cxn modelId="{0DA5A77C-DB9C-4CA1-89CF-7BEB240C9D9C}" type="presParOf" srcId="{F4778EF3-8E47-4D14-AD1C-B8EB0B7D1EDD}" destId="{02A78813-A865-4D65-88C1-50048A3A53BA}" srcOrd="1" destOrd="0" presId="urn:microsoft.com/office/officeart/2008/layout/LinedList"/>
+    <dgm:cxn modelId="{806C1F1D-BA76-4049-B11B-7BACE061F430}" type="presParOf" srcId="{833FCA1D-8F27-40AD-9AED-5803ED0D0C82}" destId="{86F3D353-AB22-4BAF-B0D3-469C1664B7C4}" srcOrd="26" destOrd="0" presId="urn:microsoft.com/office/officeart/2008/layout/LinedList"/>
+    <dgm:cxn modelId="{71001EE6-9750-4DF3-9F7E-C45847C189FB}" type="presParOf" srcId="{833FCA1D-8F27-40AD-9AED-5803ED0D0C82}" destId="{AAACE7AC-25AF-4677-AAFE-70D954875910}" srcOrd="27" destOrd="0" presId="urn:microsoft.com/office/officeart/2008/layout/LinedList"/>
+    <dgm:cxn modelId="{98EA4EC5-7A38-4030-8625-9E714EBCC12A}" type="presParOf" srcId="{AAACE7AC-25AF-4677-AAFE-70D954875910}" destId="{B0DC5B5D-3EA8-45D0-866D-B42347B72EE5}" srcOrd="0" destOrd="0" presId="urn:microsoft.com/office/officeart/2008/layout/LinedList"/>
+    <dgm:cxn modelId="{A7E355B3-6259-49D2-9539-07710FEBFD85}" type="presParOf" srcId="{AAACE7AC-25AF-4677-AAFE-70D954875910}" destId="{3DC2A15E-73AB-4874-B240-41997B915D70}" srcOrd="1" destOrd="0" presId="urn:microsoft.com/office/officeart/2008/layout/LinedList"/>
+    <dgm:cxn modelId="{42C28924-87A5-4C9E-9EE8-BF344DEEB085}" type="presParOf" srcId="{833FCA1D-8F27-40AD-9AED-5803ED0D0C82}" destId="{F68F54FD-C6A3-4AB1-A5E0-19632C2E5218}" srcOrd="28" destOrd="0" presId="urn:microsoft.com/office/officeart/2008/layout/LinedList"/>
+    <dgm:cxn modelId="{ECD35E2E-125B-4892-A1E3-F63364579AB6}" type="presParOf" srcId="{833FCA1D-8F27-40AD-9AED-5803ED0D0C82}" destId="{B7A97B6A-36F5-43D6-817F-8604CAAF4B88}" srcOrd="29" destOrd="0" presId="urn:microsoft.com/office/officeart/2008/layout/LinedList"/>
+    <dgm:cxn modelId="{94830497-4AB5-4162-A0F8-8E0889E15077}" type="presParOf" srcId="{B7A97B6A-36F5-43D6-817F-8604CAAF4B88}" destId="{ADD02BCF-599D-4EC5-8D4D-A50FA36C6884}" srcOrd="0" destOrd="0" presId="urn:microsoft.com/office/officeart/2008/layout/LinedList"/>
+    <dgm:cxn modelId="{FD0FB3A6-1202-4847-ABAD-A8523C21A8F9}" type="presParOf" srcId="{B7A97B6A-36F5-43D6-817F-8604CAAF4B88}" destId="{17B4167B-8AD5-474F-BF66-F9F54C911AA5}" srcOrd="1" destOrd="0" presId="urn:microsoft.com/office/officeart/2008/layout/LinedList"/>
+    <dgm:cxn modelId="{4378FC57-EF0D-448C-B531-80F01C569638}" type="presParOf" srcId="{833FCA1D-8F27-40AD-9AED-5803ED0D0C82}" destId="{FE6DBA6A-9634-465C-94FB-D326EE5E5FE8}" srcOrd="30" destOrd="0" presId="urn:microsoft.com/office/officeart/2008/layout/LinedList"/>
+    <dgm:cxn modelId="{0ED6A7C5-AF8C-4A24-9E18-E7C3C1C9830D}" type="presParOf" srcId="{833FCA1D-8F27-40AD-9AED-5803ED0D0C82}" destId="{2C031A32-5A93-41B4-A157-1C8DA1714DE4}" srcOrd="31" destOrd="0" presId="urn:microsoft.com/office/officeart/2008/layout/LinedList"/>
+    <dgm:cxn modelId="{4C55FFB8-B1C2-442A-A1FD-DA8DB7485EF8}" type="presParOf" srcId="{2C031A32-5A93-41B4-A157-1C8DA1714DE4}" destId="{A05788C9-3CEB-459B-BAF8-34AB74EE5F7D}" srcOrd="0" destOrd="0" presId="urn:microsoft.com/office/officeart/2008/layout/LinedList"/>
+    <dgm:cxn modelId="{71CEBB46-C7BA-4ACE-9CFE-953CD092BE76}" type="presParOf" srcId="{2C031A32-5A93-41B4-A157-1C8DA1714DE4}" destId="{59A1C277-3F6F-42DA-A39F-7037BB4C87FC}" srcOrd="1" destOrd="0" presId="urn:microsoft.com/office/officeart/2008/layout/LinedList"/>
+    <dgm:cxn modelId="{E5EA70FA-5891-4E3C-89F7-3F812E667C67}" type="presParOf" srcId="{833FCA1D-8F27-40AD-9AED-5803ED0D0C82}" destId="{4884D1B1-DC0F-49AC-ABB1-DEC460ACF18E}" srcOrd="32" destOrd="0" presId="urn:microsoft.com/office/officeart/2008/layout/LinedList"/>
+    <dgm:cxn modelId="{E6F2558A-82B3-43A1-9559-739C10E0205F}" type="presParOf" srcId="{833FCA1D-8F27-40AD-9AED-5803ED0D0C82}" destId="{AF6A1562-85CB-4A30-910D-2D170B9D1176}" srcOrd="33" destOrd="0" presId="urn:microsoft.com/office/officeart/2008/layout/LinedList"/>
+    <dgm:cxn modelId="{64A477AC-E2FE-4DF2-8E19-3E1C5489D957}" type="presParOf" srcId="{AF6A1562-85CB-4A30-910D-2D170B9D1176}" destId="{BF3A3BFF-B278-47C0-9F99-03CA83D3762E}" srcOrd="0" destOrd="0" presId="urn:microsoft.com/office/officeart/2008/layout/LinedList"/>
+    <dgm:cxn modelId="{693146E0-335C-450C-A44C-62591CE73320}" type="presParOf" srcId="{AF6A1562-85CB-4A30-910D-2D170B9D1176}" destId="{BBC3A812-B274-48B1-8153-58F2B8ABFB93}" srcOrd="1" destOrd="0" presId="urn:microsoft.com/office/officeart/2008/layout/LinedList"/>
+    <dgm:cxn modelId="{1E28D54A-20CE-4D2A-B893-FC0C5718B520}" type="presParOf" srcId="{833FCA1D-8F27-40AD-9AED-5803ED0D0C82}" destId="{BC62F511-28E1-413A-8ED4-F2F275DD473D}" srcOrd="34" destOrd="0" presId="urn:microsoft.com/office/officeart/2008/layout/LinedList"/>
+    <dgm:cxn modelId="{EA7B1EDB-AA0C-4ABB-B189-FE341436E6B4}" type="presParOf" srcId="{833FCA1D-8F27-40AD-9AED-5803ED0D0C82}" destId="{7ED40AEC-6371-4DF0-87BF-E0BFEDE0A511}" srcOrd="35" destOrd="0" presId="urn:microsoft.com/office/officeart/2008/layout/LinedList"/>
+    <dgm:cxn modelId="{289A2EED-F01E-414E-BE7F-C5D3B7DF6993}" type="presParOf" srcId="{7ED40AEC-6371-4DF0-87BF-E0BFEDE0A511}" destId="{8B26B2D0-7CC5-46C6-93A0-38CAADD3F914}" srcOrd="0" destOrd="0" presId="urn:microsoft.com/office/officeart/2008/layout/LinedList"/>
+    <dgm:cxn modelId="{25CC02F7-FAEF-436B-8C63-8F0DA408D9C7}" type="presParOf" srcId="{7ED40AEC-6371-4DF0-87BF-E0BFEDE0A511}" destId="{BF750B1B-C96D-4FF2-AE25-8D9C02683AED}" srcOrd="1" destOrd="0" presId="urn:microsoft.com/office/officeart/2008/layout/LinedList"/>
+    <dgm:cxn modelId="{12A230B8-2861-4749-AB3D-3A4B2D9B978C}" type="presParOf" srcId="{833FCA1D-8F27-40AD-9AED-5803ED0D0C82}" destId="{D8A4DD62-9765-4F15-A2B6-0585D4EE2E98}" srcOrd="36" destOrd="0" presId="urn:microsoft.com/office/officeart/2008/layout/LinedList"/>
+    <dgm:cxn modelId="{DA36F564-AC48-4041-A4D7-C646C3ACDCB7}" type="presParOf" srcId="{833FCA1D-8F27-40AD-9AED-5803ED0D0C82}" destId="{E7A69D64-EBA3-474C-843E-FD3637B8881A}" srcOrd="37" destOrd="0" presId="urn:microsoft.com/office/officeart/2008/layout/LinedList"/>
+    <dgm:cxn modelId="{4D4C609B-A350-4543-8F8B-C82A0514E14D}" type="presParOf" srcId="{E7A69D64-EBA3-474C-843E-FD3637B8881A}" destId="{72A46B59-FC35-47AE-8225-02F81C7E955E}" srcOrd="0" destOrd="0" presId="urn:microsoft.com/office/officeart/2008/layout/LinedList"/>
+    <dgm:cxn modelId="{5905C71E-F6A9-4587-A5DC-D6D53C7D5F07}" type="presParOf" srcId="{E7A69D64-EBA3-474C-843E-FD3637B8881A}" destId="{68460B81-B8E5-4422-B74B-67EC42C150A5}" srcOrd="1" destOrd="0" presId="urn:microsoft.com/office/officeart/2008/layout/LinedList"/>
+    <dgm:cxn modelId="{CEEE392F-F520-4814-8210-C8EF24C8722B}" type="presParOf" srcId="{833FCA1D-8F27-40AD-9AED-5803ED0D0C82}" destId="{CAF748BE-110D-4594-8175-304426BC600C}" srcOrd="38" destOrd="0" presId="urn:microsoft.com/office/officeart/2008/layout/LinedList"/>
+    <dgm:cxn modelId="{733DBF5A-734C-4813-87DA-8A50592CB26C}" type="presParOf" srcId="{833FCA1D-8F27-40AD-9AED-5803ED0D0C82}" destId="{9C50FB6E-9204-4AD0-914B-5CD777D48E56}" srcOrd="39" destOrd="0" presId="urn:microsoft.com/office/officeart/2008/layout/LinedList"/>
+    <dgm:cxn modelId="{142B26F8-CA67-41BF-AB03-D603FAA90F72}" type="presParOf" srcId="{9C50FB6E-9204-4AD0-914B-5CD777D48E56}" destId="{411E1025-0494-4562-9689-27F87572AAA3}" srcOrd="0" destOrd="0" presId="urn:microsoft.com/office/officeart/2008/layout/LinedList"/>
+    <dgm:cxn modelId="{615623FE-8A6C-494A-9AB6-CD608027689C}" type="presParOf" srcId="{9C50FB6E-9204-4AD0-914B-5CD777D48E56}" destId="{631CDCFD-176C-43E8-A826-B7930EEB0046}" srcOrd="1" destOrd="0" presId="urn:microsoft.com/office/officeart/2008/layout/LinedList"/>
+    <dgm:cxn modelId="{DCA7C344-3F63-479B-88F1-838CD54C6A6F}" type="presParOf" srcId="{833FCA1D-8F27-40AD-9AED-5803ED0D0C82}" destId="{E2685901-79E4-4628-AF12-82606A3DD0EF}" srcOrd="40" destOrd="0" presId="urn:microsoft.com/office/officeart/2008/layout/LinedList"/>
+    <dgm:cxn modelId="{647C55D0-B77F-480A-B0BF-EE482DF7103D}" type="presParOf" srcId="{833FCA1D-8F27-40AD-9AED-5803ED0D0C82}" destId="{C53C473F-0C77-420D-8F93-E6934822ED3D}" srcOrd="41" destOrd="0" presId="urn:microsoft.com/office/officeart/2008/layout/LinedList"/>
+    <dgm:cxn modelId="{DBDD2ABD-2C9F-4268-A8C6-4289269EEB6A}" type="presParOf" srcId="{C53C473F-0C77-420D-8F93-E6934822ED3D}" destId="{683550A7-8CB5-4F08-8CC9-C68091194F0A}" srcOrd="0" destOrd="0" presId="urn:microsoft.com/office/officeart/2008/layout/LinedList"/>
+    <dgm:cxn modelId="{3808FFF6-5F28-4B3A-88C4-836EB538B162}" type="presParOf" srcId="{C53C473F-0C77-420D-8F93-E6934822ED3D}" destId="{2552E648-EF36-4C5F-9684-1D56BFFDB967}" srcOrd="1" destOrd="0" presId="urn:microsoft.com/office/officeart/2008/layout/LinedList"/>
+    <dgm:cxn modelId="{3B6A503B-2702-4331-AB66-D5D2F8157047}" type="presParOf" srcId="{833FCA1D-8F27-40AD-9AED-5803ED0D0C82}" destId="{C71E0C01-76BA-498D-9AF4-9E5A7F91CE2F}" srcOrd="42" destOrd="0" presId="urn:microsoft.com/office/officeart/2008/layout/LinedList"/>
+    <dgm:cxn modelId="{75152942-4388-4C80-BED8-7ECB27ECC1EC}" type="presParOf" srcId="{833FCA1D-8F27-40AD-9AED-5803ED0D0C82}" destId="{0D46DB8B-A967-41D6-BB63-9B67C3530EBD}" srcOrd="43" destOrd="0" presId="urn:microsoft.com/office/officeart/2008/layout/LinedList"/>
+    <dgm:cxn modelId="{5E9A608A-ED3A-414B-B791-A79872EE8459}" type="presParOf" srcId="{0D46DB8B-A967-41D6-BB63-9B67C3530EBD}" destId="{637DEFE3-1069-4C40-8D28-1DF0C51D1514}" srcOrd="0" destOrd="0" presId="urn:microsoft.com/office/officeart/2008/layout/LinedList"/>
+    <dgm:cxn modelId="{3392C0DD-C8E5-48B0-A00F-B9343DBF9194}" type="presParOf" srcId="{0D46DB8B-A967-41D6-BB63-9B67C3530EBD}" destId="{3DA6C8DA-EB23-4D58-954F-2BABB13D02E0}" srcOrd="1" destOrd="0" presId="urn:microsoft.com/office/officeart/2008/layout/LinedList"/>
+    <dgm:cxn modelId="{5091104E-C491-4541-BB95-CE3E01DB9332}" type="presParOf" srcId="{833FCA1D-8F27-40AD-9AED-5803ED0D0C82}" destId="{4FB31A79-B235-45D4-ACB2-0A5C9EB628B3}" srcOrd="44" destOrd="0" presId="urn:microsoft.com/office/officeart/2008/layout/LinedList"/>
+    <dgm:cxn modelId="{CED7A2A2-6C40-4216-BBF0-A7DBE7543F58}" type="presParOf" srcId="{833FCA1D-8F27-40AD-9AED-5803ED0D0C82}" destId="{80581739-7FB3-4170-A8B8-7FDC5942578C}" srcOrd="45" destOrd="0" presId="urn:microsoft.com/office/officeart/2008/layout/LinedList"/>
+    <dgm:cxn modelId="{37EE3BC9-71F3-4184-A541-251343FE520E}" type="presParOf" srcId="{80581739-7FB3-4170-A8B8-7FDC5942578C}" destId="{7FF4442B-F010-4361-9FCC-6279424BCE5A}" srcOrd="0" destOrd="0" presId="urn:microsoft.com/office/officeart/2008/layout/LinedList"/>
+    <dgm:cxn modelId="{909295DD-998B-4C38-BB53-82ACC797A93A}" type="presParOf" srcId="{80581739-7FB3-4170-A8B8-7FDC5942578C}" destId="{9790F908-D179-40D3-B3EF-E123268C7453}" srcOrd="1" destOrd="0" presId="urn:microsoft.com/office/officeart/2008/layout/LinedList"/>
+    <dgm:cxn modelId="{9FF7DD4E-FA40-4F08-A4D8-0690CD4AC993}" type="presParOf" srcId="{833FCA1D-8F27-40AD-9AED-5803ED0D0C82}" destId="{D105EC0D-5BFC-448D-BC2B-8C769189D6C6}" srcOrd="46" destOrd="0" presId="urn:microsoft.com/office/officeart/2008/layout/LinedList"/>
+    <dgm:cxn modelId="{3B24292D-F8AF-49A0-9ECE-B51535E5471F}" type="presParOf" srcId="{833FCA1D-8F27-40AD-9AED-5803ED0D0C82}" destId="{48E8AFEA-9EB2-43C8-9AC9-DC6B8D22E2FD}" srcOrd="47" destOrd="0" presId="urn:microsoft.com/office/officeart/2008/layout/LinedList"/>
+    <dgm:cxn modelId="{832F4FD2-B05E-4FBF-A920-42B31E526C66}" type="presParOf" srcId="{48E8AFEA-9EB2-43C8-9AC9-DC6B8D22E2FD}" destId="{3FD7C0FB-92E1-42B2-B0E8-F0BB01883F2E}" srcOrd="0" destOrd="0" presId="urn:microsoft.com/office/officeart/2008/layout/LinedList"/>
+    <dgm:cxn modelId="{91DD5AE0-C522-4299-AF39-2352AFCAB51E}" type="presParOf" srcId="{48E8AFEA-9EB2-43C8-9AC9-DC6B8D22E2FD}" destId="{60A4C98C-80D1-4AC2-81AB-4B636EA0FE88}" srcOrd="1" destOrd="0" presId="urn:microsoft.com/office/officeart/2008/layout/LinedList"/>
+    <dgm:cxn modelId="{5E5BF36D-5850-41A1-9891-4995C35F6A80}" type="presParOf" srcId="{833FCA1D-8F27-40AD-9AED-5803ED0D0C82}" destId="{7737BDF9-BFAF-4ACF-A4ED-F898B91B4A20}" srcOrd="48" destOrd="0" presId="urn:microsoft.com/office/officeart/2008/layout/LinedList"/>
+    <dgm:cxn modelId="{AC8660CA-E574-4E61-8FC3-898C66D9EAFB}" type="presParOf" srcId="{833FCA1D-8F27-40AD-9AED-5803ED0D0C82}" destId="{20864EBB-84D2-458E-9ED7-3D36B2C86B2D}" srcOrd="49" destOrd="0" presId="urn:microsoft.com/office/officeart/2008/layout/LinedList"/>
+    <dgm:cxn modelId="{27E07C76-8D80-422F-A5A5-676F0F3FAF33}" type="presParOf" srcId="{20864EBB-84D2-458E-9ED7-3D36B2C86B2D}" destId="{365EF4D2-A8DA-4D36-B7E1-BA3DB9BE9FB2}" srcOrd="0" destOrd="0" presId="urn:microsoft.com/office/officeart/2008/layout/LinedList"/>
+    <dgm:cxn modelId="{278A14C0-1273-4219-B910-708D9D88F69C}" type="presParOf" srcId="{20864EBB-84D2-458E-9ED7-3D36B2C86B2D}" destId="{7A33A9D6-81DD-41A0-AD1A-094F13DDEE43}" srcOrd="1" destOrd="0" presId="urn:microsoft.com/office/officeart/2008/layout/LinedList"/>
+  </dgm:cxnLst>
+  <dgm:bg/>
+  <dgm:whole/>
+  <dgm:extLst>
+    <a:ext uri="http://schemas.microsoft.com/office/drawing/2008/diagram">
+      <dsp:dataModelExt xmlns:dsp="http://schemas.microsoft.com/office/drawing/2008/diagram" relId="rId7" minVer="http://schemas.openxmlformats.org/drawingml/2006/diagram"/>
+    </a:ext>
+  </dgm:extLst>
+</dgm:dataModel>
+</file>
+
+<file path=ppt/diagrams/drawing1.xml><?xml version="1.0" encoding="utf-8"?>
+<dsp:drawing xmlns:dgm="http://schemas.openxmlformats.org/drawingml/2006/diagram" xmlns:dsp="http://schemas.microsoft.com/office/drawing/2008/diagram" xmlns:a="http://schemas.openxmlformats.org/drawingml/2006/main">
+  <dsp:spTree>
+    <dsp:nvGrpSpPr>
+      <dsp:cNvPr id="0" name=""/>
+      <dsp:cNvGrpSpPr/>
+    </dsp:nvGrpSpPr>
+    <dsp:grpSpPr/>
+    <dsp:sp modelId="{A3603A2B-4EA5-47A5-8873-3E65E2FADD5A}">
+      <dsp:nvSpPr>
+        <dsp:cNvPr id="0" name=""/>
+        <dsp:cNvSpPr/>
+      </dsp:nvSpPr>
+      <dsp:spPr>
+        <a:xfrm>
+          <a:off x="0" y="1579"/>
+          <a:ext cx="10515600" cy="0"/>
+        </a:xfrm>
+        <a:prstGeom prst="line">
+          <a:avLst/>
+        </a:prstGeom>
+        <a:solidFill>
+          <a:schemeClr val="accent1">
+            <a:hueOff val="0"/>
+            <a:satOff val="0"/>
+            <a:lumOff val="0"/>
+            <a:alphaOff val="0"/>
+          </a:schemeClr>
+        </a:solidFill>
+        <a:ln w="12700" cap="flat" cmpd="sng" algn="ctr">
+          <a:solidFill>
+            <a:schemeClr val="accent1">
+              <a:hueOff val="0"/>
+              <a:satOff val="0"/>
+              <a:lumOff val="0"/>
+              <a:alphaOff val="0"/>
+            </a:schemeClr>
+          </a:solidFill>
+          <a:prstDash val="solid"/>
+          <a:miter lim="800000"/>
+        </a:ln>
+        <a:effectLst/>
+      </dsp:spPr>
+      <dsp:style>
+        <a:lnRef idx="2">
+          <a:scrgbClr r="0" g="0" b="0"/>
+        </a:lnRef>
+        <a:fillRef idx="1">
+          <a:scrgbClr r="0" g="0" b="0"/>
+        </a:fillRef>
+        <a:effectRef idx="0">
+          <a:scrgbClr r="0" g="0" b="0"/>
+        </a:effectRef>
+        <a:fontRef idx="minor">
+          <a:schemeClr val="lt1"/>
+        </a:fontRef>
+      </dsp:style>
+    </dsp:sp>
+    <dsp:sp modelId="{C1AC20EF-0654-41D5-8A67-4DF6F882C095}">
+      <dsp:nvSpPr>
+        <dsp:cNvPr id="0" name=""/>
+        <dsp:cNvSpPr/>
+      </dsp:nvSpPr>
+      <dsp:spPr>
+        <a:xfrm>
+          <a:off x="0" y="1579"/>
+          <a:ext cx="10515600" cy="229832"/>
+        </a:xfrm>
+        <a:prstGeom prst="rect">
+          <a:avLst/>
+        </a:prstGeom>
+        <a:noFill/>
+        <a:ln>
+          <a:noFill/>
+        </a:ln>
+        <a:effectLst/>
+      </dsp:spPr>
+      <dsp:style>
+        <a:lnRef idx="0">
+          <a:scrgbClr r="0" g="0" b="0"/>
+        </a:lnRef>
+        <a:fillRef idx="0">
+          <a:scrgbClr r="0" g="0" b="0"/>
+        </a:fillRef>
+        <a:effectRef idx="0">
+          <a:scrgbClr r="0" g="0" b="0"/>
+        </a:effectRef>
+        <a:fontRef idx="minor"/>
+      </dsp:style>
+      <dsp:txBody>
+        <a:bodyPr spcFirstLastPara="0" vert="horz" wrap="square" lIns="38100" tIns="38100" rIns="38100" bIns="38100" numCol="1" spcCol="1270" anchor="t" anchorCtr="0">
+          <a:noAutofit/>
+        </a:bodyPr>
+        <a:lstStyle/>
+        <a:p>
+          <a:pPr marL="0" lvl="0" indent="0" algn="l" defTabSz="444500">
+            <a:lnSpc>
+              <a:spcPct val="90000"/>
+            </a:lnSpc>
+            <a:spcBef>
+              <a:spcPct val="0"/>
+            </a:spcBef>
+            <a:spcAft>
+              <a:spcPct val="35000"/>
+            </a:spcAft>
+            <a:buNone/>
+          </a:pPr>
+          <a:r>
+            <a:rPr lang="en-US" sz="1000" kern="1200" dirty="0"/>
+            <a:t>/data/gtfs/agency.txt - From GTFS dataset</a:t>
+          </a:r>
+        </a:p>
+      </dsp:txBody>
+      <dsp:txXfrm>
+        <a:off x="0" y="1579"/>
+        <a:ext cx="10515600" cy="229832"/>
+      </dsp:txXfrm>
+    </dsp:sp>
+    <dsp:sp modelId="{0712B33D-EA8A-48D5-AF03-17C272AEA9DE}">
+      <dsp:nvSpPr>
+        <dsp:cNvPr id="0" name=""/>
+        <dsp:cNvSpPr/>
+      </dsp:nvSpPr>
+      <dsp:spPr>
+        <a:xfrm>
+          <a:off x="0" y="231411"/>
+          <a:ext cx="10515600" cy="0"/>
+        </a:xfrm>
+        <a:prstGeom prst="line">
+          <a:avLst/>
+        </a:prstGeom>
+        <a:solidFill>
+          <a:schemeClr val="accent1">
+            <a:hueOff val="0"/>
+            <a:satOff val="0"/>
+            <a:lumOff val="0"/>
+            <a:alphaOff val="0"/>
+          </a:schemeClr>
+        </a:solidFill>
+        <a:ln w="12700" cap="flat" cmpd="sng" algn="ctr">
+          <a:solidFill>
+            <a:schemeClr val="accent1">
+              <a:hueOff val="0"/>
+              <a:satOff val="0"/>
+              <a:lumOff val="0"/>
+              <a:alphaOff val="0"/>
+            </a:schemeClr>
+          </a:solidFill>
+          <a:prstDash val="solid"/>
+          <a:miter lim="800000"/>
+        </a:ln>
+        <a:effectLst/>
+      </dsp:spPr>
+      <dsp:style>
+        <a:lnRef idx="2">
+          <a:scrgbClr r="0" g="0" b="0"/>
+        </a:lnRef>
+        <a:fillRef idx="1">
+          <a:scrgbClr r="0" g="0" b="0"/>
+        </a:fillRef>
+        <a:effectRef idx="0">
+          <a:scrgbClr r="0" g="0" b="0"/>
+        </a:effectRef>
+        <a:fontRef idx="minor">
+          <a:schemeClr val="lt1"/>
+        </a:fontRef>
+      </dsp:style>
+    </dsp:sp>
+    <dsp:sp modelId="{375C9C0A-9C91-49EC-A333-7618CA3251F7}">
+      <dsp:nvSpPr>
+        <dsp:cNvPr id="0" name=""/>
+        <dsp:cNvSpPr/>
+      </dsp:nvSpPr>
+      <dsp:spPr>
+        <a:xfrm>
+          <a:off x="0" y="231411"/>
+          <a:ext cx="10515600" cy="229832"/>
+        </a:xfrm>
+        <a:prstGeom prst="rect">
+          <a:avLst/>
+        </a:prstGeom>
+        <a:noFill/>
+        <a:ln>
+          <a:noFill/>
+        </a:ln>
+        <a:effectLst/>
+      </dsp:spPr>
+      <dsp:style>
+        <a:lnRef idx="0">
+          <a:scrgbClr r="0" g="0" b="0"/>
+        </a:lnRef>
+        <a:fillRef idx="0">
+          <a:scrgbClr r="0" g="0" b="0"/>
+        </a:fillRef>
+        <a:effectRef idx="0">
+          <a:scrgbClr r="0" g="0" b="0"/>
+        </a:effectRef>
+        <a:fontRef idx="minor"/>
+      </dsp:style>
+      <dsp:txBody>
+        <a:bodyPr spcFirstLastPara="0" vert="horz" wrap="square" lIns="38100" tIns="38100" rIns="38100" bIns="38100" numCol="1" spcCol="1270" anchor="t" anchorCtr="0">
+          <a:noAutofit/>
+        </a:bodyPr>
+        <a:lstStyle/>
+        <a:p>
+          <a:pPr marL="0" lvl="0" indent="0" algn="l" defTabSz="444500">
+            <a:lnSpc>
+              <a:spcPct val="90000"/>
+            </a:lnSpc>
+            <a:spcBef>
+              <a:spcPct val="0"/>
+            </a:spcBef>
+            <a:spcAft>
+              <a:spcPct val="35000"/>
+            </a:spcAft>
+            <a:buNone/>
+          </a:pPr>
+          <a:r>
+            <a:rPr lang="en-US" sz="1000" kern="1200" dirty="0"/>
+            <a:t>/data/gtfs/calendar_dates.txt - From GTFS dataset</a:t>
+          </a:r>
+        </a:p>
+      </dsp:txBody>
+      <dsp:txXfrm>
+        <a:off x="0" y="231411"/>
+        <a:ext cx="10515600" cy="229832"/>
+      </dsp:txXfrm>
+    </dsp:sp>
+    <dsp:sp modelId="{4F8A7FC3-F983-41E1-9ECF-8765101E700E}">
+      <dsp:nvSpPr>
+        <dsp:cNvPr id="0" name=""/>
+        <dsp:cNvSpPr/>
+      </dsp:nvSpPr>
+      <dsp:spPr>
+        <a:xfrm>
+          <a:off x="0" y="461244"/>
+          <a:ext cx="10515600" cy="0"/>
+        </a:xfrm>
+        <a:prstGeom prst="line">
+          <a:avLst/>
+        </a:prstGeom>
+        <a:solidFill>
+          <a:schemeClr val="accent1">
+            <a:hueOff val="0"/>
+            <a:satOff val="0"/>
+            <a:lumOff val="0"/>
+            <a:alphaOff val="0"/>
+          </a:schemeClr>
+        </a:solidFill>
+        <a:ln w="12700" cap="flat" cmpd="sng" algn="ctr">
+          <a:solidFill>
+            <a:schemeClr val="accent1">
+              <a:hueOff val="0"/>
+              <a:satOff val="0"/>
+              <a:lumOff val="0"/>
+              <a:alphaOff val="0"/>
+            </a:schemeClr>
+          </a:solidFill>
+          <a:prstDash val="solid"/>
+          <a:miter lim="800000"/>
+        </a:ln>
+        <a:effectLst/>
+      </dsp:spPr>
+      <dsp:style>
+        <a:lnRef idx="2">
+          <a:scrgbClr r="0" g="0" b="0"/>
+        </a:lnRef>
+        <a:fillRef idx="1">
+          <a:scrgbClr r="0" g="0" b="0"/>
+        </a:fillRef>
+        <a:effectRef idx="0">
+          <a:scrgbClr r="0" g="0" b="0"/>
+        </a:effectRef>
+        <a:fontRef idx="minor">
+          <a:schemeClr val="lt1"/>
+        </a:fontRef>
+      </dsp:style>
+    </dsp:sp>
+    <dsp:sp modelId="{1B3795C9-BF21-4DA6-94BE-6B681182A0CF}">
+      <dsp:nvSpPr>
+        <dsp:cNvPr id="0" name=""/>
+        <dsp:cNvSpPr/>
+      </dsp:nvSpPr>
+      <dsp:spPr>
+        <a:xfrm>
+          <a:off x="0" y="461244"/>
+          <a:ext cx="10515600" cy="229832"/>
+        </a:xfrm>
+        <a:prstGeom prst="rect">
+          <a:avLst/>
+        </a:prstGeom>
+        <a:noFill/>
+        <a:ln>
+          <a:noFill/>
+        </a:ln>
+        <a:effectLst/>
+      </dsp:spPr>
+      <dsp:style>
+        <a:lnRef idx="0">
+          <a:scrgbClr r="0" g="0" b="0"/>
+        </a:lnRef>
+        <a:fillRef idx="0">
+          <a:scrgbClr r="0" g="0" b="0"/>
+        </a:fillRef>
+        <a:effectRef idx="0">
+          <a:scrgbClr r="0" g="0" b="0"/>
+        </a:effectRef>
+        <a:fontRef idx="minor"/>
+      </dsp:style>
+      <dsp:txBody>
+        <a:bodyPr spcFirstLastPara="0" vert="horz" wrap="square" lIns="38100" tIns="38100" rIns="38100" bIns="38100" numCol="1" spcCol="1270" anchor="t" anchorCtr="0">
+          <a:noAutofit/>
+        </a:bodyPr>
+        <a:lstStyle/>
+        <a:p>
+          <a:pPr marL="0" lvl="0" indent="0" algn="l" defTabSz="444500">
+            <a:lnSpc>
+              <a:spcPct val="90000"/>
+            </a:lnSpc>
+            <a:spcBef>
+              <a:spcPct val="0"/>
+            </a:spcBef>
+            <a:spcAft>
+              <a:spcPct val="35000"/>
+            </a:spcAft>
+            <a:buNone/>
+          </a:pPr>
+          <a:r>
+            <a:rPr lang="en-US" sz="1000" kern="1200" dirty="0"/>
+            <a:t>/data/gtfs/calendar.txt - From GTFS dataset</a:t>
+          </a:r>
+        </a:p>
+      </dsp:txBody>
+      <dsp:txXfrm>
+        <a:off x="0" y="461244"/>
+        <a:ext cx="10515600" cy="229832"/>
+      </dsp:txXfrm>
+    </dsp:sp>
+    <dsp:sp modelId="{6082D2E8-2B84-450B-8B9C-B0E6D4B2EA2A}">
+      <dsp:nvSpPr>
+        <dsp:cNvPr id="0" name=""/>
+        <dsp:cNvSpPr/>
+      </dsp:nvSpPr>
+      <dsp:spPr>
+        <a:xfrm>
+          <a:off x="0" y="691077"/>
+          <a:ext cx="10515600" cy="0"/>
+        </a:xfrm>
+        <a:prstGeom prst="line">
+          <a:avLst/>
+        </a:prstGeom>
+        <a:solidFill>
+          <a:schemeClr val="accent1">
+            <a:hueOff val="0"/>
+            <a:satOff val="0"/>
+            <a:lumOff val="0"/>
+            <a:alphaOff val="0"/>
+          </a:schemeClr>
+        </a:solidFill>
+        <a:ln w="12700" cap="flat" cmpd="sng" algn="ctr">
+          <a:solidFill>
+            <a:schemeClr val="accent1">
+              <a:hueOff val="0"/>
+              <a:satOff val="0"/>
+              <a:lumOff val="0"/>
+              <a:alphaOff val="0"/>
+            </a:schemeClr>
+          </a:solidFill>
+          <a:prstDash val="solid"/>
+          <a:miter lim="800000"/>
+        </a:ln>
+        <a:effectLst/>
+      </dsp:spPr>
+      <dsp:style>
+        <a:lnRef idx="2">
+          <a:scrgbClr r="0" g="0" b="0"/>
+        </a:lnRef>
+        <a:fillRef idx="1">
+          <a:scrgbClr r="0" g="0" b="0"/>
+        </a:fillRef>
+        <a:effectRef idx="0">
+          <a:scrgbClr r="0" g="0" b="0"/>
+        </a:effectRef>
+        <a:fontRef idx="minor">
+          <a:schemeClr val="lt1"/>
+        </a:fontRef>
+      </dsp:style>
+    </dsp:sp>
+    <dsp:sp modelId="{3C5264E7-5A98-40E4-80BA-8F9212555A62}">
+      <dsp:nvSpPr>
+        <dsp:cNvPr id="0" name=""/>
+        <dsp:cNvSpPr/>
+      </dsp:nvSpPr>
+      <dsp:spPr>
+        <a:xfrm>
+          <a:off x="0" y="691077"/>
+          <a:ext cx="10515600" cy="229832"/>
+        </a:xfrm>
+        <a:prstGeom prst="rect">
+          <a:avLst/>
+        </a:prstGeom>
+        <a:noFill/>
+        <a:ln>
+          <a:noFill/>
+        </a:ln>
+        <a:effectLst/>
+      </dsp:spPr>
+      <dsp:style>
+        <a:lnRef idx="0">
+          <a:scrgbClr r="0" g="0" b="0"/>
+        </a:lnRef>
+        <a:fillRef idx="0">
+          <a:scrgbClr r="0" g="0" b="0"/>
+        </a:fillRef>
+        <a:effectRef idx="0">
+          <a:scrgbClr r="0" g="0" b="0"/>
+        </a:effectRef>
+        <a:fontRef idx="minor"/>
+      </dsp:style>
+      <dsp:txBody>
+        <a:bodyPr spcFirstLastPara="0" vert="horz" wrap="square" lIns="38100" tIns="38100" rIns="38100" bIns="38100" numCol="1" spcCol="1270" anchor="t" anchorCtr="0">
+          <a:noAutofit/>
+        </a:bodyPr>
+        <a:lstStyle/>
+        <a:p>
+          <a:pPr marL="0" lvl="0" indent="0" algn="l" defTabSz="444500">
+            <a:lnSpc>
+              <a:spcPct val="90000"/>
+            </a:lnSpc>
+            <a:spcBef>
+              <a:spcPct val="0"/>
+            </a:spcBef>
+            <a:spcAft>
+              <a:spcPct val="35000"/>
+            </a:spcAft>
+            <a:buNone/>
+          </a:pPr>
+          <a:r>
+            <a:rPr lang="en-US" sz="1000" kern="1200" dirty="0"/>
+            <a:t>/data/gtfs/fare_attributes.txt - From GTFS dataset</a:t>
+          </a:r>
+        </a:p>
+      </dsp:txBody>
+      <dsp:txXfrm>
+        <a:off x="0" y="691077"/>
+        <a:ext cx="10515600" cy="229832"/>
+      </dsp:txXfrm>
+    </dsp:sp>
+    <dsp:sp modelId="{43254676-7C48-40DA-A347-58806C7E516B}">
+      <dsp:nvSpPr>
+        <dsp:cNvPr id="0" name=""/>
+        <dsp:cNvSpPr/>
+      </dsp:nvSpPr>
+      <dsp:spPr>
+        <a:xfrm>
+          <a:off x="0" y="920910"/>
+          <a:ext cx="10515600" cy="0"/>
+        </a:xfrm>
+        <a:prstGeom prst="line">
+          <a:avLst/>
+        </a:prstGeom>
+        <a:solidFill>
+          <a:schemeClr val="accent1">
+            <a:hueOff val="0"/>
+            <a:satOff val="0"/>
+            <a:lumOff val="0"/>
+            <a:alphaOff val="0"/>
+          </a:schemeClr>
+        </a:solidFill>
+        <a:ln w="12700" cap="flat" cmpd="sng" algn="ctr">
+          <a:solidFill>
+            <a:schemeClr val="accent1">
+              <a:hueOff val="0"/>
+              <a:satOff val="0"/>
+              <a:lumOff val="0"/>
+              <a:alphaOff val="0"/>
+            </a:schemeClr>
+          </a:solidFill>
+          <a:prstDash val="solid"/>
+          <a:miter lim="800000"/>
+        </a:ln>
+        <a:effectLst/>
+      </dsp:spPr>
+      <dsp:style>
+        <a:lnRef idx="2">
+          <a:scrgbClr r="0" g="0" b="0"/>
+        </a:lnRef>
+        <a:fillRef idx="1">
+          <a:scrgbClr r="0" g="0" b="0"/>
+        </a:fillRef>
+        <a:effectRef idx="0">
+          <a:scrgbClr r="0" g="0" b="0"/>
+        </a:effectRef>
+        <a:fontRef idx="minor">
+          <a:schemeClr val="lt1"/>
+        </a:fontRef>
+      </dsp:style>
+    </dsp:sp>
+    <dsp:sp modelId="{F033387E-1C69-4C6E-BF91-1C12FE85DFAC}">
+      <dsp:nvSpPr>
+        <dsp:cNvPr id="0" name=""/>
+        <dsp:cNvSpPr/>
+      </dsp:nvSpPr>
+      <dsp:spPr>
+        <a:xfrm>
+          <a:off x="0" y="920910"/>
+          <a:ext cx="10515600" cy="229832"/>
+        </a:xfrm>
+        <a:prstGeom prst="rect">
+          <a:avLst/>
+        </a:prstGeom>
+        <a:noFill/>
+        <a:ln>
+          <a:noFill/>
+        </a:ln>
+        <a:effectLst/>
+      </dsp:spPr>
+      <dsp:style>
+        <a:lnRef idx="0">
+          <a:scrgbClr r="0" g="0" b="0"/>
+        </a:lnRef>
+        <a:fillRef idx="0">
+          <a:scrgbClr r="0" g="0" b="0"/>
+        </a:fillRef>
+        <a:effectRef idx="0">
+          <a:scrgbClr r="0" g="0" b="0"/>
+        </a:effectRef>
+        <a:fontRef idx="minor"/>
+      </dsp:style>
+      <dsp:txBody>
+        <a:bodyPr spcFirstLastPara="0" vert="horz" wrap="square" lIns="38100" tIns="38100" rIns="38100" bIns="38100" numCol="1" spcCol="1270" anchor="t" anchorCtr="0">
+          <a:noAutofit/>
+        </a:bodyPr>
+        <a:lstStyle/>
+        <a:p>
+          <a:pPr marL="0" lvl="0" indent="0" algn="l" defTabSz="444500">
+            <a:lnSpc>
+              <a:spcPct val="90000"/>
+            </a:lnSpc>
+            <a:spcBef>
+              <a:spcPct val="0"/>
+            </a:spcBef>
+            <a:spcAft>
+              <a:spcPct val="35000"/>
+            </a:spcAft>
+            <a:buNone/>
+          </a:pPr>
+          <a:r>
+            <a:rPr lang="en-US" sz="1000" kern="1200" dirty="0"/>
+            <a:t>/data/gtfs/fare_rules.txt - From GTFS dataset</a:t>
+          </a:r>
+        </a:p>
+      </dsp:txBody>
+      <dsp:txXfrm>
+        <a:off x="0" y="920910"/>
+        <a:ext cx="10515600" cy="229832"/>
+      </dsp:txXfrm>
+    </dsp:sp>
+    <dsp:sp modelId="{1491AFBE-A8B9-4CFE-8585-C0A0F88F57C0}">
+      <dsp:nvSpPr>
+        <dsp:cNvPr id="0" name=""/>
+        <dsp:cNvSpPr/>
+      </dsp:nvSpPr>
+      <dsp:spPr>
+        <a:xfrm>
+          <a:off x="0" y="1150743"/>
+          <a:ext cx="10515600" cy="0"/>
+        </a:xfrm>
+        <a:prstGeom prst="line">
+          <a:avLst/>
+        </a:prstGeom>
+        <a:solidFill>
+          <a:schemeClr val="accent1">
+            <a:hueOff val="0"/>
+            <a:satOff val="0"/>
+            <a:lumOff val="0"/>
+            <a:alphaOff val="0"/>
+          </a:schemeClr>
+        </a:solidFill>
+        <a:ln w="12700" cap="flat" cmpd="sng" algn="ctr">
+          <a:solidFill>
+            <a:schemeClr val="accent1">
+              <a:hueOff val="0"/>
+              <a:satOff val="0"/>
+              <a:lumOff val="0"/>
+              <a:alphaOff val="0"/>
+            </a:schemeClr>
+          </a:solidFill>
+          <a:prstDash val="solid"/>
+          <a:miter lim="800000"/>
+        </a:ln>
+        <a:effectLst/>
+      </dsp:spPr>
+      <dsp:style>
+        <a:lnRef idx="2">
+          <a:scrgbClr r="0" g="0" b="0"/>
+        </a:lnRef>
+        <a:fillRef idx="1">
+          <a:scrgbClr r="0" g="0" b="0"/>
+        </a:fillRef>
+        <a:effectRef idx="0">
+          <a:scrgbClr r="0" g="0" b="0"/>
+        </a:effectRef>
+        <a:fontRef idx="minor">
+          <a:schemeClr val="lt1"/>
+        </a:fontRef>
+      </dsp:style>
+    </dsp:sp>
+    <dsp:sp modelId="{53BEDA2A-6780-4E65-83DF-11E879D82E61}">
+      <dsp:nvSpPr>
+        <dsp:cNvPr id="0" name=""/>
+        <dsp:cNvSpPr/>
+      </dsp:nvSpPr>
+      <dsp:spPr>
+        <a:xfrm>
+          <a:off x="0" y="1150743"/>
+          <a:ext cx="10515600" cy="229832"/>
+        </a:xfrm>
+        <a:prstGeom prst="rect">
+          <a:avLst/>
+        </a:prstGeom>
+        <a:noFill/>
+        <a:ln>
+          <a:noFill/>
+        </a:ln>
+        <a:effectLst/>
+      </dsp:spPr>
+      <dsp:style>
+        <a:lnRef idx="0">
+          <a:scrgbClr r="0" g="0" b="0"/>
+        </a:lnRef>
+        <a:fillRef idx="0">
+          <a:scrgbClr r="0" g="0" b="0"/>
+        </a:fillRef>
+        <a:effectRef idx="0">
+          <a:scrgbClr r="0" g="0" b="0"/>
+        </a:effectRef>
+        <a:fontRef idx="minor"/>
+      </dsp:style>
+      <dsp:txBody>
+        <a:bodyPr spcFirstLastPara="0" vert="horz" wrap="square" lIns="38100" tIns="38100" rIns="38100" bIns="38100" numCol="1" spcCol="1270" anchor="t" anchorCtr="0">
+          <a:noAutofit/>
+        </a:bodyPr>
+        <a:lstStyle/>
+        <a:p>
+          <a:pPr marL="0" lvl="0" indent="0" algn="l" defTabSz="444500">
+            <a:lnSpc>
+              <a:spcPct val="90000"/>
+            </a:lnSpc>
+            <a:spcBef>
+              <a:spcPct val="0"/>
+            </a:spcBef>
+            <a:spcAft>
+              <a:spcPct val="35000"/>
+            </a:spcAft>
+            <a:buNone/>
+          </a:pPr>
+          <a:r>
+            <a:rPr lang="en-US" sz="1000" kern="1200" dirty="0"/>
+            <a:t>/data/gtfs/feed_info.txt - From GTFS dataset</a:t>
+          </a:r>
+        </a:p>
+      </dsp:txBody>
+      <dsp:txXfrm>
+        <a:off x="0" y="1150743"/>
+        <a:ext cx="10515600" cy="229832"/>
+      </dsp:txXfrm>
+    </dsp:sp>
+    <dsp:sp modelId="{9D46C531-EA53-4BB9-BBF3-6D976F5B810D}">
+      <dsp:nvSpPr>
+        <dsp:cNvPr id="0" name=""/>
+        <dsp:cNvSpPr/>
+      </dsp:nvSpPr>
+      <dsp:spPr>
+        <a:xfrm>
+          <a:off x="0" y="1380576"/>
+          <a:ext cx="10515600" cy="0"/>
+        </a:xfrm>
+        <a:prstGeom prst="line">
+          <a:avLst/>
+        </a:prstGeom>
+        <a:solidFill>
+          <a:schemeClr val="accent1">
+            <a:hueOff val="0"/>
+            <a:satOff val="0"/>
+            <a:lumOff val="0"/>
+            <a:alphaOff val="0"/>
+          </a:schemeClr>
+        </a:solidFill>
+        <a:ln w="12700" cap="flat" cmpd="sng" algn="ctr">
+          <a:solidFill>
+            <a:schemeClr val="accent1">
+              <a:hueOff val="0"/>
+              <a:satOff val="0"/>
+              <a:lumOff val="0"/>
+              <a:alphaOff val="0"/>
+            </a:schemeClr>
+          </a:solidFill>
+          <a:prstDash val="solid"/>
+          <a:miter lim="800000"/>
+        </a:ln>
+        <a:effectLst/>
+      </dsp:spPr>
+      <dsp:style>
+        <a:lnRef idx="2">
+          <a:scrgbClr r="0" g="0" b="0"/>
+        </a:lnRef>
+        <a:fillRef idx="1">
+          <a:scrgbClr r="0" g="0" b="0"/>
+        </a:fillRef>
+        <a:effectRef idx="0">
+          <a:scrgbClr r="0" g="0" b="0"/>
+        </a:effectRef>
+        <a:fontRef idx="minor">
+          <a:schemeClr val="lt1"/>
+        </a:fontRef>
+      </dsp:style>
+    </dsp:sp>
+    <dsp:sp modelId="{8DAD8F55-D257-45C3-A023-3A774FE79B84}">
+      <dsp:nvSpPr>
+        <dsp:cNvPr id="0" name=""/>
+        <dsp:cNvSpPr/>
+      </dsp:nvSpPr>
+      <dsp:spPr>
+        <a:xfrm>
+          <a:off x="0" y="1380576"/>
+          <a:ext cx="10515600" cy="229832"/>
+        </a:xfrm>
+        <a:prstGeom prst="rect">
+          <a:avLst/>
+        </a:prstGeom>
+        <a:noFill/>
+        <a:ln>
+          <a:noFill/>
+        </a:ln>
+        <a:effectLst/>
+      </dsp:spPr>
+      <dsp:style>
+        <a:lnRef idx="0">
+          <a:scrgbClr r="0" g="0" b="0"/>
+        </a:lnRef>
+        <a:fillRef idx="0">
+          <a:scrgbClr r="0" g="0" b="0"/>
+        </a:fillRef>
+        <a:effectRef idx="0">
+          <a:scrgbClr r="0" g="0" b="0"/>
+        </a:effectRef>
+        <a:fontRef idx="minor"/>
+      </dsp:style>
+      <dsp:txBody>
+        <a:bodyPr spcFirstLastPara="0" vert="horz" wrap="square" lIns="38100" tIns="38100" rIns="38100" bIns="38100" numCol="1" spcCol="1270" anchor="t" anchorCtr="0">
+          <a:noAutofit/>
+        </a:bodyPr>
+        <a:lstStyle/>
+        <a:p>
+          <a:pPr marL="0" lvl="0" indent="0" algn="l" defTabSz="444500">
+            <a:lnSpc>
+              <a:spcPct val="90000"/>
+            </a:lnSpc>
+            <a:spcBef>
+              <a:spcPct val="0"/>
+            </a:spcBef>
+            <a:spcAft>
+              <a:spcPct val="35000"/>
+            </a:spcAft>
+            <a:buNone/>
+          </a:pPr>
+          <a:r>
+            <a:rPr lang="en-US" sz="1000" kern="1200" dirty="0"/>
+            <a:t>/data/gtfs/linked_datasets.txt - From GTFS dataset</a:t>
+          </a:r>
+        </a:p>
+      </dsp:txBody>
+      <dsp:txXfrm>
+        <a:off x="0" y="1380576"/>
+        <a:ext cx="10515600" cy="229832"/>
+      </dsp:txXfrm>
+    </dsp:sp>
+    <dsp:sp modelId="{8EBA9BC5-8B88-4E84-A218-F6AF2D1030FD}">
+      <dsp:nvSpPr>
+        <dsp:cNvPr id="0" name=""/>
+        <dsp:cNvSpPr/>
+      </dsp:nvSpPr>
+      <dsp:spPr>
+        <a:xfrm>
+          <a:off x="0" y="1610408"/>
+          <a:ext cx="10515600" cy="0"/>
+        </a:xfrm>
+        <a:prstGeom prst="line">
+          <a:avLst/>
+        </a:prstGeom>
+        <a:solidFill>
+          <a:schemeClr val="accent1">
+            <a:hueOff val="0"/>
+            <a:satOff val="0"/>
+            <a:lumOff val="0"/>
+            <a:alphaOff val="0"/>
+          </a:schemeClr>
+        </a:solidFill>
+        <a:ln w="12700" cap="flat" cmpd="sng" algn="ctr">
+          <a:solidFill>
+            <a:schemeClr val="accent1">
+              <a:hueOff val="0"/>
+              <a:satOff val="0"/>
+              <a:lumOff val="0"/>
+              <a:alphaOff val="0"/>
+            </a:schemeClr>
+          </a:solidFill>
+          <a:prstDash val="solid"/>
+          <a:miter lim="800000"/>
+        </a:ln>
+        <a:effectLst/>
+      </dsp:spPr>
+      <dsp:style>
+        <a:lnRef idx="2">
+          <a:scrgbClr r="0" g="0" b="0"/>
+        </a:lnRef>
+        <a:fillRef idx="1">
+          <a:scrgbClr r="0" g="0" b="0"/>
+        </a:fillRef>
+        <a:effectRef idx="0">
+          <a:scrgbClr r="0" g="0" b="0"/>
+        </a:effectRef>
+        <a:fontRef idx="minor">
+          <a:schemeClr val="lt1"/>
+        </a:fontRef>
+      </dsp:style>
+    </dsp:sp>
+    <dsp:sp modelId="{87ECC06B-6569-40A5-9669-9B84BA395909}">
+      <dsp:nvSpPr>
+        <dsp:cNvPr id="0" name=""/>
+        <dsp:cNvSpPr/>
+      </dsp:nvSpPr>
+      <dsp:spPr>
+        <a:xfrm>
+          <a:off x="0" y="1610408"/>
+          <a:ext cx="10515600" cy="229832"/>
+        </a:xfrm>
+        <a:prstGeom prst="rect">
+          <a:avLst/>
+        </a:prstGeom>
+        <a:noFill/>
+        <a:ln>
+          <a:noFill/>
+        </a:ln>
+        <a:effectLst/>
+      </dsp:spPr>
+      <dsp:style>
+        <a:lnRef idx="0">
+          <a:scrgbClr r="0" g="0" b="0"/>
+        </a:lnRef>
+        <a:fillRef idx="0">
+          <a:scrgbClr r="0" g="0" b="0"/>
+        </a:fillRef>
+        <a:effectRef idx="0">
+          <a:scrgbClr r="0" g="0" b="0"/>
+        </a:effectRef>
+        <a:fontRef idx="minor"/>
+      </dsp:style>
+      <dsp:txBody>
+        <a:bodyPr spcFirstLastPara="0" vert="horz" wrap="square" lIns="38100" tIns="38100" rIns="38100" bIns="38100" numCol="1" spcCol="1270" anchor="t" anchorCtr="0">
+          <a:noAutofit/>
+        </a:bodyPr>
+        <a:lstStyle/>
+        <a:p>
+          <a:pPr marL="0" lvl="0" indent="0" algn="l" defTabSz="444500">
+            <a:lnSpc>
+              <a:spcPct val="90000"/>
+            </a:lnSpc>
+            <a:spcBef>
+              <a:spcPct val="0"/>
+            </a:spcBef>
+            <a:spcAft>
+              <a:spcPct val="35000"/>
+            </a:spcAft>
+            <a:buNone/>
+          </a:pPr>
+          <a:r>
+            <a:rPr lang="en-US" sz="1000" kern="1200" dirty="0"/>
+            <a:t>/data/gtfs/route_directions.txt - From GTFS dataset</a:t>
+          </a:r>
+        </a:p>
+      </dsp:txBody>
+      <dsp:txXfrm>
+        <a:off x="0" y="1610408"/>
+        <a:ext cx="10515600" cy="229832"/>
+      </dsp:txXfrm>
+    </dsp:sp>
+    <dsp:sp modelId="{85179C0D-5599-45BB-B265-520091E95C7E}">
+      <dsp:nvSpPr>
+        <dsp:cNvPr id="0" name=""/>
+        <dsp:cNvSpPr/>
+      </dsp:nvSpPr>
+      <dsp:spPr>
+        <a:xfrm>
+          <a:off x="0" y="1840241"/>
+          <a:ext cx="10515600" cy="0"/>
+        </a:xfrm>
+        <a:prstGeom prst="line">
+          <a:avLst/>
+        </a:prstGeom>
+        <a:solidFill>
+          <a:schemeClr val="accent1">
+            <a:hueOff val="0"/>
+            <a:satOff val="0"/>
+            <a:lumOff val="0"/>
+            <a:alphaOff val="0"/>
+          </a:schemeClr>
+        </a:solidFill>
+        <a:ln w="12700" cap="flat" cmpd="sng" algn="ctr">
+          <a:solidFill>
+            <a:schemeClr val="accent1">
+              <a:hueOff val="0"/>
+              <a:satOff val="0"/>
+              <a:lumOff val="0"/>
+              <a:alphaOff val="0"/>
+            </a:schemeClr>
+          </a:solidFill>
+          <a:prstDash val="solid"/>
+          <a:miter lim="800000"/>
+        </a:ln>
+        <a:effectLst/>
+      </dsp:spPr>
+      <dsp:style>
+        <a:lnRef idx="2">
+          <a:scrgbClr r="0" g="0" b="0"/>
+        </a:lnRef>
+        <a:fillRef idx="1">
+          <a:scrgbClr r="0" g="0" b="0"/>
+        </a:fillRef>
+        <a:effectRef idx="0">
+          <a:scrgbClr r="0" g="0" b="0"/>
+        </a:effectRef>
+        <a:fontRef idx="minor">
+          <a:schemeClr val="lt1"/>
+        </a:fontRef>
+      </dsp:style>
+    </dsp:sp>
+    <dsp:sp modelId="{E9E74DCB-08C3-4827-AD32-1B97F975D264}">
+      <dsp:nvSpPr>
+        <dsp:cNvPr id="0" name=""/>
+        <dsp:cNvSpPr/>
+      </dsp:nvSpPr>
+      <dsp:spPr>
+        <a:xfrm>
+          <a:off x="0" y="1840241"/>
+          <a:ext cx="10515600" cy="229832"/>
+        </a:xfrm>
+        <a:prstGeom prst="rect">
+          <a:avLst/>
+        </a:prstGeom>
+        <a:noFill/>
+        <a:ln>
+          <a:noFill/>
+        </a:ln>
+        <a:effectLst/>
+      </dsp:spPr>
+      <dsp:style>
+        <a:lnRef idx="0">
+          <a:scrgbClr r="0" g="0" b="0"/>
+        </a:lnRef>
+        <a:fillRef idx="0">
+          <a:scrgbClr r="0" g="0" b="0"/>
+        </a:fillRef>
+        <a:effectRef idx="0">
+          <a:scrgbClr r="0" g="0" b="0"/>
+        </a:effectRef>
+        <a:fontRef idx="minor"/>
+      </dsp:style>
+      <dsp:txBody>
+        <a:bodyPr spcFirstLastPara="0" vert="horz" wrap="square" lIns="38100" tIns="38100" rIns="38100" bIns="38100" numCol="1" spcCol="1270" anchor="t" anchorCtr="0">
+          <a:noAutofit/>
+        </a:bodyPr>
+        <a:lstStyle/>
+        <a:p>
+          <a:pPr marL="0" lvl="0" indent="0" algn="l" defTabSz="444500">
+            <a:lnSpc>
+              <a:spcPct val="90000"/>
+            </a:lnSpc>
+            <a:spcBef>
+              <a:spcPct val="0"/>
+            </a:spcBef>
+            <a:spcAft>
+              <a:spcPct val="35000"/>
+            </a:spcAft>
+            <a:buNone/>
+          </a:pPr>
+          <a:r>
+            <a:rPr lang="en-US" sz="1000" kern="1200" dirty="0"/>
+            <a:t>/data/gtfs/routes.txt - From GTFS dataset</a:t>
+          </a:r>
+        </a:p>
+      </dsp:txBody>
+      <dsp:txXfrm>
+        <a:off x="0" y="1840241"/>
+        <a:ext cx="10515600" cy="229832"/>
+      </dsp:txXfrm>
+    </dsp:sp>
+    <dsp:sp modelId="{C1AB250A-AE3A-4543-B2F9-27AD8932A4AA}">
+      <dsp:nvSpPr>
+        <dsp:cNvPr id="0" name=""/>
+        <dsp:cNvSpPr/>
+      </dsp:nvSpPr>
+      <dsp:spPr>
+        <a:xfrm>
+          <a:off x="0" y="2070074"/>
+          <a:ext cx="10515600" cy="0"/>
+        </a:xfrm>
+        <a:prstGeom prst="line">
+          <a:avLst/>
+        </a:prstGeom>
+        <a:solidFill>
+          <a:schemeClr val="accent1">
+            <a:hueOff val="0"/>
+            <a:satOff val="0"/>
+            <a:lumOff val="0"/>
+            <a:alphaOff val="0"/>
+          </a:schemeClr>
+        </a:solidFill>
+        <a:ln w="12700" cap="flat" cmpd="sng" algn="ctr">
+          <a:solidFill>
+            <a:schemeClr val="accent1">
+              <a:hueOff val="0"/>
+              <a:satOff val="0"/>
+              <a:lumOff val="0"/>
+              <a:alphaOff val="0"/>
+            </a:schemeClr>
+          </a:solidFill>
+          <a:prstDash val="solid"/>
+          <a:miter lim="800000"/>
+        </a:ln>
+        <a:effectLst/>
+      </dsp:spPr>
+      <dsp:style>
+        <a:lnRef idx="2">
+          <a:scrgbClr r="0" g="0" b="0"/>
+        </a:lnRef>
+        <a:fillRef idx="1">
+          <a:scrgbClr r="0" g="0" b="0"/>
+        </a:fillRef>
+        <a:effectRef idx="0">
+          <a:scrgbClr r="0" g="0" b="0"/>
+        </a:effectRef>
+        <a:fontRef idx="minor">
+          <a:schemeClr val="lt1"/>
+        </a:fontRef>
+      </dsp:style>
+    </dsp:sp>
+    <dsp:sp modelId="{735618A3-76CD-4100-AD30-671AC1DC01BE}">
+      <dsp:nvSpPr>
+        <dsp:cNvPr id="0" name=""/>
+        <dsp:cNvSpPr/>
+      </dsp:nvSpPr>
+      <dsp:spPr>
+        <a:xfrm>
+          <a:off x="0" y="2070074"/>
+          <a:ext cx="10515600" cy="229832"/>
+        </a:xfrm>
+        <a:prstGeom prst="rect">
+          <a:avLst/>
+        </a:prstGeom>
+        <a:noFill/>
+        <a:ln>
+          <a:noFill/>
+        </a:ln>
+        <a:effectLst/>
+      </dsp:spPr>
+      <dsp:style>
+        <a:lnRef idx="0">
+          <a:scrgbClr r="0" g="0" b="0"/>
+        </a:lnRef>
+        <a:fillRef idx="0">
+          <a:scrgbClr r="0" g="0" b="0"/>
+        </a:fillRef>
+        <a:effectRef idx="0">
+          <a:scrgbClr r="0" g="0" b="0"/>
+        </a:effectRef>
+        <a:fontRef idx="minor"/>
+      </dsp:style>
+      <dsp:txBody>
+        <a:bodyPr spcFirstLastPara="0" vert="horz" wrap="square" lIns="38100" tIns="38100" rIns="38100" bIns="38100" numCol="1" spcCol="1270" anchor="t" anchorCtr="0">
+          <a:noAutofit/>
+        </a:bodyPr>
+        <a:lstStyle/>
+        <a:p>
+          <a:pPr marL="0" lvl="0" indent="0" algn="l" defTabSz="444500">
+            <a:lnSpc>
+              <a:spcPct val="90000"/>
+            </a:lnSpc>
+            <a:spcBef>
+              <a:spcPct val="0"/>
+            </a:spcBef>
+            <a:spcAft>
+              <a:spcPct val="35000"/>
+            </a:spcAft>
+            <a:buNone/>
+          </a:pPr>
+          <a:r>
+            <a:rPr lang="en-US" sz="1000" kern="1200" dirty="0"/>
+            <a:t>/data/gtfs/shapes.txt - From GTFS dataset</a:t>
+          </a:r>
+        </a:p>
+      </dsp:txBody>
+      <dsp:txXfrm>
+        <a:off x="0" y="2070074"/>
+        <a:ext cx="10515600" cy="229832"/>
+      </dsp:txXfrm>
+    </dsp:sp>
+    <dsp:sp modelId="{1E015077-FB73-459A-A9D9-D3EAF7CFF347}">
+      <dsp:nvSpPr>
+        <dsp:cNvPr id="0" name=""/>
+        <dsp:cNvSpPr/>
+      </dsp:nvSpPr>
+      <dsp:spPr>
+        <a:xfrm>
+          <a:off x="0" y="2299907"/>
+          <a:ext cx="10515600" cy="0"/>
+        </a:xfrm>
+        <a:prstGeom prst="line">
+          <a:avLst/>
+        </a:prstGeom>
+        <a:solidFill>
+          <a:schemeClr val="accent1">
+            <a:hueOff val="0"/>
+            <a:satOff val="0"/>
+            <a:lumOff val="0"/>
+            <a:alphaOff val="0"/>
+          </a:schemeClr>
+        </a:solidFill>
+        <a:ln w="12700" cap="flat" cmpd="sng" algn="ctr">
+          <a:solidFill>
+            <a:schemeClr val="accent1">
+              <a:hueOff val="0"/>
+              <a:satOff val="0"/>
+              <a:lumOff val="0"/>
+              <a:alphaOff val="0"/>
+            </a:schemeClr>
+          </a:solidFill>
+          <a:prstDash val="solid"/>
+          <a:miter lim="800000"/>
+        </a:ln>
+        <a:effectLst/>
+      </dsp:spPr>
+      <dsp:style>
+        <a:lnRef idx="2">
+          <a:scrgbClr r="0" g="0" b="0"/>
+        </a:lnRef>
+        <a:fillRef idx="1">
+          <a:scrgbClr r="0" g="0" b="0"/>
+        </a:fillRef>
+        <a:effectRef idx="0">
+          <a:scrgbClr r="0" g="0" b="0"/>
+        </a:effectRef>
+        <a:fontRef idx="minor">
+          <a:schemeClr val="lt1"/>
+        </a:fontRef>
+      </dsp:style>
+    </dsp:sp>
+    <dsp:sp modelId="{21A8E1AB-8081-4AF2-BFCA-A14F0816FA0A}">
+      <dsp:nvSpPr>
+        <dsp:cNvPr id="0" name=""/>
+        <dsp:cNvSpPr/>
+      </dsp:nvSpPr>
+      <dsp:spPr>
+        <a:xfrm>
+          <a:off x="0" y="2299907"/>
+          <a:ext cx="10515600" cy="229832"/>
+        </a:xfrm>
+        <a:prstGeom prst="rect">
+          <a:avLst/>
+        </a:prstGeom>
+        <a:noFill/>
+        <a:ln>
+          <a:noFill/>
+        </a:ln>
+        <a:effectLst/>
+      </dsp:spPr>
+      <dsp:style>
+        <a:lnRef idx="0">
+          <a:scrgbClr r="0" g="0" b="0"/>
+        </a:lnRef>
+        <a:fillRef idx="0">
+          <a:scrgbClr r="0" g="0" b="0"/>
+        </a:fillRef>
+        <a:effectRef idx="0">
+          <a:scrgbClr r="0" g="0" b="0"/>
+        </a:effectRef>
+        <a:fontRef idx="minor"/>
+      </dsp:style>
+      <dsp:txBody>
+        <a:bodyPr spcFirstLastPara="0" vert="horz" wrap="square" lIns="38100" tIns="38100" rIns="38100" bIns="38100" numCol="1" spcCol="1270" anchor="t" anchorCtr="0">
+          <a:noAutofit/>
+        </a:bodyPr>
+        <a:lstStyle/>
+        <a:p>
+          <a:pPr marL="0" lvl="0" indent="0" algn="l" defTabSz="444500">
+            <a:lnSpc>
+              <a:spcPct val="90000"/>
+            </a:lnSpc>
+            <a:spcBef>
+              <a:spcPct val="0"/>
+            </a:spcBef>
+            <a:spcAft>
+              <a:spcPct val="35000"/>
+            </a:spcAft>
+            <a:buNone/>
+          </a:pPr>
+          <a:r>
+            <a:rPr lang="en-US" sz="1000" kern="1200" dirty="0"/>
+            <a:t>/data/gtfs/stop_features.txt - From GTFS dataset</a:t>
+          </a:r>
+        </a:p>
+      </dsp:txBody>
+      <dsp:txXfrm>
+        <a:off x="0" y="2299907"/>
+        <a:ext cx="10515600" cy="229832"/>
+      </dsp:txXfrm>
+    </dsp:sp>
+    <dsp:sp modelId="{B7B211DD-0FEA-4E5B-BFA3-A5E6CCA9CD18}">
+      <dsp:nvSpPr>
+        <dsp:cNvPr id="0" name=""/>
+        <dsp:cNvSpPr/>
+      </dsp:nvSpPr>
+      <dsp:spPr>
+        <a:xfrm>
+          <a:off x="0" y="2529740"/>
+          <a:ext cx="10515600" cy="0"/>
+        </a:xfrm>
+        <a:prstGeom prst="line">
+          <a:avLst/>
+        </a:prstGeom>
+        <a:solidFill>
+          <a:schemeClr val="accent1">
+            <a:hueOff val="0"/>
+            <a:satOff val="0"/>
+            <a:lumOff val="0"/>
+            <a:alphaOff val="0"/>
+          </a:schemeClr>
+        </a:solidFill>
+        <a:ln w="12700" cap="flat" cmpd="sng" algn="ctr">
+          <a:solidFill>
+            <a:schemeClr val="accent1">
+              <a:hueOff val="0"/>
+              <a:satOff val="0"/>
+              <a:lumOff val="0"/>
+              <a:alphaOff val="0"/>
+            </a:schemeClr>
+          </a:solidFill>
+          <a:prstDash val="solid"/>
+          <a:miter lim="800000"/>
+        </a:ln>
+        <a:effectLst/>
+      </dsp:spPr>
+      <dsp:style>
+        <a:lnRef idx="2">
+          <a:scrgbClr r="0" g="0" b="0"/>
+        </a:lnRef>
+        <a:fillRef idx="1">
+          <a:scrgbClr r="0" g="0" b="0"/>
+        </a:fillRef>
+        <a:effectRef idx="0">
+          <a:scrgbClr r="0" g="0" b="0"/>
+        </a:effectRef>
+        <a:fontRef idx="minor">
+          <a:schemeClr val="lt1"/>
+        </a:fontRef>
+      </dsp:style>
+    </dsp:sp>
+    <dsp:sp modelId="{F02B3386-0435-4CBE-9C9B-FC5554250E38}">
+      <dsp:nvSpPr>
+        <dsp:cNvPr id="0" name=""/>
+        <dsp:cNvSpPr/>
+      </dsp:nvSpPr>
+      <dsp:spPr>
+        <a:xfrm>
+          <a:off x="0" y="2529740"/>
+          <a:ext cx="10515600" cy="229832"/>
+        </a:xfrm>
+        <a:prstGeom prst="rect">
+          <a:avLst/>
+        </a:prstGeom>
+        <a:noFill/>
+        <a:ln>
+          <a:noFill/>
+        </a:ln>
+        <a:effectLst/>
+      </dsp:spPr>
+      <dsp:style>
+        <a:lnRef idx="0">
+          <a:scrgbClr r="0" g="0" b="0"/>
+        </a:lnRef>
+        <a:fillRef idx="0">
+          <a:scrgbClr r="0" g="0" b="0"/>
+        </a:fillRef>
+        <a:effectRef idx="0">
+          <a:scrgbClr r="0" g="0" b="0"/>
+        </a:effectRef>
+        <a:fontRef idx="minor"/>
+      </dsp:style>
+      <dsp:txBody>
+        <a:bodyPr spcFirstLastPara="0" vert="horz" wrap="square" lIns="38100" tIns="38100" rIns="38100" bIns="38100" numCol="1" spcCol="1270" anchor="t" anchorCtr="0">
+          <a:noAutofit/>
+        </a:bodyPr>
+        <a:lstStyle/>
+        <a:p>
+          <a:pPr marL="0" lvl="0" indent="0" algn="l" defTabSz="444500">
+            <a:lnSpc>
+              <a:spcPct val="90000"/>
+            </a:lnSpc>
+            <a:spcBef>
+              <a:spcPct val="0"/>
+            </a:spcBef>
+            <a:spcAft>
+              <a:spcPct val="35000"/>
+            </a:spcAft>
+            <a:buNone/>
+          </a:pPr>
+          <a:r>
+            <a:rPr lang="en-US" sz="1000" kern="1200" dirty="0"/>
+            <a:t>/data/gtfs/stop_times.txt - From GTFS dataset</a:t>
+          </a:r>
+        </a:p>
+      </dsp:txBody>
+      <dsp:txXfrm>
+        <a:off x="0" y="2529740"/>
+        <a:ext cx="10515600" cy="229832"/>
+      </dsp:txXfrm>
+    </dsp:sp>
+    <dsp:sp modelId="{AC9B6D01-0219-478A-9401-7536C1C8AECB}">
+      <dsp:nvSpPr>
+        <dsp:cNvPr id="0" name=""/>
+        <dsp:cNvSpPr/>
+      </dsp:nvSpPr>
+      <dsp:spPr>
+        <a:xfrm>
+          <a:off x="0" y="2759573"/>
+          <a:ext cx="10515600" cy="0"/>
+        </a:xfrm>
+        <a:prstGeom prst="line">
+          <a:avLst/>
+        </a:prstGeom>
+        <a:solidFill>
+          <a:schemeClr val="accent1">
+            <a:hueOff val="0"/>
+            <a:satOff val="0"/>
+            <a:lumOff val="0"/>
+            <a:alphaOff val="0"/>
+          </a:schemeClr>
+        </a:solidFill>
+        <a:ln w="12700" cap="flat" cmpd="sng" algn="ctr">
+          <a:solidFill>
+            <a:schemeClr val="accent1">
+              <a:hueOff val="0"/>
+              <a:satOff val="0"/>
+              <a:lumOff val="0"/>
+              <a:alphaOff val="0"/>
+            </a:schemeClr>
+          </a:solidFill>
+          <a:prstDash val="solid"/>
+          <a:miter lim="800000"/>
+        </a:ln>
+        <a:effectLst/>
+      </dsp:spPr>
+      <dsp:style>
+        <a:lnRef idx="2">
+          <a:scrgbClr r="0" g="0" b="0"/>
+        </a:lnRef>
+        <a:fillRef idx="1">
+          <a:scrgbClr r="0" g="0" b="0"/>
+        </a:fillRef>
+        <a:effectRef idx="0">
+          <a:scrgbClr r="0" g="0" b="0"/>
+        </a:effectRef>
+        <a:fontRef idx="minor">
+          <a:schemeClr val="lt1"/>
+        </a:fontRef>
+      </dsp:style>
+    </dsp:sp>
+    <dsp:sp modelId="{29B969A1-1797-4C73-B990-AF23F5D72BD1}">
+      <dsp:nvSpPr>
+        <dsp:cNvPr id="0" name=""/>
+        <dsp:cNvSpPr/>
+      </dsp:nvSpPr>
+      <dsp:spPr>
+        <a:xfrm>
+          <a:off x="0" y="2759573"/>
+          <a:ext cx="10515600" cy="229832"/>
+        </a:xfrm>
+        <a:prstGeom prst="rect">
+          <a:avLst/>
+        </a:prstGeom>
+        <a:noFill/>
+        <a:ln>
+          <a:noFill/>
+        </a:ln>
+        <a:effectLst/>
+      </dsp:spPr>
+      <dsp:style>
+        <a:lnRef idx="0">
+          <a:scrgbClr r="0" g="0" b="0"/>
+        </a:lnRef>
+        <a:fillRef idx="0">
+          <a:scrgbClr r="0" g="0" b="0"/>
+        </a:fillRef>
+        <a:effectRef idx="0">
+          <a:scrgbClr r="0" g="0" b="0"/>
+        </a:effectRef>
+        <a:fontRef idx="minor"/>
+      </dsp:style>
+      <dsp:txBody>
+        <a:bodyPr spcFirstLastPara="0" vert="horz" wrap="square" lIns="38100" tIns="38100" rIns="38100" bIns="38100" numCol="1" spcCol="1270" anchor="t" anchorCtr="0">
+          <a:noAutofit/>
+        </a:bodyPr>
+        <a:lstStyle/>
+        <a:p>
+          <a:pPr marL="0" lvl="0" indent="0" algn="l" defTabSz="444500">
+            <a:lnSpc>
+              <a:spcPct val="90000"/>
+            </a:lnSpc>
+            <a:spcBef>
+              <a:spcPct val="0"/>
+            </a:spcBef>
+            <a:spcAft>
+              <a:spcPct val="35000"/>
+            </a:spcAft>
+            <a:buNone/>
+          </a:pPr>
+          <a:r>
+            <a:rPr lang="en-US" sz="1000" kern="1200" dirty="0"/>
+            <a:t>/data/gtfs/stops.txt - From GTFS dataset</a:t>
+          </a:r>
+        </a:p>
+      </dsp:txBody>
+      <dsp:txXfrm>
+        <a:off x="0" y="2759573"/>
+        <a:ext cx="10515600" cy="229832"/>
+      </dsp:txXfrm>
+    </dsp:sp>
+    <dsp:sp modelId="{86F3D353-AB22-4BAF-B0D3-469C1664B7C4}">
+      <dsp:nvSpPr>
+        <dsp:cNvPr id="0" name=""/>
+        <dsp:cNvSpPr/>
+      </dsp:nvSpPr>
+      <dsp:spPr>
+        <a:xfrm>
+          <a:off x="0" y="2989405"/>
+          <a:ext cx="10515600" cy="0"/>
+        </a:xfrm>
+        <a:prstGeom prst="line">
+          <a:avLst/>
+        </a:prstGeom>
+        <a:solidFill>
+          <a:schemeClr val="accent1">
+            <a:hueOff val="0"/>
+            <a:satOff val="0"/>
+            <a:lumOff val="0"/>
+            <a:alphaOff val="0"/>
+          </a:schemeClr>
+        </a:solidFill>
+        <a:ln w="12700" cap="flat" cmpd="sng" algn="ctr">
+          <a:solidFill>
+            <a:schemeClr val="accent1">
+              <a:hueOff val="0"/>
+              <a:satOff val="0"/>
+              <a:lumOff val="0"/>
+              <a:alphaOff val="0"/>
+            </a:schemeClr>
+          </a:solidFill>
+          <a:prstDash val="solid"/>
+          <a:miter lim="800000"/>
+        </a:ln>
+        <a:effectLst/>
+      </dsp:spPr>
+      <dsp:style>
+        <a:lnRef idx="2">
+          <a:scrgbClr r="0" g="0" b="0"/>
+        </a:lnRef>
+        <a:fillRef idx="1">
+          <a:scrgbClr r="0" g="0" b="0"/>
+        </a:fillRef>
+        <a:effectRef idx="0">
+          <a:scrgbClr r="0" g="0" b="0"/>
+        </a:effectRef>
+        <a:fontRef idx="minor">
+          <a:schemeClr val="lt1"/>
+        </a:fontRef>
+      </dsp:style>
+    </dsp:sp>
+    <dsp:sp modelId="{B0DC5B5D-3EA8-45D0-866D-B42347B72EE5}">
+      <dsp:nvSpPr>
+        <dsp:cNvPr id="0" name=""/>
+        <dsp:cNvSpPr/>
+      </dsp:nvSpPr>
+      <dsp:spPr>
+        <a:xfrm>
+          <a:off x="0" y="2989405"/>
+          <a:ext cx="10515600" cy="229832"/>
+        </a:xfrm>
+        <a:prstGeom prst="rect">
+          <a:avLst/>
+        </a:prstGeom>
+        <a:noFill/>
+        <a:ln>
+          <a:noFill/>
+        </a:ln>
+        <a:effectLst/>
+      </dsp:spPr>
+      <dsp:style>
+        <a:lnRef idx="0">
+          <a:scrgbClr r="0" g="0" b="0"/>
+        </a:lnRef>
+        <a:fillRef idx="0">
+          <a:scrgbClr r="0" g="0" b="0"/>
+        </a:fillRef>
+        <a:effectRef idx="0">
+          <a:scrgbClr r="0" g="0" b="0"/>
+        </a:effectRef>
+        <a:fontRef idx="minor"/>
+      </dsp:style>
+      <dsp:txBody>
+        <a:bodyPr spcFirstLastPara="0" vert="horz" wrap="square" lIns="38100" tIns="38100" rIns="38100" bIns="38100" numCol="1" spcCol="1270" anchor="t" anchorCtr="0">
+          <a:noAutofit/>
+        </a:bodyPr>
+        <a:lstStyle/>
+        <a:p>
+          <a:pPr marL="0" lvl="0" indent="0" algn="l" defTabSz="444500">
+            <a:lnSpc>
+              <a:spcPct val="90000"/>
+            </a:lnSpc>
+            <a:spcBef>
+              <a:spcPct val="0"/>
+            </a:spcBef>
+            <a:spcAft>
+              <a:spcPct val="35000"/>
+            </a:spcAft>
+            <a:buNone/>
+          </a:pPr>
+          <a:r>
+            <a:rPr lang="en-US" sz="1000" kern="1200" dirty="0"/>
+            <a:t>/data/gtfs/transfers.txt - From GTFS dataset</a:t>
+          </a:r>
+        </a:p>
+      </dsp:txBody>
+      <dsp:txXfrm>
+        <a:off x="0" y="2989405"/>
+        <a:ext cx="10515600" cy="229832"/>
+      </dsp:txXfrm>
+    </dsp:sp>
+    <dsp:sp modelId="{F68F54FD-C6A3-4AB1-A5E0-19632C2E5218}">
+      <dsp:nvSpPr>
+        <dsp:cNvPr id="0" name=""/>
+        <dsp:cNvSpPr/>
+      </dsp:nvSpPr>
+      <dsp:spPr>
+        <a:xfrm>
+          <a:off x="0" y="3219238"/>
+          <a:ext cx="10515600" cy="0"/>
+        </a:xfrm>
+        <a:prstGeom prst="line">
+          <a:avLst/>
+        </a:prstGeom>
+        <a:solidFill>
+          <a:schemeClr val="accent1">
+            <a:hueOff val="0"/>
+            <a:satOff val="0"/>
+            <a:lumOff val="0"/>
+            <a:alphaOff val="0"/>
+          </a:schemeClr>
+        </a:solidFill>
+        <a:ln w="12700" cap="flat" cmpd="sng" algn="ctr">
+          <a:solidFill>
+            <a:schemeClr val="accent1">
+              <a:hueOff val="0"/>
+              <a:satOff val="0"/>
+              <a:lumOff val="0"/>
+              <a:alphaOff val="0"/>
+            </a:schemeClr>
+          </a:solidFill>
+          <a:prstDash val="solid"/>
+          <a:miter lim="800000"/>
+        </a:ln>
+        <a:effectLst/>
+      </dsp:spPr>
+      <dsp:style>
+        <a:lnRef idx="2">
+          <a:scrgbClr r="0" g="0" b="0"/>
+        </a:lnRef>
+        <a:fillRef idx="1">
+          <a:scrgbClr r="0" g="0" b="0"/>
+        </a:fillRef>
+        <a:effectRef idx="0">
+          <a:scrgbClr r="0" g="0" b="0"/>
+        </a:effectRef>
+        <a:fontRef idx="minor">
+          <a:schemeClr val="lt1"/>
+        </a:fontRef>
+      </dsp:style>
+    </dsp:sp>
+    <dsp:sp modelId="{ADD02BCF-599D-4EC5-8D4D-A50FA36C6884}">
+      <dsp:nvSpPr>
+        <dsp:cNvPr id="0" name=""/>
+        <dsp:cNvSpPr/>
+      </dsp:nvSpPr>
+      <dsp:spPr>
+        <a:xfrm>
+          <a:off x="0" y="3219238"/>
+          <a:ext cx="10515600" cy="229832"/>
+        </a:xfrm>
+        <a:prstGeom prst="rect">
+          <a:avLst/>
+        </a:prstGeom>
+        <a:noFill/>
+        <a:ln>
+          <a:noFill/>
+        </a:ln>
+        <a:effectLst/>
+      </dsp:spPr>
+      <dsp:style>
+        <a:lnRef idx="0">
+          <a:scrgbClr r="0" g="0" b="0"/>
+        </a:lnRef>
+        <a:fillRef idx="0">
+          <a:scrgbClr r="0" g="0" b="0"/>
+        </a:fillRef>
+        <a:effectRef idx="0">
+          <a:scrgbClr r="0" g="0" b="0"/>
+        </a:effectRef>
+        <a:fontRef idx="minor"/>
+      </dsp:style>
+      <dsp:txBody>
+        <a:bodyPr spcFirstLastPara="0" vert="horz" wrap="square" lIns="38100" tIns="38100" rIns="38100" bIns="38100" numCol="1" spcCol="1270" anchor="t" anchorCtr="0">
+          <a:noAutofit/>
+        </a:bodyPr>
+        <a:lstStyle/>
+        <a:p>
+          <a:pPr marL="0" lvl="0" indent="0" algn="l" defTabSz="444500">
+            <a:lnSpc>
+              <a:spcPct val="90000"/>
+            </a:lnSpc>
+            <a:spcBef>
+              <a:spcPct val="0"/>
+            </a:spcBef>
+            <a:spcAft>
+              <a:spcPct val="35000"/>
+            </a:spcAft>
+            <a:buNone/>
+          </a:pPr>
+          <a:r>
+            <a:rPr lang="en-US" sz="1000" kern="1200" dirty="0"/>
+            <a:t>/data/gtfs/trips.txt - From GTFS dataset</a:t>
+          </a:r>
+        </a:p>
+      </dsp:txBody>
+      <dsp:txXfrm>
+        <a:off x="0" y="3219238"/>
+        <a:ext cx="10515600" cy="229832"/>
+      </dsp:txXfrm>
+    </dsp:sp>
+    <dsp:sp modelId="{FE6DBA6A-9634-465C-94FB-D326EE5E5FE8}">
+      <dsp:nvSpPr>
+        <dsp:cNvPr id="0" name=""/>
+        <dsp:cNvSpPr/>
+      </dsp:nvSpPr>
+      <dsp:spPr>
+        <a:xfrm>
+          <a:off x="0" y="3449071"/>
+          <a:ext cx="10515600" cy="0"/>
+        </a:xfrm>
+        <a:prstGeom prst="line">
+          <a:avLst/>
+        </a:prstGeom>
+        <a:solidFill>
+          <a:schemeClr val="accent1">
+            <a:hueOff val="0"/>
+            <a:satOff val="0"/>
+            <a:lumOff val="0"/>
+            <a:alphaOff val="0"/>
+          </a:schemeClr>
+        </a:solidFill>
+        <a:ln w="12700" cap="flat" cmpd="sng" algn="ctr">
+          <a:solidFill>
+            <a:schemeClr val="accent1">
+              <a:hueOff val="0"/>
+              <a:satOff val="0"/>
+              <a:lumOff val="0"/>
+              <a:alphaOff val="0"/>
+            </a:schemeClr>
+          </a:solidFill>
+          <a:prstDash val="solid"/>
+          <a:miter lim="800000"/>
+        </a:ln>
+        <a:effectLst/>
+      </dsp:spPr>
+      <dsp:style>
+        <a:lnRef idx="2">
+          <a:scrgbClr r="0" g="0" b="0"/>
+        </a:lnRef>
+        <a:fillRef idx="1">
+          <a:scrgbClr r="0" g="0" b="0"/>
+        </a:fillRef>
+        <a:effectRef idx="0">
+          <a:scrgbClr r="0" g="0" b="0"/>
+        </a:effectRef>
+        <a:fontRef idx="minor">
+          <a:schemeClr val="lt1"/>
+        </a:fontRef>
+      </dsp:style>
+    </dsp:sp>
+    <dsp:sp modelId="{A05788C9-3CEB-459B-BAF8-34AB74EE5F7D}">
+      <dsp:nvSpPr>
+        <dsp:cNvPr id="0" name=""/>
+        <dsp:cNvSpPr/>
+      </dsp:nvSpPr>
+      <dsp:spPr>
+        <a:xfrm>
+          <a:off x="0" y="3449071"/>
+          <a:ext cx="10515600" cy="229832"/>
+        </a:xfrm>
+        <a:prstGeom prst="rect">
+          <a:avLst/>
+        </a:prstGeom>
+        <a:noFill/>
+        <a:ln>
+          <a:noFill/>
+        </a:ln>
+        <a:effectLst/>
+      </dsp:spPr>
+      <dsp:style>
+        <a:lnRef idx="0">
+          <a:scrgbClr r="0" g="0" b="0"/>
+        </a:lnRef>
+        <a:fillRef idx="0">
+          <a:scrgbClr r="0" g="0" b="0"/>
+        </a:fillRef>
+        <a:effectRef idx="0">
+          <a:scrgbClr r="0" g="0" b="0"/>
+        </a:effectRef>
+        <a:fontRef idx="minor"/>
+      </dsp:style>
+      <dsp:txBody>
+        <a:bodyPr spcFirstLastPara="0" vert="horz" wrap="square" lIns="38100" tIns="38100" rIns="38100" bIns="38100" numCol="1" spcCol="1270" anchor="t" anchorCtr="0">
+          <a:noAutofit/>
+        </a:bodyPr>
+        <a:lstStyle/>
+        <a:p>
+          <a:pPr marL="0" lvl="0" indent="0" algn="l" defTabSz="444500">
+            <a:lnSpc>
+              <a:spcPct val="90000"/>
+            </a:lnSpc>
+            <a:spcBef>
+              <a:spcPct val="0"/>
+            </a:spcBef>
+            <a:spcAft>
+              <a:spcPct val="35000"/>
+            </a:spcAft>
+            <a:buNone/>
+          </a:pPr>
+          <a:r>
+            <a:rPr lang="en-US" sz="1000" kern="1200" dirty="0"/>
+            <a:t>/data/DATA.md - Description and profile of the GTFS dataset</a:t>
+          </a:r>
+        </a:p>
+      </dsp:txBody>
+      <dsp:txXfrm>
+        <a:off x="0" y="3449071"/>
+        <a:ext cx="10515600" cy="229832"/>
+      </dsp:txXfrm>
+    </dsp:sp>
+    <dsp:sp modelId="{4884D1B1-DC0F-49AC-ABB1-DEC460ACF18E}">
+      <dsp:nvSpPr>
+        <dsp:cNvPr id="0" name=""/>
+        <dsp:cNvSpPr/>
+      </dsp:nvSpPr>
+      <dsp:spPr>
+        <a:xfrm>
+          <a:off x="0" y="3678904"/>
+          <a:ext cx="10515600" cy="0"/>
+        </a:xfrm>
+        <a:prstGeom prst="line">
+          <a:avLst/>
+        </a:prstGeom>
+        <a:solidFill>
+          <a:schemeClr val="accent1">
+            <a:hueOff val="0"/>
+            <a:satOff val="0"/>
+            <a:lumOff val="0"/>
+            <a:alphaOff val="0"/>
+          </a:schemeClr>
+        </a:solidFill>
+        <a:ln w="12700" cap="flat" cmpd="sng" algn="ctr">
+          <a:solidFill>
+            <a:schemeClr val="accent1">
+              <a:hueOff val="0"/>
+              <a:satOff val="0"/>
+              <a:lumOff val="0"/>
+              <a:alphaOff val="0"/>
+            </a:schemeClr>
+          </a:solidFill>
+          <a:prstDash val="solid"/>
+          <a:miter lim="800000"/>
+        </a:ln>
+        <a:effectLst/>
+      </dsp:spPr>
+      <dsp:style>
+        <a:lnRef idx="2">
+          <a:scrgbClr r="0" g="0" b="0"/>
+        </a:lnRef>
+        <a:fillRef idx="1">
+          <a:scrgbClr r="0" g="0" b="0"/>
+        </a:fillRef>
+        <a:effectRef idx="0">
+          <a:scrgbClr r="0" g="0" b="0"/>
+        </a:effectRef>
+        <a:fontRef idx="minor">
+          <a:schemeClr val="lt1"/>
+        </a:fontRef>
+      </dsp:style>
+    </dsp:sp>
+    <dsp:sp modelId="{BF3A3BFF-B278-47C0-9F99-03CA83D3762E}">
+      <dsp:nvSpPr>
+        <dsp:cNvPr id="0" name=""/>
+        <dsp:cNvSpPr/>
+      </dsp:nvSpPr>
+      <dsp:spPr>
+        <a:xfrm>
+          <a:off x="0" y="3678904"/>
+          <a:ext cx="10515600" cy="229832"/>
+        </a:xfrm>
+        <a:prstGeom prst="rect">
+          <a:avLst/>
+        </a:prstGeom>
+        <a:noFill/>
+        <a:ln>
+          <a:noFill/>
+        </a:ln>
+        <a:effectLst/>
+      </dsp:spPr>
+      <dsp:style>
+        <a:lnRef idx="0">
+          <a:scrgbClr r="0" g="0" b="0"/>
+        </a:lnRef>
+        <a:fillRef idx="0">
+          <a:scrgbClr r="0" g="0" b="0"/>
+        </a:fillRef>
+        <a:effectRef idx="0">
+          <a:scrgbClr r="0" g="0" b="0"/>
+        </a:effectRef>
+        <a:fontRef idx="minor"/>
+      </dsp:style>
+      <dsp:txBody>
+        <a:bodyPr spcFirstLastPara="0" vert="horz" wrap="square" lIns="38100" tIns="38100" rIns="38100" bIns="38100" numCol="1" spcCol="1270" anchor="t" anchorCtr="0">
+          <a:noAutofit/>
+        </a:bodyPr>
+        <a:lstStyle/>
+        <a:p>
+          <a:pPr marL="0" lvl="0" indent="0" algn="l" defTabSz="444500">
+            <a:lnSpc>
+              <a:spcPct val="90000"/>
+            </a:lnSpc>
+            <a:spcBef>
+              <a:spcPct val="0"/>
+            </a:spcBef>
+            <a:spcAft>
+              <a:spcPct val="35000"/>
+            </a:spcAft>
+            <a:buNone/>
+          </a:pPr>
+          <a:r>
+            <a:rPr lang="en-US" sz="1000" kern="1200"/>
+            <a:t>/scripts/createdatabase.py - Creates database, appends documents, creates design document, creates views</a:t>
+          </a:r>
+        </a:p>
+      </dsp:txBody>
+      <dsp:txXfrm>
+        <a:off x="0" y="3678904"/>
+        <a:ext cx="10515600" cy="229832"/>
+      </dsp:txXfrm>
+    </dsp:sp>
+    <dsp:sp modelId="{BC62F511-28E1-413A-8ED4-F2F275DD473D}">
+      <dsp:nvSpPr>
+        <dsp:cNvPr id="0" name=""/>
+        <dsp:cNvSpPr/>
+      </dsp:nvSpPr>
+      <dsp:spPr>
+        <a:xfrm>
+          <a:off x="0" y="3908737"/>
+          <a:ext cx="10515600" cy="0"/>
+        </a:xfrm>
+        <a:prstGeom prst="line">
+          <a:avLst/>
+        </a:prstGeom>
+        <a:solidFill>
+          <a:schemeClr val="accent1">
+            <a:hueOff val="0"/>
+            <a:satOff val="0"/>
+            <a:lumOff val="0"/>
+            <a:alphaOff val="0"/>
+          </a:schemeClr>
+        </a:solidFill>
+        <a:ln w="12700" cap="flat" cmpd="sng" algn="ctr">
+          <a:solidFill>
+            <a:schemeClr val="accent1">
+              <a:hueOff val="0"/>
+              <a:satOff val="0"/>
+              <a:lumOff val="0"/>
+              <a:alphaOff val="0"/>
+            </a:schemeClr>
+          </a:solidFill>
+          <a:prstDash val="solid"/>
+          <a:miter lim="800000"/>
+        </a:ln>
+        <a:effectLst/>
+      </dsp:spPr>
+      <dsp:style>
+        <a:lnRef idx="2">
+          <a:scrgbClr r="0" g="0" b="0"/>
+        </a:lnRef>
+        <a:fillRef idx="1">
+          <a:scrgbClr r="0" g="0" b="0"/>
+        </a:fillRef>
+        <a:effectRef idx="0">
+          <a:scrgbClr r="0" g="0" b="0"/>
+        </a:effectRef>
+        <a:fontRef idx="minor">
+          <a:schemeClr val="lt1"/>
+        </a:fontRef>
+      </dsp:style>
+    </dsp:sp>
+    <dsp:sp modelId="{8B26B2D0-7CC5-46C6-93A0-38CAADD3F914}">
+      <dsp:nvSpPr>
+        <dsp:cNvPr id="0" name=""/>
+        <dsp:cNvSpPr/>
+      </dsp:nvSpPr>
+      <dsp:spPr>
+        <a:xfrm>
+          <a:off x="0" y="3908737"/>
+          <a:ext cx="10515600" cy="229832"/>
+        </a:xfrm>
+        <a:prstGeom prst="rect">
+          <a:avLst/>
+        </a:prstGeom>
+        <a:noFill/>
+        <a:ln>
+          <a:noFill/>
+        </a:ln>
+        <a:effectLst/>
+      </dsp:spPr>
+      <dsp:style>
+        <a:lnRef idx="0">
+          <a:scrgbClr r="0" g="0" b="0"/>
+        </a:lnRef>
+        <a:fillRef idx="0">
+          <a:scrgbClr r="0" g="0" b="0"/>
+        </a:fillRef>
+        <a:effectRef idx="0">
+          <a:scrgbClr r="0" g="0" b="0"/>
+        </a:effectRef>
+        <a:fontRef idx="minor"/>
+      </dsp:style>
+      <dsp:txBody>
+        <a:bodyPr spcFirstLastPara="0" vert="horz" wrap="square" lIns="38100" tIns="38100" rIns="38100" bIns="38100" numCol="1" spcCol="1270" anchor="t" anchorCtr="0">
+          <a:noAutofit/>
+        </a:bodyPr>
+        <a:lstStyle/>
+        <a:p>
+          <a:pPr marL="0" lvl="0" indent="0" algn="l" defTabSz="444500">
+            <a:lnSpc>
+              <a:spcPct val="90000"/>
+            </a:lnSpc>
+            <a:spcBef>
+              <a:spcPct val="0"/>
+            </a:spcBef>
+            <a:spcAft>
+              <a:spcPct val="35000"/>
+            </a:spcAft>
+            <a:buNone/>
+          </a:pPr>
+          <a:r>
+            <a:rPr lang="en-US" sz="1000" kern="1200"/>
+            <a:t>/scripts/resetdatabase.py - Deletes database</a:t>
+          </a:r>
+        </a:p>
+      </dsp:txBody>
+      <dsp:txXfrm>
+        <a:off x="0" y="3908737"/>
+        <a:ext cx="10515600" cy="229832"/>
+      </dsp:txXfrm>
+    </dsp:sp>
+    <dsp:sp modelId="{D8A4DD62-9765-4F15-A2B6-0585D4EE2E98}">
+      <dsp:nvSpPr>
+        <dsp:cNvPr id="0" name=""/>
+        <dsp:cNvSpPr/>
+      </dsp:nvSpPr>
+      <dsp:spPr>
+        <a:xfrm>
+          <a:off x="0" y="4138570"/>
+          <a:ext cx="10515600" cy="0"/>
+        </a:xfrm>
+        <a:prstGeom prst="line">
+          <a:avLst/>
+        </a:prstGeom>
+        <a:solidFill>
+          <a:schemeClr val="accent1">
+            <a:hueOff val="0"/>
+            <a:satOff val="0"/>
+            <a:lumOff val="0"/>
+            <a:alphaOff val="0"/>
+          </a:schemeClr>
+        </a:solidFill>
+        <a:ln w="12700" cap="flat" cmpd="sng" algn="ctr">
+          <a:solidFill>
+            <a:schemeClr val="accent1">
+              <a:hueOff val="0"/>
+              <a:satOff val="0"/>
+              <a:lumOff val="0"/>
+              <a:alphaOff val="0"/>
+            </a:schemeClr>
+          </a:solidFill>
+          <a:prstDash val="solid"/>
+          <a:miter lim="800000"/>
+        </a:ln>
+        <a:effectLst/>
+      </dsp:spPr>
+      <dsp:style>
+        <a:lnRef idx="2">
+          <a:scrgbClr r="0" g="0" b="0"/>
+        </a:lnRef>
+        <a:fillRef idx="1">
+          <a:scrgbClr r="0" g="0" b="0"/>
+        </a:fillRef>
+        <a:effectRef idx="0">
+          <a:scrgbClr r="0" g="0" b="0"/>
+        </a:effectRef>
+        <a:fontRef idx="minor">
+          <a:schemeClr val="lt1"/>
+        </a:fontRef>
+      </dsp:style>
+    </dsp:sp>
+    <dsp:sp modelId="{72A46B59-FC35-47AE-8225-02F81C7E955E}">
+      <dsp:nvSpPr>
+        <dsp:cNvPr id="0" name=""/>
+        <dsp:cNvSpPr/>
+      </dsp:nvSpPr>
+      <dsp:spPr>
+        <a:xfrm>
+          <a:off x="0" y="4138570"/>
+          <a:ext cx="10515600" cy="229832"/>
+        </a:xfrm>
+        <a:prstGeom prst="rect">
+          <a:avLst/>
+        </a:prstGeom>
+        <a:noFill/>
+        <a:ln>
+          <a:noFill/>
+        </a:ln>
+        <a:effectLst/>
+      </dsp:spPr>
+      <dsp:style>
+        <a:lnRef idx="0">
+          <a:scrgbClr r="0" g="0" b="0"/>
+        </a:lnRef>
+        <a:fillRef idx="0">
+          <a:scrgbClr r="0" g="0" b="0"/>
+        </a:fillRef>
+        <a:effectRef idx="0">
+          <a:scrgbClr r="0" g="0" b="0"/>
+        </a:effectRef>
+        <a:fontRef idx="minor"/>
+      </dsp:style>
+      <dsp:txBody>
+        <a:bodyPr spcFirstLastPara="0" vert="horz" wrap="square" lIns="38100" tIns="38100" rIns="38100" bIns="38100" numCol="1" spcCol="1270" anchor="t" anchorCtr="0">
+          <a:noAutofit/>
+        </a:bodyPr>
+        <a:lstStyle/>
+        <a:p>
+          <a:pPr marL="0" lvl="0" indent="0" algn="l" defTabSz="444500">
+            <a:lnSpc>
+              <a:spcPct val="90000"/>
+            </a:lnSpc>
+            <a:spcBef>
+              <a:spcPct val="0"/>
+            </a:spcBef>
+            <a:spcAft>
+              <a:spcPct val="35000"/>
+            </a:spcAft>
+            <a:buNone/>
+          </a:pPr>
+          <a:r>
+            <a:rPr lang="en-US" sz="1000" kern="1200"/>
+            <a:t>/scripts/runqueries.py - Combines client code and view calls to answer the three questions</a:t>
+          </a:r>
+        </a:p>
+      </dsp:txBody>
+      <dsp:txXfrm>
+        <a:off x="0" y="4138570"/>
+        <a:ext cx="10515600" cy="229832"/>
+      </dsp:txXfrm>
+    </dsp:sp>
+    <dsp:sp modelId="{CAF748BE-110D-4594-8175-304426BC600C}">
+      <dsp:nvSpPr>
+        <dsp:cNvPr id="0" name=""/>
+        <dsp:cNvSpPr/>
+      </dsp:nvSpPr>
+      <dsp:spPr>
+        <a:xfrm>
+          <a:off x="0" y="4368402"/>
+          <a:ext cx="10515600" cy="0"/>
+        </a:xfrm>
+        <a:prstGeom prst="line">
+          <a:avLst/>
+        </a:prstGeom>
+        <a:solidFill>
+          <a:schemeClr val="accent1">
+            <a:hueOff val="0"/>
+            <a:satOff val="0"/>
+            <a:lumOff val="0"/>
+            <a:alphaOff val="0"/>
+          </a:schemeClr>
+        </a:solidFill>
+        <a:ln w="12700" cap="flat" cmpd="sng" algn="ctr">
+          <a:solidFill>
+            <a:schemeClr val="accent1">
+              <a:hueOff val="0"/>
+              <a:satOff val="0"/>
+              <a:lumOff val="0"/>
+              <a:alphaOff val="0"/>
+            </a:schemeClr>
+          </a:solidFill>
+          <a:prstDash val="solid"/>
+          <a:miter lim="800000"/>
+        </a:ln>
+        <a:effectLst/>
+      </dsp:spPr>
+      <dsp:style>
+        <a:lnRef idx="2">
+          <a:scrgbClr r="0" g="0" b="0"/>
+        </a:lnRef>
+        <a:fillRef idx="1">
+          <a:scrgbClr r="0" g="0" b="0"/>
+        </a:fillRef>
+        <a:effectRef idx="0">
+          <a:scrgbClr r="0" g="0" b="0"/>
+        </a:effectRef>
+        <a:fontRef idx="minor">
+          <a:schemeClr val="lt1"/>
+        </a:fontRef>
+      </dsp:style>
+    </dsp:sp>
+    <dsp:sp modelId="{411E1025-0494-4562-9689-27F87572AAA3}">
+      <dsp:nvSpPr>
+        <dsp:cNvPr id="0" name=""/>
+        <dsp:cNvSpPr/>
+      </dsp:nvSpPr>
+      <dsp:spPr>
+        <a:xfrm>
+          <a:off x="0" y="4368402"/>
+          <a:ext cx="10515600" cy="229832"/>
+        </a:xfrm>
+        <a:prstGeom prst="rect">
+          <a:avLst/>
+        </a:prstGeom>
+        <a:noFill/>
+        <a:ln>
+          <a:noFill/>
+        </a:ln>
+        <a:effectLst/>
+      </dsp:spPr>
+      <dsp:style>
+        <a:lnRef idx="0">
+          <a:scrgbClr r="0" g="0" b="0"/>
+        </a:lnRef>
+        <a:fillRef idx="0">
+          <a:scrgbClr r="0" g="0" b="0"/>
+        </a:fillRef>
+        <a:effectRef idx="0">
+          <a:scrgbClr r="0" g="0" b="0"/>
+        </a:effectRef>
+        <a:fontRef idx="minor"/>
+      </dsp:style>
+      <dsp:txBody>
+        <a:bodyPr spcFirstLastPara="0" vert="horz" wrap="square" lIns="38100" tIns="38100" rIns="38100" bIns="38100" numCol="1" spcCol="1270" anchor="t" anchorCtr="0">
+          <a:noAutofit/>
+        </a:bodyPr>
+        <a:lstStyle/>
+        <a:p>
+          <a:pPr marL="0" lvl="0" indent="0" algn="l" defTabSz="444500">
+            <a:lnSpc>
+              <a:spcPct val="90000"/>
+            </a:lnSpc>
+            <a:spcBef>
+              <a:spcPct val="0"/>
+            </a:spcBef>
+            <a:spcAft>
+              <a:spcPct val="35000"/>
+            </a:spcAft>
+            <a:buNone/>
+          </a:pPr>
+          <a:r>
+            <a:rPr lang="en-US" sz="1000" kern="1200"/>
+            <a:t>.gitignore - Excludes data and credentials files (.txt)</a:t>
+          </a:r>
+        </a:p>
+      </dsp:txBody>
+      <dsp:txXfrm>
+        <a:off x="0" y="4368402"/>
+        <a:ext cx="10515600" cy="229832"/>
+      </dsp:txXfrm>
+    </dsp:sp>
+    <dsp:sp modelId="{E2685901-79E4-4628-AF12-82606A3DD0EF}">
+      <dsp:nvSpPr>
+        <dsp:cNvPr id="0" name=""/>
+        <dsp:cNvSpPr/>
+      </dsp:nvSpPr>
+      <dsp:spPr>
+        <a:xfrm>
+          <a:off x="0" y="4598235"/>
+          <a:ext cx="10515600" cy="0"/>
+        </a:xfrm>
+        <a:prstGeom prst="line">
+          <a:avLst/>
+        </a:prstGeom>
+        <a:solidFill>
+          <a:schemeClr val="accent1">
+            <a:hueOff val="0"/>
+            <a:satOff val="0"/>
+            <a:lumOff val="0"/>
+            <a:alphaOff val="0"/>
+          </a:schemeClr>
+        </a:solidFill>
+        <a:ln w="12700" cap="flat" cmpd="sng" algn="ctr">
+          <a:solidFill>
+            <a:schemeClr val="accent1">
+              <a:hueOff val="0"/>
+              <a:satOff val="0"/>
+              <a:lumOff val="0"/>
+              <a:alphaOff val="0"/>
+            </a:schemeClr>
+          </a:solidFill>
+          <a:prstDash val="solid"/>
+          <a:miter lim="800000"/>
+        </a:ln>
+        <a:effectLst/>
+      </dsp:spPr>
+      <dsp:style>
+        <a:lnRef idx="2">
+          <a:scrgbClr r="0" g="0" b="0"/>
+        </a:lnRef>
+        <a:fillRef idx="1">
+          <a:scrgbClr r="0" g="0" b="0"/>
+        </a:fillRef>
+        <a:effectRef idx="0">
+          <a:scrgbClr r="0" g="0" b="0"/>
+        </a:effectRef>
+        <a:fontRef idx="minor">
+          <a:schemeClr val="lt1"/>
+        </a:fontRef>
+      </dsp:style>
+    </dsp:sp>
+    <dsp:sp modelId="{683550A7-8CB5-4F08-8CC9-C68091194F0A}">
+      <dsp:nvSpPr>
+        <dsp:cNvPr id="0" name=""/>
+        <dsp:cNvSpPr/>
+      </dsp:nvSpPr>
+      <dsp:spPr>
+        <a:xfrm>
+          <a:off x="0" y="4598235"/>
+          <a:ext cx="10515600" cy="229832"/>
+        </a:xfrm>
+        <a:prstGeom prst="rect">
+          <a:avLst/>
+        </a:prstGeom>
+        <a:noFill/>
+        <a:ln>
+          <a:noFill/>
+        </a:ln>
+        <a:effectLst/>
+      </dsp:spPr>
+      <dsp:style>
+        <a:lnRef idx="0">
+          <a:scrgbClr r="0" g="0" b="0"/>
+        </a:lnRef>
+        <a:fillRef idx="0">
+          <a:scrgbClr r="0" g="0" b="0"/>
+        </a:fillRef>
+        <a:effectRef idx="0">
+          <a:scrgbClr r="0" g="0" b="0"/>
+        </a:effectRef>
+        <a:fontRef idx="minor"/>
+      </dsp:style>
+      <dsp:txBody>
+        <a:bodyPr spcFirstLastPara="0" vert="horz" wrap="square" lIns="38100" tIns="38100" rIns="38100" bIns="38100" numCol="1" spcCol="1270" anchor="t" anchorCtr="0">
+          <a:noAutofit/>
+        </a:bodyPr>
+        <a:lstStyle/>
+        <a:p>
+          <a:pPr marL="0" lvl="0" indent="0" algn="l" defTabSz="444500">
+            <a:lnSpc>
+              <a:spcPct val="90000"/>
+            </a:lnSpc>
+            <a:spcBef>
+              <a:spcPct val="0"/>
+            </a:spcBef>
+            <a:spcAft>
+              <a:spcPct val="35000"/>
+            </a:spcAft>
+            <a:buNone/>
+          </a:pPr>
+          <a:r>
+            <a:rPr lang="en-US" sz="1000" kern="1200"/>
+            <a:t>CouchDBInvestigation.pdf - High level overview of Apache CouchDB</a:t>
+          </a:r>
+        </a:p>
+      </dsp:txBody>
+      <dsp:txXfrm>
+        <a:off x="0" y="4598235"/>
+        <a:ext cx="10515600" cy="229832"/>
+      </dsp:txXfrm>
+    </dsp:sp>
+    <dsp:sp modelId="{C71E0C01-76BA-498D-9AF4-9E5A7F91CE2F}">
+      <dsp:nvSpPr>
+        <dsp:cNvPr id="0" name=""/>
+        <dsp:cNvSpPr/>
+      </dsp:nvSpPr>
+      <dsp:spPr>
+        <a:xfrm>
+          <a:off x="0" y="4828068"/>
+          <a:ext cx="10515600" cy="0"/>
+        </a:xfrm>
+        <a:prstGeom prst="line">
+          <a:avLst/>
+        </a:prstGeom>
+        <a:solidFill>
+          <a:schemeClr val="accent1">
+            <a:hueOff val="0"/>
+            <a:satOff val="0"/>
+            <a:lumOff val="0"/>
+            <a:alphaOff val="0"/>
+          </a:schemeClr>
+        </a:solidFill>
+        <a:ln w="12700" cap="flat" cmpd="sng" algn="ctr">
+          <a:solidFill>
+            <a:schemeClr val="accent1">
+              <a:hueOff val="0"/>
+              <a:satOff val="0"/>
+              <a:lumOff val="0"/>
+              <a:alphaOff val="0"/>
+            </a:schemeClr>
+          </a:solidFill>
+          <a:prstDash val="solid"/>
+          <a:miter lim="800000"/>
+        </a:ln>
+        <a:effectLst/>
+      </dsp:spPr>
+      <dsp:style>
+        <a:lnRef idx="2">
+          <a:scrgbClr r="0" g="0" b="0"/>
+        </a:lnRef>
+        <a:fillRef idx="1">
+          <a:scrgbClr r="0" g="0" b="0"/>
+        </a:fillRef>
+        <a:effectRef idx="0">
+          <a:scrgbClr r="0" g="0" b="0"/>
+        </a:effectRef>
+        <a:fontRef idx="minor">
+          <a:schemeClr val="lt1"/>
+        </a:fontRef>
+      </dsp:style>
+    </dsp:sp>
+    <dsp:sp modelId="{637DEFE3-1069-4C40-8D28-1DF0C51D1514}">
+      <dsp:nvSpPr>
+        <dsp:cNvPr id="0" name=""/>
+        <dsp:cNvSpPr/>
+      </dsp:nvSpPr>
+      <dsp:spPr>
+        <a:xfrm>
+          <a:off x="0" y="4828068"/>
+          <a:ext cx="10515600" cy="229832"/>
+        </a:xfrm>
+        <a:prstGeom prst="rect">
+          <a:avLst/>
+        </a:prstGeom>
+        <a:noFill/>
+        <a:ln>
+          <a:noFill/>
+        </a:ln>
+        <a:effectLst/>
+      </dsp:spPr>
+      <dsp:style>
+        <a:lnRef idx="0">
+          <a:scrgbClr r="0" g="0" b="0"/>
+        </a:lnRef>
+        <a:fillRef idx="0">
+          <a:scrgbClr r="0" g="0" b="0"/>
+        </a:fillRef>
+        <a:effectRef idx="0">
+          <a:scrgbClr r="0" g="0" b="0"/>
+        </a:effectRef>
+        <a:fontRef idx="minor"/>
+      </dsp:style>
+      <dsp:txBody>
+        <a:bodyPr spcFirstLastPara="0" vert="horz" wrap="square" lIns="38100" tIns="38100" rIns="38100" bIns="38100" numCol="1" spcCol="1270" anchor="t" anchorCtr="0">
+          <a:noAutofit/>
+        </a:bodyPr>
+        <a:lstStyle/>
+        <a:p>
+          <a:pPr marL="0" lvl="0" indent="0" algn="l" defTabSz="444500">
+            <a:lnSpc>
+              <a:spcPct val="90000"/>
+            </a:lnSpc>
+            <a:spcBef>
+              <a:spcPct val="0"/>
+            </a:spcBef>
+            <a:spcAft>
+              <a:spcPct val="35000"/>
+            </a:spcAft>
+            <a:buNone/>
+          </a:pPr>
+          <a:r>
+            <a:rPr lang="en-US" sz="1000" kern="1200"/>
+            <a:t>credentials.txt (hidden) - Contains username, password, port, and ip for the couchDB server</a:t>
+          </a:r>
+        </a:p>
+      </dsp:txBody>
+      <dsp:txXfrm>
+        <a:off x="0" y="4828068"/>
+        <a:ext cx="10515600" cy="229832"/>
+      </dsp:txXfrm>
+    </dsp:sp>
+    <dsp:sp modelId="{4FB31A79-B235-45D4-ACB2-0A5C9EB628B3}">
+      <dsp:nvSpPr>
+        <dsp:cNvPr id="0" name=""/>
+        <dsp:cNvSpPr/>
+      </dsp:nvSpPr>
+      <dsp:spPr>
+        <a:xfrm>
+          <a:off x="0" y="5057901"/>
+          <a:ext cx="10515600" cy="0"/>
+        </a:xfrm>
+        <a:prstGeom prst="line">
+          <a:avLst/>
+        </a:prstGeom>
+        <a:solidFill>
+          <a:schemeClr val="accent1">
+            <a:hueOff val="0"/>
+            <a:satOff val="0"/>
+            <a:lumOff val="0"/>
+            <a:alphaOff val="0"/>
+          </a:schemeClr>
+        </a:solidFill>
+        <a:ln w="12700" cap="flat" cmpd="sng" algn="ctr">
+          <a:solidFill>
+            <a:schemeClr val="accent1">
+              <a:hueOff val="0"/>
+              <a:satOff val="0"/>
+              <a:lumOff val="0"/>
+              <a:alphaOff val="0"/>
+            </a:schemeClr>
+          </a:solidFill>
+          <a:prstDash val="solid"/>
+          <a:miter lim="800000"/>
+        </a:ln>
+        <a:effectLst/>
+      </dsp:spPr>
+      <dsp:style>
+        <a:lnRef idx="2">
+          <a:scrgbClr r="0" g="0" b="0"/>
+        </a:lnRef>
+        <a:fillRef idx="1">
+          <a:scrgbClr r="0" g="0" b="0"/>
+        </a:fillRef>
+        <a:effectRef idx="0">
+          <a:scrgbClr r="0" g="0" b="0"/>
+        </a:effectRef>
+        <a:fontRef idx="minor">
+          <a:schemeClr val="lt1"/>
+        </a:fontRef>
+      </dsp:style>
+    </dsp:sp>
+    <dsp:sp modelId="{7FF4442B-F010-4361-9FCC-6279424BCE5A}">
+      <dsp:nvSpPr>
+        <dsp:cNvPr id="0" name=""/>
+        <dsp:cNvSpPr/>
+      </dsp:nvSpPr>
+      <dsp:spPr>
+        <a:xfrm>
+          <a:off x="0" y="5057901"/>
+          <a:ext cx="10515600" cy="229832"/>
+        </a:xfrm>
+        <a:prstGeom prst="rect">
+          <a:avLst/>
+        </a:prstGeom>
+        <a:noFill/>
+        <a:ln>
+          <a:noFill/>
+        </a:ln>
+        <a:effectLst/>
+      </dsp:spPr>
+      <dsp:style>
+        <a:lnRef idx="0">
+          <a:scrgbClr r="0" g="0" b="0"/>
+        </a:lnRef>
+        <a:fillRef idx="0">
+          <a:scrgbClr r="0" g="0" b="0"/>
+        </a:fillRef>
+        <a:effectRef idx="0">
+          <a:scrgbClr r="0" g="0" b="0"/>
+        </a:effectRef>
+        <a:fontRef idx="minor"/>
+      </dsp:style>
+      <dsp:txBody>
+        <a:bodyPr spcFirstLastPara="0" vert="horz" wrap="square" lIns="38100" tIns="38100" rIns="38100" bIns="38100" numCol="1" spcCol="1270" anchor="t" anchorCtr="0">
+          <a:noAutofit/>
+        </a:bodyPr>
+        <a:lstStyle/>
+        <a:p>
+          <a:pPr marL="0" lvl="0" indent="0" algn="l" defTabSz="444500">
+            <a:lnSpc>
+              <a:spcPct val="90000"/>
+            </a:lnSpc>
+            <a:spcBef>
+              <a:spcPct val="0"/>
+            </a:spcBef>
+            <a:spcAft>
+              <a:spcPct val="35000"/>
+            </a:spcAft>
+            <a:buNone/>
+          </a:pPr>
+          <a:r>
+            <a:rPr lang="en-US" sz="1000" kern="1200"/>
+            <a:t>Presentation.pptx - Slides that describe the project</a:t>
+          </a:r>
+        </a:p>
+      </dsp:txBody>
+      <dsp:txXfrm>
+        <a:off x="0" y="5057901"/>
+        <a:ext cx="10515600" cy="229832"/>
+      </dsp:txXfrm>
+    </dsp:sp>
+    <dsp:sp modelId="{D105EC0D-5BFC-448D-BC2B-8C769189D6C6}">
+      <dsp:nvSpPr>
+        <dsp:cNvPr id="0" name=""/>
+        <dsp:cNvSpPr/>
+      </dsp:nvSpPr>
+      <dsp:spPr>
+        <a:xfrm>
+          <a:off x="0" y="5287734"/>
+          <a:ext cx="10515600" cy="0"/>
+        </a:xfrm>
+        <a:prstGeom prst="line">
+          <a:avLst/>
+        </a:prstGeom>
+        <a:solidFill>
+          <a:schemeClr val="accent1">
+            <a:hueOff val="0"/>
+            <a:satOff val="0"/>
+            <a:lumOff val="0"/>
+            <a:alphaOff val="0"/>
+          </a:schemeClr>
+        </a:solidFill>
+        <a:ln w="12700" cap="flat" cmpd="sng" algn="ctr">
+          <a:solidFill>
+            <a:schemeClr val="accent1">
+              <a:hueOff val="0"/>
+              <a:satOff val="0"/>
+              <a:lumOff val="0"/>
+              <a:alphaOff val="0"/>
+            </a:schemeClr>
+          </a:solidFill>
+          <a:prstDash val="solid"/>
+          <a:miter lim="800000"/>
+        </a:ln>
+        <a:effectLst/>
+      </dsp:spPr>
+      <dsp:style>
+        <a:lnRef idx="2">
+          <a:scrgbClr r="0" g="0" b="0"/>
+        </a:lnRef>
+        <a:fillRef idx="1">
+          <a:scrgbClr r="0" g="0" b="0"/>
+        </a:fillRef>
+        <a:effectRef idx="0">
+          <a:scrgbClr r="0" g="0" b="0"/>
+        </a:effectRef>
+        <a:fontRef idx="minor">
+          <a:schemeClr val="lt1"/>
+        </a:fontRef>
+      </dsp:style>
+    </dsp:sp>
+    <dsp:sp modelId="{3FD7C0FB-92E1-42B2-B0E8-F0BB01883F2E}">
+      <dsp:nvSpPr>
+        <dsp:cNvPr id="0" name=""/>
+        <dsp:cNvSpPr/>
+      </dsp:nvSpPr>
+      <dsp:spPr>
+        <a:xfrm>
+          <a:off x="0" y="5287734"/>
+          <a:ext cx="10515600" cy="229832"/>
+        </a:xfrm>
+        <a:prstGeom prst="rect">
+          <a:avLst/>
+        </a:prstGeom>
+        <a:noFill/>
+        <a:ln>
+          <a:noFill/>
+        </a:ln>
+        <a:effectLst/>
+      </dsp:spPr>
+      <dsp:style>
+        <a:lnRef idx="0">
+          <a:scrgbClr r="0" g="0" b="0"/>
+        </a:lnRef>
+        <a:fillRef idx="0">
+          <a:scrgbClr r="0" g="0" b="0"/>
+        </a:fillRef>
+        <a:effectRef idx="0">
+          <a:scrgbClr r="0" g="0" b="0"/>
+        </a:effectRef>
+        <a:fontRef idx="minor"/>
+      </dsp:style>
+      <dsp:txBody>
+        <a:bodyPr spcFirstLastPara="0" vert="horz" wrap="square" lIns="38100" tIns="38100" rIns="38100" bIns="38100" numCol="1" spcCol="1270" anchor="t" anchorCtr="0">
+          <a:noAutofit/>
+        </a:bodyPr>
+        <a:lstStyle/>
+        <a:p>
+          <a:pPr marL="0" lvl="0" indent="0" algn="l" defTabSz="444500">
+            <a:lnSpc>
+              <a:spcPct val="90000"/>
+            </a:lnSpc>
+            <a:spcBef>
+              <a:spcPct val="0"/>
+            </a:spcBef>
+            <a:spcAft>
+              <a:spcPct val="35000"/>
+            </a:spcAft>
+            <a:buNone/>
+          </a:pPr>
+          <a:r>
+            <a:rPr lang="en-US" sz="1000" kern="1200"/>
+            <a:t>README.md - This file, high level overview</a:t>
+          </a:r>
+        </a:p>
+      </dsp:txBody>
+      <dsp:txXfrm>
+        <a:off x="0" y="5287734"/>
+        <a:ext cx="10515600" cy="229832"/>
+      </dsp:txXfrm>
+    </dsp:sp>
+    <dsp:sp modelId="{7737BDF9-BFAF-4ACF-A4ED-F898B91B4A20}">
+      <dsp:nvSpPr>
+        <dsp:cNvPr id="0" name=""/>
+        <dsp:cNvSpPr/>
+      </dsp:nvSpPr>
+      <dsp:spPr>
+        <a:xfrm>
+          <a:off x="0" y="5517567"/>
+          <a:ext cx="10515600" cy="0"/>
+        </a:xfrm>
+        <a:prstGeom prst="line">
+          <a:avLst/>
+        </a:prstGeom>
+        <a:solidFill>
+          <a:schemeClr val="accent1">
+            <a:hueOff val="0"/>
+            <a:satOff val="0"/>
+            <a:lumOff val="0"/>
+            <a:alphaOff val="0"/>
+          </a:schemeClr>
+        </a:solidFill>
+        <a:ln w="12700" cap="flat" cmpd="sng" algn="ctr">
+          <a:solidFill>
+            <a:schemeClr val="accent1">
+              <a:hueOff val="0"/>
+              <a:satOff val="0"/>
+              <a:lumOff val="0"/>
+              <a:alphaOff val="0"/>
+            </a:schemeClr>
+          </a:solidFill>
+          <a:prstDash val="solid"/>
+          <a:miter lim="800000"/>
+        </a:ln>
+        <a:effectLst/>
+      </dsp:spPr>
+      <dsp:style>
+        <a:lnRef idx="2">
+          <a:scrgbClr r="0" g="0" b="0"/>
+        </a:lnRef>
+        <a:fillRef idx="1">
+          <a:scrgbClr r="0" g="0" b="0"/>
+        </a:fillRef>
+        <a:effectRef idx="0">
+          <a:scrgbClr r="0" g="0" b="0"/>
+        </a:effectRef>
+        <a:fontRef idx="minor">
+          <a:schemeClr val="lt1"/>
+        </a:fontRef>
+      </dsp:style>
+    </dsp:sp>
+    <dsp:sp modelId="{365EF4D2-A8DA-4D36-B7E1-BA3DB9BE9FB2}">
+      <dsp:nvSpPr>
+        <dsp:cNvPr id="0" name=""/>
+        <dsp:cNvSpPr/>
+      </dsp:nvSpPr>
+      <dsp:spPr>
+        <a:xfrm>
+          <a:off x="0" y="5517567"/>
+          <a:ext cx="10515600" cy="229832"/>
+        </a:xfrm>
+        <a:prstGeom prst="rect">
+          <a:avLst/>
+        </a:prstGeom>
+        <a:noFill/>
+        <a:ln>
+          <a:noFill/>
+        </a:ln>
+        <a:effectLst/>
+      </dsp:spPr>
+      <dsp:style>
+        <a:lnRef idx="0">
+          <a:scrgbClr r="0" g="0" b="0"/>
+        </a:lnRef>
+        <a:fillRef idx="0">
+          <a:scrgbClr r="0" g="0" b="0"/>
+        </a:fillRef>
+        <a:effectRef idx="0">
+          <a:scrgbClr r="0" g="0" b="0"/>
+        </a:effectRef>
+        <a:fontRef idx="minor"/>
+      </dsp:style>
+      <dsp:txBody>
+        <a:bodyPr spcFirstLastPara="0" vert="horz" wrap="square" lIns="38100" tIns="38100" rIns="38100" bIns="38100" numCol="1" spcCol="1270" anchor="t" anchorCtr="0">
+          <a:noAutofit/>
+        </a:bodyPr>
+        <a:lstStyle/>
+        <a:p>
+          <a:pPr marL="0" lvl="0" indent="0" algn="l" defTabSz="444500">
+            <a:lnSpc>
+              <a:spcPct val="90000"/>
+            </a:lnSpc>
+            <a:spcBef>
+              <a:spcPct val="0"/>
+            </a:spcBef>
+            <a:spcAft>
+              <a:spcPct val="35000"/>
+            </a:spcAft>
+            <a:buNone/>
+          </a:pPr>
+          <a:r>
+            <a:rPr lang="en-US" sz="1000" kern="1200" dirty="0"/>
+            <a:t>setup.py - Downloads and unzips GTFS dataset into /data/gtfs</a:t>
+          </a:r>
+        </a:p>
+      </dsp:txBody>
+      <dsp:txXfrm>
+        <a:off x="0" y="5517567"/>
+        <a:ext cx="10515600" cy="229832"/>
+      </dsp:txXfrm>
+    </dsp:sp>
+  </dsp:spTree>
+</dsp:drawing>
+</file>
+
+<file path=ppt/diagrams/layout1.xml><?xml version="1.0" encoding="utf-8"?>
+<dgm:layoutDef xmlns:dgm="http://schemas.openxmlformats.org/drawingml/2006/diagram" xmlns:a="http://schemas.openxmlformats.org/drawingml/2006/main" uniqueId="urn:microsoft.com/office/officeart/2008/layout/LinedList">
+  <dgm:title val=""/>
+  <dgm:desc val=""/>
+  <dgm:catLst>
+    <dgm:cat type="hierarchy" pri="8000"/>
+    <dgm:cat type="list" pri="2500"/>
+  </dgm:catLst>
+  <dgm:sampData>
+    <dgm:dataModel>
+      <dgm:ptLst>
+        <dgm:pt modelId="0" type="doc"/>
+        <dgm:pt modelId="1">
+          <dgm:prSet phldr="1"/>
+        </dgm:pt>
+        <dgm:pt modelId="11">
+          <dgm:prSet phldr="1"/>
+        </dgm:pt>
+        <dgm:pt modelId="12">
+          <dgm:prSet phldr="1"/>
+        </dgm:pt>
+        <dgm:pt modelId="13">
+          <dgm:prSet phldr="1"/>
+        </dgm:pt>
+      </dgm:ptLst>
+      <dgm:cxnLst>
+        <dgm:cxn modelId="2" srcId="0" destId="1" srcOrd="0" destOrd="0"/>
+        <dgm:cxn modelId="3" srcId="1" destId="11" srcOrd="0" destOrd="0"/>
+        <dgm:cxn modelId="4" srcId="1" destId="12" srcOrd="1" destOrd="0"/>
+        <dgm:cxn modelId="5" srcId="1" destId="13" srcOrd="2" destOrd="0"/>
+      </dgm:cxnLst>
+      <dgm:bg/>
+      <dgm:whole/>
+    </dgm:dataModel>
+  </dgm:sampData>
+  <dgm:styleData>
+    <dgm:dataModel>
+      <dgm:ptLst>
+        <dgm:pt modelId="0" type="doc"/>
+        <dgm:pt modelId="1">
+          <dgm:prSet phldr="1"/>
+        </dgm:pt>
+        <dgm:pt modelId="11">
+          <dgm:prSet phldr="1"/>
+        </dgm:pt>
+        <dgm:pt modelId="12">
+          <dgm:prSet phldr="1"/>
+        </dgm:pt>
+      </dgm:ptLst>
+      <dgm:cxnLst>
+        <dgm:cxn modelId="2" srcId="0" destId="1" srcOrd="0" destOrd="0"/>
+        <dgm:cxn modelId="3" srcId="1" destId="11" srcOrd="0" destOrd="0"/>
+        <dgm:cxn modelId="4" srcId="1" destId="12" srcOrd="1" destOrd="0"/>
+      </dgm:cxnLst>
+      <dgm:bg/>
+      <dgm:whole/>
+    </dgm:dataModel>
+  </dgm:styleData>
+  <dgm:clrData>
+    <dgm:dataModel>
+      <dgm:ptLst>
+        <dgm:pt modelId="0" type="doc"/>
+        <dgm:pt modelId="1">
+          <dgm:prSet phldr="1"/>
+        </dgm:pt>
+        <dgm:pt modelId="11">
+          <dgm:prSet phldr="1"/>
+        </dgm:pt>
+        <dgm:pt modelId="12">
+          <dgm:prSet phldr="1"/>
+        </dgm:pt>
+      </dgm:ptLst>
+      <dgm:cxnLst>
+        <dgm:cxn modelId="2" srcId="0" destId="1" srcOrd="0" destOrd="0"/>
+        <dgm:cxn modelId="3" srcId="1" destId="11" srcOrd="0" destOrd="0"/>
+        <dgm:cxn modelId="4" srcId="1" destId="12" srcOrd="1" destOrd="0"/>
+      </dgm:cxnLst>
+      <dgm:bg/>
+      <dgm:whole/>
+    </dgm:dataModel>
+  </dgm:clrData>
+  <dgm:layoutNode name="vert0">
+    <dgm:varLst>
+      <dgm:dir/>
+      <dgm:animOne val="branch"/>
+      <dgm:animLvl val="lvl"/>
+    </dgm:varLst>
+    <dgm:choose name="Name0">
+      <dgm:if name="Name1" func="var" arg="dir" op="equ" val="norm">
+        <dgm:alg type="lin">
+          <dgm:param type="linDir" val="fromT"/>
+          <dgm:param type="nodeHorzAlign" val="l"/>
+        </dgm:alg>
+      </dgm:if>
+      <dgm:else name="Name2">
+        <dgm:alg type="lin">
+          <dgm:param type="linDir" val="fromT"/>
+          <dgm:param type="nodeHorzAlign" val="r"/>
+        </dgm:alg>
+      </dgm:else>
+    </dgm:choose>
+    <dgm:shape xmlns:r="http://schemas.openxmlformats.org/officeDocument/2006/relationships" r:blip="">
+      <dgm:adjLst/>
+    </dgm:shape>
+    <dgm:presOf/>
+    <dgm:constrLst>
+      <dgm:constr type="w" for="ch" forName="horz1" refType="w"/>
+      <dgm:constr type="h" for="ch" forName="horz1" refType="h"/>
+      <dgm:constr type="h" for="des" forName="vert1" refType="h"/>
+      <dgm:constr type="h" for="des" forName="tx1" refType="h"/>
+      <dgm:constr type="h" for="des" forName="horz2" refType="h"/>
+      <dgm:constr type="h" for="des" forName="vert2" refType="h"/>
+      <dgm:constr type="h" for="des" forName="horz3" refType="h"/>
+      <dgm:constr type="h" for="des" forName="vert3" refType="h"/>
+      <dgm:constr type="h" for="des" forName="horz4" refType="h"/>
+      <dgm:constr type="h" for="des" ptType="node" refType="h"/>
+      <dgm:constr type="primFontSz" for="des" forName="tx1" op="equ" val="65"/>
+      <dgm:constr type="primFontSz" for="des" forName="tx2" op="equ" val="65"/>
+      <dgm:constr type="primFontSz" for="des" forName="tx3" op="equ" val="65"/>
+      <dgm:constr type="primFontSz" for="des" forName="tx4" op="equ" val="65"/>
+      <dgm:constr type="w" for="des" forName="thickLine" refType="w"/>
+      <dgm:constr type="h" for="des" forName="thickLine"/>
+      <dgm:constr type="h" for="des" forName="thinLine1"/>
+      <dgm:constr type="h" for="des" forName="thinLine2b"/>
+      <dgm:constr type="h" for="des" forName="thinLine3"/>
+      <dgm:constr type="h" for="des" forName="vertSpace2a" refType="h" fact="0.05"/>
+      <dgm:constr type="h" for="des" forName="vertSpace2b" refType="h" refFor="des" refForName="vertSpace2a"/>
+    </dgm:constrLst>
+    <dgm:forEach name="Name3" axis="ch" ptType="node">
+      <dgm:layoutNode name="thickLine" styleLbl="alignNode1">
+        <dgm:alg type="sp"/>
+        <dgm:shape xmlns:r="http://schemas.openxmlformats.org/officeDocument/2006/relationships" type="line" r:blip="">
+          <dgm:adjLst/>
+        </dgm:shape>
+        <dgm:presOf/>
+      </dgm:layoutNode>
+      <dgm:layoutNode name="horz1">
+        <dgm:choose name="Name4">
+          <dgm:if name="Name5" func="var" arg="dir" op="equ" val="norm">
+            <dgm:alg type="lin">
+              <dgm:param type="linDir" val="fromL"/>
+              <dgm:param type="nodeVertAlign" val="t"/>
+            </dgm:alg>
+          </dgm:if>
+          <dgm:else name="Name6">
+            <dgm:alg type="lin">
+              <dgm:param type="linDir" val="fromR"/>
+              <dgm:param type="nodeVertAlign" val="t"/>
+            </dgm:alg>
+          </dgm:else>
+        </dgm:choose>
+        <dgm:shape xmlns:r="http://schemas.openxmlformats.org/officeDocument/2006/relationships" r:blip="">
+          <dgm:adjLst/>
+        </dgm:shape>
+        <dgm:presOf/>
+        <dgm:choose name="Name7">
+          <dgm:if name="Name8" axis="root des" func="maxDepth" op="equ" val="1">
+            <dgm:constrLst>
+              <dgm:constr type="w" for="ch" forName="tx1" refType="w"/>
+            </dgm:constrLst>
+          </dgm:if>
+          <dgm:if name="Name9" axis="root des" func="maxDepth" op="equ" val="2">
+            <dgm:constrLst>
+              <dgm:constr type="w" for="ch" forName="tx1" refType="w" fact="0.2"/>
+              <dgm:constr type="w" for="des" forName="tx2" refType="w" fact="0.785"/>
+              <dgm:constr type="w" for="des" forName="horzSpace2" refType="w" fact="0.015"/>
+              <dgm:constr type="w" for="des" forName="thinLine2b" refType="w" fact="0.8"/>
+            </dgm:constrLst>
+          </dgm:if>
+          <dgm:if name="Name10" axis="root des" func="maxDepth" op="equ" val="3">
+            <dgm:constrLst>
+              <dgm:constr type="w" for="ch" forName="tx1" refType="w" fact="0.2"/>
+              <dgm:constr type="w" for="des" forName="tx2" refType="w" fact="0.385"/>
+              <dgm:constr type="w" for="des" forName="tx3" refType="w" fact="0.385"/>
+              <dgm:constr type="w" for="des" forName="horzSpace2" refType="w" fact="0.015"/>
+              <dgm:constr type="w" for="des" forName="horzSpace3" refType="w" fact="0.015"/>
+              <dgm:constr type="w" for="des" forName="thinLine2b" refType="w" fact="0.8"/>
+              <dgm:constr type="w" for="des" forName="thinLine3" refType="w" fact="0.385"/>
+            </dgm:constrLst>
+          </dgm:if>
+          <dgm:if name="Name11" axis="root des" func="maxDepth" op="gte" val="4">
+            <dgm:constrLst>
+              <dgm:constr type="w" for="ch" forName="tx1" refType="w" fact="0.2"/>
+              <dgm:constr type="w" for="des" forName="tx2" refType="w" fact="0.2516"/>
+              <dgm:constr type="w" for="des" forName="tx3" refType="w" fact="0.2516"/>
+              <dgm:constr type="w" for="des" forName="tx4" refType="w" fact="0.2516"/>
+              <dgm:constr type="w" for="des" forName="horzSpace2" refType="w" fact="0.015"/>
+              <dgm:constr type="w" for="des" forName="horzSpace3" refType="w" fact="0.015"/>
+              <dgm:constr type="w" for="des" forName="horzSpace4" refType="w" fact="0.015"/>
+              <dgm:constr type="w" for="des" forName="thinLine2b" refType="w" fact="0.8"/>
+              <dgm:constr type="w" for="des" forName="thinLine3" refType="w" fact="0.5332"/>
+            </dgm:constrLst>
+          </dgm:if>
+          <dgm:else name="Name12"/>
+        </dgm:choose>
+        <dgm:layoutNode name="tx1" styleLbl="revTx">
+          <dgm:alg type="tx">
+            <dgm:param type="parTxLTRAlign" val="l"/>
+            <dgm:param type="parTxRTLAlign" val="r"/>
+            <dgm:param type="txAnchorVert" val="t"/>
+          </dgm:alg>
+          <dgm:shape xmlns:r="http://schemas.openxmlformats.org/officeDocument/2006/relationships" type="rect" r:blip="">
+            <dgm:adjLst/>
+          </dgm:shape>
+          <dgm:presOf axis="self"/>
+          <dgm:constrLst>
+            <dgm:constr type="tMarg" refType="primFontSz" fact="0.3"/>
+            <dgm:constr type="bMarg" refType="primFontSz" fact="0.3"/>
+            <dgm:constr type="lMarg" refType="primFontSz" fact="0.3"/>
+            <dgm:constr type="rMarg" refType="primFontSz" fact="0.3"/>
+          </dgm:constrLst>
+          <dgm:ruleLst>
+            <dgm:rule type="primFontSz" val="5" fact="NaN" max="NaN"/>
+          </dgm:ruleLst>
+        </dgm:layoutNode>
+        <dgm:layoutNode name="vert1">
+          <dgm:choose name="Name13">
+            <dgm:if name="Name14" func="var" arg="dir" op="equ" val="norm">
+              <dgm:alg type="lin">
+                <dgm:param type="linDir" val="fromT"/>
+                <dgm:param type="nodeHorzAlign" val="l"/>
+              </dgm:alg>
+            </dgm:if>
+            <dgm:else name="Name15">
+              <dgm:alg type="lin">
+                <dgm:param type="linDir" val="fromT"/>
+                <dgm:param type="nodeHorzAlign" val="r"/>
+              </dgm:alg>
+            </dgm:else>
+          </dgm:choose>
+          <dgm:shape xmlns:r="http://schemas.openxmlformats.org/officeDocument/2006/relationships" r:blip="">
+            <dgm:adjLst/>
+          </dgm:shape>
+          <dgm:presOf/>
+          <dgm:forEach name="Name16" axis="ch" ptType="node">
+            <dgm:choose name="Name17">
+              <dgm:if name="Name18" axis="self" ptType="node" func="pos" op="equ" val="1">
+                <dgm:layoutNode name="vertSpace2a">
+                  <dgm:alg type="sp"/>
+                  <dgm:shape xmlns:r="http://schemas.openxmlformats.org/officeDocument/2006/relationships" r:blip="">
+                    <dgm:adjLst/>
+                  </dgm:shape>
+                  <dgm:presOf/>
+                </dgm:layoutNode>
+              </dgm:if>
+              <dgm:else name="Name19"/>
+            </dgm:choose>
+            <dgm:layoutNode name="horz2">
+              <dgm:choose name="Name20">
+                <dgm:if name="Name21" func="var" arg="dir" op="equ" val="norm">
+                  <dgm:alg type="lin">
+                    <dgm:param type="linDir" val="fromL"/>
+                    <dgm:param type="nodeVertAlign" val="t"/>
+                  </dgm:alg>
+                </dgm:if>
+                <dgm:else name="Name22">
+                  <dgm:alg type="lin">
+                    <dgm:param type="linDir" val="fromR"/>
+                    <dgm:param type="nodeVertAlign" val="t"/>
+                  </dgm:alg>
+                </dgm:else>
+              </dgm:choose>
+              <dgm:shape xmlns:r="http://schemas.openxmlformats.org/officeDocument/2006/relationships" r:blip="">
+                <dgm:adjLst/>
+              </dgm:shape>
+              <dgm:presOf/>
+              <dgm:layoutNode name="horzSpace2">
+                <dgm:alg type="sp"/>
+                <dgm:shape xmlns:r="http://schemas.openxmlformats.org/officeDocument/2006/relationships" r:blip="">
+                  <dgm:adjLst/>
+                </dgm:shape>
+                <dgm:presOf/>
+              </dgm:layoutNode>
+              <dgm:layoutNode name="tx2" styleLbl="revTx">
+                <dgm:alg type="tx">
+                  <dgm:param type="parTxLTRAlign" val="l"/>
+                  <dgm:param type="parTxRTLAlign" val="r"/>
+                  <dgm:param type="txAnchorVert" val="t"/>
+                </dgm:alg>
+                <dgm:shape xmlns:r="http://schemas.openxmlformats.org/officeDocument/2006/relationships" type="rect" r:blip="">
+                  <dgm:adjLst/>
+                </dgm:shape>
+                <dgm:presOf axis="self"/>
+                <dgm:constrLst>
+                  <dgm:constr type="tMarg" refType="primFontSz" fact="0.3"/>
+                  <dgm:constr type="bMarg" refType="primFontSz" fact="0.3"/>
+                  <dgm:constr type="lMarg" refType="primFontSz" fact="0.3"/>
+                  <dgm:constr type="rMarg" refType="primFontSz" fact="0.3"/>
+                </dgm:constrLst>
+                <dgm:ruleLst>
+                  <dgm:rule type="primFontSz" val="5" fact="NaN" max="NaN"/>
+                </dgm:ruleLst>
+              </dgm:layoutNode>
+              <dgm:layoutNode name="vert2">
+                <dgm:choose name="Name23">
+                  <dgm:if name="Name24" func="var" arg="dir" op="equ" val="norm">
+                    <dgm:alg type="lin">
+                      <dgm:param type="linDir" val="fromT"/>
+                      <dgm:param type="nodeHorzAlign" val="l"/>
+                    </dgm:alg>
+                  </dgm:if>
+                  <dgm:else name="Name25">
+                    <dgm:alg type="lin">
+                      <dgm:param type="linDir" val="fromT"/>
+                      <dgm:param type="nodeHorzAlign" val="r"/>
+                    </dgm:alg>
+                  </dgm:else>
+                </dgm:choose>
+                <dgm:shape xmlns:r="http://schemas.openxmlformats.org/officeDocument/2006/relationships" r:blip="">
+                  <dgm:adjLst/>
+                </dgm:shape>
+                <dgm:presOf/>
+                <dgm:forEach name="Name26" axis="ch" ptType="node">
+                  <dgm:layoutNode name="horz3">
+                    <dgm:choose name="Name27">
+                      <dgm:if name="Name28" func="var" arg="dir" op="equ" val="norm">
+                        <dgm:alg type="lin">
+                          <dgm:param type="linDir" val="fromL"/>
+                          <dgm:param type="nodeVertAlign" val="t"/>
+                        </dgm:alg>
+                      </dgm:if>
+                      <dgm:else name="Name29">
+                        <dgm:alg type="lin">
+                          <dgm:param type="linDir" val="fromR"/>
+                          <dgm:param type="nodeVertAlign" val="t"/>
+                        </dgm:alg>
+                      </dgm:else>
+                    </dgm:choose>
+                    <dgm:shape xmlns:r="http://schemas.openxmlformats.org/officeDocument/2006/relationships" r:blip="">
+                      <dgm:adjLst/>
+                    </dgm:shape>
+                    <dgm:presOf/>
+                    <dgm:layoutNode name="horzSpace3">
+                      <dgm:alg type="sp"/>
+                      <dgm:shape xmlns:r="http://schemas.openxmlformats.org/officeDocument/2006/relationships" r:blip="">
+                        <dgm:adjLst/>
+                      </dgm:shape>
+                      <dgm:presOf/>
+                    </dgm:layoutNode>
+                    <dgm:layoutNode name="tx3" styleLbl="revTx">
+                      <dgm:alg type="tx">
+                        <dgm:param type="parTxLTRAlign" val="l"/>
+                        <dgm:param type="parTxRTLAlign" val="r"/>
+                        <dgm:param type="txAnchorVert" val="t"/>
+                      </dgm:alg>
+                      <dgm:shape xmlns:r="http://schemas.openxmlformats.org/officeDocument/2006/relationships" type="rect" r:blip="">
+                        <dgm:adjLst/>
+                      </dgm:shape>
+                      <dgm:presOf axis="self"/>
+                      <dgm:constrLst>
+                        <dgm:constr type="tMarg" refType="primFontSz" fact="0.3"/>
+                        <dgm:constr type="bMarg" refType="primFontSz" fact="0.3"/>
+                        <dgm:constr type="lMarg" refType="primFontSz" fact="0.3"/>
+                        <dgm:constr type="rMarg" refType="primFontSz" fact="0.3"/>
+                      </dgm:constrLst>
+                      <dgm:ruleLst>
+                        <dgm:rule type="primFontSz" val="5" fact="NaN" max="NaN"/>
+                      </dgm:ruleLst>
+                    </dgm:layoutNode>
+                    <dgm:layoutNode name="vert3">
+                      <dgm:choose name="Name30">
+                        <dgm:if name="Name31" func="var" arg="dir" op="equ" val="norm">
+                          <dgm:alg type="lin">
+                            <dgm:param type="linDir" val="fromT"/>
+                            <dgm:param type="nodeHorzAlign" val="l"/>
+                          </dgm:alg>
+                        </dgm:if>
+                        <dgm:else name="Name32">
+                          <dgm:alg type="lin">
+                            <dgm:param type="linDir" val="fromT"/>
+                            <dgm:param type="nodeHorzAlign" val="r"/>
+                          </dgm:alg>
+                        </dgm:else>
+                      </dgm:choose>
+                      <dgm:shape xmlns:r="http://schemas.openxmlformats.org/officeDocument/2006/relationships" r:blip="">
+                        <dgm:adjLst/>
+                      </dgm:shape>
+                      <dgm:presOf/>
+                      <dgm:forEach name="Name33" axis="ch" ptType="node">
+                        <dgm:layoutNode name="horz4">
+                          <dgm:choose name="Name34">
+                            <dgm:if name="Name35" func="var" arg="dir" op="equ" val="norm">
+                              <dgm:alg type="lin">
+                                <dgm:param type="linDir" val="fromL"/>
+                                <dgm:param type="nodeVertAlign" val="t"/>
+                              </dgm:alg>
+                            </dgm:if>
+                            <dgm:else name="Name36">
+                              <dgm:alg type="lin">
+                                <dgm:param type="linDir" val="fromR"/>
+                                <dgm:param type="nodeVertAlign" val="t"/>
+                              </dgm:alg>
+                            </dgm:else>
+                          </dgm:choose>
+                          <dgm:shape xmlns:r="http://schemas.openxmlformats.org/officeDocument/2006/relationships" r:blip="">
+                            <dgm:adjLst/>
+                          </dgm:shape>
+                          <dgm:presOf/>
+                          <dgm:layoutNode name="horzSpace4">
+                            <dgm:alg type="sp"/>
+                            <dgm:shape xmlns:r="http://schemas.openxmlformats.org/officeDocument/2006/relationships" r:blip="">
+                              <dgm:adjLst/>
+                            </dgm:shape>
+                            <dgm:presOf/>
+                          </dgm:layoutNode>
+                          <dgm:layoutNode name="tx4" styleLbl="revTx">
+                            <dgm:varLst>
+                              <dgm:bulletEnabled val="1"/>
+                            </dgm:varLst>
+                            <dgm:alg type="tx">
+                              <dgm:param type="parTxLTRAlign" val="l"/>
+                              <dgm:param type="parTxRTLAlign" val="r"/>
+                              <dgm:param type="txAnchorVert" val="t"/>
+                            </dgm:alg>
+                            <dgm:shape xmlns:r="http://schemas.openxmlformats.org/officeDocument/2006/relationships" type="rect" r:blip="">
+                              <dgm:adjLst/>
+                            </dgm:shape>
+                            <dgm:presOf axis="desOrSelf" ptType="node"/>
+                            <dgm:constrLst>
+                              <dgm:constr type="tMarg" refType="primFontSz" fact="0.3"/>
+                              <dgm:constr type="bMarg" refType="primFontSz" fact="0.3"/>
+                              <dgm:constr type="lMarg" refType="primFontSz" fact="0.3"/>
+                              <dgm:constr type="rMarg" refType="primFontSz" fact="0.3"/>
+                            </dgm:constrLst>
+                            <dgm:ruleLst>
+                              <dgm:rule type="primFontSz" val="5" fact="NaN" max="NaN"/>
+                            </dgm:ruleLst>
+                          </dgm:layoutNode>
+                        </dgm:layoutNode>
+                      </dgm:forEach>
+                    </dgm:layoutNode>
+                  </dgm:layoutNode>
+                  <dgm:forEach name="Name37" axis="followSib" ptType="sibTrans" cnt="1">
+                    <dgm:layoutNode name="thinLine3" styleLbl="callout">
+                      <dgm:alg type="sp"/>
+                      <dgm:shape xmlns:r="http://schemas.openxmlformats.org/officeDocument/2006/relationships" type="line" r:blip="">
+                        <dgm:adjLst/>
+                      </dgm:shape>
+                      <dgm:presOf/>
+                    </dgm:layoutNode>
+                  </dgm:forEach>
+                </dgm:forEach>
+              </dgm:layoutNode>
+            </dgm:layoutNode>
+            <dgm:layoutNode name="thinLine2b" styleLbl="callout">
+              <dgm:alg type="sp"/>
+              <dgm:shape xmlns:r="http://schemas.openxmlformats.org/officeDocument/2006/relationships" type="line" r:blip="">
+                <dgm:adjLst/>
+              </dgm:shape>
+              <dgm:presOf/>
+            </dgm:layoutNode>
+            <dgm:layoutNode name="vertSpace2b">
+              <dgm:alg type="sp"/>
+              <dgm:shape xmlns:r="http://schemas.openxmlformats.org/officeDocument/2006/relationships" r:blip="">
+                <dgm:adjLst/>
+              </dgm:shape>
+              <dgm:presOf/>
+            </dgm:layoutNode>
+          </dgm:forEach>
+        </dgm:layoutNode>
+      </dgm:layoutNode>
+    </dgm:forEach>
+  </dgm:layoutNode>
+</dgm:layoutDef>
+</file>
+
+<file path=ppt/diagrams/quickStyle1.xml><?xml version="1.0" encoding="utf-8"?>
+<dgm:styleDef xmlns:dgm="http://schemas.openxmlformats.org/drawingml/2006/diagram" xmlns:a="http://schemas.openxmlformats.org/drawingml/2006/main" uniqueId="urn:microsoft.com/office/officeart/2005/8/quickstyle/simple1">
+  <dgm:title val=""/>
+  <dgm:desc val=""/>
+  <dgm:catLst>
+    <dgm:cat type="simple" pri="10100"/>
+  </dgm:catLst>
+  <dgm:scene3d>
+    <a:camera prst="orthographicFront"/>
+    <a:lightRig rig="threePt" dir="t"/>
+  </dgm:scene3d>
+  <dgm:styleLbl name="node0">
+    <dgm:scene3d>
+      <a:camera prst="orthographicFront"/>
+      <a:lightRig rig="threePt" dir="t"/>
+    </dgm:scene3d>
+    <dgm:sp3d/>
+    <dgm:txPr/>
+    <dgm:style>
+      <a:lnRef idx="2">
+        <a:scrgbClr r="0" g="0" b="0"/>
+      </a:lnRef>
+      <a:fillRef idx="1">
+        <a:scrgbClr r="0" g="0" b="0"/>
+      </a:fillRef>
+      <a:effectRef idx="0">
+        <a:scrgbClr r="0" g="0" b="0"/>
+      </a:effectRef>
+      <a:fontRef idx="minor">
+        <a:schemeClr val="lt1"/>
+      </a:fontRef>
+    </dgm:style>
+  </dgm:styleLbl>
+  <dgm:styleLbl name="lnNode1">
+    <dgm:scene3d>
+      <a:camera prst="orthographicFront"/>
+      <a:lightRig rig="threePt" dir="t"/>
+    </dgm:scene3d>
+    <dgm:sp3d/>
+    <dgm:txPr/>
+    <dgm:style>
+      <a:lnRef idx="2">
+        <a:scrgbClr r="0" g="0" b="0"/>
+      </a:lnRef>
+      <a:fillRef idx="1">
+        <a:scrgbClr r="0" g="0" b="0"/>
+      </a:fillRef>
+      <a:effectRef idx="0">
+        <a:scrgbClr r="0" g="0" b="0"/>
+      </a:effectRef>
+      <a:fontRef idx="minor">
+        <a:schemeClr val="lt1"/>
+      </a:fontRef>
+    </dgm:style>
+  </dgm:styleLbl>
+  <dgm:styleLbl name="vennNode1">
+    <dgm:scene3d>
+      <a:camera prst="orthographicFront"/>
+      <a:lightRig rig="threePt" dir="t"/>
+    </dgm:scene3d>
+    <dgm:sp3d/>
+    <dgm:txPr/>
+    <dgm:style>
+      <a:lnRef idx="2">
+        <a:scrgbClr r="0" g="0" b="0"/>
+      </a:lnRef>
+      <a:fillRef idx="1">
+        <a:scrgbClr r="0" g="0" b="0"/>
+      </a:fillRef>
+      <a:effectRef idx="0">
+        <a:scrgbClr r="0" g="0" b="0"/>
+      </a:effectRef>
+      <a:fontRef idx="minor">
+        <a:schemeClr val="tx1"/>
+      </a:fontRef>
+    </dgm:style>
+  </dgm:styleLbl>
+  <dgm:styleLbl name="alignNode1">
+    <dgm:scene3d>
+      <a:camera prst="orthographicFront"/>
+      <a:lightRig rig="threePt" dir="t"/>
+    </dgm:scene3d>
+    <dgm:sp3d/>
+    <dgm:txPr/>
+    <dgm:style>
+      <a:lnRef idx="2">
+        <a:scrgbClr r="0" g="0" b="0"/>
+      </a:lnRef>
+      <a:fillRef idx="1">
+        <a:scrgbClr r="0" g="0" b="0"/>
+      </a:fillRef>
+      <a:effectRef idx="0">
+        <a:scrgbClr r="0" g="0" b="0"/>
+      </a:effectRef>
+      <a:fontRef idx="minor">
+        <a:schemeClr val="lt1"/>
+      </a:fontRef>
+    </dgm:style>
+  </dgm:styleLbl>
+  <dgm:styleLbl name="node1">
+    <dgm:scene3d>
+      <a:camera prst="orthographicFront"/>
+      <a:lightRig rig="threePt" dir="t"/>
+    </dgm:scene3d>
+    <dgm:sp3d/>
+    <dgm:txPr/>
+    <dgm:style>
+      <a:lnRef idx="2">
+        <a:scrgbClr r="0" g="0" b="0"/>
+      </a:lnRef>
+      <a:fillRef idx="1">
+        <a:scrgbClr r="0" g="0" b="0"/>
+      </a:fillRef>
+      <a:effectRef idx="0">
+        <a:scrgbClr r="0" g="0" b="0"/>
+      </a:effectRef>
+      <a:fontRef idx="minor">
+        <a:schemeClr val="lt1"/>
+      </a:fontRef>
+    </dgm:style>
+  </dgm:styleLbl>
+  <dgm:styleLbl name="node2">
+    <dgm:scene3d>
+      <a:camera prst="orthographicFront"/>
+      <a:lightRig rig="threePt" dir="t"/>
+    </dgm:scene3d>
+    <dgm:sp3d/>
+    <dgm:txPr/>
+    <dgm:style>
+      <a:lnRef idx="2">
+        <a:scrgbClr r="0" g="0" b="0"/>
+      </a:lnRef>
+      <a:fillRef idx="1">
+        <a:scrgbClr r="0" g="0" b="0"/>
+      </a:fillRef>
+      <a:effectRef idx="0">
+        <a:scrgbClr r="0" g="0" b="0"/>
+      </a:effectRef>
+      <a:fontRef idx="minor">
+        <a:schemeClr val="lt1"/>
+      </a:fontRef>
+    </dgm:style>
+  </dgm:styleLbl>
+  <dgm:styleLbl name="node3">
+    <dgm:scene3d>
+      <a:camera prst="orthographicFront"/>
+      <a:lightRig rig="threePt" dir="t"/>
+    </dgm:scene3d>
+    <dgm:sp3d/>
+    <dgm:txPr/>
+    <dgm:style>
+      <a:lnRef idx="2">
+        <a:scrgbClr r="0" g="0" b="0"/>
+      </a:lnRef>
+      <a:fillRef idx="1">
+        <a:scrgbClr r="0" g="0" b="0"/>
+      </a:fillRef>
+      <a:effectRef idx="0">
+        <a:scrgbClr r="0" g="0" b="0"/>
+      </a:effectRef>
+      <a:fontRef idx="minor">
+        <a:schemeClr val="lt1"/>
+      </a:fontRef>
+    </dgm:style>
+  </dgm:styleLbl>
+  <dgm:styleLbl name="node4">
+    <dgm:scene3d>
+      <a:camera prst="orthographicFront"/>
+      <a:lightRig rig="threePt" dir="t"/>
+    </dgm:scene3d>
+    <dgm:sp3d/>
+    <dgm:txPr/>
+    <dgm:style>
+      <a:lnRef idx="2">
+        <a:scrgbClr r="0" g="0" b="0"/>
+      </a:lnRef>
+      <a:fillRef idx="1">
+        <a:scrgbClr r="0" g="0" b="0"/>
+      </a:fillRef>
+      <a:effectRef idx="0">
+        <a:scrgbClr r="0" g="0" b="0"/>
+      </a:effectRef>
+      <a:fontRef idx="minor">
+        <a:schemeClr val="lt1"/>
+      </a:fontRef>
+    </dgm:style>
+  </dgm:styleLbl>
+  <dgm:styleLbl name="fgImgPlace1">
+    <dgm:scene3d>
+      <a:camera prst="orthographicFront"/>
+      <a:lightRig rig="threePt" dir="t"/>
+    </dgm:scene3d>
+    <dgm:sp3d/>
+    <dgm:txPr/>
+    <dgm:style>
+      <a:lnRef idx="2">
+        <a:scrgbClr r="0" g="0" b="0"/>
+      </a:lnRef>
+      <a:fillRef idx="1">
+        <a:scrgbClr r="0" g="0" b="0"/>
+      </a:fillRef>
+      <a:effectRef idx="0">
+        <a:scrgbClr r="0" g="0" b="0"/>
+      </a:effectRef>
+      <a:fontRef idx="minor"/>
+    </dgm:style>
+  </dgm:styleLbl>
+  <dgm:styleLbl name="alignImgPlace1">
+    <dgm:scene3d>
+      <a:camera prst="orthographicFront"/>
+      <a:lightRig rig="threePt" dir="t"/>
+    </dgm:scene3d>
+    <dgm:sp3d/>
+    <dgm:txPr/>
+    <dgm:style>
+      <a:lnRef idx="2">
+        <a:scrgbClr r="0" g="0" b="0"/>
+      </a:lnRef>
+      <a:fillRef idx="1">
+        <a:scrgbClr r="0" g="0" b="0"/>
+      </a:fillRef>
+      <a:effectRef idx="0">
+        <a:scrgbClr r="0" g="0" b="0"/>
+      </a:effectRef>
+      <a:fontRef idx="minor"/>
+    </dgm:style>
+  </dgm:styleLbl>
+  <dgm:styleLbl name="bgImgPlace1">
+    <dgm:scene3d>
+      <a:camera prst="orthographicFront"/>
+      <a:lightRig rig="threePt" dir="t"/>
+    </dgm:scene3d>
+    <dgm:sp3d/>
+    <dgm:txPr/>
+    <dgm:style>
+      <a:lnRef idx="2">
+        <a:scrgbClr r="0" g="0" b="0"/>
+      </a:lnRef>
+      <a:fillRef idx="1">
+        <a:scrgbClr r="0" g="0" b="0"/>
+      </a:fillRef>
+      <a:effectRef idx="0">
+        <a:scrgbClr r="0" g="0" b="0"/>
+      </a:effectRef>
+      <a:fontRef idx="minor"/>
+    </dgm:style>
+  </dgm:styleLbl>
+  <dgm:styleLbl name="sibTrans2D1">
+    <dgm:scene3d>
+      <a:camera prst="orthographicFront"/>
+      <a:lightRig rig="threePt" dir="t"/>
+    </dgm:scene3d>
+    <dgm:sp3d/>
+    <dgm:txPr/>
+    <dgm:style>
+      <a:lnRef idx="0">
+        <a:scrgbClr r="0" g="0" b="0"/>
+      </a:lnRef>
+      <a:fillRef idx="1">
+        <a:scrgbClr r="0" g="0" b="0"/>
+      </a:fillRef>
+      <a:effectRef idx="0">
+        <a:scrgbClr r="0" g="0" b="0"/>
+      </a:effectRef>
+      <a:fontRef idx="minor">
+        <a:schemeClr val="lt1"/>
+      </a:fontRef>
+    </dgm:style>
+  </dgm:styleLbl>
+  <dgm:styleLbl name="fgSibTrans2D1">
+    <dgm:scene3d>
+      <a:camera prst="orthographicFront"/>
+      <a:lightRig rig="threePt" dir="t"/>
+    </dgm:scene3d>
+    <dgm:sp3d/>
+    <dgm:txPr/>
+    <dgm:style>
+      <a:lnRef idx="0">
+        <a:scrgbClr r="0" g="0" b="0"/>
+      </a:lnRef>
+      <a:fillRef idx="1">
+        <a:scrgbClr r="0" g="0" b="0"/>
+      </a:fillRef>
+      <a:effectRef idx="0">
+        <a:scrgbClr r="0" g="0" b="0"/>
+      </a:effectRef>
+      <a:fontRef idx="minor">
+        <a:schemeClr val="lt1"/>
+      </a:fontRef>
+    </dgm:style>
+  </dgm:styleLbl>
+  <dgm:styleLbl name="bgSibTrans2D1">
+    <dgm:scene3d>
+      <a:camera prst="orthographicFront"/>
+      <a:lightRig rig="threePt" dir="t"/>
+    </dgm:scene3d>
+    <dgm:sp3d/>
+    <dgm:txPr/>
+    <dgm:style>
+      <a:lnRef idx="0">
+        <a:scrgbClr r="0" g="0" b="0"/>
+      </a:lnRef>
+      <a:fillRef idx="1">
+        <a:scrgbClr r="0" g="0" b="0"/>
+      </a:fillRef>
+      <a:effectRef idx="0">
+        <a:scrgbClr r="0" g="0" b="0"/>
+      </a:effectRef>
+      <a:fontRef idx="minor">
+        <a:schemeClr val="lt1"/>
+      </a:fontRef>
+    </dgm:style>
+  </dgm:styleLbl>
+  <dgm:styleLbl name="sibTrans1D1">
+    <dgm:scene3d>
+      <a:camera prst="orthographicFront"/>
+      <a:lightRig rig="threePt" dir="t"/>
+    </dgm:scene3d>
+    <dgm:sp3d/>
+    <dgm:txPr/>
+    <dgm:style>
+      <a:lnRef idx="1">
+        <a:scrgbClr r="0" g="0" b="0"/>
+      </a:lnRef>
+      <a:fillRef idx="0">
+        <a:scrgbClr r="0" g="0" b="0"/>
+      </a:fillRef>
+      <a:effectRef idx="0">
+        <a:scrgbClr r="0" g="0" b="0"/>
+      </a:effectRef>
+      <a:fontRef idx="minor"/>
+    </dgm:style>
+  </dgm:styleLbl>
+  <dgm:styleLbl name="callout">
+    <dgm:scene3d>
+      <a:camera prst="orthographicFront"/>
+      <a:lightRig rig="threePt" dir="t"/>
+    </dgm:scene3d>
+    <dgm:sp3d/>
+    <dgm:txPr/>
+    <dgm:style>
+      <a:lnRef idx="2">
+        <a:scrgbClr r="0" g="0" b="0"/>
+      </a:lnRef>
+      <a:fillRef idx="1">
+        <a:scrgbClr r="0" g="0" b="0"/>
+      </a:fillRef>
+      <a:effectRef idx="0">
+        <a:scrgbClr r="0" g="0" b="0"/>
+      </a:effectRef>
+      <a:fontRef idx="minor"/>
+    </dgm:style>
+  </dgm:styleLbl>
+  <dgm:styleLbl name="asst0">
+    <dgm:scene3d>
+      <a:camera prst="orthographicFront"/>
+      <a:lightRig rig="threePt" dir="t"/>
+    </dgm:scene3d>
+    <dgm:sp3d/>
+    <dgm:txPr/>
+    <dgm:style>
+      <a:lnRef idx="2">
+        <a:scrgbClr r="0" g="0" b="0"/>
+      </a:lnRef>
+      <a:fillRef idx="1">
+        <a:scrgbClr r="0" g="0" b="0"/>
+      </a:fillRef>
+      <a:effectRef idx="0">
+        <a:scrgbClr r="0" g="0" b="0"/>
+      </a:effectRef>
+      <a:fontRef idx="minor">
+        <a:schemeClr val="lt1"/>
+      </a:fontRef>
+    </dgm:style>
+  </dgm:styleLbl>
+  <dgm:styleLbl name="asst1">
+    <dgm:scene3d>
+      <a:camera prst="orthographicFront"/>
+      <a:lightRig rig="threePt" dir="t"/>
+    </dgm:scene3d>
+    <dgm:sp3d/>
+    <dgm:txPr/>
+    <dgm:style>
+      <a:lnRef idx="2">
+        <a:scrgbClr r="0" g="0" b="0"/>
+      </a:lnRef>
+      <a:fillRef idx="1">
+        <a:scrgbClr r="0" g="0" b="0"/>
+      </a:fillRef>
+      <a:effectRef idx="0">
+        <a:scrgbClr r="0" g="0" b="0"/>
+      </a:effectRef>
+      <a:fontRef idx="minor">
+        <a:schemeClr val="lt1"/>
+      </a:fontRef>
+    </dgm:style>
+  </dgm:styleLbl>
+  <dgm:styleLbl name="asst2">
+    <dgm:scene3d>
+      <a:camera prst="orthographicFront"/>
+      <a:lightRig rig="threePt" dir="t"/>
+    </dgm:scene3d>
+    <dgm:sp3d/>
+    <dgm:txPr/>
+    <dgm:style>
+      <a:lnRef idx="2">
+        <a:scrgbClr r="0" g="0" b="0"/>
+      </a:lnRef>
+      <a:fillRef idx="1">
+        <a:scrgbClr r="0" g="0" b="0"/>
+      </a:fillRef>
+      <a:effectRef idx="0">
+        <a:scrgbClr r="0" g="0" b="0"/>
+      </a:effectRef>
+      <a:fontRef idx="minor">
+        <a:schemeClr val="lt1"/>
+      </a:fontRef>
+    </dgm:style>
+  </dgm:styleLbl>
+  <dgm:styleLbl name="asst3">
+    <dgm:scene3d>
+      <a:camera prst="orthographicFront"/>
+      <a:lightRig rig="threePt" dir="t"/>
+    </dgm:scene3d>
+    <dgm:sp3d/>
+    <dgm:txPr/>
+    <dgm:style>
+      <a:lnRef idx="2">
+        <a:scrgbClr r="0" g="0" b="0"/>
+      </a:lnRef>
+      <a:fillRef idx="1">
+        <a:scrgbClr r="0" g="0" b="0"/>
+      </a:fillRef>
+      <a:effectRef idx="0">
+        <a:scrgbClr r="0" g="0" b="0"/>
+      </a:effectRef>
+      <a:fontRef idx="minor">
+        <a:schemeClr val="lt1"/>
+      </a:fontRef>
+    </dgm:style>
+  </dgm:styleLbl>
+  <dgm:styleLbl name="asst4">
+    <dgm:scene3d>
+      <a:camera prst="orthographicFront"/>
+      <a:lightRig rig="threePt" dir="t"/>
+    </dgm:scene3d>
+    <dgm:sp3d/>
+    <dgm:txPr/>
+    <dgm:style>
+      <a:lnRef idx="2">
+        <a:scrgbClr r="0" g="0" b="0"/>
+      </a:lnRef>
+      <a:fillRef idx="1">
+        <a:scrgbClr r="0" g="0" b="0"/>
+      </a:fillRef>
+      <a:effectRef idx="0">
+        <a:scrgbClr r="0" g="0" b="0"/>
+      </a:effectRef>
+      <a:fontRef idx="minor">
+        <a:schemeClr val="lt1"/>
+      </a:fontRef>
+    </dgm:style>
+  </dgm:styleLbl>
+  <dgm:styleLbl name="parChTrans2D1">
+    <dgm:scene3d>
+      <a:camera prst="orthographicFront"/>
+      <a:lightRig rig="threePt" dir="t"/>
+    </dgm:scene3d>
+    <dgm:sp3d/>
+    <dgm:txPr/>
+    <dgm:style>
+      <a:lnRef idx="2">
+        <a:scrgbClr r="0" g="0" b="0"/>
+      </a:lnRef>
+      <a:fillRef idx="1">
+        <a:scrgbClr r="0" g="0" b="0"/>
+      </a:fillRef>
+      <a:effectRef idx="0">
+        <a:scrgbClr r="0" g="0" b="0"/>
+      </a:effectRef>
+      <a:fontRef idx="minor">
+        <a:schemeClr val="lt1"/>
+      </a:fontRef>
+    </dgm:style>
+  </dgm:styleLbl>
+  <dgm:styleLbl name="parChTrans2D2">
+    <dgm:scene3d>
+      <a:camera prst="orthographicFront"/>
+      <a:lightRig rig="threePt" dir="t"/>
+    </dgm:scene3d>
+    <dgm:sp3d/>
+    <dgm:txPr/>
+    <dgm:style>
+      <a:lnRef idx="2">
+        <a:scrgbClr r="0" g="0" b="0"/>
+      </a:lnRef>
+      <a:fillRef idx="1">
+        <a:scrgbClr r="0" g="0" b="0"/>
+      </a:fillRef>
+      <a:effectRef idx="0">
+        <a:scrgbClr r="0" g="0" b="0"/>
+      </a:effectRef>
+      <a:fontRef idx="minor">
+        <a:schemeClr val="lt1"/>
+      </a:fontRef>
+    </dgm:style>
+  </dgm:styleLbl>
+  <dgm:styleLbl name="parChTrans2D3">
+    <dgm:scene3d>
+      <a:camera prst="orthographicFront"/>
+      <a:lightRig rig="threePt" dir="t"/>
+    </dgm:scene3d>
+    <dgm:sp3d/>
+    <dgm:txPr/>
+    <dgm:style>
+      <a:lnRef idx="2">
+        <a:scrgbClr r="0" g="0" b="0"/>
+      </a:lnRef>
+      <a:fillRef idx="1">
+        <a:scrgbClr r="0" g="0" b="0"/>
+      </a:fillRef>
+      <a:effectRef idx="0">
+        <a:scrgbClr r="0" g="0" b="0"/>
+      </a:effectRef>
+      <a:fontRef idx="minor">
+        <a:schemeClr val="lt1"/>
+      </a:fontRef>
+    </dgm:style>
+  </dgm:styleLbl>
+  <dgm:styleLbl name="parChTrans2D4">
+    <dgm:scene3d>
+      <a:camera prst="orthographicFront"/>
+      <a:lightRig rig="threePt" dir="t"/>
+    </dgm:scene3d>
+    <dgm:sp3d/>
+    <dgm:txPr/>
+    <dgm:style>
+      <a:lnRef idx="2">
+        <a:scrgbClr r="0" g="0" b="0"/>
+      </a:lnRef>
+      <a:fillRef idx="1">
+        <a:scrgbClr r="0" g="0" b="0"/>
+      </a:fillRef>
+      <a:effectRef idx="0">
+        <a:scrgbClr r="0" g="0" b="0"/>
+      </a:effectRef>
+      <a:fontRef idx="minor">
+        <a:schemeClr val="lt1"/>
+      </a:fontRef>
+    </dgm:style>
+  </dgm:styleLbl>
+  <dgm:styleLbl name="parChTrans1D1">
+    <dgm:scene3d>
+      <a:camera prst="orthographicFront"/>
+      <a:lightRig rig="threePt" dir="t"/>
+    </dgm:scene3d>
+    <dgm:sp3d/>
+    <dgm:txPr/>
+    <dgm:style>
+      <a:lnRef idx="2">
+        <a:scrgbClr r="0" g="0" b="0"/>
+      </a:lnRef>
+      <a:fillRef idx="0">
+        <a:scrgbClr r="0" g="0" b="0"/>
+      </a:fillRef>
+      <a:effectRef idx="0">
+        <a:scrgbClr r="0" g="0" b="0"/>
+      </a:effectRef>
+      <a:fontRef idx="minor"/>
+    </dgm:style>
+  </dgm:styleLbl>
+  <dgm:styleLbl name="parChTrans1D2">
+    <dgm:scene3d>
+      <a:camera prst="orthographicFront"/>
+      <a:lightRig rig="threePt" dir="t"/>
+    </dgm:scene3d>
+    <dgm:sp3d/>
+    <dgm:txPr/>
+    <dgm:style>
+      <a:lnRef idx="2">
+        <a:scrgbClr r="0" g="0" b="0"/>
+      </a:lnRef>
+      <a:fillRef idx="0">
+        <a:scrgbClr r="0" g="0" b="0"/>
+      </a:fillRef>
+      <a:effectRef idx="0">
+        <a:scrgbClr r="0" g="0" b="0"/>
+      </a:effectRef>
+      <a:fontRef idx="minor"/>
+    </dgm:style>
+  </dgm:styleLbl>
+  <dgm:styleLbl name="parChTrans1D3">
+    <dgm:scene3d>
+      <a:camera prst="orthographicFront"/>
+      <a:lightRig rig="threePt" dir="t"/>
+    </dgm:scene3d>
+    <dgm:sp3d/>
+    <dgm:txPr/>
+    <dgm:style>
+      <a:lnRef idx="2">
+        <a:scrgbClr r="0" g="0" b="0"/>
+      </a:lnRef>
+      <a:fillRef idx="0">
+        <a:scrgbClr r="0" g="0" b="0"/>
+      </a:fillRef>
+      <a:effectRef idx="0">
+        <a:scrgbClr r="0" g="0" b="0"/>
+      </a:effectRef>
+      <a:fontRef idx="minor"/>
+    </dgm:style>
+  </dgm:styleLbl>
+  <dgm:styleLbl name="parChTrans1D4">
+    <dgm:scene3d>
+      <a:camera prst="orthographicFront"/>
+      <a:lightRig rig="threePt" dir="t"/>
+    </dgm:scene3d>
+    <dgm:sp3d/>
+    <dgm:txPr/>
+    <dgm:style>
+      <a:lnRef idx="2">
+        <a:scrgbClr r="0" g="0" b="0"/>
+      </a:lnRef>
+      <a:fillRef idx="0">
+        <a:scrgbClr r="0" g="0" b="0"/>
+      </a:fillRef>
+      <a:effectRef idx="0">
+        <a:scrgbClr r="0" g="0" b="0"/>
+      </a:effectRef>
+      <a:fontRef idx="minor"/>
+    </dgm:style>
+  </dgm:styleLbl>
+  <dgm:styleLbl name="fgAcc1">
+    <dgm:scene3d>
+      <a:camera prst="orthographicFront"/>
+      <a:lightRig rig="threePt" dir="t"/>
+    </dgm:scene3d>
+    <dgm:sp3d/>
+    <dgm:txPr/>
+    <dgm:style>
+      <a:lnRef idx="2">
+        <a:scrgbClr r="0" g="0" b="0"/>
+      </a:lnRef>
+      <a:fillRef idx="1">
+        <a:scrgbClr r="0" g="0" b="0"/>
+      </a:fillRef>
+      <a:effectRef idx="0">
+        <a:scrgbClr r="0" g="0" b="0"/>
+      </a:effectRef>
+      <a:fontRef idx="minor"/>
+    </dgm:style>
+  </dgm:styleLbl>
+  <dgm:styleLbl name="conFgAcc1">
+    <dgm:scene3d>
+      <a:camera prst="orthographicFront"/>
+      <a:lightRig rig="threePt" dir="t"/>
+    </dgm:scene3d>
+    <dgm:sp3d/>
+    <dgm:txPr/>
+    <dgm:style>
+      <a:lnRef idx="2">
+        <a:scrgbClr r="0" g="0" b="0"/>
+      </a:lnRef>
+      <a:fillRef idx="1">
+        <a:scrgbClr r="0" g="0" b="0"/>
+      </a:fillRef>
+      <a:effectRef idx="0">
+        <a:scrgbClr r="0" g="0" b="0"/>
+      </a:effectRef>
+      <a:fontRef idx="minor"/>
+    </dgm:style>
+  </dgm:styleLbl>
+  <dgm:styleLbl name="alignAcc1">
+    <dgm:scene3d>
+      <a:camera prst="orthographicFront"/>
+      <a:lightRig rig="threePt" dir="t"/>
+    </dgm:scene3d>
+    <dgm:sp3d/>
+    <dgm:txPr/>
+    <dgm:style>
+      <a:lnRef idx="2">
+        <a:scrgbClr r="0" g="0" b="0"/>
+      </a:lnRef>
+      <a:fillRef idx="1">
+        <a:scrgbClr r="0" g="0" b="0"/>
+      </a:fillRef>
+      <a:effectRef idx="0">
+        <a:scrgbClr r="0" g="0" b="0"/>
+      </a:effectRef>
+      <a:fontRef idx="minor"/>
+    </dgm:style>
+  </dgm:styleLbl>
+  <dgm:styleLbl name="trAlignAcc1">
+    <dgm:scene3d>
+      <a:camera prst="orthographicFront"/>
+      <a:lightRig rig="threePt" dir="t"/>
+    </dgm:scene3d>
+    <dgm:sp3d/>
+    <dgm:txPr/>
+    <dgm:style>
+      <a:lnRef idx="1">
+        <a:scrgbClr r="0" g="0" b="0"/>
+      </a:lnRef>
+      <a:fillRef idx="1">
+        <a:scrgbClr r="0" g="0" b="0"/>
+      </a:fillRef>
+      <a:effectRef idx="0">
+        <a:scrgbClr r="0" g="0" b="0"/>
+      </a:effectRef>
+      <a:fontRef idx="minor"/>
+    </dgm:style>
+  </dgm:styleLbl>
+  <dgm:styleLbl name="bgAcc1">
+    <dgm:scene3d>
+      <a:camera prst="orthographicFront"/>
+      <a:lightRig rig="threePt" dir="t"/>
+    </dgm:scene3d>
+    <dgm:sp3d/>
+    <dgm:txPr/>
+    <dgm:style>
+      <a:lnRef idx="2">
+        <a:scrgbClr r="0" g="0" b="0"/>
+      </a:lnRef>
+      <a:fillRef idx="1">
+        <a:scrgbClr r="0" g="0" b="0"/>
+      </a:fillRef>
+      <a:effectRef idx="0">
+        <a:scrgbClr r="0" g="0" b="0"/>
+      </a:effectRef>
+      <a:fontRef idx="minor"/>
+    </dgm:style>
+  </dgm:styleLbl>
+  <dgm:styleLbl name="solidFgAcc1">
+    <dgm:scene3d>
+      <a:camera prst="orthographicFront"/>
+      <a:lightRig rig="threePt" dir="t"/>
+    </dgm:scene3d>
+    <dgm:sp3d/>
+    <dgm:txPr/>
+    <dgm:style>
+      <a:lnRef idx="2">
+        <a:scrgbClr r="0" g="0" b="0"/>
+      </a:lnRef>
+      <a:fillRef idx="1">
+        <a:scrgbClr r="0" g="0" b="0"/>
+      </a:fillRef>
+      <a:effectRef idx="0">
+        <a:scrgbClr r="0" g="0" b="0"/>
+      </a:effectRef>
+      <a:fontRef idx="minor"/>
+    </dgm:style>
+  </dgm:styleLbl>
+  <dgm:styleLbl name="solidAlignAcc1">
+    <dgm:scene3d>
+      <a:camera prst="orthographicFront"/>
+      <a:lightRig rig="threePt" dir="t"/>
+    </dgm:scene3d>
+    <dgm:sp3d/>
+    <dgm:txPr/>
+    <dgm:style>
+      <a:lnRef idx="2">
+        <a:scrgbClr r="0" g="0" b="0"/>
+      </a:lnRef>
+      <a:fillRef idx="1">
+        <a:scrgbClr r="0" g="0" b="0"/>
+      </a:fillRef>
+      <a:effectRef idx="0">
+        <a:scrgbClr r="0" g="0" b="0"/>
+      </a:effectRef>
+      <a:fontRef idx="minor"/>
+    </dgm:style>
+  </dgm:styleLbl>
+  <dgm:styleLbl name="solidBgAcc1">
+    <dgm:scene3d>
+      <a:camera prst="orthographicFront"/>
+      <a:lightRig rig="threePt" dir="t"/>
+    </dgm:scene3d>
+    <dgm:sp3d/>
+    <dgm:txPr/>
+    <dgm:style>
+      <a:lnRef idx="2">
+        <a:scrgbClr r="0" g="0" b="0"/>
+      </a:lnRef>
+      <a:fillRef idx="1">
+        <a:scrgbClr r="0" g="0" b="0"/>
+      </a:fillRef>
+      <a:effectRef idx="0">
+        <a:scrgbClr r="0" g="0" b="0"/>
+      </a:effectRef>
+      <a:fontRef idx="minor"/>
+    </dgm:style>
+  </dgm:styleLbl>
+  <dgm:styleLbl name="fgAccFollowNode1">
+    <dgm:scene3d>
+      <a:camera prst="orthographicFront"/>
+      <a:lightRig rig="threePt" dir="t"/>
+    </dgm:scene3d>
+    <dgm:sp3d/>
+    <dgm:txPr/>
+    <dgm:style>
+      <a:lnRef idx="2">
+        <a:scrgbClr r="0" g="0" b="0"/>
+      </a:lnRef>
+      <a:fillRef idx="1">
+        <a:scrgbClr r="0" g="0" b="0"/>
+      </a:fillRef>
+      <a:effectRef idx="0">
+        <a:scrgbClr r="0" g="0" b="0"/>
+      </a:effectRef>
+      <a:fontRef idx="minor"/>
+    </dgm:style>
+  </dgm:styleLbl>
+  <dgm:styleLbl name="alignAccFollowNode1">
+    <dgm:scene3d>
+      <a:camera prst="orthographicFront"/>
+      <a:lightRig rig="threePt" dir="t"/>
+    </dgm:scene3d>
+    <dgm:sp3d/>
+    <dgm:txPr/>
+    <dgm:style>
+      <a:lnRef idx="2">
+        <a:scrgbClr r="0" g="0" b="0"/>
+      </a:lnRef>
+      <a:fillRef idx="1">
+        <a:scrgbClr r="0" g="0" b="0"/>
+      </a:fillRef>
+      <a:effectRef idx="0">
+        <a:scrgbClr r="0" g="0" b="0"/>
+      </a:effectRef>
+      <a:fontRef idx="minor"/>
+    </dgm:style>
+  </dgm:styleLbl>
+  <dgm:styleLbl name="bgAccFollowNode1">
+    <dgm:scene3d>
+      <a:camera prst="orthographicFront"/>
+      <a:lightRig rig="threePt" dir="t"/>
+    </dgm:scene3d>
+    <dgm:sp3d/>
+    <dgm:txPr/>
+    <dgm:style>
+      <a:lnRef idx="2">
+        <a:scrgbClr r="0" g="0" b="0"/>
+      </a:lnRef>
+      <a:fillRef idx="1">
+        <a:scrgbClr r="0" g="0" b="0"/>
+      </a:fillRef>
+      <a:effectRef idx="0">
+        <a:scrgbClr r="0" g="0" b="0"/>
+      </a:effectRef>
+      <a:fontRef idx="minor"/>
+    </dgm:style>
+  </dgm:styleLbl>
+  <dgm:styleLbl name="fgAcc0">
+    <dgm:scene3d>
+      <a:camera prst="orthographicFront"/>
+      <a:lightRig rig="threePt" dir="t"/>
+    </dgm:scene3d>
+    <dgm:sp3d/>
+    <dgm:txPr/>
+    <dgm:style>
+      <a:lnRef idx="2">
+        <a:scrgbClr r="0" g="0" b="0"/>
+      </a:lnRef>
+      <a:fillRef idx="1">
+        <a:scrgbClr r="0" g="0" b="0"/>
+      </a:fillRef>
+      <a:effectRef idx="0">
+        <a:scrgbClr r="0" g="0" b="0"/>
+      </a:effectRef>
+      <a:fontRef idx="minor"/>
+    </dgm:style>
+  </dgm:styleLbl>
+  <dgm:styleLbl name="fgAcc2">
+    <dgm:scene3d>
+      <a:camera prst="orthographicFront"/>
+      <a:lightRig rig="threePt" dir="t"/>
+    </dgm:scene3d>
+    <dgm:sp3d/>
+    <dgm:txPr/>
+    <dgm:style>
+      <a:lnRef idx="2">
+        <a:scrgbClr r="0" g="0" b="0"/>
+      </a:lnRef>
+      <a:fillRef idx="1">
+        <a:scrgbClr r="0" g="0" b="0"/>
+      </a:fillRef>
+      <a:effectRef idx="0">
+        <a:scrgbClr r="0" g="0" b="0"/>
+      </a:effectRef>
+      <a:fontRef idx="minor"/>
+    </dgm:style>
+  </dgm:styleLbl>
+  <dgm:styleLbl name="fgAcc3">
+    <dgm:scene3d>
+      <a:camera prst="orthographicFront"/>
+      <a:lightRig rig="threePt" dir="t"/>
+    </dgm:scene3d>
+    <dgm:sp3d/>
+    <dgm:txPr/>
+    <dgm:style>
+      <a:lnRef idx="2">
+        <a:scrgbClr r="0" g="0" b="0"/>
+      </a:lnRef>
+      <a:fillRef idx="1">
+        <a:scrgbClr r="0" g="0" b="0"/>
+      </a:fillRef>
+      <a:effectRef idx="0">
+        <a:scrgbClr r="0" g="0" b="0"/>
+      </a:effectRef>
+      <a:fontRef idx="minor"/>
+    </dgm:style>
+  </dgm:styleLbl>
+  <dgm:styleLbl name="fgAcc4">
+    <dgm:scene3d>
+      <a:camera prst="orthographicFront"/>
+      <a:lightRig rig="threePt" dir="t"/>
+    </dgm:scene3d>
+    <dgm:sp3d/>
+    <dgm:txPr/>
+    <dgm:style>
+      <a:lnRef idx="2">
+        <a:scrgbClr r="0" g="0" b="0"/>
+      </a:lnRef>
+      <a:fillRef idx="1">
+        <a:scrgbClr r="0" g="0" b="0"/>
+      </a:fillRef>
+      <a:effectRef idx="0">
+        <a:scrgbClr r="0" g="0" b="0"/>
+      </a:effectRef>
+      <a:fontRef idx="minor"/>
+    </dgm:style>
+  </dgm:styleLbl>
+  <dgm:styleLbl name="bgShp">
+    <dgm:scene3d>
+      <a:camera prst="orthographicFront"/>
+      <a:lightRig rig="threePt" dir="t"/>
+    </dgm:scene3d>
+    <dgm:sp3d/>
+    <dgm:txPr/>
+    <dgm:style>
+      <a:lnRef idx="0">
+        <a:scrgbClr r="0" g="0" b="0"/>
+      </a:lnRef>
+      <a:fillRef idx="1">
+        <a:scrgbClr r="0" g="0" b="0"/>
+      </a:fillRef>
+      <a:effectRef idx="0">
+        <a:scrgbClr r="0" g="0" b="0"/>
+      </a:effectRef>
+      <a:fontRef idx="minor"/>
+    </dgm:style>
+  </dgm:styleLbl>
+  <dgm:styleLbl name="dkBgShp">
+    <dgm:scene3d>
+      <a:camera prst="orthographicFront"/>
+      <a:lightRig rig="threePt" dir="t"/>
+    </dgm:scene3d>
+    <dgm:sp3d/>
+    <dgm:txPr/>
+    <dgm:style>
+      <a:lnRef idx="0">
+        <a:scrgbClr r="0" g="0" b="0"/>
+      </a:lnRef>
+      <a:fillRef idx="1">
+        <a:scrgbClr r="0" g="0" b="0"/>
+      </a:fillRef>
+      <a:effectRef idx="0">
+        <a:scrgbClr r="0" g="0" b="0"/>
+      </a:effectRef>
+      <a:fontRef idx="minor"/>
+    </dgm:style>
+  </dgm:styleLbl>
+  <dgm:styleLbl name="trBgShp">
+    <dgm:scene3d>
+      <a:camera prst="orthographicFront"/>
+      <a:lightRig rig="threePt" dir="t"/>
+    </dgm:scene3d>
+    <dgm:sp3d/>
+    <dgm:txPr/>
+    <dgm:style>
+      <a:lnRef idx="0">
+        <a:scrgbClr r="0" g="0" b="0"/>
+      </a:lnRef>
+      <a:fillRef idx="1">
+        <a:scrgbClr r="0" g="0" b="0"/>
+      </a:fillRef>
+      <a:effectRef idx="0">
+        <a:scrgbClr r="0" g="0" b="0"/>
+      </a:effectRef>
+      <a:fontRef idx="minor"/>
+    </dgm:style>
+  </dgm:styleLbl>
+  <dgm:styleLbl name="fgShp">
+    <dgm:scene3d>
+      <a:camera prst="orthographicFront"/>
+      <a:lightRig rig="threePt" dir="t"/>
+    </dgm:scene3d>
+    <dgm:sp3d/>
+    <dgm:txPr/>
+    <dgm:style>
+      <a:lnRef idx="2">
+        <a:scrgbClr r="0" g="0" b="0"/>
+      </a:lnRef>
+      <a:fillRef idx="1">
+        <a:scrgbClr r="0" g="0" b="0"/>
+      </a:fillRef>
+      <a:effectRef idx="0">
+        <a:scrgbClr r="0" g="0" b="0"/>
+      </a:effectRef>
+      <a:fontRef idx="minor"/>
+    </dgm:style>
+  </dgm:styleLbl>
+  <dgm:styleLbl name="revTx">
+    <dgm:scene3d>
+      <a:camera prst="orthographicFront"/>
+      <a:lightRig rig="threePt" dir="t"/>
+    </dgm:scene3d>
+    <dgm:sp3d/>
+    <dgm:txPr/>
+    <dgm:style>
+      <a:lnRef idx="0">
+        <a:scrgbClr r="0" g="0" b="0"/>
+      </a:lnRef>
+      <a:fillRef idx="0">
+        <a:scrgbClr r="0" g="0" b="0"/>
+      </a:fillRef>
+      <a:effectRef idx="0">
+        <a:scrgbClr r="0" g="0" b="0"/>
+      </a:effectRef>
+      <a:fontRef idx="minor"/>
+    </dgm:style>
+  </dgm:styleLbl>
+</dgm:styleDef>
 </file>
 
 <file path=ppt/notesMasters/notesMaster1.xml><?xml version="1.0" encoding="utf-8"?>
@@ -534,7 +7037,7 @@
           <a:p>
             <a:fld id="{3A2411F7-F682-418A-895D-34BE3A682FD7}" type="slidenum">
               <a:rPr lang="en-US" smtClean="0"/>
-              <a:t>10</a:t>
+              <a:t>7</a:t>
             </a:fld>
             <a:endParaRPr lang="en-US"/>
           </a:p>
@@ -543,7 +7046,7 @@
     </p:spTree>
     <p:extLst>
       <p:ext uri="{BB962C8B-B14F-4D97-AF65-F5344CB8AC3E}">
-        <p14:creationId xmlns:p14="http://schemas.microsoft.com/office/powerpoint/2010/main" val="3748758283"/>
+        <p14:creationId xmlns:p14="http://schemas.microsoft.com/office/powerpoint/2010/main" val="252496439"/>
       </p:ext>
     </p:extLst>
   </p:cSld>
@@ -619,6 +7122,90 @@
             <a:fld id="{3A2411F7-F682-418A-895D-34BE3A682FD7}" type="slidenum">
               <a:rPr lang="en-US" smtClean="0"/>
               <a:t>11</a:t>
+            </a:fld>
+            <a:endParaRPr lang="en-US"/>
+          </a:p>
+        </p:txBody>
+      </p:sp>
+    </p:spTree>
+    <p:extLst>
+      <p:ext uri="{BB962C8B-B14F-4D97-AF65-F5344CB8AC3E}">
+        <p14:creationId xmlns:p14="http://schemas.microsoft.com/office/powerpoint/2010/main" val="3748758283"/>
+      </p:ext>
+    </p:extLst>
+  </p:cSld>
+  <p:clrMapOvr>
+    <a:masterClrMapping/>
+  </p:clrMapOvr>
+</p:notes>
+</file>
+
+<file path=ppt/notesSlides/notesSlide3.xml><?xml version="1.0" encoding="utf-8"?>
+<p:notes xmlns:a="http://schemas.openxmlformats.org/drawingml/2006/main" xmlns:r="http://schemas.openxmlformats.org/officeDocument/2006/relationships" xmlns:p="http://schemas.openxmlformats.org/presentationml/2006/main">
+  <p:cSld>
+    <p:spTree>
+      <p:nvGrpSpPr>
+        <p:cNvPr id="1" name=""/>
+        <p:cNvGrpSpPr/>
+        <p:nvPr/>
+      </p:nvGrpSpPr>
+      <p:grpSpPr>
+        <a:xfrm>
+          <a:off x="0" y="0"/>
+          <a:ext cx="0" cy="0"/>
+          <a:chOff x="0" y="0"/>
+          <a:chExt cx="0" cy="0"/>
+        </a:xfrm>
+      </p:grpSpPr>
+      <p:sp>
+        <p:nvSpPr>
+          <p:cNvPr id="2" name="Slide Image Placeholder 1"/>
+          <p:cNvSpPr>
+            <a:spLocks noGrp="1" noRot="1" noChangeAspect="1"/>
+          </p:cNvSpPr>
+          <p:nvPr>
+            <p:ph type="sldImg"/>
+          </p:nvPr>
+        </p:nvSpPr>
+        <p:spPr/>
+      </p:sp>
+      <p:sp>
+        <p:nvSpPr>
+          <p:cNvPr id="3" name="Notes Placeholder 2"/>
+          <p:cNvSpPr>
+            <a:spLocks noGrp="1"/>
+          </p:cNvSpPr>
+          <p:nvPr>
+            <p:ph type="body" idx="1"/>
+          </p:nvPr>
+        </p:nvSpPr>
+        <p:spPr/>
+        <p:txBody>
+          <a:bodyPr/>
+          <a:lstStyle/>
+          <a:p>
+            <a:endParaRPr lang="en-US" dirty="0"/>
+          </a:p>
+        </p:txBody>
+      </p:sp>
+      <p:sp>
+        <p:nvSpPr>
+          <p:cNvPr id="4" name="Slide Number Placeholder 3"/>
+          <p:cNvSpPr>
+            <a:spLocks noGrp="1"/>
+          </p:cNvSpPr>
+          <p:nvPr>
+            <p:ph type="sldNum" sz="quarter" idx="5"/>
+          </p:nvPr>
+        </p:nvSpPr>
+        <p:spPr/>
+        <p:txBody>
+          <a:bodyPr/>
+          <a:lstStyle/>
+          <a:p>
+            <a:fld id="{3A2411F7-F682-418A-895D-34BE3A682FD7}" type="slidenum">
+              <a:rPr lang="en-US" smtClean="0"/>
+              <a:t>12</a:t>
             </a:fld>
             <a:endParaRPr lang="en-US"/>
           </a:p>
@@ -4219,6 +10806,556 @@
       </p:grpSpPr>
       <p:sp useBgFill="1">
         <p:nvSpPr>
+          <p:cNvPr id="11" name="Rectangle 10">
+            <a:extLst>
+              <a:ext uri="{FF2B5EF4-FFF2-40B4-BE49-F238E27FC236}">
+                <a16:creationId xmlns:a16="http://schemas.microsoft.com/office/drawing/2014/main" id="{6D1A2CED-DA9B-4CCF-8215-CFC65FE71603}"/>
+              </a:ext>
+              <a:ext uri="{C183D7F6-B498-43B3-948B-1728B52AA6E4}">
+                <adec:decorative xmlns:adec="http://schemas.microsoft.com/office/drawing/2017/decorative" val="1"/>
+              </a:ext>
+            </a:extLst>
+          </p:cNvPr>
+          <p:cNvSpPr>
+            <a:spLocks noGrp="1" noRot="1" noChangeAspect="1" noMove="1" noResize="1" noEditPoints="1" noAdjustHandles="1" noChangeArrowheads="1" noChangeShapeType="1" noTextEdit="1"/>
+          </p:cNvSpPr>
+          <p:nvPr>
+            <p:extLst>
+              <p:ext uri="{386F3935-93C4-4BCD-93E2-E3B085C9AB24}">
+                <p16:designElem xmlns:p16="http://schemas.microsoft.com/office/powerpoint/2015/main" val="1"/>
+              </p:ext>
+            </p:extLst>
+          </p:nvPr>
+        </p:nvSpPr>
+        <p:spPr>
+          <a:xfrm>
+            <a:off x="0" y="0"/>
+            <a:ext cx="12192000" cy="6858000"/>
+          </a:xfrm>
+          <a:prstGeom prst="rect">
+            <a:avLst/>
+          </a:prstGeom>
+          <a:ln>
+            <a:noFill/>
+          </a:ln>
+        </p:spPr>
+        <p:style>
+          <a:lnRef idx="2">
+            <a:schemeClr val="accent1">
+              <a:shade val="50000"/>
+            </a:schemeClr>
+          </a:lnRef>
+          <a:fillRef idx="1">
+            <a:schemeClr val="accent1"/>
+          </a:fillRef>
+          <a:effectRef idx="0">
+            <a:schemeClr val="accent1"/>
+          </a:effectRef>
+          <a:fontRef idx="minor">
+            <a:schemeClr val="lt1"/>
+          </a:fontRef>
+        </p:style>
+        <p:txBody>
+          <a:bodyPr rtlCol="0" anchor="ctr"/>
+          <a:lstStyle/>
+          <a:p>
+            <a:pPr algn="ctr"/>
+            <a:endParaRPr lang="en-US"/>
+          </a:p>
+        </p:txBody>
+      </p:sp>
+      <p:sp useBgFill="1">
+        <p:nvSpPr>
+          <p:cNvPr id="13" name="Rectangle 12">
+            <a:extLst>
+              <a:ext uri="{FF2B5EF4-FFF2-40B4-BE49-F238E27FC236}">
+                <a16:creationId xmlns:a16="http://schemas.microsoft.com/office/drawing/2014/main" id="{562DFC44-A40C-4573-9230-B3EDB3EC8EEB}"/>
+              </a:ext>
+              <a:ext uri="{C183D7F6-B498-43B3-948B-1728B52AA6E4}">
+                <adec:decorative xmlns:adec="http://schemas.microsoft.com/office/drawing/2017/decorative" val="1"/>
+              </a:ext>
+            </a:extLst>
+          </p:cNvPr>
+          <p:cNvSpPr>
+            <a:spLocks noGrp="1" noRot="1" noChangeAspect="1" noMove="1" noResize="1" noEditPoints="1" noAdjustHandles="1" noChangeArrowheads="1" noChangeShapeType="1" noTextEdit="1"/>
+          </p:cNvSpPr>
+          <p:nvPr>
+            <p:extLst>
+              <p:ext uri="{386F3935-93C4-4BCD-93E2-E3B085C9AB24}">
+                <p16:designElem xmlns:p16="http://schemas.microsoft.com/office/powerpoint/2015/main" val="1"/>
+              </p:ext>
+            </p:extLst>
+          </p:nvPr>
+        </p:nvSpPr>
+        <p:spPr>
+          <a:xfrm>
+            <a:off x="558209" y="260019"/>
+            <a:ext cx="11167447" cy="5933012"/>
+          </a:xfrm>
+          <a:prstGeom prst="rect">
+            <a:avLst/>
+          </a:prstGeom>
+          <a:ln w="12700">
+            <a:solidFill>
+              <a:srgbClr val="DEDEDE"/>
+            </a:solidFill>
+          </a:ln>
+          <a:effectLst>
+            <a:outerShdw blurRad="50800" dist="38100" dir="2700000" algn="tl" rotWithShape="0">
+              <a:schemeClr val="bg2">
+                <a:lumMod val="85000"/>
+                <a:alpha val="50000"/>
+              </a:schemeClr>
+            </a:outerShdw>
+          </a:effectLst>
+        </p:spPr>
+        <p:style>
+          <a:lnRef idx="2">
+            <a:schemeClr val="accent1">
+              <a:shade val="50000"/>
+            </a:schemeClr>
+          </a:lnRef>
+          <a:fillRef idx="1">
+            <a:schemeClr val="accent1"/>
+          </a:fillRef>
+          <a:effectRef idx="0">
+            <a:schemeClr val="accent1"/>
+          </a:effectRef>
+          <a:fontRef idx="minor">
+            <a:schemeClr val="lt1"/>
+          </a:fontRef>
+        </p:style>
+        <p:txBody>
+          <a:bodyPr rtlCol="0" anchor="ctr"/>
+          <a:lstStyle/>
+          <a:p>
+            <a:pPr marL="0" marR="0" lvl="0" indent="0" algn="ctr" defTabSz="914400" rtl="0" eaLnBrk="1" fontAlgn="auto" latinLnBrk="0" hangingPunct="1">
+              <a:lnSpc>
+                <a:spcPct val="100000"/>
+              </a:lnSpc>
+              <a:spcBef>
+                <a:spcPts val="0"/>
+              </a:spcBef>
+              <a:spcAft>
+                <a:spcPts val="0"/>
+              </a:spcAft>
+              <a:buClrTx/>
+              <a:buSzTx/>
+              <a:buFontTx/>
+              <a:buNone/>
+              <a:tabLst/>
+              <a:defRPr/>
+            </a:pPr>
+            <a:endParaRPr kumimoji="0" lang="en-US" sz="1800" b="0" i="0" u="none" strike="noStrike" kern="1200" cap="none" spc="0" normalizeH="0" baseline="0" noProof="0">
+              <a:ln>
+                <a:noFill/>
+              </a:ln>
+              <a:solidFill>
+                <a:prstClr val="white"/>
+              </a:solidFill>
+              <a:effectLst/>
+              <a:uLnTx/>
+              <a:uFillTx/>
+              <a:latin typeface="Calibri" panose="020F0502020204030204"/>
+              <a:ea typeface="+mn-ea"/>
+              <a:cs typeface="+mn-cs"/>
+            </a:endParaRPr>
+          </a:p>
+        </p:txBody>
+      </p:sp>
+      <p:sp>
+        <p:nvSpPr>
+          <p:cNvPr id="2" name="Title 1">
+            <a:extLst>
+              <a:ext uri="{FF2B5EF4-FFF2-40B4-BE49-F238E27FC236}">
+                <a16:creationId xmlns:a16="http://schemas.microsoft.com/office/drawing/2014/main" id="{D59A9A92-184A-8B27-0517-6FAC8CE1DE64}"/>
+              </a:ext>
+            </a:extLst>
+          </p:cNvPr>
+          <p:cNvSpPr>
+            <a:spLocks noGrp="1"/>
+          </p:cNvSpPr>
+          <p:nvPr>
+            <p:ph type="title"/>
+          </p:nvPr>
+        </p:nvSpPr>
+        <p:spPr>
+          <a:xfrm>
+            <a:off x="1115568" y="509521"/>
+            <a:ext cx="10232136" cy="1014984"/>
+          </a:xfrm>
+        </p:spPr>
+        <p:txBody>
+          <a:bodyPr>
+            <a:normAutofit/>
+          </a:bodyPr>
+          <a:lstStyle/>
+          <a:p>
+            <a:r>
+              <a:rPr lang="en-US" sz="4000"/>
+              <a:t>Running the queries</a:t>
+            </a:r>
+          </a:p>
+        </p:txBody>
+      </p:sp>
+      <p:sp>
+        <p:nvSpPr>
+          <p:cNvPr id="15" name="Rectangle 14">
+            <a:extLst>
+              <a:ext uri="{FF2B5EF4-FFF2-40B4-BE49-F238E27FC236}">
+                <a16:creationId xmlns:a16="http://schemas.microsoft.com/office/drawing/2014/main" id="{15589D35-CF9F-4DE9-A792-8571A09E9BC9}"/>
+              </a:ext>
+              <a:ext uri="{C183D7F6-B498-43B3-948B-1728B52AA6E4}">
+                <adec:decorative xmlns:adec="http://schemas.microsoft.com/office/drawing/2017/decorative" val="1"/>
+              </a:ext>
+            </a:extLst>
+          </p:cNvPr>
+          <p:cNvSpPr>
+            <a:spLocks noGrp="1" noRot="1" noChangeAspect="1" noMove="1" noResize="1" noEditPoints="1" noAdjustHandles="1" noChangeArrowheads="1" noChangeShapeType="1" noTextEdit="1"/>
+          </p:cNvSpPr>
+          <p:nvPr>
+            <p:extLst>
+              <p:ext uri="{386F3935-93C4-4BCD-93E2-E3B085C9AB24}">
+                <p16:designElem xmlns:p16="http://schemas.microsoft.com/office/powerpoint/2015/main" val="1"/>
+              </p:ext>
+            </p:extLst>
+          </p:nvPr>
+        </p:nvSpPr>
+        <p:spPr>
+          <a:xfrm>
+            <a:off x="498834" y="658327"/>
+            <a:ext cx="128016" cy="704088"/>
+          </a:xfrm>
+          <a:prstGeom prst="rect">
+            <a:avLst/>
+          </a:prstGeom>
+          <a:solidFill>
+            <a:schemeClr val="accent2"/>
+          </a:solidFill>
+          <a:ln>
+            <a:noFill/>
+          </a:ln>
+        </p:spPr>
+        <p:style>
+          <a:lnRef idx="2">
+            <a:schemeClr val="accent1">
+              <a:shade val="50000"/>
+            </a:schemeClr>
+          </a:lnRef>
+          <a:fillRef idx="1">
+            <a:schemeClr val="accent1"/>
+          </a:fillRef>
+          <a:effectRef idx="0">
+            <a:schemeClr val="accent1"/>
+          </a:effectRef>
+          <a:fontRef idx="minor">
+            <a:schemeClr val="lt1"/>
+          </a:fontRef>
+        </p:style>
+        <p:txBody>
+          <a:bodyPr rtlCol="0" anchor="ctr"/>
+          <a:lstStyle/>
+          <a:p>
+            <a:pPr algn="ctr"/>
+            <a:endParaRPr lang="en-US">
+              <a:solidFill>
+                <a:prstClr val="white"/>
+              </a:solidFill>
+              <a:latin typeface="Calibri" panose="020F0502020204030204"/>
+            </a:endParaRPr>
+          </a:p>
+        </p:txBody>
+      </p:sp>
+      <p:sp>
+        <p:nvSpPr>
+          <p:cNvPr id="3" name="Content Placeholder 2">
+            <a:extLst>
+              <a:ext uri="{FF2B5EF4-FFF2-40B4-BE49-F238E27FC236}">
+                <a16:creationId xmlns:a16="http://schemas.microsoft.com/office/drawing/2014/main" id="{0E9A33F7-D84A-15A6-B53D-B8937EB7CB85}"/>
+              </a:ext>
+            </a:extLst>
+          </p:cNvPr>
+          <p:cNvSpPr>
+            <a:spLocks noGrp="1"/>
+          </p:cNvSpPr>
+          <p:nvPr>
+            <p:ph idx="1"/>
+          </p:nvPr>
+        </p:nvSpPr>
+        <p:spPr>
+          <a:xfrm>
+            <a:off x="1322233" y="1673352"/>
+            <a:ext cx="8668509" cy="3587015"/>
+          </a:xfrm>
+        </p:spPr>
+        <p:txBody>
+          <a:bodyPr/>
+          <a:lstStyle/>
+          <a:p>
+            <a:pPr marL="187452" indent="-187452" defTabSz="749808">
+              <a:spcBef>
+                <a:spcPts val="820"/>
+              </a:spcBef>
+            </a:pPr>
+            <a:r>
+              <a:rPr lang="en-US" sz="2296" kern="1200">
+                <a:solidFill>
+                  <a:schemeClr val="tx1"/>
+                </a:solidFill>
+                <a:latin typeface="+mn-lt"/>
+                <a:ea typeface="+mn-ea"/>
+                <a:cs typeface="+mn-cs"/>
+              </a:rPr>
+              <a:t>Enter the command: python runqueries.py</a:t>
+            </a:r>
+          </a:p>
+          <a:p>
+            <a:pPr marL="187452" indent="-187452" defTabSz="749808">
+              <a:spcBef>
+                <a:spcPts val="820"/>
+              </a:spcBef>
+            </a:pPr>
+            <a:r>
+              <a:rPr lang="en-US" sz="2296" kern="1200">
+                <a:solidFill>
+                  <a:schemeClr val="tx1"/>
+                </a:solidFill>
+                <a:latin typeface="+mn-lt"/>
+                <a:ea typeface="+mn-ea"/>
+                <a:cs typeface="+mn-cs"/>
+              </a:rPr>
+              <a:t>File is too large to show</a:t>
+            </a:r>
+          </a:p>
+          <a:p>
+            <a:pPr marL="187452" indent="-187452" defTabSz="749808">
+              <a:spcBef>
+                <a:spcPts val="820"/>
+              </a:spcBef>
+            </a:pPr>
+            <a:r>
+              <a:rPr lang="en-US" sz="2296" kern="1200">
+                <a:solidFill>
+                  <a:schemeClr val="tx1"/>
+                </a:solidFill>
+                <a:latin typeface="+mn-lt"/>
+                <a:ea typeface="+mn-ea"/>
+                <a:cs typeface="+mn-cs"/>
+              </a:rPr>
+              <a:t>Steps:</a:t>
+            </a:r>
+          </a:p>
+          <a:p>
+            <a:pPr marL="562356" lvl="1" indent="-187452" defTabSz="749808">
+              <a:spcBef>
+                <a:spcPts val="410"/>
+              </a:spcBef>
+            </a:pPr>
+            <a:r>
+              <a:rPr lang="en-US" sz="1968" kern="1200">
+                <a:solidFill>
+                  <a:schemeClr val="tx1"/>
+                </a:solidFill>
+                <a:latin typeface="+mn-lt"/>
+                <a:ea typeface="+mn-ea"/>
+                <a:cs typeface="+mn-cs"/>
+              </a:rPr>
+              <a:t>Read in credentials</a:t>
+            </a:r>
+          </a:p>
+          <a:p>
+            <a:pPr marL="562356" lvl="1" indent="-187452" defTabSz="749808">
+              <a:spcBef>
+                <a:spcPts val="410"/>
+              </a:spcBef>
+            </a:pPr>
+            <a:r>
+              <a:rPr lang="en-US" sz="1968" kern="1200">
+                <a:solidFill>
+                  <a:schemeClr val="tx1"/>
+                </a:solidFill>
+                <a:latin typeface="+mn-lt"/>
+                <a:ea typeface="+mn-ea"/>
+                <a:cs typeface="+mn-cs"/>
+              </a:rPr>
+              <a:t>Answer question 1:</a:t>
+            </a:r>
+          </a:p>
+          <a:p>
+            <a:pPr marL="562356" lvl="1" indent="-187452" defTabSz="749808">
+              <a:spcBef>
+                <a:spcPts val="410"/>
+              </a:spcBef>
+            </a:pPr>
+            <a:r>
+              <a:rPr lang="en-US" sz="1968" kern="1200">
+                <a:solidFill>
+                  <a:schemeClr val="tx1"/>
+                </a:solidFill>
+                <a:latin typeface="+mn-lt"/>
+                <a:ea typeface="+mn-ea"/>
+                <a:cs typeface="+mn-cs"/>
+              </a:rPr>
+              <a:t>Answer question 2:</a:t>
+            </a:r>
+          </a:p>
+          <a:p>
+            <a:pPr marL="562356" lvl="1" indent="-187452" defTabSz="749808">
+              <a:spcBef>
+                <a:spcPts val="410"/>
+              </a:spcBef>
+            </a:pPr>
+            <a:r>
+              <a:rPr lang="en-US" sz="1968" kern="1200">
+                <a:solidFill>
+                  <a:schemeClr val="tx1"/>
+                </a:solidFill>
+                <a:latin typeface="+mn-lt"/>
+                <a:ea typeface="+mn-ea"/>
+                <a:cs typeface="+mn-cs"/>
+              </a:rPr>
+              <a:t>Answer question 3:</a:t>
+            </a:r>
+          </a:p>
+          <a:p>
+            <a:pPr marL="937260" lvl="2" indent="-187452" defTabSz="749808">
+              <a:spcBef>
+                <a:spcPts val="410"/>
+              </a:spcBef>
+            </a:pPr>
+            <a:endParaRPr lang="en-US" sz="1640" kern="1200">
+              <a:solidFill>
+                <a:schemeClr val="tx1"/>
+              </a:solidFill>
+              <a:latin typeface="+mn-lt"/>
+              <a:ea typeface="+mn-ea"/>
+              <a:cs typeface="+mn-cs"/>
+            </a:endParaRPr>
+          </a:p>
+          <a:p>
+            <a:pPr lvl="1"/>
+            <a:endParaRPr lang="en-US" dirty="0"/>
+          </a:p>
+        </p:txBody>
+      </p:sp>
+      <p:pic>
+        <p:nvPicPr>
+          <p:cNvPr id="5" name="Picture 4">
+            <a:extLst>
+              <a:ext uri="{FF2B5EF4-FFF2-40B4-BE49-F238E27FC236}">
+                <a16:creationId xmlns:a16="http://schemas.microsoft.com/office/drawing/2014/main" id="{726F45B3-C272-5B8D-CC36-0CEFCE18AA15}"/>
+              </a:ext>
+            </a:extLst>
+          </p:cNvPr>
+          <p:cNvPicPr>
+            <a:picLocks noChangeAspect="1"/>
+          </p:cNvPicPr>
+          <p:nvPr/>
+        </p:nvPicPr>
+        <p:blipFill>
+          <a:blip r:embed="rId2"/>
+          <a:stretch>
+            <a:fillRect/>
+          </a:stretch>
+        </p:blipFill>
+        <p:spPr>
+          <a:xfrm>
+            <a:off x="5206379" y="2204266"/>
+            <a:ext cx="5934659" cy="3803342"/>
+          </a:xfrm>
+          <a:prstGeom prst="rect">
+            <a:avLst/>
+          </a:prstGeom>
+        </p:spPr>
+      </p:pic>
+      <p:sp>
+        <p:nvSpPr>
+          <p:cNvPr id="6" name="TextBox 5">
+            <a:extLst>
+              <a:ext uri="{FF2B5EF4-FFF2-40B4-BE49-F238E27FC236}">
+                <a16:creationId xmlns:a16="http://schemas.microsoft.com/office/drawing/2014/main" id="{EC5AE309-1E8A-0F8D-E733-84D0832B80FE}"/>
+              </a:ext>
+            </a:extLst>
+          </p:cNvPr>
+          <p:cNvSpPr txBox="1"/>
+          <p:nvPr/>
+        </p:nvSpPr>
+        <p:spPr>
+          <a:xfrm>
+            <a:off x="7539900" y="1851891"/>
+            <a:ext cx="1509901" cy="319446"/>
+          </a:xfrm>
+          <a:prstGeom prst="rect">
+            <a:avLst/>
+          </a:prstGeom>
+          <a:noFill/>
+        </p:spPr>
+        <p:txBody>
+          <a:bodyPr wrap="none" rtlCol="0">
+            <a:spAutoFit/>
+          </a:bodyPr>
+          <a:lstStyle/>
+          <a:p>
+            <a:pPr defTabSz="749808">
+              <a:spcAft>
+                <a:spcPts val="600"/>
+              </a:spcAft>
+            </a:pPr>
+            <a:r>
+              <a:rPr lang="en-US" sz="1476" kern="1200">
+                <a:solidFill>
+                  <a:schemeClr val="tx1"/>
+                </a:solidFill>
+                <a:latin typeface="+mn-lt"/>
+                <a:ea typeface="+mn-ea"/>
+                <a:cs typeface="+mn-cs"/>
+              </a:rPr>
+              <a:t>Expected output:</a:t>
+            </a:r>
+            <a:endParaRPr lang="en-US"/>
+          </a:p>
+        </p:txBody>
+      </p:sp>
+    </p:spTree>
+    <p:extLst>
+      <p:ext uri="{BB962C8B-B14F-4D97-AF65-F5344CB8AC3E}">
+        <p14:creationId xmlns:p14="http://schemas.microsoft.com/office/powerpoint/2010/main" val="3368524925"/>
+      </p:ext>
+    </p:extLst>
+  </p:cSld>
+  <p:clrMapOvr>
+    <a:masterClrMapping/>
+  </p:clrMapOvr>
+</p:sld>
+</file>
+
+<file path=ppt/slides/slide11.xml><?xml version="1.0" encoding="utf-8"?>
+<p:sld xmlns:a="http://schemas.openxmlformats.org/drawingml/2006/main" xmlns:r="http://schemas.openxmlformats.org/officeDocument/2006/relationships" xmlns:p="http://schemas.openxmlformats.org/presentationml/2006/main">
+  <p:cSld>
+    <p:bg>
+      <p:bgPr>
+        <a:solidFill>
+          <a:schemeClr val="bg1"/>
+        </a:solidFill>
+        <a:effectLst/>
+      </p:bgPr>
+    </p:bg>
+    <p:spTree>
+      <p:nvGrpSpPr>
+        <p:cNvPr id="1" name=""/>
+        <p:cNvGrpSpPr/>
+        <p:nvPr/>
+      </p:nvGrpSpPr>
+      <p:grpSpPr>
+        <a:xfrm>
+          <a:off x="0" y="0"/>
+          <a:ext cx="0" cy="0"/>
+          <a:chOff x="0" y="0"/>
+          <a:chExt cx="0" cy="0"/>
+        </a:xfrm>
+      </p:grpSpPr>
+      <p:sp useBgFill="1">
+        <p:nvSpPr>
           <p:cNvPr id="14" name="Rectangle 13">
             <a:extLst>
               <a:ext uri="{FF2B5EF4-FFF2-40B4-BE49-F238E27FC236}">
@@ -4724,7 +11861,7 @@
 </p:sld>
 </file>
 
-<file path=ppt/slides/slide11.xml><?xml version="1.0" encoding="utf-8"?>
+<file path=ppt/slides/slide12.xml><?xml version="1.0" encoding="utf-8"?>
 <p:sld xmlns:a="http://schemas.openxmlformats.org/drawingml/2006/main" xmlns:r="http://schemas.openxmlformats.org/officeDocument/2006/relationships" xmlns:p="http://schemas.openxmlformats.org/presentationml/2006/main">
   <p:cSld>
     <p:bg>
@@ -5997,6 +13134,12 @@
               <a:t>Write queries for my database to three questions</a:t>
             </a:r>
           </a:p>
+          <a:p>
+            <a:r>
+              <a:rPr lang="en-US" sz="2600" dirty="0"/>
+              <a:t>Link to video recording of project: In progress…</a:t>
+            </a:r>
+          </a:p>
         </p:txBody>
       </p:sp>
     </p:spTree>
@@ -7501,6 +14644,801 @@
       </p:grpSpPr>
       <p:sp useBgFill="1">
         <p:nvSpPr>
+          <p:cNvPr id="15" name="Rectangle 11">
+            <a:extLst>
+              <a:ext uri="{FF2B5EF4-FFF2-40B4-BE49-F238E27FC236}">
+                <a16:creationId xmlns:a16="http://schemas.microsoft.com/office/drawing/2014/main" id="{5DCB5928-DC7D-4612-9922-441966E15627}"/>
+              </a:ext>
+              <a:ext uri="{C183D7F6-B498-43B3-948B-1728B52AA6E4}">
+                <adec:decorative xmlns:adec="http://schemas.microsoft.com/office/drawing/2017/decorative" val="1"/>
+              </a:ext>
+            </a:extLst>
+          </p:cNvPr>
+          <p:cNvSpPr>
+            <a:spLocks noGrp="1" noRot="1" noChangeAspect="1" noMove="1" noResize="1" noEditPoints="1" noAdjustHandles="1" noChangeArrowheads="1" noChangeShapeType="1" noTextEdit="1"/>
+          </p:cNvSpPr>
+          <p:nvPr>
+            <p:extLst>
+              <p:ext uri="{386F3935-93C4-4BCD-93E2-E3B085C9AB24}">
+                <p16:designElem xmlns:p16="http://schemas.microsoft.com/office/powerpoint/2015/main" val="1"/>
+              </p:ext>
+            </p:extLst>
+          </p:nvPr>
+        </p:nvSpPr>
+        <p:spPr>
+          <a:xfrm>
+            <a:off x="0" y="0"/>
+            <a:ext cx="12192000" cy="6858000"/>
+          </a:xfrm>
+          <a:prstGeom prst="rect">
+            <a:avLst/>
+          </a:prstGeom>
+          <a:ln>
+            <a:noFill/>
+          </a:ln>
+        </p:spPr>
+        <p:style>
+          <a:lnRef idx="2">
+            <a:schemeClr val="accent1">
+              <a:shade val="50000"/>
+            </a:schemeClr>
+          </a:lnRef>
+          <a:fillRef idx="1">
+            <a:schemeClr val="accent1"/>
+          </a:fillRef>
+          <a:effectRef idx="0">
+            <a:schemeClr val="accent1"/>
+          </a:effectRef>
+          <a:fontRef idx="minor">
+            <a:schemeClr val="lt1"/>
+          </a:fontRef>
+        </p:style>
+        <p:txBody>
+          <a:bodyPr rtlCol="0" anchor="ctr"/>
+          <a:lstStyle/>
+          <a:p>
+            <a:pPr algn="ctr"/>
+            <a:endParaRPr lang="en-US"/>
+          </a:p>
+        </p:txBody>
+      </p:sp>
+      <p:sp useBgFill="1">
+        <p:nvSpPr>
+          <p:cNvPr id="14" name="Freeform: Shape 13">
+            <a:extLst>
+              <a:ext uri="{FF2B5EF4-FFF2-40B4-BE49-F238E27FC236}">
+                <a16:creationId xmlns:a16="http://schemas.microsoft.com/office/drawing/2014/main" id="{682C1161-1736-45EC-99B7-33F3CAE9D517}"/>
+              </a:ext>
+              <a:ext uri="{C183D7F6-B498-43B3-948B-1728B52AA6E4}">
+                <adec:decorative xmlns:adec="http://schemas.microsoft.com/office/drawing/2017/decorative" val="1"/>
+              </a:ext>
+            </a:extLst>
+          </p:cNvPr>
+          <p:cNvSpPr>
+            <a:spLocks noGrp="1" noRot="1" noChangeAspect="1" noMove="1" noResize="1" noEditPoints="1" noAdjustHandles="1" noChangeArrowheads="1" noChangeShapeType="1" noTextEdit="1"/>
+          </p:cNvSpPr>
+          <p:nvPr>
+            <p:extLst>
+              <p:ext uri="{386F3935-93C4-4BCD-93E2-E3B085C9AB24}">
+                <p16:designElem xmlns:p16="http://schemas.microsoft.com/office/powerpoint/2015/main" val="1"/>
+              </p:ext>
+            </p:extLst>
+          </p:nvPr>
+        </p:nvSpPr>
+        <p:spPr>
+          <a:xfrm>
+            <a:off x="0" y="0"/>
+            <a:ext cx="4959047" cy="6858000"/>
+          </a:xfrm>
+          <a:custGeom>
+            <a:avLst/>
+            <a:gdLst>
+              <a:gd name="connsiteX0" fmla="*/ 0 w 4959047"/>
+              <a:gd name="connsiteY0" fmla="*/ 0 h 6858000"/>
+              <a:gd name="connsiteX1" fmla="*/ 4110127 w 4959047"/>
+              <a:gd name="connsiteY1" fmla="*/ 0 h 6858000"/>
+              <a:gd name="connsiteX2" fmla="*/ 4179024 w 4959047"/>
+              <a:gd name="connsiteY2" fmla="*/ 123368 h 6858000"/>
+              <a:gd name="connsiteX3" fmla="*/ 4959047 w 4959047"/>
+              <a:gd name="connsiteY3" fmla="*/ 3429000 h 6858000"/>
+              <a:gd name="connsiteX4" fmla="*/ 4179024 w 4959047"/>
+              <a:gd name="connsiteY4" fmla="*/ 6734633 h 6858000"/>
+              <a:gd name="connsiteX5" fmla="*/ 4110127 w 4959047"/>
+              <a:gd name="connsiteY5" fmla="*/ 6858000 h 6858000"/>
+              <a:gd name="connsiteX6" fmla="*/ 0 w 4959047"/>
+              <a:gd name="connsiteY6" fmla="*/ 6858000 h 6858000"/>
+            </a:gdLst>
+            <a:ahLst/>
+            <a:cxnLst>
+              <a:cxn ang="0">
+                <a:pos x="connsiteX0" y="connsiteY0"/>
+              </a:cxn>
+              <a:cxn ang="0">
+                <a:pos x="connsiteX1" y="connsiteY1"/>
+              </a:cxn>
+              <a:cxn ang="0">
+                <a:pos x="connsiteX2" y="connsiteY2"/>
+              </a:cxn>
+              <a:cxn ang="0">
+                <a:pos x="connsiteX3" y="connsiteY3"/>
+              </a:cxn>
+              <a:cxn ang="0">
+                <a:pos x="connsiteX4" y="connsiteY4"/>
+              </a:cxn>
+              <a:cxn ang="0">
+                <a:pos x="connsiteX5" y="connsiteY5"/>
+              </a:cxn>
+              <a:cxn ang="0">
+                <a:pos x="connsiteX6" y="connsiteY6"/>
+              </a:cxn>
+            </a:cxnLst>
+            <a:rect l="l" t="t" r="r" b="b"/>
+            <a:pathLst>
+              <a:path w="4959047" h="6858000">
+                <a:moveTo>
+                  <a:pt x="0" y="0"/>
+                </a:moveTo>
+                <a:lnTo>
+                  <a:pt x="4110127" y="0"/>
+                </a:lnTo>
+                <a:lnTo>
+                  <a:pt x="4179024" y="123368"/>
+                </a:lnTo>
+                <a:cubicBezTo>
+                  <a:pt x="4668929" y="1045156"/>
+                  <a:pt x="4959047" y="2189404"/>
+                  <a:pt x="4959047" y="3429000"/>
+                </a:cubicBezTo>
+                <a:cubicBezTo>
+                  <a:pt x="4959047" y="4668597"/>
+                  <a:pt x="4668929" y="5812845"/>
+                  <a:pt x="4179024" y="6734633"/>
+                </a:cubicBezTo>
+                <a:lnTo>
+                  <a:pt x="4110127" y="6858000"/>
+                </a:lnTo>
+                <a:lnTo>
+                  <a:pt x="0" y="6858000"/>
+                </a:lnTo>
+                <a:close/>
+              </a:path>
+            </a:pathLst>
+          </a:custGeom>
+          <a:ln w="9525">
+            <a:solidFill>
+              <a:srgbClr val="E6E6E6"/>
+            </a:solidFill>
+          </a:ln>
+          <a:effectLst>
+            <a:outerShdw blurRad="76200" dist="38100" algn="l" rotWithShape="0">
+              <a:schemeClr val="bg1">
+                <a:lumMod val="85000"/>
+                <a:alpha val="50000"/>
+              </a:schemeClr>
+            </a:outerShdw>
+          </a:effectLst>
+        </p:spPr>
+        <p:style>
+          <a:lnRef idx="2">
+            <a:schemeClr val="accent1">
+              <a:shade val="50000"/>
+            </a:schemeClr>
+          </a:lnRef>
+          <a:fillRef idx="1">
+            <a:schemeClr val="accent1"/>
+          </a:fillRef>
+          <a:effectRef idx="0">
+            <a:schemeClr val="accent1"/>
+          </a:effectRef>
+          <a:fontRef idx="minor">
+            <a:schemeClr val="lt1"/>
+          </a:fontRef>
+        </p:style>
+        <p:txBody>
+          <a:bodyPr wrap="square" rtlCol="0" anchor="ctr">
+            <a:noAutofit/>
+          </a:bodyPr>
+          <a:lstStyle/>
+          <a:p>
+            <a:pPr marL="0" marR="0" lvl="0" indent="0" algn="ctr" defTabSz="914400" rtl="0" eaLnBrk="1" fontAlgn="auto" latinLnBrk="0" hangingPunct="1">
+              <a:lnSpc>
+                <a:spcPct val="100000"/>
+              </a:lnSpc>
+              <a:spcBef>
+                <a:spcPts val="0"/>
+              </a:spcBef>
+              <a:spcAft>
+                <a:spcPts val="0"/>
+              </a:spcAft>
+              <a:buClrTx/>
+              <a:buSzTx/>
+              <a:buFontTx/>
+              <a:buNone/>
+              <a:tabLst/>
+              <a:defRPr/>
+            </a:pPr>
+            <a:endParaRPr kumimoji="0" lang="en-US" sz="1800" b="0" i="0" u="none" strike="noStrike" kern="1200" cap="none" spc="0" normalizeH="0" baseline="0" noProof="0">
+              <a:ln>
+                <a:noFill/>
+              </a:ln>
+              <a:solidFill>
+                <a:prstClr val="white"/>
+              </a:solidFill>
+              <a:effectLst/>
+              <a:uLnTx/>
+              <a:uFillTx/>
+              <a:latin typeface="Calibri" panose="020F0502020204030204"/>
+              <a:ea typeface="+mn-ea"/>
+              <a:cs typeface="+mn-cs"/>
+            </a:endParaRPr>
+          </a:p>
+        </p:txBody>
+      </p:sp>
+      <p:sp useBgFill="1">
+        <p:nvSpPr>
+          <p:cNvPr id="16" name="Freeform: Shape 15">
+            <a:extLst>
+              <a:ext uri="{FF2B5EF4-FFF2-40B4-BE49-F238E27FC236}">
+                <a16:creationId xmlns:a16="http://schemas.microsoft.com/office/drawing/2014/main" id="{84D4DDB8-B68F-45B0-9F62-C4279996F672}"/>
+              </a:ext>
+              <a:ext uri="{C183D7F6-B498-43B3-948B-1728B52AA6E4}">
+                <adec:decorative xmlns:adec="http://schemas.microsoft.com/office/drawing/2017/decorative" val="1"/>
+              </a:ext>
+            </a:extLst>
+          </p:cNvPr>
+          <p:cNvSpPr>
+            <a:spLocks noGrp="1" noRot="1" noChangeAspect="1" noMove="1" noResize="1" noEditPoints="1" noAdjustHandles="1" noChangeArrowheads="1" noChangeShapeType="1" noTextEdit="1"/>
+          </p:cNvSpPr>
+          <p:nvPr>
+            <p:extLst>
+              <p:ext uri="{386F3935-93C4-4BCD-93E2-E3B085C9AB24}">
+                <p16:designElem xmlns:p16="http://schemas.microsoft.com/office/powerpoint/2015/main" val="1"/>
+              </p:ext>
+            </p:extLst>
+          </p:nvPr>
+        </p:nvSpPr>
+        <p:spPr>
+          <a:xfrm>
+            <a:off x="0" y="0"/>
+            <a:ext cx="4948887" cy="6858000"/>
+          </a:xfrm>
+          <a:custGeom>
+            <a:avLst/>
+            <a:gdLst>
+              <a:gd name="connsiteX0" fmla="*/ 0 w 4948887"/>
+              <a:gd name="connsiteY0" fmla="*/ 0 h 6858000"/>
+              <a:gd name="connsiteX1" fmla="*/ 4099967 w 4948887"/>
+              <a:gd name="connsiteY1" fmla="*/ 0 h 6858000"/>
+              <a:gd name="connsiteX2" fmla="*/ 4168864 w 4948887"/>
+              <a:gd name="connsiteY2" fmla="*/ 123368 h 6858000"/>
+              <a:gd name="connsiteX3" fmla="*/ 4948887 w 4948887"/>
+              <a:gd name="connsiteY3" fmla="*/ 3429000 h 6858000"/>
+              <a:gd name="connsiteX4" fmla="*/ 4168864 w 4948887"/>
+              <a:gd name="connsiteY4" fmla="*/ 6734633 h 6858000"/>
+              <a:gd name="connsiteX5" fmla="*/ 4099967 w 4948887"/>
+              <a:gd name="connsiteY5" fmla="*/ 6858000 h 6858000"/>
+              <a:gd name="connsiteX6" fmla="*/ 0 w 4948887"/>
+              <a:gd name="connsiteY6" fmla="*/ 6858000 h 6858000"/>
+            </a:gdLst>
+            <a:ahLst/>
+            <a:cxnLst>
+              <a:cxn ang="0">
+                <a:pos x="connsiteX0" y="connsiteY0"/>
+              </a:cxn>
+              <a:cxn ang="0">
+                <a:pos x="connsiteX1" y="connsiteY1"/>
+              </a:cxn>
+              <a:cxn ang="0">
+                <a:pos x="connsiteX2" y="connsiteY2"/>
+              </a:cxn>
+              <a:cxn ang="0">
+                <a:pos x="connsiteX3" y="connsiteY3"/>
+              </a:cxn>
+              <a:cxn ang="0">
+                <a:pos x="connsiteX4" y="connsiteY4"/>
+              </a:cxn>
+              <a:cxn ang="0">
+                <a:pos x="connsiteX5" y="connsiteY5"/>
+              </a:cxn>
+              <a:cxn ang="0">
+                <a:pos x="connsiteX6" y="connsiteY6"/>
+              </a:cxn>
+            </a:cxnLst>
+            <a:rect l="l" t="t" r="r" b="b"/>
+            <a:pathLst>
+              <a:path w="4948887" h="6858000">
+                <a:moveTo>
+                  <a:pt x="0" y="0"/>
+                </a:moveTo>
+                <a:lnTo>
+                  <a:pt x="4099967" y="0"/>
+                </a:lnTo>
+                <a:lnTo>
+                  <a:pt x="4168864" y="123368"/>
+                </a:lnTo>
+                <a:cubicBezTo>
+                  <a:pt x="4658769" y="1045156"/>
+                  <a:pt x="4948887" y="2189404"/>
+                  <a:pt x="4948887" y="3429000"/>
+                </a:cubicBezTo>
+                <a:cubicBezTo>
+                  <a:pt x="4948887" y="4668597"/>
+                  <a:pt x="4658769" y="5812845"/>
+                  <a:pt x="4168864" y="6734633"/>
+                </a:cubicBezTo>
+                <a:lnTo>
+                  <a:pt x="4099967" y="6858000"/>
+                </a:lnTo>
+                <a:lnTo>
+                  <a:pt x="0" y="6858000"/>
+                </a:lnTo>
+                <a:close/>
+              </a:path>
+            </a:pathLst>
+          </a:custGeom>
+          <a:ln w="9525">
+            <a:noFill/>
+          </a:ln>
+          <a:effectLst/>
+        </p:spPr>
+        <p:style>
+          <a:lnRef idx="2">
+            <a:schemeClr val="accent1">
+              <a:shade val="50000"/>
+            </a:schemeClr>
+          </a:lnRef>
+          <a:fillRef idx="1">
+            <a:schemeClr val="accent1"/>
+          </a:fillRef>
+          <a:effectRef idx="0">
+            <a:schemeClr val="accent1"/>
+          </a:effectRef>
+          <a:fontRef idx="minor">
+            <a:schemeClr val="lt1"/>
+          </a:fontRef>
+        </p:style>
+        <p:txBody>
+          <a:bodyPr wrap="square" rtlCol="0" anchor="ctr">
+            <a:noAutofit/>
+          </a:bodyPr>
+          <a:lstStyle/>
+          <a:p>
+            <a:pPr marL="0" marR="0" lvl="0" indent="0" algn="ctr" defTabSz="914400" rtl="0" eaLnBrk="1" fontAlgn="auto" latinLnBrk="0" hangingPunct="1">
+              <a:lnSpc>
+                <a:spcPct val="100000"/>
+              </a:lnSpc>
+              <a:spcBef>
+                <a:spcPts val="0"/>
+              </a:spcBef>
+              <a:spcAft>
+                <a:spcPts val="0"/>
+              </a:spcAft>
+              <a:buClrTx/>
+              <a:buSzTx/>
+              <a:buFontTx/>
+              <a:buNone/>
+              <a:tabLst/>
+              <a:defRPr/>
+            </a:pPr>
+            <a:endParaRPr kumimoji="0" lang="en-US" sz="1800" b="0" i="0" u="none" strike="noStrike" kern="1200" cap="none" spc="0" normalizeH="0" baseline="0" noProof="0">
+              <a:ln>
+                <a:noFill/>
+              </a:ln>
+              <a:solidFill>
+                <a:prstClr val="white"/>
+              </a:solidFill>
+              <a:effectLst/>
+              <a:uLnTx/>
+              <a:uFillTx/>
+              <a:latin typeface="Calibri" panose="020F0502020204030204"/>
+              <a:ea typeface="+mn-ea"/>
+              <a:cs typeface="+mn-cs"/>
+            </a:endParaRPr>
+          </a:p>
+        </p:txBody>
+      </p:sp>
+      <p:sp>
+        <p:nvSpPr>
+          <p:cNvPr id="2" name="Title 1">
+            <a:extLst>
+              <a:ext uri="{FF2B5EF4-FFF2-40B4-BE49-F238E27FC236}">
+                <a16:creationId xmlns:a16="http://schemas.microsoft.com/office/drawing/2014/main" id="{DE46C0B1-FA7A-72BB-967A-36A890345100}"/>
+              </a:ext>
+            </a:extLst>
+          </p:cNvPr>
+          <p:cNvSpPr>
+            <a:spLocks noGrp="1"/>
+          </p:cNvSpPr>
+          <p:nvPr>
+            <p:ph type="title"/>
+          </p:nvPr>
+        </p:nvSpPr>
+        <p:spPr>
+          <a:xfrm>
+            <a:off x="477981" y="1122363"/>
+            <a:ext cx="4023360" cy="3204134"/>
+          </a:xfrm>
+        </p:spPr>
+        <p:txBody>
+          <a:bodyPr vert="horz" lIns="91440" tIns="45720" rIns="91440" bIns="45720" rtlCol="0" anchor="b">
+            <a:normAutofit/>
+          </a:bodyPr>
+          <a:lstStyle/>
+          <a:p>
+            <a:r>
+              <a:rPr lang="en-US" sz="4800" kern="1200">
+                <a:solidFill>
+                  <a:schemeClr val="tx1"/>
+                </a:solidFill>
+                <a:latin typeface="+mj-lt"/>
+                <a:ea typeface="+mj-ea"/>
+                <a:cs typeface="+mj-cs"/>
+              </a:rPr>
+              <a:t>Data model</a:t>
+            </a:r>
+          </a:p>
+        </p:txBody>
+      </p:sp>
+      <p:sp>
+        <p:nvSpPr>
+          <p:cNvPr id="18" name="Rectangle 17">
+            <a:extLst>
+              <a:ext uri="{FF2B5EF4-FFF2-40B4-BE49-F238E27FC236}">
+                <a16:creationId xmlns:a16="http://schemas.microsoft.com/office/drawing/2014/main" id="{AF2F604E-43BE-4DC3-B983-E071523364F8}"/>
+              </a:ext>
+              <a:ext uri="{C183D7F6-B498-43B3-948B-1728B52AA6E4}">
+                <adec:decorative xmlns:adec="http://schemas.microsoft.com/office/drawing/2017/decorative" val="1"/>
+              </a:ext>
+            </a:extLst>
+          </p:cNvPr>
+          <p:cNvSpPr>
+            <a:spLocks noGrp="1" noRot="1" noChangeAspect="1" noMove="1" noResize="1" noEditPoints="1" noAdjustHandles="1" noChangeArrowheads="1" noChangeShapeType="1" noTextEdit="1"/>
+          </p:cNvSpPr>
+          <p:nvPr>
+            <p:extLst>
+              <p:ext uri="{386F3935-93C4-4BCD-93E2-E3B085C9AB24}">
+                <p16:designElem xmlns:p16="http://schemas.microsoft.com/office/powerpoint/2015/main" val="1"/>
+              </p:ext>
+            </p:extLst>
+          </p:nvPr>
+        </p:nvSpPr>
+        <p:spPr>
+          <a:xfrm rot="5400000">
+            <a:off x="759921" y="346791"/>
+            <a:ext cx="146304" cy="704088"/>
+          </a:xfrm>
+          <a:prstGeom prst="rect">
+            <a:avLst/>
+          </a:prstGeom>
+          <a:solidFill>
+            <a:schemeClr val="accent2"/>
+          </a:solidFill>
+          <a:ln>
+            <a:noFill/>
+          </a:ln>
+        </p:spPr>
+        <p:style>
+          <a:lnRef idx="2">
+            <a:schemeClr val="accent1">
+              <a:shade val="50000"/>
+            </a:schemeClr>
+          </a:lnRef>
+          <a:fillRef idx="1">
+            <a:schemeClr val="accent1"/>
+          </a:fillRef>
+          <a:effectRef idx="0">
+            <a:schemeClr val="accent1"/>
+          </a:effectRef>
+          <a:fontRef idx="minor">
+            <a:schemeClr val="lt1"/>
+          </a:fontRef>
+        </p:style>
+        <p:txBody>
+          <a:bodyPr rtlCol="0" anchor="ctr"/>
+          <a:lstStyle/>
+          <a:p>
+            <a:pPr algn="ctr"/>
+            <a:endParaRPr lang="en-US">
+              <a:solidFill>
+                <a:prstClr val="white"/>
+              </a:solidFill>
+              <a:latin typeface="Calibri" panose="020F0502020204030204"/>
+            </a:endParaRPr>
+          </a:p>
+        </p:txBody>
+      </p:sp>
+      <p:sp>
+        <p:nvSpPr>
+          <p:cNvPr id="20" name="Rectangle 19">
+            <a:extLst>
+              <a:ext uri="{FF2B5EF4-FFF2-40B4-BE49-F238E27FC236}">
+                <a16:creationId xmlns:a16="http://schemas.microsoft.com/office/drawing/2014/main" id="{08C9B587-E65E-4B52-B37C-ABEBB6E87928}"/>
+              </a:ext>
+              <a:ext uri="{C183D7F6-B498-43B3-948B-1728B52AA6E4}">
+                <adec:decorative xmlns:adec="http://schemas.microsoft.com/office/drawing/2017/decorative" val="1"/>
+              </a:ext>
+            </a:extLst>
+          </p:cNvPr>
+          <p:cNvSpPr>
+            <a:spLocks noGrp="1" noRot="1" noChangeAspect="1" noMove="1" noResize="1" noEditPoints="1" noAdjustHandles="1" noChangeArrowheads="1" noChangeShapeType="1" noTextEdit="1"/>
+          </p:cNvSpPr>
+          <p:nvPr>
+            <p:extLst>
+              <p:ext uri="{386F3935-93C4-4BCD-93E2-E3B085C9AB24}">
+                <p16:designElem xmlns:p16="http://schemas.microsoft.com/office/powerpoint/2015/main" val="1"/>
+              </p:ext>
+            </p:extLst>
+          </p:nvPr>
+        </p:nvSpPr>
+        <p:spPr>
+          <a:xfrm>
+            <a:off x="481029" y="4546920"/>
+            <a:ext cx="4023360" cy="18288"/>
+          </a:xfrm>
+          <a:prstGeom prst="rect">
+            <a:avLst/>
+          </a:prstGeom>
+          <a:solidFill>
+            <a:srgbClr val="D5D5D5"/>
+          </a:solidFill>
+          <a:ln w="3175">
+            <a:noFill/>
+          </a:ln>
+          <a:effectLst/>
+        </p:spPr>
+        <p:style>
+          <a:lnRef idx="2">
+            <a:schemeClr val="accent1">
+              <a:shade val="50000"/>
+            </a:schemeClr>
+          </a:lnRef>
+          <a:fillRef idx="1">
+            <a:schemeClr val="accent1"/>
+          </a:fillRef>
+          <a:effectRef idx="0">
+            <a:schemeClr val="accent1"/>
+          </a:effectRef>
+          <a:fontRef idx="minor">
+            <a:schemeClr val="lt1"/>
+          </a:fontRef>
+        </p:style>
+        <p:txBody>
+          <a:bodyPr rtlCol="0" anchor="ctr"/>
+          <a:lstStyle/>
+          <a:p>
+            <a:pPr marL="0" marR="0" lvl="0" indent="0" algn="ctr" defTabSz="914400" rtl="0" eaLnBrk="1" fontAlgn="auto" latinLnBrk="0" hangingPunct="1">
+              <a:lnSpc>
+                <a:spcPct val="100000"/>
+              </a:lnSpc>
+              <a:spcBef>
+                <a:spcPts val="0"/>
+              </a:spcBef>
+              <a:spcAft>
+                <a:spcPts val="0"/>
+              </a:spcAft>
+              <a:buClrTx/>
+              <a:buSzTx/>
+              <a:buFontTx/>
+              <a:buNone/>
+              <a:tabLst/>
+              <a:defRPr/>
+            </a:pPr>
+            <a:endParaRPr kumimoji="0" lang="en-US" sz="1800" b="0" i="0" u="none" strike="noStrike" kern="1200" cap="none" spc="0" normalizeH="0" baseline="0" noProof="0">
+              <a:ln>
+                <a:noFill/>
+              </a:ln>
+              <a:solidFill>
+                <a:prstClr val="white"/>
+              </a:solidFill>
+              <a:effectLst/>
+              <a:uLnTx/>
+              <a:uFillTx/>
+              <a:latin typeface="Calibri" panose="020F0502020204030204"/>
+              <a:ea typeface="+mn-ea"/>
+              <a:cs typeface="+mn-cs"/>
+            </a:endParaRPr>
+          </a:p>
+        </p:txBody>
+      </p:sp>
+      <p:pic>
+        <p:nvPicPr>
+          <p:cNvPr id="7" name="Picture 6">
+            <a:extLst>
+              <a:ext uri="{FF2B5EF4-FFF2-40B4-BE49-F238E27FC236}">
+                <a16:creationId xmlns:a16="http://schemas.microsoft.com/office/drawing/2014/main" id="{59AA4461-0F13-0BD3-4CF8-562128A4CCA9}"/>
+              </a:ext>
+            </a:extLst>
+          </p:cNvPr>
+          <p:cNvPicPr>
+            <a:picLocks noChangeAspect="1"/>
+          </p:cNvPicPr>
+          <p:nvPr/>
+        </p:nvPicPr>
+        <p:blipFill>
+          <a:blip r:embed="rId2"/>
+          <a:stretch>
+            <a:fillRect/>
+          </a:stretch>
+        </p:blipFill>
+        <p:spPr>
+          <a:xfrm>
+            <a:off x="5414356" y="1358624"/>
+            <a:ext cx="6408836" cy="3989500"/>
+          </a:xfrm>
+          <a:prstGeom prst="rect">
+            <a:avLst/>
+          </a:prstGeom>
+        </p:spPr>
+      </p:pic>
+      <p:sp>
+        <p:nvSpPr>
+          <p:cNvPr id="8" name="TextBox 7">
+            <a:extLst>
+              <a:ext uri="{FF2B5EF4-FFF2-40B4-BE49-F238E27FC236}">
+                <a16:creationId xmlns:a16="http://schemas.microsoft.com/office/drawing/2014/main" id="{CD844C48-C0BE-E555-404A-4BAB3A38A4FF}"/>
+              </a:ext>
+            </a:extLst>
+          </p:cNvPr>
+          <p:cNvSpPr txBox="1"/>
+          <p:nvPr/>
+        </p:nvSpPr>
+        <p:spPr>
+          <a:xfrm>
+            <a:off x="6473687" y="937697"/>
+            <a:ext cx="4359965" cy="369332"/>
+          </a:xfrm>
+          <a:prstGeom prst="rect">
+            <a:avLst/>
+          </a:prstGeom>
+          <a:noFill/>
+        </p:spPr>
+        <p:txBody>
+          <a:bodyPr wrap="square" rtlCol="0">
+            <a:spAutoFit/>
+          </a:bodyPr>
+          <a:lstStyle/>
+          <a:p>
+            <a:r>
+              <a:rPr lang="en-US" dirty="0"/>
+              <a:t>Each document type has an example shown</a:t>
+            </a:r>
+          </a:p>
+        </p:txBody>
+      </p:sp>
+    </p:spTree>
+    <p:extLst>
+      <p:ext uri="{BB962C8B-B14F-4D97-AF65-F5344CB8AC3E}">
+        <p14:creationId xmlns:p14="http://schemas.microsoft.com/office/powerpoint/2010/main" val="4117548023"/>
+      </p:ext>
+    </p:extLst>
+  </p:cSld>
+  <p:clrMapOvr>
+    <a:masterClrMapping/>
+  </p:clrMapOvr>
+</p:sld>
+</file>
+
+<file path=ppt/slides/slide7.xml><?xml version="1.0" encoding="utf-8"?>
+<p:sld xmlns:a="http://schemas.openxmlformats.org/drawingml/2006/main" xmlns:r="http://schemas.openxmlformats.org/officeDocument/2006/relationships" xmlns:p="http://schemas.openxmlformats.org/presentationml/2006/main">
+  <p:cSld>
+    <p:spTree>
+      <p:nvGrpSpPr>
+        <p:cNvPr id="1" name=""/>
+        <p:cNvGrpSpPr/>
+        <p:nvPr/>
+      </p:nvGrpSpPr>
+      <p:grpSpPr>
+        <a:xfrm>
+          <a:off x="0" y="0"/>
+          <a:ext cx="0" cy="0"/>
+          <a:chOff x="0" y="0"/>
+          <a:chExt cx="0" cy="0"/>
+        </a:xfrm>
+      </p:grpSpPr>
+      <p:sp>
+        <p:nvSpPr>
+          <p:cNvPr id="2" name="Title 1">
+            <a:extLst>
+              <a:ext uri="{FF2B5EF4-FFF2-40B4-BE49-F238E27FC236}">
+                <a16:creationId xmlns:a16="http://schemas.microsoft.com/office/drawing/2014/main" id="{111C6CC7-6B00-AD69-6BF1-B4F6996D0548}"/>
+              </a:ext>
+            </a:extLst>
+          </p:cNvPr>
+          <p:cNvSpPr>
+            <a:spLocks noGrp="1"/>
+          </p:cNvSpPr>
+          <p:nvPr>
+            <p:ph type="title"/>
+          </p:nvPr>
+        </p:nvSpPr>
+        <p:spPr>
+          <a:xfrm>
+            <a:off x="195469" y="-171585"/>
+            <a:ext cx="10515600" cy="1325563"/>
+          </a:xfrm>
+        </p:spPr>
+        <p:txBody>
+          <a:bodyPr/>
+          <a:lstStyle/>
+          <a:p>
+            <a:r>
+              <a:rPr lang="en-US" dirty="0"/>
+              <a:t>Repository code files</a:t>
+            </a:r>
+          </a:p>
+        </p:txBody>
+      </p:sp>
+      <p:graphicFrame>
+        <p:nvGraphicFramePr>
+          <p:cNvPr id="7" name="Content Placeholder 2">
+            <a:extLst>
+              <a:ext uri="{FF2B5EF4-FFF2-40B4-BE49-F238E27FC236}">
+                <a16:creationId xmlns:a16="http://schemas.microsoft.com/office/drawing/2014/main" id="{96ABA23E-0F97-DBAF-3487-E9B7DA73F02A}"/>
+              </a:ext>
+            </a:extLst>
+          </p:cNvPr>
+          <p:cNvGraphicFramePr>
+            <a:graphicFrameLocks noGrp="1"/>
+          </p:cNvGraphicFramePr>
+          <p:nvPr>
+            <p:ph idx="1"/>
+            <p:extLst>
+              <p:ext uri="{D42A27DB-BD31-4B8C-83A1-F6EECF244321}">
+                <p14:modId xmlns:p14="http://schemas.microsoft.com/office/powerpoint/2010/main" val="2864976069"/>
+              </p:ext>
+            </p:extLst>
+          </p:nvPr>
+        </p:nvGraphicFramePr>
+        <p:xfrm>
+          <a:off x="329260" y="910238"/>
+          <a:ext cx="10515600" cy="5748979"/>
+        </p:xfrm>
+        <a:graphic>
+          <a:graphicData uri="http://schemas.openxmlformats.org/drawingml/2006/diagram">
+            <dgm:relIds xmlns:dgm="http://schemas.openxmlformats.org/drawingml/2006/diagram" xmlns:r="http://schemas.openxmlformats.org/officeDocument/2006/relationships" r:dm="rId3" r:lo="rId4" r:qs="rId5" r:cs="rId6"/>
+          </a:graphicData>
+        </a:graphic>
+      </p:graphicFrame>
+    </p:spTree>
+    <p:extLst>
+      <p:ext uri="{BB962C8B-B14F-4D97-AF65-F5344CB8AC3E}">
+        <p14:creationId xmlns:p14="http://schemas.microsoft.com/office/powerpoint/2010/main" val="2430703949"/>
+      </p:ext>
+    </p:extLst>
+  </p:cSld>
+  <p:clrMapOvr>
+    <a:masterClrMapping/>
+  </p:clrMapOvr>
+</p:sld>
+</file>
+
+<file path=ppt/slides/slide8.xml><?xml version="1.0" encoding="utf-8"?>
+<p:sld xmlns:a="http://schemas.openxmlformats.org/drawingml/2006/main" xmlns:r="http://schemas.openxmlformats.org/officeDocument/2006/relationships" xmlns:p="http://schemas.openxmlformats.org/presentationml/2006/main">
+  <p:cSld>
+    <p:bg>
+      <p:bgPr>
+        <a:solidFill>
+          <a:schemeClr val="bg1"/>
+        </a:solidFill>
+        <a:effectLst/>
+      </p:bgPr>
+    </p:bg>
+    <p:spTree>
+      <p:nvGrpSpPr>
+        <p:cNvPr id="1" name=""/>
+        <p:cNvGrpSpPr/>
+        <p:nvPr/>
+      </p:nvGrpSpPr>
+      <p:grpSpPr>
+        <a:xfrm>
+          <a:off x="0" y="0"/>
+          <a:ext cx="0" cy="0"/>
+          <a:chOff x="0" y="0"/>
+          <a:chExt cx="0" cy="0"/>
+        </a:xfrm>
+      </p:grpSpPr>
+      <p:sp useBgFill="1">
+        <p:nvSpPr>
           <p:cNvPr id="26" name="Rectangle 18">
             <a:extLst>
               <a:ext uri="{FF2B5EF4-FFF2-40B4-BE49-F238E27FC236}">
@@ -8126,1259 +16064,6 @@
 </p:sld>
 </file>
 
-<file path=ppt/slides/slide7.xml><?xml version="1.0" encoding="utf-8"?>
-<p:sld xmlns:a="http://schemas.openxmlformats.org/drawingml/2006/main" xmlns:r="http://schemas.openxmlformats.org/officeDocument/2006/relationships" xmlns:p="http://schemas.openxmlformats.org/presentationml/2006/main">
-  <p:cSld>
-    <p:bg>
-      <p:bgPr>
-        <a:solidFill>
-          <a:schemeClr val="bg1"/>
-        </a:solidFill>
-        <a:effectLst/>
-      </p:bgPr>
-    </p:bg>
-    <p:spTree>
-      <p:nvGrpSpPr>
-        <p:cNvPr id="1" name=""/>
-        <p:cNvGrpSpPr/>
-        <p:nvPr/>
-      </p:nvGrpSpPr>
-      <p:grpSpPr>
-        <a:xfrm>
-          <a:off x="0" y="0"/>
-          <a:ext cx="0" cy="0"/>
-          <a:chOff x="0" y="0"/>
-          <a:chExt cx="0" cy="0"/>
-        </a:xfrm>
-      </p:grpSpPr>
-      <p:sp useBgFill="1">
-        <p:nvSpPr>
-          <p:cNvPr id="15" name="Rectangle 11">
-            <a:extLst>
-              <a:ext uri="{FF2B5EF4-FFF2-40B4-BE49-F238E27FC236}">
-                <a16:creationId xmlns:a16="http://schemas.microsoft.com/office/drawing/2014/main" id="{5DCB5928-DC7D-4612-9922-441966E15627}"/>
-              </a:ext>
-              <a:ext uri="{C183D7F6-B498-43B3-948B-1728B52AA6E4}">
-                <adec:decorative xmlns:adec="http://schemas.microsoft.com/office/drawing/2017/decorative" val="1"/>
-              </a:ext>
-            </a:extLst>
-          </p:cNvPr>
-          <p:cNvSpPr>
-            <a:spLocks noGrp="1" noRot="1" noChangeAspect="1" noMove="1" noResize="1" noEditPoints="1" noAdjustHandles="1" noChangeArrowheads="1" noChangeShapeType="1" noTextEdit="1"/>
-          </p:cNvSpPr>
-          <p:nvPr>
-            <p:extLst>
-              <p:ext uri="{386F3935-93C4-4BCD-93E2-E3B085C9AB24}">
-                <p16:designElem xmlns:p16="http://schemas.microsoft.com/office/powerpoint/2015/main" val="1"/>
-              </p:ext>
-            </p:extLst>
-          </p:nvPr>
-        </p:nvSpPr>
-        <p:spPr>
-          <a:xfrm>
-            <a:off x="0" y="0"/>
-            <a:ext cx="12192000" cy="6858000"/>
-          </a:xfrm>
-          <a:prstGeom prst="rect">
-            <a:avLst/>
-          </a:prstGeom>
-          <a:ln>
-            <a:noFill/>
-          </a:ln>
-        </p:spPr>
-        <p:style>
-          <a:lnRef idx="2">
-            <a:schemeClr val="accent1">
-              <a:shade val="50000"/>
-            </a:schemeClr>
-          </a:lnRef>
-          <a:fillRef idx="1">
-            <a:schemeClr val="accent1"/>
-          </a:fillRef>
-          <a:effectRef idx="0">
-            <a:schemeClr val="accent1"/>
-          </a:effectRef>
-          <a:fontRef idx="minor">
-            <a:schemeClr val="lt1"/>
-          </a:fontRef>
-        </p:style>
-        <p:txBody>
-          <a:bodyPr rtlCol="0" anchor="ctr"/>
-          <a:lstStyle/>
-          <a:p>
-            <a:pPr algn="ctr"/>
-            <a:endParaRPr lang="en-US"/>
-          </a:p>
-        </p:txBody>
-      </p:sp>
-      <p:sp useBgFill="1">
-        <p:nvSpPr>
-          <p:cNvPr id="14" name="Freeform: Shape 13">
-            <a:extLst>
-              <a:ext uri="{FF2B5EF4-FFF2-40B4-BE49-F238E27FC236}">
-                <a16:creationId xmlns:a16="http://schemas.microsoft.com/office/drawing/2014/main" id="{682C1161-1736-45EC-99B7-33F3CAE9D517}"/>
-              </a:ext>
-              <a:ext uri="{C183D7F6-B498-43B3-948B-1728B52AA6E4}">
-                <adec:decorative xmlns:adec="http://schemas.microsoft.com/office/drawing/2017/decorative" val="1"/>
-              </a:ext>
-            </a:extLst>
-          </p:cNvPr>
-          <p:cNvSpPr>
-            <a:spLocks noGrp="1" noRot="1" noChangeAspect="1" noMove="1" noResize="1" noEditPoints="1" noAdjustHandles="1" noChangeArrowheads="1" noChangeShapeType="1" noTextEdit="1"/>
-          </p:cNvSpPr>
-          <p:nvPr>
-            <p:extLst>
-              <p:ext uri="{386F3935-93C4-4BCD-93E2-E3B085C9AB24}">
-                <p16:designElem xmlns:p16="http://schemas.microsoft.com/office/powerpoint/2015/main" val="1"/>
-              </p:ext>
-            </p:extLst>
-          </p:nvPr>
-        </p:nvSpPr>
-        <p:spPr>
-          <a:xfrm>
-            <a:off x="0" y="0"/>
-            <a:ext cx="4959047" cy="6858000"/>
-          </a:xfrm>
-          <a:custGeom>
-            <a:avLst/>
-            <a:gdLst>
-              <a:gd name="connsiteX0" fmla="*/ 0 w 4959047"/>
-              <a:gd name="connsiteY0" fmla="*/ 0 h 6858000"/>
-              <a:gd name="connsiteX1" fmla="*/ 4110127 w 4959047"/>
-              <a:gd name="connsiteY1" fmla="*/ 0 h 6858000"/>
-              <a:gd name="connsiteX2" fmla="*/ 4179024 w 4959047"/>
-              <a:gd name="connsiteY2" fmla="*/ 123368 h 6858000"/>
-              <a:gd name="connsiteX3" fmla="*/ 4959047 w 4959047"/>
-              <a:gd name="connsiteY3" fmla="*/ 3429000 h 6858000"/>
-              <a:gd name="connsiteX4" fmla="*/ 4179024 w 4959047"/>
-              <a:gd name="connsiteY4" fmla="*/ 6734633 h 6858000"/>
-              <a:gd name="connsiteX5" fmla="*/ 4110127 w 4959047"/>
-              <a:gd name="connsiteY5" fmla="*/ 6858000 h 6858000"/>
-              <a:gd name="connsiteX6" fmla="*/ 0 w 4959047"/>
-              <a:gd name="connsiteY6" fmla="*/ 6858000 h 6858000"/>
-            </a:gdLst>
-            <a:ahLst/>
-            <a:cxnLst>
-              <a:cxn ang="0">
-                <a:pos x="connsiteX0" y="connsiteY0"/>
-              </a:cxn>
-              <a:cxn ang="0">
-                <a:pos x="connsiteX1" y="connsiteY1"/>
-              </a:cxn>
-              <a:cxn ang="0">
-                <a:pos x="connsiteX2" y="connsiteY2"/>
-              </a:cxn>
-              <a:cxn ang="0">
-                <a:pos x="connsiteX3" y="connsiteY3"/>
-              </a:cxn>
-              <a:cxn ang="0">
-                <a:pos x="connsiteX4" y="connsiteY4"/>
-              </a:cxn>
-              <a:cxn ang="0">
-                <a:pos x="connsiteX5" y="connsiteY5"/>
-              </a:cxn>
-              <a:cxn ang="0">
-                <a:pos x="connsiteX6" y="connsiteY6"/>
-              </a:cxn>
-            </a:cxnLst>
-            <a:rect l="l" t="t" r="r" b="b"/>
-            <a:pathLst>
-              <a:path w="4959047" h="6858000">
-                <a:moveTo>
-                  <a:pt x="0" y="0"/>
-                </a:moveTo>
-                <a:lnTo>
-                  <a:pt x="4110127" y="0"/>
-                </a:lnTo>
-                <a:lnTo>
-                  <a:pt x="4179024" y="123368"/>
-                </a:lnTo>
-                <a:cubicBezTo>
-                  <a:pt x="4668929" y="1045156"/>
-                  <a:pt x="4959047" y="2189404"/>
-                  <a:pt x="4959047" y="3429000"/>
-                </a:cubicBezTo>
-                <a:cubicBezTo>
-                  <a:pt x="4959047" y="4668597"/>
-                  <a:pt x="4668929" y="5812845"/>
-                  <a:pt x="4179024" y="6734633"/>
-                </a:cubicBezTo>
-                <a:lnTo>
-                  <a:pt x="4110127" y="6858000"/>
-                </a:lnTo>
-                <a:lnTo>
-                  <a:pt x="0" y="6858000"/>
-                </a:lnTo>
-                <a:close/>
-              </a:path>
-            </a:pathLst>
-          </a:custGeom>
-          <a:ln w="9525">
-            <a:solidFill>
-              <a:srgbClr val="E6E6E6"/>
-            </a:solidFill>
-          </a:ln>
-          <a:effectLst>
-            <a:outerShdw blurRad="76200" dist="38100" algn="l" rotWithShape="0">
-              <a:schemeClr val="bg1">
-                <a:lumMod val="85000"/>
-                <a:alpha val="50000"/>
-              </a:schemeClr>
-            </a:outerShdw>
-          </a:effectLst>
-        </p:spPr>
-        <p:style>
-          <a:lnRef idx="2">
-            <a:schemeClr val="accent1">
-              <a:shade val="50000"/>
-            </a:schemeClr>
-          </a:lnRef>
-          <a:fillRef idx="1">
-            <a:schemeClr val="accent1"/>
-          </a:fillRef>
-          <a:effectRef idx="0">
-            <a:schemeClr val="accent1"/>
-          </a:effectRef>
-          <a:fontRef idx="minor">
-            <a:schemeClr val="lt1"/>
-          </a:fontRef>
-        </p:style>
-        <p:txBody>
-          <a:bodyPr wrap="square" rtlCol="0" anchor="ctr">
-            <a:noAutofit/>
-          </a:bodyPr>
-          <a:lstStyle/>
-          <a:p>
-            <a:pPr marL="0" marR="0" lvl="0" indent="0" algn="ctr" defTabSz="914400" rtl="0" eaLnBrk="1" fontAlgn="auto" latinLnBrk="0" hangingPunct="1">
-              <a:lnSpc>
-                <a:spcPct val="100000"/>
-              </a:lnSpc>
-              <a:spcBef>
-                <a:spcPts val="0"/>
-              </a:spcBef>
-              <a:spcAft>
-                <a:spcPts val="0"/>
-              </a:spcAft>
-              <a:buClrTx/>
-              <a:buSzTx/>
-              <a:buFontTx/>
-              <a:buNone/>
-              <a:tabLst/>
-              <a:defRPr/>
-            </a:pPr>
-            <a:endParaRPr kumimoji="0" lang="en-US" sz="1800" b="0" i="0" u="none" strike="noStrike" kern="1200" cap="none" spc="0" normalizeH="0" baseline="0" noProof="0">
-              <a:ln>
-                <a:noFill/>
-              </a:ln>
-              <a:solidFill>
-                <a:prstClr val="white"/>
-              </a:solidFill>
-              <a:effectLst/>
-              <a:uLnTx/>
-              <a:uFillTx/>
-              <a:latin typeface="Calibri" panose="020F0502020204030204"/>
-              <a:ea typeface="+mn-ea"/>
-              <a:cs typeface="+mn-cs"/>
-            </a:endParaRPr>
-          </a:p>
-        </p:txBody>
-      </p:sp>
-      <p:sp useBgFill="1">
-        <p:nvSpPr>
-          <p:cNvPr id="16" name="Freeform: Shape 15">
-            <a:extLst>
-              <a:ext uri="{FF2B5EF4-FFF2-40B4-BE49-F238E27FC236}">
-                <a16:creationId xmlns:a16="http://schemas.microsoft.com/office/drawing/2014/main" id="{84D4DDB8-B68F-45B0-9F62-C4279996F672}"/>
-              </a:ext>
-              <a:ext uri="{C183D7F6-B498-43B3-948B-1728B52AA6E4}">
-                <adec:decorative xmlns:adec="http://schemas.microsoft.com/office/drawing/2017/decorative" val="1"/>
-              </a:ext>
-            </a:extLst>
-          </p:cNvPr>
-          <p:cNvSpPr>
-            <a:spLocks noGrp="1" noRot="1" noChangeAspect="1" noMove="1" noResize="1" noEditPoints="1" noAdjustHandles="1" noChangeArrowheads="1" noChangeShapeType="1" noTextEdit="1"/>
-          </p:cNvSpPr>
-          <p:nvPr>
-            <p:extLst>
-              <p:ext uri="{386F3935-93C4-4BCD-93E2-E3B085C9AB24}">
-                <p16:designElem xmlns:p16="http://schemas.microsoft.com/office/powerpoint/2015/main" val="1"/>
-              </p:ext>
-            </p:extLst>
-          </p:nvPr>
-        </p:nvSpPr>
-        <p:spPr>
-          <a:xfrm>
-            <a:off x="0" y="0"/>
-            <a:ext cx="4948887" cy="6858000"/>
-          </a:xfrm>
-          <a:custGeom>
-            <a:avLst/>
-            <a:gdLst>
-              <a:gd name="connsiteX0" fmla="*/ 0 w 4948887"/>
-              <a:gd name="connsiteY0" fmla="*/ 0 h 6858000"/>
-              <a:gd name="connsiteX1" fmla="*/ 4099967 w 4948887"/>
-              <a:gd name="connsiteY1" fmla="*/ 0 h 6858000"/>
-              <a:gd name="connsiteX2" fmla="*/ 4168864 w 4948887"/>
-              <a:gd name="connsiteY2" fmla="*/ 123368 h 6858000"/>
-              <a:gd name="connsiteX3" fmla="*/ 4948887 w 4948887"/>
-              <a:gd name="connsiteY3" fmla="*/ 3429000 h 6858000"/>
-              <a:gd name="connsiteX4" fmla="*/ 4168864 w 4948887"/>
-              <a:gd name="connsiteY4" fmla="*/ 6734633 h 6858000"/>
-              <a:gd name="connsiteX5" fmla="*/ 4099967 w 4948887"/>
-              <a:gd name="connsiteY5" fmla="*/ 6858000 h 6858000"/>
-              <a:gd name="connsiteX6" fmla="*/ 0 w 4948887"/>
-              <a:gd name="connsiteY6" fmla="*/ 6858000 h 6858000"/>
-            </a:gdLst>
-            <a:ahLst/>
-            <a:cxnLst>
-              <a:cxn ang="0">
-                <a:pos x="connsiteX0" y="connsiteY0"/>
-              </a:cxn>
-              <a:cxn ang="0">
-                <a:pos x="connsiteX1" y="connsiteY1"/>
-              </a:cxn>
-              <a:cxn ang="0">
-                <a:pos x="connsiteX2" y="connsiteY2"/>
-              </a:cxn>
-              <a:cxn ang="0">
-                <a:pos x="connsiteX3" y="connsiteY3"/>
-              </a:cxn>
-              <a:cxn ang="0">
-                <a:pos x="connsiteX4" y="connsiteY4"/>
-              </a:cxn>
-              <a:cxn ang="0">
-                <a:pos x="connsiteX5" y="connsiteY5"/>
-              </a:cxn>
-              <a:cxn ang="0">
-                <a:pos x="connsiteX6" y="connsiteY6"/>
-              </a:cxn>
-            </a:cxnLst>
-            <a:rect l="l" t="t" r="r" b="b"/>
-            <a:pathLst>
-              <a:path w="4948887" h="6858000">
-                <a:moveTo>
-                  <a:pt x="0" y="0"/>
-                </a:moveTo>
-                <a:lnTo>
-                  <a:pt x="4099967" y="0"/>
-                </a:lnTo>
-                <a:lnTo>
-                  <a:pt x="4168864" y="123368"/>
-                </a:lnTo>
-                <a:cubicBezTo>
-                  <a:pt x="4658769" y="1045156"/>
-                  <a:pt x="4948887" y="2189404"/>
-                  <a:pt x="4948887" y="3429000"/>
-                </a:cubicBezTo>
-                <a:cubicBezTo>
-                  <a:pt x="4948887" y="4668597"/>
-                  <a:pt x="4658769" y="5812845"/>
-                  <a:pt x="4168864" y="6734633"/>
-                </a:cubicBezTo>
-                <a:lnTo>
-                  <a:pt x="4099967" y="6858000"/>
-                </a:lnTo>
-                <a:lnTo>
-                  <a:pt x="0" y="6858000"/>
-                </a:lnTo>
-                <a:close/>
-              </a:path>
-            </a:pathLst>
-          </a:custGeom>
-          <a:ln w="9525">
-            <a:noFill/>
-          </a:ln>
-          <a:effectLst/>
-        </p:spPr>
-        <p:style>
-          <a:lnRef idx="2">
-            <a:schemeClr val="accent1">
-              <a:shade val="50000"/>
-            </a:schemeClr>
-          </a:lnRef>
-          <a:fillRef idx="1">
-            <a:schemeClr val="accent1"/>
-          </a:fillRef>
-          <a:effectRef idx="0">
-            <a:schemeClr val="accent1"/>
-          </a:effectRef>
-          <a:fontRef idx="minor">
-            <a:schemeClr val="lt1"/>
-          </a:fontRef>
-        </p:style>
-        <p:txBody>
-          <a:bodyPr wrap="square" rtlCol="0" anchor="ctr">
-            <a:noAutofit/>
-          </a:bodyPr>
-          <a:lstStyle/>
-          <a:p>
-            <a:pPr marL="0" marR="0" lvl="0" indent="0" algn="ctr" defTabSz="914400" rtl="0" eaLnBrk="1" fontAlgn="auto" latinLnBrk="0" hangingPunct="1">
-              <a:lnSpc>
-                <a:spcPct val="100000"/>
-              </a:lnSpc>
-              <a:spcBef>
-                <a:spcPts val="0"/>
-              </a:spcBef>
-              <a:spcAft>
-                <a:spcPts val="0"/>
-              </a:spcAft>
-              <a:buClrTx/>
-              <a:buSzTx/>
-              <a:buFontTx/>
-              <a:buNone/>
-              <a:tabLst/>
-              <a:defRPr/>
-            </a:pPr>
-            <a:endParaRPr kumimoji="0" lang="en-US" sz="1800" b="0" i="0" u="none" strike="noStrike" kern="1200" cap="none" spc="0" normalizeH="0" baseline="0" noProof="0">
-              <a:ln>
-                <a:noFill/>
-              </a:ln>
-              <a:solidFill>
-                <a:prstClr val="white"/>
-              </a:solidFill>
-              <a:effectLst/>
-              <a:uLnTx/>
-              <a:uFillTx/>
-              <a:latin typeface="Calibri" panose="020F0502020204030204"/>
-              <a:ea typeface="+mn-ea"/>
-              <a:cs typeface="+mn-cs"/>
-            </a:endParaRPr>
-          </a:p>
-        </p:txBody>
-      </p:sp>
-      <p:sp>
-        <p:nvSpPr>
-          <p:cNvPr id="2" name="Title 1">
-            <a:extLst>
-              <a:ext uri="{FF2B5EF4-FFF2-40B4-BE49-F238E27FC236}">
-                <a16:creationId xmlns:a16="http://schemas.microsoft.com/office/drawing/2014/main" id="{DE46C0B1-FA7A-72BB-967A-36A890345100}"/>
-              </a:ext>
-            </a:extLst>
-          </p:cNvPr>
-          <p:cNvSpPr>
-            <a:spLocks noGrp="1"/>
-          </p:cNvSpPr>
-          <p:nvPr>
-            <p:ph type="title"/>
-          </p:nvPr>
-        </p:nvSpPr>
-        <p:spPr>
-          <a:xfrm>
-            <a:off x="477981" y="1122363"/>
-            <a:ext cx="4023360" cy="3204134"/>
-          </a:xfrm>
-        </p:spPr>
-        <p:txBody>
-          <a:bodyPr vert="horz" lIns="91440" tIns="45720" rIns="91440" bIns="45720" rtlCol="0" anchor="b">
-            <a:normAutofit/>
-          </a:bodyPr>
-          <a:lstStyle/>
-          <a:p>
-            <a:r>
-              <a:rPr lang="en-US" sz="4800" kern="1200">
-                <a:solidFill>
-                  <a:schemeClr val="tx1"/>
-                </a:solidFill>
-                <a:latin typeface="+mj-lt"/>
-                <a:ea typeface="+mj-ea"/>
-                <a:cs typeface="+mj-cs"/>
-              </a:rPr>
-              <a:t>Data model</a:t>
-            </a:r>
-          </a:p>
-        </p:txBody>
-      </p:sp>
-      <p:sp>
-        <p:nvSpPr>
-          <p:cNvPr id="18" name="Rectangle 17">
-            <a:extLst>
-              <a:ext uri="{FF2B5EF4-FFF2-40B4-BE49-F238E27FC236}">
-                <a16:creationId xmlns:a16="http://schemas.microsoft.com/office/drawing/2014/main" id="{AF2F604E-43BE-4DC3-B983-E071523364F8}"/>
-              </a:ext>
-              <a:ext uri="{C183D7F6-B498-43B3-948B-1728B52AA6E4}">
-                <adec:decorative xmlns:adec="http://schemas.microsoft.com/office/drawing/2017/decorative" val="1"/>
-              </a:ext>
-            </a:extLst>
-          </p:cNvPr>
-          <p:cNvSpPr>
-            <a:spLocks noGrp="1" noRot="1" noChangeAspect="1" noMove="1" noResize="1" noEditPoints="1" noAdjustHandles="1" noChangeArrowheads="1" noChangeShapeType="1" noTextEdit="1"/>
-          </p:cNvSpPr>
-          <p:nvPr>
-            <p:extLst>
-              <p:ext uri="{386F3935-93C4-4BCD-93E2-E3B085C9AB24}">
-                <p16:designElem xmlns:p16="http://schemas.microsoft.com/office/powerpoint/2015/main" val="1"/>
-              </p:ext>
-            </p:extLst>
-          </p:nvPr>
-        </p:nvSpPr>
-        <p:spPr>
-          <a:xfrm rot="5400000">
-            <a:off x="759921" y="346791"/>
-            <a:ext cx="146304" cy="704088"/>
-          </a:xfrm>
-          <a:prstGeom prst="rect">
-            <a:avLst/>
-          </a:prstGeom>
-          <a:solidFill>
-            <a:schemeClr val="accent2"/>
-          </a:solidFill>
-          <a:ln>
-            <a:noFill/>
-          </a:ln>
-        </p:spPr>
-        <p:style>
-          <a:lnRef idx="2">
-            <a:schemeClr val="accent1">
-              <a:shade val="50000"/>
-            </a:schemeClr>
-          </a:lnRef>
-          <a:fillRef idx="1">
-            <a:schemeClr val="accent1"/>
-          </a:fillRef>
-          <a:effectRef idx="0">
-            <a:schemeClr val="accent1"/>
-          </a:effectRef>
-          <a:fontRef idx="minor">
-            <a:schemeClr val="lt1"/>
-          </a:fontRef>
-        </p:style>
-        <p:txBody>
-          <a:bodyPr rtlCol="0" anchor="ctr"/>
-          <a:lstStyle/>
-          <a:p>
-            <a:pPr algn="ctr"/>
-            <a:endParaRPr lang="en-US">
-              <a:solidFill>
-                <a:prstClr val="white"/>
-              </a:solidFill>
-              <a:latin typeface="Calibri" panose="020F0502020204030204"/>
-            </a:endParaRPr>
-          </a:p>
-        </p:txBody>
-      </p:sp>
-      <p:sp>
-        <p:nvSpPr>
-          <p:cNvPr id="20" name="Rectangle 19">
-            <a:extLst>
-              <a:ext uri="{FF2B5EF4-FFF2-40B4-BE49-F238E27FC236}">
-                <a16:creationId xmlns:a16="http://schemas.microsoft.com/office/drawing/2014/main" id="{08C9B587-E65E-4B52-B37C-ABEBB6E87928}"/>
-              </a:ext>
-              <a:ext uri="{C183D7F6-B498-43B3-948B-1728B52AA6E4}">
-                <adec:decorative xmlns:adec="http://schemas.microsoft.com/office/drawing/2017/decorative" val="1"/>
-              </a:ext>
-            </a:extLst>
-          </p:cNvPr>
-          <p:cNvSpPr>
-            <a:spLocks noGrp="1" noRot="1" noChangeAspect="1" noMove="1" noResize="1" noEditPoints="1" noAdjustHandles="1" noChangeArrowheads="1" noChangeShapeType="1" noTextEdit="1"/>
-          </p:cNvSpPr>
-          <p:nvPr>
-            <p:extLst>
-              <p:ext uri="{386F3935-93C4-4BCD-93E2-E3B085C9AB24}">
-                <p16:designElem xmlns:p16="http://schemas.microsoft.com/office/powerpoint/2015/main" val="1"/>
-              </p:ext>
-            </p:extLst>
-          </p:nvPr>
-        </p:nvSpPr>
-        <p:spPr>
-          <a:xfrm>
-            <a:off x="481029" y="4546920"/>
-            <a:ext cx="4023360" cy="18288"/>
-          </a:xfrm>
-          <a:prstGeom prst="rect">
-            <a:avLst/>
-          </a:prstGeom>
-          <a:solidFill>
-            <a:srgbClr val="D5D5D5"/>
-          </a:solidFill>
-          <a:ln w="3175">
-            <a:noFill/>
-          </a:ln>
-          <a:effectLst/>
-        </p:spPr>
-        <p:style>
-          <a:lnRef idx="2">
-            <a:schemeClr val="accent1">
-              <a:shade val="50000"/>
-            </a:schemeClr>
-          </a:lnRef>
-          <a:fillRef idx="1">
-            <a:schemeClr val="accent1"/>
-          </a:fillRef>
-          <a:effectRef idx="0">
-            <a:schemeClr val="accent1"/>
-          </a:effectRef>
-          <a:fontRef idx="minor">
-            <a:schemeClr val="lt1"/>
-          </a:fontRef>
-        </p:style>
-        <p:txBody>
-          <a:bodyPr rtlCol="0" anchor="ctr"/>
-          <a:lstStyle/>
-          <a:p>
-            <a:pPr marL="0" marR="0" lvl="0" indent="0" algn="ctr" defTabSz="914400" rtl="0" eaLnBrk="1" fontAlgn="auto" latinLnBrk="0" hangingPunct="1">
-              <a:lnSpc>
-                <a:spcPct val="100000"/>
-              </a:lnSpc>
-              <a:spcBef>
-                <a:spcPts val="0"/>
-              </a:spcBef>
-              <a:spcAft>
-                <a:spcPts val="0"/>
-              </a:spcAft>
-              <a:buClrTx/>
-              <a:buSzTx/>
-              <a:buFontTx/>
-              <a:buNone/>
-              <a:tabLst/>
-              <a:defRPr/>
-            </a:pPr>
-            <a:endParaRPr kumimoji="0" lang="en-US" sz="1800" b="0" i="0" u="none" strike="noStrike" kern="1200" cap="none" spc="0" normalizeH="0" baseline="0" noProof="0">
-              <a:ln>
-                <a:noFill/>
-              </a:ln>
-              <a:solidFill>
-                <a:prstClr val="white"/>
-              </a:solidFill>
-              <a:effectLst/>
-              <a:uLnTx/>
-              <a:uFillTx/>
-              <a:latin typeface="Calibri" panose="020F0502020204030204"/>
-              <a:ea typeface="+mn-ea"/>
-              <a:cs typeface="+mn-cs"/>
-            </a:endParaRPr>
-          </a:p>
-        </p:txBody>
-      </p:sp>
-      <p:pic>
-        <p:nvPicPr>
-          <p:cNvPr id="7" name="Picture 6">
-            <a:extLst>
-              <a:ext uri="{FF2B5EF4-FFF2-40B4-BE49-F238E27FC236}">
-                <a16:creationId xmlns:a16="http://schemas.microsoft.com/office/drawing/2014/main" id="{59AA4461-0F13-0BD3-4CF8-562128A4CCA9}"/>
-              </a:ext>
-            </a:extLst>
-          </p:cNvPr>
-          <p:cNvPicPr>
-            <a:picLocks noChangeAspect="1"/>
-          </p:cNvPicPr>
-          <p:nvPr/>
-        </p:nvPicPr>
-        <p:blipFill>
-          <a:blip r:embed="rId2"/>
-          <a:stretch>
-            <a:fillRect/>
-          </a:stretch>
-        </p:blipFill>
-        <p:spPr>
-          <a:xfrm>
-            <a:off x="5414356" y="1358624"/>
-            <a:ext cx="6408836" cy="3989500"/>
-          </a:xfrm>
-          <a:prstGeom prst="rect">
-            <a:avLst/>
-          </a:prstGeom>
-        </p:spPr>
-      </p:pic>
-      <p:sp>
-        <p:nvSpPr>
-          <p:cNvPr id="8" name="TextBox 7">
-            <a:extLst>
-              <a:ext uri="{FF2B5EF4-FFF2-40B4-BE49-F238E27FC236}">
-                <a16:creationId xmlns:a16="http://schemas.microsoft.com/office/drawing/2014/main" id="{CD844C48-C0BE-E555-404A-4BAB3A38A4FF}"/>
-              </a:ext>
-            </a:extLst>
-          </p:cNvPr>
-          <p:cNvSpPr txBox="1"/>
-          <p:nvPr/>
-        </p:nvSpPr>
-        <p:spPr>
-          <a:xfrm>
-            <a:off x="6473687" y="937697"/>
-            <a:ext cx="4359965" cy="369332"/>
-          </a:xfrm>
-          <a:prstGeom prst="rect">
-            <a:avLst/>
-          </a:prstGeom>
-          <a:noFill/>
-        </p:spPr>
-        <p:txBody>
-          <a:bodyPr wrap="square" rtlCol="0">
-            <a:spAutoFit/>
-          </a:bodyPr>
-          <a:lstStyle/>
-          <a:p>
-            <a:r>
-              <a:rPr lang="en-US" dirty="0"/>
-              <a:t>Each document type has an example shown</a:t>
-            </a:r>
-          </a:p>
-        </p:txBody>
-      </p:sp>
-    </p:spTree>
-    <p:extLst>
-      <p:ext uri="{BB962C8B-B14F-4D97-AF65-F5344CB8AC3E}">
-        <p14:creationId xmlns:p14="http://schemas.microsoft.com/office/powerpoint/2010/main" val="4117548023"/>
-      </p:ext>
-    </p:extLst>
-  </p:cSld>
-  <p:clrMapOvr>
-    <a:masterClrMapping/>
-  </p:clrMapOvr>
-</p:sld>
-</file>
-
-<file path=ppt/slides/slide8.xml><?xml version="1.0" encoding="utf-8"?>
-<p:sld xmlns:a="http://schemas.openxmlformats.org/drawingml/2006/main" xmlns:r="http://schemas.openxmlformats.org/officeDocument/2006/relationships" xmlns:p="http://schemas.openxmlformats.org/presentationml/2006/main">
-  <p:cSld>
-    <p:bg>
-      <p:bgPr>
-        <a:solidFill>
-          <a:schemeClr val="bg1"/>
-        </a:solidFill>
-        <a:effectLst/>
-      </p:bgPr>
-    </p:bg>
-    <p:spTree>
-      <p:nvGrpSpPr>
-        <p:cNvPr id="1" name=""/>
-        <p:cNvGrpSpPr/>
-        <p:nvPr/>
-      </p:nvGrpSpPr>
-      <p:grpSpPr>
-        <a:xfrm>
-          <a:off x="0" y="0"/>
-          <a:ext cx="0" cy="0"/>
-          <a:chOff x="0" y="0"/>
-          <a:chExt cx="0" cy="0"/>
-        </a:xfrm>
-      </p:grpSpPr>
-      <p:sp useBgFill="1">
-        <p:nvSpPr>
-          <p:cNvPr id="11" name="Rectangle 10">
-            <a:extLst>
-              <a:ext uri="{FF2B5EF4-FFF2-40B4-BE49-F238E27FC236}">
-                <a16:creationId xmlns:a16="http://schemas.microsoft.com/office/drawing/2014/main" id="{6D1A2CED-DA9B-4CCF-8215-CFC65FE71603}"/>
-              </a:ext>
-              <a:ext uri="{C183D7F6-B498-43B3-948B-1728B52AA6E4}">
-                <adec:decorative xmlns:adec="http://schemas.microsoft.com/office/drawing/2017/decorative" val="1"/>
-              </a:ext>
-            </a:extLst>
-          </p:cNvPr>
-          <p:cNvSpPr>
-            <a:spLocks noGrp="1" noRot="1" noChangeAspect="1" noMove="1" noResize="1" noEditPoints="1" noAdjustHandles="1" noChangeArrowheads="1" noChangeShapeType="1" noTextEdit="1"/>
-          </p:cNvSpPr>
-          <p:nvPr>
-            <p:extLst>
-              <p:ext uri="{386F3935-93C4-4BCD-93E2-E3B085C9AB24}">
-                <p16:designElem xmlns:p16="http://schemas.microsoft.com/office/powerpoint/2015/main" val="1"/>
-              </p:ext>
-            </p:extLst>
-          </p:nvPr>
-        </p:nvSpPr>
-        <p:spPr>
-          <a:xfrm>
-            <a:off x="0" y="0"/>
-            <a:ext cx="12192000" cy="6858000"/>
-          </a:xfrm>
-          <a:prstGeom prst="rect">
-            <a:avLst/>
-          </a:prstGeom>
-          <a:ln>
-            <a:noFill/>
-          </a:ln>
-        </p:spPr>
-        <p:style>
-          <a:lnRef idx="2">
-            <a:schemeClr val="accent1">
-              <a:shade val="50000"/>
-            </a:schemeClr>
-          </a:lnRef>
-          <a:fillRef idx="1">
-            <a:schemeClr val="accent1"/>
-          </a:fillRef>
-          <a:effectRef idx="0">
-            <a:schemeClr val="accent1"/>
-          </a:effectRef>
-          <a:fontRef idx="minor">
-            <a:schemeClr val="lt1"/>
-          </a:fontRef>
-        </p:style>
-        <p:txBody>
-          <a:bodyPr rtlCol="0" anchor="ctr"/>
-          <a:lstStyle/>
-          <a:p>
-            <a:pPr algn="ctr"/>
-            <a:endParaRPr lang="en-US"/>
-          </a:p>
-        </p:txBody>
-      </p:sp>
-      <p:sp useBgFill="1">
-        <p:nvSpPr>
-          <p:cNvPr id="13" name="Rectangle 12">
-            <a:extLst>
-              <a:ext uri="{FF2B5EF4-FFF2-40B4-BE49-F238E27FC236}">
-                <a16:creationId xmlns:a16="http://schemas.microsoft.com/office/drawing/2014/main" id="{562DFC44-A40C-4573-9230-B3EDB3EC8EEB}"/>
-              </a:ext>
-              <a:ext uri="{C183D7F6-B498-43B3-948B-1728B52AA6E4}">
-                <adec:decorative xmlns:adec="http://schemas.microsoft.com/office/drawing/2017/decorative" val="1"/>
-              </a:ext>
-            </a:extLst>
-          </p:cNvPr>
-          <p:cNvSpPr>
-            <a:spLocks noGrp="1" noRot="1" noChangeAspect="1" noMove="1" noResize="1" noEditPoints="1" noAdjustHandles="1" noChangeArrowheads="1" noChangeShapeType="1" noTextEdit="1"/>
-          </p:cNvSpPr>
-          <p:nvPr>
-            <p:extLst>
-              <p:ext uri="{386F3935-93C4-4BCD-93E2-E3B085C9AB24}">
-                <p16:designElem xmlns:p16="http://schemas.microsoft.com/office/powerpoint/2015/main" val="1"/>
-              </p:ext>
-            </p:extLst>
-          </p:nvPr>
-        </p:nvSpPr>
-        <p:spPr>
-          <a:xfrm>
-            <a:off x="558209" y="260019"/>
-            <a:ext cx="11167447" cy="5933012"/>
-          </a:xfrm>
-          <a:prstGeom prst="rect">
-            <a:avLst/>
-          </a:prstGeom>
-          <a:ln w="12700">
-            <a:solidFill>
-              <a:srgbClr val="DEDEDE"/>
-            </a:solidFill>
-          </a:ln>
-          <a:effectLst>
-            <a:outerShdw blurRad="50800" dist="38100" dir="2700000" algn="tl" rotWithShape="0">
-              <a:schemeClr val="bg2">
-                <a:lumMod val="85000"/>
-                <a:alpha val="50000"/>
-              </a:schemeClr>
-            </a:outerShdw>
-          </a:effectLst>
-        </p:spPr>
-        <p:style>
-          <a:lnRef idx="2">
-            <a:schemeClr val="accent1">
-              <a:shade val="50000"/>
-            </a:schemeClr>
-          </a:lnRef>
-          <a:fillRef idx="1">
-            <a:schemeClr val="accent1"/>
-          </a:fillRef>
-          <a:effectRef idx="0">
-            <a:schemeClr val="accent1"/>
-          </a:effectRef>
-          <a:fontRef idx="minor">
-            <a:schemeClr val="lt1"/>
-          </a:fontRef>
-        </p:style>
-        <p:txBody>
-          <a:bodyPr rtlCol="0" anchor="ctr"/>
-          <a:lstStyle/>
-          <a:p>
-            <a:pPr marL="0" marR="0" lvl="0" indent="0" algn="ctr" defTabSz="914400" rtl="0" eaLnBrk="1" fontAlgn="auto" latinLnBrk="0" hangingPunct="1">
-              <a:lnSpc>
-                <a:spcPct val="100000"/>
-              </a:lnSpc>
-              <a:spcBef>
-                <a:spcPts val="0"/>
-              </a:spcBef>
-              <a:spcAft>
-                <a:spcPts val="0"/>
-              </a:spcAft>
-              <a:buClrTx/>
-              <a:buSzTx/>
-              <a:buFontTx/>
-              <a:buNone/>
-              <a:tabLst/>
-              <a:defRPr/>
-            </a:pPr>
-            <a:endParaRPr kumimoji="0" lang="en-US" sz="1800" b="0" i="0" u="none" strike="noStrike" kern="1200" cap="none" spc="0" normalizeH="0" baseline="0" noProof="0">
-              <a:ln>
-                <a:noFill/>
-              </a:ln>
-              <a:solidFill>
-                <a:prstClr val="white"/>
-              </a:solidFill>
-              <a:effectLst/>
-              <a:uLnTx/>
-              <a:uFillTx/>
-              <a:latin typeface="Calibri" panose="020F0502020204030204"/>
-              <a:ea typeface="+mn-ea"/>
-              <a:cs typeface="+mn-cs"/>
-            </a:endParaRPr>
-          </a:p>
-        </p:txBody>
-      </p:sp>
-      <p:sp>
-        <p:nvSpPr>
-          <p:cNvPr id="2" name="Title 1">
-            <a:extLst>
-              <a:ext uri="{FF2B5EF4-FFF2-40B4-BE49-F238E27FC236}">
-                <a16:creationId xmlns:a16="http://schemas.microsoft.com/office/drawing/2014/main" id="{D59A9A92-184A-8B27-0517-6FAC8CE1DE64}"/>
-              </a:ext>
-            </a:extLst>
-          </p:cNvPr>
-          <p:cNvSpPr>
-            <a:spLocks noGrp="1"/>
-          </p:cNvSpPr>
-          <p:nvPr>
-            <p:ph type="title"/>
-          </p:nvPr>
-        </p:nvSpPr>
-        <p:spPr>
-          <a:xfrm>
-            <a:off x="1115568" y="509521"/>
-            <a:ext cx="10232136" cy="1014984"/>
-          </a:xfrm>
-        </p:spPr>
-        <p:txBody>
-          <a:bodyPr>
-            <a:normAutofit/>
-          </a:bodyPr>
-          <a:lstStyle/>
-          <a:p>
-            <a:r>
-              <a:rPr lang="en-US" sz="4000"/>
-              <a:t>Creating the database – code and results</a:t>
-            </a:r>
-          </a:p>
-        </p:txBody>
-      </p:sp>
-      <p:sp>
-        <p:nvSpPr>
-          <p:cNvPr id="15" name="Rectangle 14">
-            <a:extLst>
-              <a:ext uri="{FF2B5EF4-FFF2-40B4-BE49-F238E27FC236}">
-                <a16:creationId xmlns:a16="http://schemas.microsoft.com/office/drawing/2014/main" id="{15589D35-CF9F-4DE9-A792-8571A09E9BC9}"/>
-              </a:ext>
-              <a:ext uri="{C183D7F6-B498-43B3-948B-1728B52AA6E4}">
-                <adec:decorative xmlns:adec="http://schemas.microsoft.com/office/drawing/2017/decorative" val="1"/>
-              </a:ext>
-            </a:extLst>
-          </p:cNvPr>
-          <p:cNvSpPr>
-            <a:spLocks noGrp="1" noRot="1" noChangeAspect="1" noMove="1" noResize="1" noEditPoints="1" noAdjustHandles="1" noChangeArrowheads="1" noChangeShapeType="1" noTextEdit="1"/>
-          </p:cNvSpPr>
-          <p:nvPr>
-            <p:extLst>
-              <p:ext uri="{386F3935-93C4-4BCD-93E2-E3B085C9AB24}">
-                <p16:designElem xmlns:p16="http://schemas.microsoft.com/office/powerpoint/2015/main" val="1"/>
-              </p:ext>
-            </p:extLst>
-          </p:nvPr>
-        </p:nvSpPr>
-        <p:spPr>
-          <a:xfrm>
-            <a:off x="498834" y="658327"/>
-            <a:ext cx="128016" cy="704088"/>
-          </a:xfrm>
-          <a:prstGeom prst="rect">
-            <a:avLst/>
-          </a:prstGeom>
-          <a:solidFill>
-            <a:schemeClr val="accent2"/>
-          </a:solidFill>
-          <a:ln>
-            <a:noFill/>
-          </a:ln>
-        </p:spPr>
-        <p:style>
-          <a:lnRef idx="2">
-            <a:schemeClr val="accent1">
-              <a:shade val="50000"/>
-            </a:schemeClr>
-          </a:lnRef>
-          <a:fillRef idx="1">
-            <a:schemeClr val="accent1"/>
-          </a:fillRef>
-          <a:effectRef idx="0">
-            <a:schemeClr val="accent1"/>
-          </a:effectRef>
-          <a:fontRef idx="minor">
-            <a:schemeClr val="lt1"/>
-          </a:fontRef>
-        </p:style>
-        <p:txBody>
-          <a:bodyPr rtlCol="0" anchor="ctr"/>
-          <a:lstStyle/>
-          <a:p>
-            <a:pPr algn="ctr"/>
-            <a:endParaRPr lang="en-US">
-              <a:solidFill>
-                <a:prstClr val="white"/>
-              </a:solidFill>
-              <a:latin typeface="Calibri" panose="020F0502020204030204"/>
-            </a:endParaRPr>
-          </a:p>
-        </p:txBody>
-      </p:sp>
-      <p:sp>
-        <p:nvSpPr>
-          <p:cNvPr id="3" name="Content Placeholder 2">
-            <a:extLst>
-              <a:ext uri="{FF2B5EF4-FFF2-40B4-BE49-F238E27FC236}">
-                <a16:creationId xmlns:a16="http://schemas.microsoft.com/office/drawing/2014/main" id="{0E9A33F7-D84A-15A6-B53D-B8937EB7CB85}"/>
-              </a:ext>
-            </a:extLst>
-          </p:cNvPr>
-          <p:cNvSpPr>
-            <a:spLocks noGrp="1"/>
-          </p:cNvSpPr>
-          <p:nvPr>
-            <p:ph idx="1"/>
-          </p:nvPr>
-        </p:nvSpPr>
-        <p:spPr>
-          <a:xfrm>
-            <a:off x="1115568" y="1937452"/>
-            <a:ext cx="9197849" cy="3806055"/>
-          </a:xfrm>
-        </p:spPr>
-        <p:txBody>
-          <a:bodyPr/>
-          <a:lstStyle/>
-          <a:p>
-            <a:pPr marL="198882" indent="-198882" defTabSz="795528">
-              <a:spcBef>
-                <a:spcPts val="870"/>
-              </a:spcBef>
-            </a:pPr>
-            <a:r>
-              <a:rPr lang="en-US" sz="2436" kern="1200">
-                <a:solidFill>
-                  <a:schemeClr val="tx1"/>
-                </a:solidFill>
-                <a:latin typeface="+mn-lt"/>
-                <a:ea typeface="+mn-ea"/>
-                <a:cs typeface="+mn-cs"/>
-              </a:rPr>
-              <a:t>Enter the command: python createdatabase.py</a:t>
-            </a:r>
-          </a:p>
-          <a:p>
-            <a:pPr marL="198882" indent="-198882" defTabSz="795528">
-              <a:spcBef>
-                <a:spcPts val="870"/>
-              </a:spcBef>
-            </a:pPr>
-            <a:r>
-              <a:rPr lang="en-US" sz="2436" kern="1200">
-                <a:solidFill>
-                  <a:schemeClr val="tx1"/>
-                </a:solidFill>
-                <a:latin typeface="+mn-lt"/>
-                <a:ea typeface="+mn-ea"/>
-                <a:cs typeface="+mn-cs"/>
-              </a:rPr>
-              <a:t>File is too large to post as a screenshot</a:t>
-            </a:r>
-          </a:p>
-          <a:p>
-            <a:pPr marL="198882" indent="-198882" defTabSz="795528">
-              <a:spcBef>
-                <a:spcPts val="870"/>
-              </a:spcBef>
-            </a:pPr>
-            <a:r>
-              <a:rPr lang="en-US" sz="2436" kern="1200">
-                <a:solidFill>
-                  <a:schemeClr val="tx1"/>
-                </a:solidFill>
-                <a:latin typeface="+mn-lt"/>
-                <a:ea typeface="+mn-ea"/>
-                <a:cs typeface="+mn-cs"/>
-              </a:rPr>
-              <a:t>Steps:</a:t>
-            </a:r>
-          </a:p>
-          <a:p>
-            <a:pPr marL="596646" lvl="1" indent="-198882" defTabSz="795528">
-              <a:spcBef>
-                <a:spcPts val="435"/>
-              </a:spcBef>
-            </a:pPr>
-            <a:r>
-              <a:rPr lang="en-US" sz="2088" kern="1200">
-                <a:solidFill>
-                  <a:schemeClr val="tx1"/>
-                </a:solidFill>
-                <a:latin typeface="+mn-lt"/>
-                <a:ea typeface="+mn-ea"/>
-                <a:cs typeface="+mn-cs"/>
-              </a:rPr>
-              <a:t>Read in credentials</a:t>
-            </a:r>
-          </a:p>
-          <a:p>
-            <a:pPr marL="596646" lvl="1" indent="-198882" defTabSz="795528">
-              <a:spcBef>
-                <a:spcPts val="435"/>
-              </a:spcBef>
-            </a:pPr>
-            <a:r>
-              <a:rPr lang="en-US" sz="2088" kern="1200">
-                <a:solidFill>
-                  <a:schemeClr val="tx1"/>
-                </a:solidFill>
-                <a:latin typeface="+mn-lt"/>
-                <a:ea typeface="+mn-ea"/>
-                <a:cs typeface="+mn-cs"/>
-              </a:rPr>
-              <a:t>Create database</a:t>
-            </a:r>
-          </a:p>
-          <a:p>
-            <a:pPr marL="596646" lvl="1" indent="-198882" defTabSz="795528">
-              <a:spcBef>
-                <a:spcPts val="435"/>
-              </a:spcBef>
-            </a:pPr>
-            <a:r>
-              <a:rPr lang="en-US" sz="2088" kern="1200">
-                <a:solidFill>
-                  <a:schemeClr val="tx1"/>
-                </a:solidFill>
-                <a:latin typeface="+mn-lt"/>
-                <a:ea typeface="+mn-ea"/>
-                <a:cs typeface="+mn-cs"/>
-              </a:rPr>
-              <a:t>Add documents from each GTFS file</a:t>
-            </a:r>
-          </a:p>
-          <a:p>
-            <a:pPr marL="596646" lvl="1" indent="-198882" defTabSz="795528">
-              <a:spcBef>
-                <a:spcPts val="435"/>
-              </a:spcBef>
-            </a:pPr>
-            <a:r>
-              <a:rPr lang="en-US" sz="2088" kern="1200">
-                <a:solidFill>
-                  <a:schemeClr val="tx1"/>
-                </a:solidFill>
-                <a:latin typeface="+mn-lt"/>
-                <a:ea typeface="+mn-ea"/>
-                <a:cs typeface="+mn-cs"/>
-              </a:rPr>
-              <a:t>Create design document</a:t>
-            </a:r>
-          </a:p>
-          <a:p>
-            <a:pPr marL="994410" lvl="2" indent="-198882" defTabSz="795528">
-              <a:spcBef>
-                <a:spcPts val="435"/>
-              </a:spcBef>
-            </a:pPr>
-            <a:r>
-              <a:rPr lang="en-US" sz="1740" kern="1200">
-                <a:solidFill>
-                  <a:schemeClr val="tx1"/>
-                </a:solidFill>
-                <a:latin typeface="+mn-lt"/>
-                <a:ea typeface="+mn-ea"/>
-                <a:cs typeface="+mn-cs"/>
-              </a:rPr>
-              <a:t>Views included</a:t>
-            </a:r>
-          </a:p>
-          <a:p>
-            <a:endParaRPr lang="en-US" dirty="0"/>
-          </a:p>
-        </p:txBody>
-      </p:sp>
-      <p:pic>
-        <p:nvPicPr>
-          <p:cNvPr id="5" name="Picture 4">
-            <a:extLst>
-              <a:ext uri="{FF2B5EF4-FFF2-40B4-BE49-F238E27FC236}">
-                <a16:creationId xmlns:a16="http://schemas.microsoft.com/office/drawing/2014/main" id="{287D34CB-A856-E850-47CE-D5F47B0147A3}"/>
-              </a:ext>
-            </a:extLst>
-          </p:cNvPr>
-          <p:cNvPicPr>
-            <a:picLocks noChangeAspect="1"/>
-          </p:cNvPicPr>
-          <p:nvPr/>
-        </p:nvPicPr>
-        <p:blipFill>
-          <a:blip r:embed="rId2"/>
-          <a:stretch>
-            <a:fillRect/>
-          </a:stretch>
-        </p:blipFill>
-        <p:spPr>
-          <a:xfrm>
-            <a:off x="6348175" y="3172711"/>
-            <a:ext cx="4999529" cy="2474767"/>
-          </a:xfrm>
-          <a:prstGeom prst="rect">
-            <a:avLst/>
-          </a:prstGeom>
-        </p:spPr>
-      </p:pic>
-      <p:sp>
-        <p:nvSpPr>
-          <p:cNvPr id="6" name="TextBox 5">
-            <a:extLst>
-              <a:ext uri="{FF2B5EF4-FFF2-40B4-BE49-F238E27FC236}">
-                <a16:creationId xmlns:a16="http://schemas.microsoft.com/office/drawing/2014/main" id="{6A50EC83-CD6F-60B5-420D-85E234277618}"/>
-              </a:ext>
-            </a:extLst>
-          </p:cNvPr>
-          <p:cNvSpPr txBox="1"/>
-          <p:nvPr/>
-        </p:nvSpPr>
-        <p:spPr>
-          <a:xfrm>
-            <a:off x="8157681" y="2753632"/>
-            <a:ext cx="1586716" cy="333296"/>
-          </a:xfrm>
-          <a:prstGeom prst="rect">
-            <a:avLst/>
-          </a:prstGeom>
-          <a:noFill/>
-        </p:spPr>
-        <p:txBody>
-          <a:bodyPr wrap="none" rtlCol="0">
-            <a:spAutoFit/>
-          </a:bodyPr>
-          <a:lstStyle/>
-          <a:p>
-            <a:pPr defTabSz="795528">
-              <a:spcAft>
-                <a:spcPts val="600"/>
-              </a:spcAft>
-            </a:pPr>
-            <a:r>
-              <a:rPr lang="en-US" sz="1566" kern="1200">
-                <a:solidFill>
-                  <a:schemeClr val="tx1"/>
-                </a:solidFill>
-                <a:latin typeface="+mn-lt"/>
-                <a:ea typeface="+mn-ea"/>
-                <a:cs typeface="+mn-cs"/>
-              </a:rPr>
-              <a:t>Expected output:</a:t>
-            </a:r>
-            <a:endParaRPr lang="en-US"/>
-          </a:p>
-        </p:txBody>
-      </p:sp>
-    </p:spTree>
-    <p:extLst>
-      <p:ext uri="{BB962C8B-B14F-4D97-AF65-F5344CB8AC3E}">
-        <p14:creationId xmlns:p14="http://schemas.microsoft.com/office/powerpoint/2010/main" val="3870929358"/>
-      </p:ext>
-    </p:extLst>
-  </p:cSld>
-  <p:clrMapOvr>
-    <a:masterClrMapping/>
-  </p:clrMapOvr>
-</p:sld>
-</file>
-
 <file path=ppt/slides/slide9.xml><?xml version="1.0" encoding="utf-8"?>
 <p:sld xmlns:a="http://schemas.openxmlformats.org/drawingml/2006/main" xmlns:r="http://schemas.openxmlformats.org/officeDocument/2006/relationships" xmlns:p="http://schemas.openxmlformats.org/presentationml/2006/main">
   <p:cSld>
@@ -9593,7 +16278,7 @@
           <a:p>
             <a:r>
               <a:rPr lang="en-US" sz="4000"/>
-              <a:t>Running the queries</a:t>
+              <a:t>Creating the database – code and results</a:t>
             </a:r>
           </a:p>
         </p:txBody>
@@ -9684,21 +16369,21 @@
         </p:nvSpPr>
         <p:spPr>
           <a:xfrm>
-            <a:off x="1322233" y="1673352"/>
-            <a:ext cx="8668509" cy="3587015"/>
+            <a:off x="1115568" y="1937452"/>
+            <a:ext cx="9197849" cy="3806055"/>
           </a:xfrm>
         </p:spPr>
         <p:txBody>
           <a:bodyPr/>
           <a:lstStyle/>
           <a:p>
-            <a:pPr marL="187452" indent="-187452" defTabSz="749808">
+            <a:pPr marL="198882" indent="-198882" defTabSz="795528">
               <a:spcBef>
-                <a:spcPts val="820"/>
+                <a:spcPts val="870"/>
               </a:spcBef>
             </a:pPr>
             <a:r>
-              <a:rPr lang="en-US" sz="2296" kern="1200">
+              <a:rPr lang="en-US" sz="2436" kern="1200" dirty="0">
                 <a:solidFill>
                   <a:schemeClr val="tx1"/>
                 </a:solidFill>
@@ -9706,17 +16391,17 @@
                 <a:ea typeface="+mn-ea"/>
                 <a:cs typeface="+mn-cs"/>
               </a:rPr>
-              <a:t>Enter the command: python runqueries.py</a:t>
+              <a:t>Enter the command: python createdatabase.py</a:t>
             </a:r>
           </a:p>
           <a:p>
-            <a:pPr marL="187452" indent="-187452" defTabSz="749808">
+            <a:pPr marL="198882" indent="-198882" defTabSz="795528">
               <a:spcBef>
-                <a:spcPts val="820"/>
+                <a:spcPts val="870"/>
               </a:spcBef>
             </a:pPr>
             <a:r>
-              <a:rPr lang="en-US" sz="2296" kern="1200">
+              <a:rPr lang="en-US" sz="2436" kern="1200" dirty="0">
                 <a:solidFill>
                   <a:schemeClr val="tx1"/>
                 </a:solidFill>
@@ -9724,17 +16409,17 @@
                 <a:ea typeface="+mn-ea"/>
                 <a:cs typeface="+mn-cs"/>
               </a:rPr>
-              <a:t>File is too large to show</a:t>
+              <a:t>File is too large to post as a screenshot</a:t>
             </a:r>
           </a:p>
           <a:p>
-            <a:pPr marL="187452" indent="-187452" defTabSz="749808">
+            <a:pPr marL="198882" indent="-198882" defTabSz="795528">
               <a:spcBef>
-                <a:spcPts val="820"/>
+                <a:spcPts val="870"/>
               </a:spcBef>
             </a:pPr>
             <a:r>
-              <a:rPr lang="en-US" sz="2296" kern="1200">
+              <a:rPr lang="en-US" sz="2436" kern="1200" dirty="0">
                 <a:solidFill>
                   <a:schemeClr val="tx1"/>
                 </a:solidFill>
@@ -9746,13 +16431,13 @@
             </a:r>
           </a:p>
           <a:p>
-            <a:pPr marL="562356" lvl="1" indent="-187452" defTabSz="749808">
+            <a:pPr marL="596646" lvl="1" indent="-198882" defTabSz="795528">
               <a:spcBef>
-                <a:spcPts val="410"/>
+                <a:spcPts val="435"/>
               </a:spcBef>
             </a:pPr>
             <a:r>
-              <a:rPr lang="en-US" sz="1968" kern="1200">
+              <a:rPr lang="en-US" sz="2088" kern="1200" dirty="0">
                 <a:solidFill>
                   <a:schemeClr val="tx1"/>
                 </a:solidFill>
@@ -9764,13 +16449,13 @@
             </a:r>
           </a:p>
           <a:p>
-            <a:pPr marL="562356" lvl="1" indent="-187452" defTabSz="749808">
+            <a:pPr marL="596646" lvl="1" indent="-198882" defTabSz="795528">
               <a:spcBef>
-                <a:spcPts val="410"/>
+                <a:spcPts val="435"/>
               </a:spcBef>
             </a:pPr>
             <a:r>
-              <a:rPr lang="en-US" sz="1968" kern="1200">
+              <a:rPr lang="en-US" sz="2088" kern="1200" dirty="0">
                 <a:solidFill>
                   <a:schemeClr val="tx1"/>
                 </a:solidFill>
@@ -9778,17 +16463,17 @@
                 <a:ea typeface="+mn-ea"/>
                 <a:cs typeface="+mn-cs"/>
               </a:rPr>
-              <a:t>Answer question 1:</a:t>
+              <a:t>Create database</a:t>
             </a:r>
           </a:p>
           <a:p>
-            <a:pPr marL="562356" lvl="1" indent="-187452" defTabSz="749808">
+            <a:pPr marL="596646" lvl="1" indent="-198882" defTabSz="795528">
               <a:spcBef>
-                <a:spcPts val="410"/>
+                <a:spcPts val="435"/>
               </a:spcBef>
             </a:pPr>
             <a:r>
-              <a:rPr lang="en-US" sz="1968" kern="1200">
+              <a:rPr lang="en-US" sz="2088" kern="1200" dirty="0">
                 <a:solidFill>
                   <a:schemeClr val="tx1"/>
                 </a:solidFill>
@@ -9796,17 +16481,17 @@
                 <a:ea typeface="+mn-ea"/>
                 <a:cs typeface="+mn-cs"/>
               </a:rPr>
-              <a:t>Answer question 2:</a:t>
+              <a:t>Add documents from each GTFS file</a:t>
             </a:r>
           </a:p>
           <a:p>
-            <a:pPr marL="562356" lvl="1" indent="-187452" defTabSz="749808">
+            <a:pPr marL="596646" lvl="1" indent="-198882" defTabSz="795528">
               <a:spcBef>
-                <a:spcPts val="410"/>
+                <a:spcPts val="435"/>
               </a:spcBef>
             </a:pPr>
             <a:r>
-              <a:rPr lang="en-US" sz="1968" kern="1200">
+              <a:rPr lang="en-US" sz="2088" kern="1200" dirty="0">
                 <a:solidFill>
                   <a:schemeClr val="tx1"/>
                 </a:solidFill>
@@ -9814,26 +16499,28 @@
                 <a:ea typeface="+mn-ea"/>
                 <a:cs typeface="+mn-cs"/>
               </a:rPr>
-              <a:t>Answer question 3:</a:t>
+              <a:t>Create design document</a:t>
             </a:r>
           </a:p>
           <a:p>
-            <a:pPr marL="937260" lvl="2" indent="-187452" defTabSz="749808">
+            <a:pPr marL="994410" lvl="2" indent="-198882" defTabSz="795528">
               <a:spcBef>
-                <a:spcPts val="410"/>
+                <a:spcPts val="435"/>
               </a:spcBef>
             </a:pPr>
-            <a:endParaRPr lang="en-US" sz="1640" kern="1200">
-              <a:solidFill>
-                <a:schemeClr val="tx1"/>
-              </a:solidFill>
-              <a:latin typeface="+mn-lt"/>
-              <a:ea typeface="+mn-ea"/>
-              <a:cs typeface="+mn-cs"/>
-            </a:endParaRPr>
-          </a:p>
-          <a:p>
-            <a:pPr lvl="1"/>
+            <a:r>
+              <a:rPr lang="en-US" sz="1740" kern="1200" dirty="0">
+                <a:solidFill>
+                  <a:schemeClr val="tx1"/>
+                </a:solidFill>
+                <a:latin typeface="+mn-lt"/>
+                <a:ea typeface="+mn-ea"/>
+                <a:cs typeface="+mn-cs"/>
+              </a:rPr>
+              <a:t>Views included</a:t>
+            </a:r>
+          </a:p>
+          <a:p>
             <a:endParaRPr lang="en-US" dirty="0"/>
           </a:p>
         </p:txBody>
@@ -9843,7 +16530,7 @@
           <p:cNvPr id="5" name="Picture 4">
             <a:extLst>
               <a:ext uri="{FF2B5EF4-FFF2-40B4-BE49-F238E27FC236}">
-                <a16:creationId xmlns:a16="http://schemas.microsoft.com/office/drawing/2014/main" id="{726F45B3-C272-5B8D-CC36-0CEFCE18AA15}"/>
+                <a16:creationId xmlns:a16="http://schemas.microsoft.com/office/drawing/2014/main" id="{287D34CB-A856-E850-47CE-D5F47B0147A3}"/>
               </a:ext>
             </a:extLst>
           </p:cNvPr>
@@ -9860,8 +16547,8 @@
         </p:blipFill>
         <p:spPr>
           <a:xfrm>
-            <a:off x="5206379" y="2204266"/>
-            <a:ext cx="5934659" cy="3803342"/>
+            <a:off x="6348175" y="3172711"/>
+            <a:ext cx="4999529" cy="2474767"/>
           </a:xfrm>
           <a:prstGeom prst="rect">
             <a:avLst/>
@@ -9873,7 +16560,7 @@
           <p:cNvPr id="6" name="TextBox 5">
             <a:extLst>
               <a:ext uri="{FF2B5EF4-FFF2-40B4-BE49-F238E27FC236}">
-                <a16:creationId xmlns:a16="http://schemas.microsoft.com/office/drawing/2014/main" id="{EC5AE309-1E8A-0F8D-E733-84D0832B80FE}"/>
+                <a16:creationId xmlns:a16="http://schemas.microsoft.com/office/drawing/2014/main" id="{6A50EC83-CD6F-60B5-420D-85E234277618}"/>
               </a:ext>
             </a:extLst>
           </p:cNvPr>
@@ -9882,8 +16569,8 @@
         </p:nvSpPr>
         <p:spPr>
           <a:xfrm>
-            <a:off x="7539900" y="1851891"/>
-            <a:ext cx="1509901" cy="319446"/>
+            <a:off x="8157681" y="2753632"/>
+            <a:ext cx="1586716" cy="333296"/>
           </a:xfrm>
           <a:prstGeom prst="rect">
             <a:avLst/>
@@ -9896,13 +16583,13 @@
           </a:bodyPr>
           <a:lstStyle/>
           <a:p>
-            <a:pPr defTabSz="749808">
+            <a:pPr defTabSz="795528">
               <a:spcAft>
                 <a:spcPts val="600"/>
               </a:spcAft>
             </a:pPr>
             <a:r>
-              <a:rPr lang="en-US" sz="1476" kern="1200">
+              <a:rPr lang="en-US" sz="1566" kern="1200">
                 <a:solidFill>
                   <a:schemeClr val="tx1"/>
                 </a:solidFill>
@@ -9919,7 +16606,7 @@
     </p:spTree>
     <p:extLst>
       <p:ext uri="{BB962C8B-B14F-4D97-AF65-F5344CB8AC3E}">
-        <p14:creationId xmlns:p14="http://schemas.microsoft.com/office/powerpoint/2010/main" val="3368524925"/>
+        <p14:creationId xmlns:p14="http://schemas.microsoft.com/office/powerpoint/2010/main" val="3870929358"/>
       </p:ext>
     </p:extLst>
   </p:cSld>

--- a/Presentation.pptx
+++ b/Presentation.pptx
@@ -13137,7 +13137,17 @@
           <a:p>
             <a:r>
               <a:rPr lang="en-US" sz="2600" dirty="0"/>
-              <a:t>Link to video recording of project: In progress…</a:t>
+              <a:t>Link to video recording of project: </a:t>
+            </a:r>
+            <a:r>
+              <a:rPr lang="en-US" sz="2600" dirty="0">
+                <a:hlinkClick r:id="rId2"/>
+              </a:rPr>
+              <a:t>https://www.youtube.com/watch?v=VL_ApiSyVn8</a:t>
+            </a:r>
+            <a:r>
+              <a:rPr lang="en-US" sz="2600" dirty="0"/>
+              <a:t> </a:t>
             </a:r>
           </a:p>
         </p:txBody>
